--- a/Applied AI Study Group #6 - January 2022/Week4/presentation/AnomalyDetection.pptx
+++ b/Applied AI Study Group #6 - January 2022/Week4/presentation/AnomalyDetection.pptx
@@ -1,40 +1,40 @@
 
 <file path=ppt/presentation.xml><?xml version="1.0" encoding="utf-8"?>
-<p:presentation xmlns:a="http://schemas.openxmlformats.org/drawingml/2006/main" xmlns:r="http://schemas.openxmlformats.org/officeDocument/2006/relationships" xmlns:mc="http://schemas.openxmlformats.org/markup-compatibility/2006" xmlns:mv="urn:schemas-microsoft-com:mac:vml" xmlns:p="http://schemas.openxmlformats.org/presentationml/2006/main" xmlns:c="http://schemas.openxmlformats.org/drawingml/2006/chart" xmlns:dgm="http://schemas.openxmlformats.org/drawingml/2006/diagram" xmlns:o="urn:schemas-microsoft-com:office:office" xmlns:v="urn:schemas-microsoft-com:vml" xmlns:pvml="urn:schemas-microsoft-com:office:powerpoint" xmlns:com="http://schemas.openxmlformats.org/drawingml/2006/compatibility" xmlns:p14="http://schemas.microsoft.com/office/powerpoint/2010/main" xmlns:p15="http://schemas.microsoft.com/office/powerpoint/2012/main" xmlns:ahyp="http://schemas.microsoft.com/office/drawing/2018/hyperlinkcolor" autoCompressPictures="0" strictFirstAndLastChars="0" saveSubsetFonts="1">
+<p:presentation xmlns:a="http://schemas.openxmlformats.org/drawingml/2006/main" xmlns:r="http://schemas.openxmlformats.org/officeDocument/2006/relationships" xmlns:p="http://schemas.openxmlformats.org/presentationml/2006/main" strictFirstAndLastChars="0" saveSubsetFonts="1" autoCompressPictures="0">
   <p:sldMasterIdLst>
-    <p:sldMasterId id="2147483659" r:id="rId4"/>
+    <p:sldMasterId id="2147483659" r:id="rId1"/>
   </p:sldMasterIdLst>
   <p:notesMasterIdLst>
-    <p:notesMasterId r:id="rId5"/>
+    <p:notesMasterId r:id="rId24"/>
   </p:notesMasterIdLst>
   <p:sldIdLst>
-    <p:sldId id="256" r:id="rId6"/>
-    <p:sldId id="257" r:id="rId7"/>
-    <p:sldId id="258" r:id="rId8"/>
-    <p:sldId id="259" r:id="rId9"/>
-    <p:sldId id="260" r:id="rId10"/>
-    <p:sldId id="261" r:id="rId11"/>
-    <p:sldId id="262" r:id="rId12"/>
-    <p:sldId id="263" r:id="rId13"/>
-    <p:sldId id="264" r:id="rId14"/>
-    <p:sldId id="265" r:id="rId15"/>
-    <p:sldId id="266" r:id="rId16"/>
-    <p:sldId id="267" r:id="rId17"/>
-    <p:sldId id="268" r:id="rId18"/>
-    <p:sldId id="269" r:id="rId19"/>
-    <p:sldId id="270" r:id="rId20"/>
-    <p:sldId id="271" r:id="rId21"/>
-    <p:sldId id="272" r:id="rId22"/>
-    <p:sldId id="273" r:id="rId23"/>
-    <p:sldId id="274" r:id="rId24"/>
-    <p:sldId id="275" r:id="rId25"/>
-    <p:sldId id="276" r:id="rId26"/>
-    <p:sldId id="277" r:id="rId27"/>
+    <p:sldId id="256" r:id="rId2"/>
+    <p:sldId id="257" r:id="rId3"/>
+    <p:sldId id="258" r:id="rId4"/>
+    <p:sldId id="259" r:id="rId5"/>
+    <p:sldId id="260" r:id="rId6"/>
+    <p:sldId id="261" r:id="rId7"/>
+    <p:sldId id="262" r:id="rId8"/>
+    <p:sldId id="263" r:id="rId9"/>
+    <p:sldId id="264" r:id="rId10"/>
+    <p:sldId id="265" r:id="rId11"/>
+    <p:sldId id="266" r:id="rId12"/>
+    <p:sldId id="267" r:id="rId13"/>
+    <p:sldId id="268" r:id="rId14"/>
+    <p:sldId id="269" r:id="rId15"/>
+    <p:sldId id="270" r:id="rId16"/>
+    <p:sldId id="271" r:id="rId17"/>
+    <p:sldId id="272" r:id="rId18"/>
+    <p:sldId id="273" r:id="rId19"/>
+    <p:sldId id="274" r:id="rId20"/>
+    <p:sldId id="275" r:id="rId21"/>
+    <p:sldId id="276" r:id="rId22"/>
+    <p:sldId id="277" r:id="rId23"/>
   </p:sldIdLst>
-  <p:sldSz cy="5143500" cx="9144000"/>
+  <p:sldSz cx="9144000" cy="5143500" type="screen16x9"/>
   <p:notesSz cx="6858000" cy="9144000"/>
   <p:defaultTextStyle>
-    <a:defPPr lvl="0" marR="0" rtl="0" algn="l">
+    <a:defPPr marR="0" lvl="0" algn="l" rtl="0">
       <a:lnSpc>
         <a:spcPct val="100000"/>
       </a:lnSpc>
@@ -45,7 +45,7 @@
         <a:spcPts val="0"/>
       </a:spcAft>
     </a:defPPr>
-    <a:lvl1pPr lvl="0" marR="0" rtl="0" algn="l">
+    <a:lvl1pPr marR="0" lvl="0" algn="l" rtl="0">
       <a:lnSpc>
         <a:spcPct val="100000"/>
       </a:lnSpc>
@@ -59,7 +59,7 @@
         <a:srgbClr val="000000"/>
       </a:buClr>
       <a:buFont typeface="Arial"/>
-      <a:defRPr b="0" i="0" sz="1400" u="none" cap="none" strike="noStrike">
+      <a:defRPr sz="1400" b="0" i="0" u="none" strike="noStrike" cap="none">
         <a:solidFill>
           <a:srgbClr val="000000"/>
         </a:solidFill>
@@ -69,7 +69,7 @@
         <a:sym typeface="Arial"/>
       </a:defRPr>
     </a:lvl1pPr>
-    <a:lvl2pPr lvl="1" marR="0" rtl="0" algn="l">
+    <a:lvl2pPr marR="0" lvl="1" algn="l" rtl="0">
       <a:lnSpc>
         <a:spcPct val="100000"/>
       </a:lnSpc>
@@ -83,7 +83,7 @@
         <a:srgbClr val="000000"/>
       </a:buClr>
       <a:buFont typeface="Arial"/>
-      <a:defRPr b="0" i="0" sz="1400" u="none" cap="none" strike="noStrike">
+      <a:defRPr sz="1400" b="0" i="0" u="none" strike="noStrike" cap="none">
         <a:solidFill>
           <a:srgbClr val="000000"/>
         </a:solidFill>
@@ -93,7 +93,7 @@
         <a:sym typeface="Arial"/>
       </a:defRPr>
     </a:lvl2pPr>
-    <a:lvl3pPr lvl="2" marR="0" rtl="0" algn="l">
+    <a:lvl3pPr marR="0" lvl="2" algn="l" rtl="0">
       <a:lnSpc>
         <a:spcPct val="100000"/>
       </a:lnSpc>
@@ -107,7 +107,7 @@
         <a:srgbClr val="000000"/>
       </a:buClr>
       <a:buFont typeface="Arial"/>
-      <a:defRPr b="0" i="0" sz="1400" u="none" cap="none" strike="noStrike">
+      <a:defRPr sz="1400" b="0" i="0" u="none" strike="noStrike" cap="none">
         <a:solidFill>
           <a:srgbClr val="000000"/>
         </a:solidFill>
@@ -117,7 +117,7 @@
         <a:sym typeface="Arial"/>
       </a:defRPr>
     </a:lvl3pPr>
-    <a:lvl4pPr lvl="3" marR="0" rtl="0" algn="l">
+    <a:lvl4pPr marR="0" lvl="3" algn="l" rtl="0">
       <a:lnSpc>
         <a:spcPct val="100000"/>
       </a:lnSpc>
@@ -131,7 +131,7 @@
         <a:srgbClr val="000000"/>
       </a:buClr>
       <a:buFont typeface="Arial"/>
-      <a:defRPr b="0" i="0" sz="1400" u="none" cap="none" strike="noStrike">
+      <a:defRPr sz="1400" b="0" i="0" u="none" strike="noStrike" cap="none">
         <a:solidFill>
           <a:srgbClr val="000000"/>
         </a:solidFill>
@@ -141,7 +141,7 @@
         <a:sym typeface="Arial"/>
       </a:defRPr>
     </a:lvl4pPr>
-    <a:lvl5pPr lvl="4" marR="0" rtl="0" algn="l">
+    <a:lvl5pPr marR="0" lvl="4" algn="l" rtl="0">
       <a:lnSpc>
         <a:spcPct val="100000"/>
       </a:lnSpc>
@@ -155,7 +155,7 @@
         <a:srgbClr val="000000"/>
       </a:buClr>
       <a:buFont typeface="Arial"/>
-      <a:defRPr b="0" i="0" sz="1400" u="none" cap="none" strike="noStrike">
+      <a:defRPr sz="1400" b="0" i="0" u="none" strike="noStrike" cap="none">
         <a:solidFill>
           <a:srgbClr val="000000"/>
         </a:solidFill>
@@ -165,7 +165,7 @@
         <a:sym typeface="Arial"/>
       </a:defRPr>
     </a:lvl5pPr>
-    <a:lvl6pPr lvl="5" marR="0" rtl="0" algn="l">
+    <a:lvl6pPr marR="0" lvl="5" algn="l" rtl="0">
       <a:lnSpc>
         <a:spcPct val="100000"/>
       </a:lnSpc>
@@ -179,7 +179,7 @@
         <a:srgbClr val="000000"/>
       </a:buClr>
       <a:buFont typeface="Arial"/>
-      <a:defRPr b="0" i="0" sz="1400" u="none" cap="none" strike="noStrike">
+      <a:defRPr sz="1400" b="0" i="0" u="none" strike="noStrike" cap="none">
         <a:solidFill>
           <a:srgbClr val="000000"/>
         </a:solidFill>
@@ -189,7 +189,7 @@
         <a:sym typeface="Arial"/>
       </a:defRPr>
     </a:lvl6pPr>
-    <a:lvl7pPr lvl="6" marR="0" rtl="0" algn="l">
+    <a:lvl7pPr marR="0" lvl="6" algn="l" rtl="0">
       <a:lnSpc>
         <a:spcPct val="100000"/>
       </a:lnSpc>
@@ -203,7 +203,7 @@
         <a:srgbClr val="000000"/>
       </a:buClr>
       <a:buFont typeface="Arial"/>
-      <a:defRPr b="0" i="0" sz="1400" u="none" cap="none" strike="noStrike">
+      <a:defRPr sz="1400" b="0" i="0" u="none" strike="noStrike" cap="none">
         <a:solidFill>
           <a:srgbClr val="000000"/>
         </a:solidFill>
@@ -213,7 +213,7 @@
         <a:sym typeface="Arial"/>
       </a:defRPr>
     </a:lvl7pPr>
-    <a:lvl8pPr lvl="7" marR="0" rtl="0" algn="l">
+    <a:lvl8pPr marR="0" lvl="7" algn="l" rtl="0">
       <a:lnSpc>
         <a:spcPct val="100000"/>
       </a:lnSpc>
@@ -227,7 +227,7 @@
         <a:srgbClr val="000000"/>
       </a:buClr>
       <a:buFont typeface="Arial"/>
-      <a:defRPr b="0" i="0" sz="1400" u="none" cap="none" strike="noStrike">
+      <a:defRPr sz="1400" b="0" i="0" u="none" strike="noStrike" cap="none">
         <a:solidFill>
           <a:srgbClr val="000000"/>
         </a:solidFill>
@@ -237,7 +237,7 @@
         <a:sym typeface="Arial"/>
       </a:defRPr>
     </a:lvl8pPr>
-    <a:lvl9pPr lvl="8" marR="0" rtl="0" algn="l">
+    <a:lvl9pPr marR="0" lvl="8" algn="l" rtl="0">
       <a:lnSpc>
         <a:spcPct val="100000"/>
       </a:lnSpc>
@@ -251,7 +251,7 @@
         <a:srgbClr val="000000"/>
       </a:buClr>
       <a:buFont typeface="Arial"/>
-      <a:defRPr b="0" i="0" sz="1400" u="none" cap="none" strike="noStrike">
+      <a:defRPr sz="1400" b="0" i="0" u="none" strike="noStrike" cap="none">
         <a:solidFill>
           <a:srgbClr val="000000"/>
         </a:solidFill>
@@ -264,7 +264,7 @@
   </p:defaultTextStyle>
   <p:extLst>
     <p:ext uri="{EFAFB233-063F-42B5-8137-9DF3F51BA10A}">
-      <p15:sldGuideLst>
+      <p15:sldGuideLst xmlns:p15="http://schemas.microsoft.com/office/powerpoint/2012/main">
         <p15:guide id="1" orient="horz" pos="1620">
           <p15:clr>
             <a:srgbClr val="A4A3A4"/>
@@ -282,11 +282,16 @@
 </file>
 
 <file path=ppt/notesMasters/notesMaster1.xml><?xml version="1.0" encoding="utf-8"?>
-<p:notesMaster xmlns:a="http://schemas.openxmlformats.org/drawingml/2006/main" xmlns:r="http://schemas.openxmlformats.org/officeDocument/2006/relationships" xmlns:mc="http://schemas.openxmlformats.org/markup-compatibility/2006" xmlns:mv="urn:schemas-microsoft-com:mac:vml" xmlns:p="http://schemas.openxmlformats.org/presentationml/2006/main" xmlns:c="http://schemas.openxmlformats.org/drawingml/2006/chart" xmlns:dgm="http://schemas.openxmlformats.org/drawingml/2006/diagram" xmlns:o="urn:schemas-microsoft-com:office:office" xmlns:v="urn:schemas-microsoft-com:vml" xmlns:pvml="urn:schemas-microsoft-com:office:powerpoint" xmlns:com="http://schemas.openxmlformats.org/drawingml/2006/compatibility" xmlns:p14="http://schemas.microsoft.com/office/powerpoint/2010/main" xmlns:p15="http://schemas.microsoft.com/office/powerpoint/2012/main" xmlns:ahyp="http://schemas.microsoft.com/office/drawing/2018/hyperlinkcolor">
+<p:notesMaster xmlns:a="http://schemas.openxmlformats.org/drawingml/2006/main" xmlns:r="http://schemas.openxmlformats.org/officeDocument/2006/relationships" xmlns:p="http://schemas.openxmlformats.org/presentationml/2006/main">
   <p:cSld>
+    <p:bg>
+      <p:bgRef idx="1001">
+        <a:schemeClr val="bg1"/>
+      </p:bgRef>
+    </p:bg>
     <p:spTree>
       <p:nvGrpSpPr>
-        <p:cNvPr id="2" name="Shape 2"/>
+        <p:cNvPr id="1" name="Shape 2"/>
         <p:cNvGrpSpPr/>
         <p:nvPr/>
       </p:nvGrpSpPr>
@@ -301,9 +306,11 @@
       <p:sp>
         <p:nvSpPr>
           <p:cNvPr id="3" name="Google Shape;3;n"/>
-          <p:cNvSpPr/>
+          <p:cNvSpPr>
+            <a:spLocks noGrp="1" noRot="1" noChangeAspect="1"/>
+          </p:cNvSpPr>
           <p:nvPr>
-            <p:ph idx="2" type="sldImg"/>
+            <p:ph type="sldImg" idx="2"/>
           </p:nvPr>
         </p:nvSpPr>
         <p:spPr>
@@ -312,9 +319,13 @@
             <a:ext cx="6096075" cy="3429000"/>
           </a:xfrm>
           <a:custGeom>
-            <a:rect b="b" l="l" r="r" t="t"/>
+            <a:avLst/>
+            <a:gdLst/>
+            <a:ahLst/>
+            <a:cxnLst/>
+            <a:rect l="l" t="t" r="r" b="b"/>
             <a:pathLst>
-              <a:path extrusionOk="0" h="120000" w="120000">
+              <a:path w="120000" h="120000" extrusionOk="0">
                 <a:moveTo>
                   <a:pt x="0" y="0"/>
                 </a:moveTo>
@@ -332,23 +343,25 @@
             </a:pathLst>
           </a:custGeom>
           <a:noFill/>
-          <a:ln cap="flat" cmpd="sng" w="9525">
+          <a:ln w="9525" cap="flat" cmpd="sng">
             <a:solidFill>
               <a:srgbClr val="000000"/>
             </a:solidFill>
             <a:prstDash val="solid"/>
             <a:round/>
-            <a:headEnd len="sm" w="sm" type="none"/>
-            <a:tailEnd len="sm" w="sm" type="none"/>
+            <a:headEnd type="none" w="sm" len="sm"/>
+            <a:tailEnd type="none" w="sm" len="sm"/>
           </a:ln>
         </p:spPr>
       </p:sp>
       <p:sp>
         <p:nvSpPr>
           <p:cNvPr id="4" name="Google Shape;4;n"/>
-          <p:cNvSpPr txBox="1"/>
+          <p:cNvSpPr txBox="1">
+            <a:spLocks noGrp="1"/>
+          </p:cNvSpPr>
           <p:nvPr>
-            <p:ph idx="1" type="body"/>
+            <p:ph type="body" idx="1"/>
           </p:nvPr>
         </p:nvSpPr>
         <p:spPr>
@@ -365,11 +378,11 @@
           </a:ln>
         </p:spPr>
         <p:txBody>
-          <a:bodyPr anchorCtr="0" anchor="t" bIns="91425" lIns="91425" spcFirstLastPara="1" rIns="91425" wrap="square" tIns="91425">
+          <a:bodyPr spcFirstLastPara="1" wrap="square" lIns="91425" tIns="91425" rIns="91425" bIns="91425" anchor="t" anchorCtr="0">
             <a:noAutofit/>
           </a:bodyPr>
           <a:lstStyle>
-            <a:lvl1pPr indent="-298450" lvl="0" marL="457200">
+            <a:lvl1pPr marL="457200" lvl="0" indent="-298450">
               <a:spcBef>
                 <a:spcPts val="0"/>
               </a:spcBef>
@@ -380,7 +393,7 @@
               <a:buChar char="●"/>
               <a:defRPr sz="1100"/>
             </a:lvl1pPr>
-            <a:lvl2pPr indent="-298450" lvl="1" marL="914400">
+            <a:lvl2pPr marL="914400" lvl="1" indent="-298450">
               <a:spcBef>
                 <a:spcPts val="0"/>
               </a:spcBef>
@@ -391,7 +404,7 @@
               <a:buChar char="○"/>
               <a:defRPr sz="1100"/>
             </a:lvl2pPr>
-            <a:lvl3pPr indent="-298450" lvl="2" marL="1371600">
+            <a:lvl3pPr marL="1371600" lvl="2" indent="-298450">
               <a:spcBef>
                 <a:spcPts val="0"/>
               </a:spcBef>
@@ -402,7 +415,7 @@
               <a:buChar char="■"/>
               <a:defRPr sz="1100"/>
             </a:lvl3pPr>
-            <a:lvl4pPr indent="-298450" lvl="3" marL="1828800">
+            <a:lvl4pPr marL="1828800" lvl="3" indent="-298450">
               <a:spcBef>
                 <a:spcPts val="0"/>
               </a:spcBef>
@@ -413,7 +426,7 @@
               <a:buChar char="●"/>
               <a:defRPr sz="1100"/>
             </a:lvl4pPr>
-            <a:lvl5pPr indent="-298450" lvl="4" marL="2286000">
+            <a:lvl5pPr marL="2286000" lvl="4" indent="-298450">
               <a:spcBef>
                 <a:spcPts val="0"/>
               </a:spcBef>
@@ -424,7 +437,7 @@
               <a:buChar char="○"/>
               <a:defRPr sz="1100"/>
             </a:lvl5pPr>
-            <a:lvl6pPr indent="-298450" lvl="5" marL="2743200">
+            <a:lvl6pPr marL="2743200" lvl="5" indent="-298450">
               <a:spcBef>
                 <a:spcPts val="0"/>
               </a:spcBef>
@@ -435,7 +448,7 @@
               <a:buChar char="■"/>
               <a:defRPr sz="1100"/>
             </a:lvl6pPr>
-            <a:lvl7pPr indent="-298450" lvl="6" marL="3200400">
+            <a:lvl7pPr marL="3200400" lvl="6" indent="-298450">
               <a:spcBef>
                 <a:spcPts val="0"/>
               </a:spcBef>
@@ -446,7 +459,7 @@
               <a:buChar char="●"/>
               <a:defRPr sz="1100"/>
             </a:lvl7pPr>
-            <a:lvl8pPr indent="-298450" lvl="7" marL="3657600">
+            <a:lvl8pPr marL="3657600" lvl="7" indent="-298450">
               <a:spcBef>
                 <a:spcPts val="0"/>
               </a:spcBef>
@@ -457,7 +470,7 @@
               <a:buChar char="○"/>
               <a:defRPr sz="1100"/>
             </a:lvl8pPr>
-            <a:lvl9pPr indent="-298450" lvl="8" marL="4114800">
+            <a:lvl9pPr marL="4114800" lvl="8" indent="-298450">
               <a:spcBef>
                 <a:spcPts val="0"/>
               </a:spcBef>
@@ -469,14 +482,16 @@
               <a:defRPr sz="1100"/>
             </a:lvl9pPr>
           </a:lstStyle>
-          <a:p/>
+          <a:p>
+            <a:endParaRPr/>
+          </a:p>
         </p:txBody>
       </p:sp>
     </p:spTree>
   </p:cSld>
-  <p:clrMap accent1="accent1" accent2="accent2" accent3="accent3" accent4="accent4" accent5="accent5" accent6="accent6" bg1="lt1" bg2="dk2" tx1="dk1" tx2="lt2" folHlink="folHlink" hlink="hlink"/>
+  <p:clrMap bg1="lt1" tx1="dk1" bg2="dk2" tx2="lt2" accent1="accent1" accent2="accent2" accent3="accent3" accent4="accent4" accent5="accent5" accent6="accent6" hlink="hlink" folHlink="folHlink"/>
   <p:notesStyle>
-    <a:defPPr lvl="0" marR="0" rtl="0" algn="l">
+    <a:defPPr marR="0" lvl="0" algn="l" rtl="0">
       <a:lnSpc>
         <a:spcPct val="100000"/>
       </a:lnSpc>
@@ -487,7 +502,7 @@
         <a:spcPts val="0"/>
       </a:spcAft>
     </a:defPPr>
-    <a:lvl1pPr lvl="0" marR="0" rtl="0" algn="l">
+    <a:lvl1pPr marR="0" lvl="0" algn="l" rtl="0">
       <a:lnSpc>
         <a:spcPct val="100000"/>
       </a:lnSpc>
@@ -501,7 +516,7 @@
         <a:srgbClr val="000000"/>
       </a:buClr>
       <a:buFont typeface="Arial"/>
-      <a:defRPr b="0" i="0" sz="1400" u="none" cap="none" strike="noStrike">
+      <a:defRPr sz="1400" b="0" i="0" u="none" strike="noStrike" cap="none">
         <a:solidFill>
           <a:srgbClr val="000000"/>
         </a:solidFill>
@@ -511,7 +526,7 @@
         <a:sym typeface="Arial"/>
       </a:defRPr>
     </a:lvl1pPr>
-    <a:lvl2pPr lvl="1" marR="0" rtl="0" algn="l">
+    <a:lvl2pPr marR="0" lvl="1" algn="l" rtl="0">
       <a:lnSpc>
         <a:spcPct val="100000"/>
       </a:lnSpc>
@@ -525,7 +540,7 @@
         <a:srgbClr val="000000"/>
       </a:buClr>
       <a:buFont typeface="Arial"/>
-      <a:defRPr b="0" i="0" sz="1400" u="none" cap="none" strike="noStrike">
+      <a:defRPr sz="1400" b="0" i="0" u="none" strike="noStrike" cap="none">
         <a:solidFill>
           <a:srgbClr val="000000"/>
         </a:solidFill>
@@ -535,7 +550,7 @@
         <a:sym typeface="Arial"/>
       </a:defRPr>
     </a:lvl2pPr>
-    <a:lvl3pPr lvl="2" marR="0" rtl="0" algn="l">
+    <a:lvl3pPr marR="0" lvl="2" algn="l" rtl="0">
       <a:lnSpc>
         <a:spcPct val="100000"/>
       </a:lnSpc>
@@ -549,7 +564,7 @@
         <a:srgbClr val="000000"/>
       </a:buClr>
       <a:buFont typeface="Arial"/>
-      <a:defRPr b="0" i="0" sz="1400" u="none" cap="none" strike="noStrike">
+      <a:defRPr sz="1400" b="0" i="0" u="none" strike="noStrike" cap="none">
         <a:solidFill>
           <a:srgbClr val="000000"/>
         </a:solidFill>
@@ -559,7 +574,7 @@
         <a:sym typeface="Arial"/>
       </a:defRPr>
     </a:lvl3pPr>
-    <a:lvl4pPr lvl="3" marR="0" rtl="0" algn="l">
+    <a:lvl4pPr marR="0" lvl="3" algn="l" rtl="0">
       <a:lnSpc>
         <a:spcPct val="100000"/>
       </a:lnSpc>
@@ -573,7 +588,7 @@
         <a:srgbClr val="000000"/>
       </a:buClr>
       <a:buFont typeface="Arial"/>
-      <a:defRPr b="0" i="0" sz="1400" u="none" cap="none" strike="noStrike">
+      <a:defRPr sz="1400" b="0" i="0" u="none" strike="noStrike" cap="none">
         <a:solidFill>
           <a:srgbClr val="000000"/>
         </a:solidFill>
@@ -583,7 +598,7 @@
         <a:sym typeface="Arial"/>
       </a:defRPr>
     </a:lvl4pPr>
-    <a:lvl5pPr lvl="4" marR="0" rtl="0" algn="l">
+    <a:lvl5pPr marR="0" lvl="4" algn="l" rtl="0">
       <a:lnSpc>
         <a:spcPct val="100000"/>
       </a:lnSpc>
@@ -597,7 +612,7 @@
         <a:srgbClr val="000000"/>
       </a:buClr>
       <a:buFont typeface="Arial"/>
-      <a:defRPr b="0" i="0" sz="1400" u="none" cap="none" strike="noStrike">
+      <a:defRPr sz="1400" b="0" i="0" u="none" strike="noStrike" cap="none">
         <a:solidFill>
           <a:srgbClr val="000000"/>
         </a:solidFill>
@@ -607,7 +622,7 @@
         <a:sym typeface="Arial"/>
       </a:defRPr>
     </a:lvl5pPr>
-    <a:lvl6pPr lvl="5" marR="0" rtl="0" algn="l">
+    <a:lvl6pPr marR="0" lvl="5" algn="l" rtl="0">
       <a:lnSpc>
         <a:spcPct val="100000"/>
       </a:lnSpc>
@@ -621,7 +636,7 @@
         <a:srgbClr val="000000"/>
       </a:buClr>
       <a:buFont typeface="Arial"/>
-      <a:defRPr b="0" i="0" sz="1400" u="none" cap="none" strike="noStrike">
+      <a:defRPr sz="1400" b="0" i="0" u="none" strike="noStrike" cap="none">
         <a:solidFill>
           <a:srgbClr val="000000"/>
         </a:solidFill>
@@ -631,7 +646,7 @@
         <a:sym typeface="Arial"/>
       </a:defRPr>
     </a:lvl6pPr>
-    <a:lvl7pPr lvl="6" marR="0" rtl="0" algn="l">
+    <a:lvl7pPr marR="0" lvl="6" algn="l" rtl="0">
       <a:lnSpc>
         <a:spcPct val="100000"/>
       </a:lnSpc>
@@ -645,7 +660,7 @@
         <a:srgbClr val="000000"/>
       </a:buClr>
       <a:buFont typeface="Arial"/>
-      <a:defRPr b="0" i="0" sz="1400" u="none" cap="none" strike="noStrike">
+      <a:defRPr sz="1400" b="0" i="0" u="none" strike="noStrike" cap="none">
         <a:solidFill>
           <a:srgbClr val="000000"/>
         </a:solidFill>
@@ -655,7 +670,7 @@
         <a:sym typeface="Arial"/>
       </a:defRPr>
     </a:lvl7pPr>
-    <a:lvl8pPr lvl="7" marR="0" rtl="0" algn="l">
+    <a:lvl8pPr marR="0" lvl="7" algn="l" rtl="0">
       <a:lnSpc>
         <a:spcPct val="100000"/>
       </a:lnSpc>
@@ -669,7 +684,7 @@
         <a:srgbClr val="000000"/>
       </a:buClr>
       <a:buFont typeface="Arial"/>
-      <a:defRPr b="0" i="0" sz="1400" u="none" cap="none" strike="noStrike">
+      <a:defRPr sz="1400" b="0" i="0" u="none" strike="noStrike" cap="none">
         <a:solidFill>
           <a:srgbClr val="000000"/>
         </a:solidFill>
@@ -679,7 +694,7 @@
         <a:sym typeface="Arial"/>
       </a:defRPr>
     </a:lvl8pPr>
-    <a:lvl9pPr lvl="8" marR="0" rtl="0" algn="l">
+    <a:lvl9pPr marR="0" lvl="8" algn="l" rtl="0">
       <a:lnSpc>
         <a:spcPct val="100000"/>
       </a:lnSpc>
@@ -693,7 +708,7 @@
         <a:srgbClr val="000000"/>
       </a:buClr>
       <a:buFont typeface="Arial"/>
-      <a:defRPr b="0" i="0" sz="1400" u="none" cap="none" strike="noStrike">
+      <a:defRPr sz="1400" b="0" i="0" u="none" strike="noStrike" cap="none">
         <a:solidFill>
           <a:srgbClr val="000000"/>
         </a:solidFill>
@@ -708,11 +723,11 @@
 </file>
 
 <file path=ppt/notesSlides/notesSlide1.xml><?xml version="1.0" encoding="utf-8"?>
-<p:notes xmlns:a="http://schemas.openxmlformats.org/drawingml/2006/main" xmlns:r="http://schemas.openxmlformats.org/officeDocument/2006/relationships" xmlns:mc="http://schemas.openxmlformats.org/markup-compatibility/2006" xmlns:mv="urn:schemas-microsoft-com:mac:vml" xmlns:p="http://schemas.openxmlformats.org/presentationml/2006/main" xmlns:c="http://schemas.openxmlformats.org/drawingml/2006/chart" xmlns:dgm="http://schemas.openxmlformats.org/drawingml/2006/diagram" xmlns:o="urn:schemas-microsoft-com:office:office" xmlns:v="urn:schemas-microsoft-com:vml" xmlns:pvml="urn:schemas-microsoft-com:office:powerpoint" xmlns:com="http://schemas.openxmlformats.org/drawingml/2006/compatibility" xmlns:p14="http://schemas.microsoft.com/office/powerpoint/2010/main" xmlns:p15="http://schemas.microsoft.com/office/powerpoint/2012/main" xmlns:ahyp="http://schemas.microsoft.com/office/drawing/2018/hyperlinkcolor" showMasterPhAnim="0" showMasterSp="0">
+<p:notes xmlns:a="http://schemas.openxmlformats.org/drawingml/2006/main" xmlns:r="http://schemas.openxmlformats.org/officeDocument/2006/relationships" xmlns:p="http://schemas.openxmlformats.org/presentationml/2006/main" showMasterSp="0" showMasterPhAnim="0">
   <p:cSld>
     <p:spTree>
       <p:nvGrpSpPr>
-        <p:cNvPr id="62" name="Shape 62"/>
+        <p:cNvPr id="1" name="Shape 62"/>
         <p:cNvGrpSpPr/>
         <p:nvPr/>
       </p:nvGrpSpPr>
@@ -727,9 +742,11 @@
       <p:sp>
         <p:nvSpPr>
           <p:cNvPr id="63" name="Google Shape;63;ge6246dd590_0_68:notes"/>
-          <p:cNvSpPr/>
+          <p:cNvSpPr>
+            <a:spLocks noGrp="1" noRot="1" noChangeAspect="1"/>
+          </p:cNvSpPr>
           <p:nvPr>
-            <p:ph idx="2" type="sldImg"/>
+            <p:ph type="sldImg" idx="2"/>
           </p:nvPr>
         </p:nvSpPr>
         <p:spPr>
@@ -738,9 +755,13 @@
             <a:ext cx="6096000" cy="3429000"/>
           </a:xfrm>
           <a:custGeom>
-            <a:rect b="b" l="l" r="r" t="t"/>
+            <a:avLst/>
+            <a:gdLst/>
+            <a:ahLst/>
+            <a:cxnLst/>
+            <a:rect l="l" t="t" r="r" b="b"/>
             <a:pathLst>
-              <a:path extrusionOk="0" h="120000" w="120000">
+              <a:path w="120000" h="120000" extrusionOk="0">
                 <a:moveTo>
                   <a:pt x="0" y="0"/>
                 </a:moveTo>
@@ -762,9 +783,11 @@
       <p:sp>
         <p:nvSpPr>
           <p:cNvPr id="64" name="Google Shape;64;ge6246dd590_0_68:notes"/>
-          <p:cNvSpPr txBox="1"/>
+          <p:cNvSpPr txBox="1">
+            <a:spLocks noGrp="1"/>
+          </p:cNvSpPr>
           <p:nvPr>
-            <p:ph idx="1" type="body"/>
+            <p:ph type="body" idx="1"/>
           </p:nvPr>
         </p:nvSpPr>
         <p:spPr>
@@ -777,12 +800,12 @@
           </a:prstGeom>
         </p:spPr>
         <p:txBody>
-          <a:bodyPr anchorCtr="0" anchor="t" bIns="91425" lIns="91425" spcFirstLastPara="1" rIns="91425" wrap="square" tIns="91425">
+          <a:bodyPr spcFirstLastPara="1" wrap="square" lIns="91425" tIns="91425" rIns="91425" bIns="91425" anchor="t" anchorCtr="0">
             <a:noAutofit/>
           </a:bodyPr>
           <a:lstStyle/>
           <a:p>
-            <a:pPr indent="0" lvl="0" marL="0" rtl="0" algn="l">
+            <a:pPr marL="0" lvl="0" indent="0" algn="l" rtl="0">
               <a:spcBef>
                 <a:spcPts val="0"/>
               </a:spcBef>
@@ -791,9 +814,6 @@
               </a:spcAft>
               <a:buNone/>
             </a:pPr>
-            <a:r>
-              <a:t/>
-            </a:r>
             <a:endParaRPr/>
           </a:p>
         </p:txBody>
@@ -807,11 +827,11 @@
 </file>
 
 <file path=ppt/notesSlides/notesSlide10.xml><?xml version="1.0" encoding="utf-8"?>
-<p:notes xmlns:a="http://schemas.openxmlformats.org/drawingml/2006/main" xmlns:r="http://schemas.openxmlformats.org/officeDocument/2006/relationships" xmlns:mc="http://schemas.openxmlformats.org/markup-compatibility/2006" xmlns:mv="urn:schemas-microsoft-com:mac:vml" xmlns:p="http://schemas.openxmlformats.org/presentationml/2006/main" xmlns:c="http://schemas.openxmlformats.org/drawingml/2006/chart" xmlns:dgm="http://schemas.openxmlformats.org/drawingml/2006/diagram" xmlns:o="urn:schemas-microsoft-com:office:office" xmlns:v="urn:schemas-microsoft-com:vml" xmlns:pvml="urn:schemas-microsoft-com:office:powerpoint" xmlns:com="http://schemas.openxmlformats.org/drawingml/2006/compatibility" xmlns:p14="http://schemas.microsoft.com/office/powerpoint/2010/main" xmlns:p15="http://schemas.microsoft.com/office/powerpoint/2012/main" xmlns:ahyp="http://schemas.microsoft.com/office/drawing/2018/hyperlinkcolor" showMasterPhAnim="0" showMasterSp="0">
+<p:notes xmlns:a="http://schemas.openxmlformats.org/drawingml/2006/main" xmlns:r="http://schemas.openxmlformats.org/officeDocument/2006/relationships" xmlns:p="http://schemas.openxmlformats.org/presentationml/2006/main" showMasterSp="0" showMasterPhAnim="0">
   <p:cSld>
     <p:spTree>
       <p:nvGrpSpPr>
-        <p:cNvPr id="138" name="Shape 138"/>
+        <p:cNvPr id="1" name="Shape 138"/>
         <p:cNvGrpSpPr/>
         <p:nvPr/>
       </p:nvGrpSpPr>
@@ -826,9 +846,11 @@
       <p:sp>
         <p:nvSpPr>
           <p:cNvPr id="139" name="Google Shape;139;ge6246dd590_0_295:notes"/>
-          <p:cNvSpPr/>
+          <p:cNvSpPr>
+            <a:spLocks noGrp="1" noRot="1" noChangeAspect="1"/>
+          </p:cNvSpPr>
           <p:nvPr>
-            <p:ph idx="2" type="sldImg"/>
+            <p:ph type="sldImg" idx="2"/>
           </p:nvPr>
         </p:nvSpPr>
         <p:spPr>
@@ -837,9 +859,13 @@
             <a:ext cx="6096000" cy="3429000"/>
           </a:xfrm>
           <a:custGeom>
-            <a:rect b="b" l="l" r="r" t="t"/>
+            <a:avLst/>
+            <a:gdLst/>
+            <a:ahLst/>
+            <a:cxnLst/>
+            <a:rect l="l" t="t" r="r" b="b"/>
             <a:pathLst>
-              <a:path extrusionOk="0" h="120000" w="120000">
+              <a:path w="120000" h="120000" extrusionOk="0">
                 <a:moveTo>
                   <a:pt x="0" y="0"/>
                 </a:moveTo>
@@ -861,9 +887,11 @@
       <p:sp>
         <p:nvSpPr>
           <p:cNvPr id="140" name="Google Shape;140;ge6246dd590_0_295:notes"/>
-          <p:cNvSpPr txBox="1"/>
+          <p:cNvSpPr txBox="1">
+            <a:spLocks noGrp="1"/>
+          </p:cNvSpPr>
           <p:nvPr>
-            <p:ph idx="1" type="body"/>
+            <p:ph type="body" idx="1"/>
           </p:nvPr>
         </p:nvSpPr>
         <p:spPr>
@@ -876,12 +904,12 @@
           </a:prstGeom>
         </p:spPr>
         <p:txBody>
-          <a:bodyPr anchorCtr="0" anchor="t" bIns="91425" lIns="91425" spcFirstLastPara="1" rIns="91425" wrap="square" tIns="91425">
+          <a:bodyPr spcFirstLastPara="1" wrap="square" lIns="91425" tIns="91425" rIns="91425" bIns="91425" anchor="t" anchorCtr="0">
             <a:noAutofit/>
           </a:bodyPr>
           <a:lstStyle/>
           <a:p>
-            <a:pPr indent="-298450" lvl="0" marL="457200" rtl="0" algn="l">
+            <a:pPr marL="457200" lvl="0" indent="-298450" algn="l" rtl="0">
               <a:spcBef>
                 <a:spcPts val="0"/>
               </a:spcBef>
@@ -908,11 +936,11 @@
 </file>
 
 <file path=ppt/notesSlides/notesSlide11.xml><?xml version="1.0" encoding="utf-8"?>
-<p:notes xmlns:a="http://schemas.openxmlformats.org/drawingml/2006/main" xmlns:r="http://schemas.openxmlformats.org/officeDocument/2006/relationships" xmlns:mc="http://schemas.openxmlformats.org/markup-compatibility/2006" xmlns:mv="urn:schemas-microsoft-com:mac:vml" xmlns:p="http://schemas.openxmlformats.org/presentationml/2006/main" xmlns:c="http://schemas.openxmlformats.org/drawingml/2006/chart" xmlns:dgm="http://schemas.openxmlformats.org/drawingml/2006/diagram" xmlns:o="urn:schemas-microsoft-com:office:office" xmlns:v="urn:schemas-microsoft-com:vml" xmlns:pvml="urn:schemas-microsoft-com:office:powerpoint" xmlns:com="http://schemas.openxmlformats.org/drawingml/2006/compatibility" xmlns:p14="http://schemas.microsoft.com/office/powerpoint/2010/main" xmlns:p15="http://schemas.microsoft.com/office/powerpoint/2012/main" xmlns:ahyp="http://schemas.microsoft.com/office/drawing/2018/hyperlinkcolor" showMasterPhAnim="0" showMasterSp="0">
+<p:notes xmlns:a="http://schemas.openxmlformats.org/drawingml/2006/main" xmlns:r="http://schemas.openxmlformats.org/officeDocument/2006/relationships" xmlns:p="http://schemas.openxmlformats.org/presentationml/2006/main" showMasterSp="0" showMasterPhAnim="0">
   <p:cSld>
     <p:spTree>
       <p:nvGrpSpPr>
-        <p:cNvPr id="147" name="Shape 147"/>
+        <p:cNvPr id="1" name="Shape 147"/>
         <p:cNvGrpSpPr/>
         <p:nvPr/>
       </p:nvGrpSpPr>
@@ -927,9 +955,11 @@
       <p:sp>
         <p:nvSpPr>
           <p:cNvPr id="148" name="Google Shape;148;ge6246dd590_0_319:notes"/>
-          <p:cNvSpPr/>
+          <p:cNvSpPr>
+            <a:spLocks noGrp="1" noRot="1" noChangeAspect="1"/>
+          </p:cNvSpPr>
           <p:nvPr>
-            <p:ph idx="2" type="sldImg"/>
+            <p:ph type="sldImg" idx="2"/>
           </p:nvPr>
         </p:nvSpPr>
         <p:spPr>
@@ -938,9 +968,13 @@
             <a:ext cx="6096000" cy="3429000"/>
           </a:xfrm>
           <a:custGeom>
-            <a:rect b="b" l="l" r="r" t="t"/>
+            <a:avLst/>
+            <a:gdLst/>
+            <a:ahLst/>
+            <a:cxnLst/>
+            <a:rect l="l" t="t" r="r" b="b"/>
             <a:pathLst>
-              <a:path extrusionOk="0" h="120000" w="120000">
+              <a:path w="120000" h="120000" extrusionOk="0">
                 <a:moveTo>
                   <a:pt x="0" y="0"/>
                 </a:moveTo>
@@ -962,9 +996,11 @@
       <p:sp>
         <p:nvSpPr>
           <p:cNvPr id="149" name="Google Shape;149;ge6246dd590_0_319:notes"/>
-          <p:cNvSpPr txBox="1"/>
+          <p:cNvSpPr txBox="1">
+            <a:spLocks noGrp="1"/>
+          </p:cNvSpPr>
           <p:nvPr>
-            <p:ph idx="1" type="body"/>
+            <p:ph type="body" idx="1"/>
           </p:nvPr>
         </p:nvSpPr>
         <p:spPr>
@@ -977,12 +1013,12 @@
           </a:prstGeom>
         </p:spPr>
         <p:txBody>
-          <a:bodyPr anchorCtr="0" anchor="t" bIns="91425" lIns="91425" spcFirstLastPara="1" rIns="91425" wrap="square" tIns="91425">
+          <a:bodyPr spcFirstLastPara="1" wrap="square" lIns="91425" tIns="91425" rIns="91425" bIns="91425" anchor="t" anchorCtr="0">
             <a:noAutofit/>
           </a:bodyPr>
           <a:lstStyle/>
           <a:p>
-            <a:pPr indent="-298450" lvl="0" marL="457200" rtl="0" algn="l">
+            <a:pPr marL="457200" lvl="0" indent="-298450" algn="l" rtl="0">
               <a:spcBef>
                 <a:spcPts val="0"/>
               </a:spcBef>
@@ -1009,11 +1045,11 @@
 </file>
 
 <file path=ppt/notesSlides/notesSlide12.xml><?xml version="1.0" encoding="utf-8"?>
-<p:notes xmlns:a="http://schemas.openxmlformats.org/drawingml/2006/main" xmlns:r="http://schemas.openxmlformats.org/officeDocument/2006/relationships" xmlns:mc="http://schemas.openxmlformats.org/markup-compatibility/2006" xmlns:mv="urn:schemas-microsoft-com:mac:vml" xmlns:p="http://schemas.openxmlformats.org/presentationml/2006/main" xmlns:c="http://schemas.openxmlformats.org/drawingml/2006/chart" xmlns:dgm="http://schemas.openxmlformats.org/drawingml/2006/diagram" xmlns:o="urn:schemas-microsoft-com:office:office" xmlns:v="urn:schemas-microsoft-com:vml" xmlns:pvml="urn:schemas-microsoft-com:office:powerpoint" xmlns:com="http://schemas.openxmlformats.org/drawingml/2006/compatibility" xmlns:p14="http://schemas.microsoft.com/office/powerpoint/2010/main" xmlns:p15="http://schemas.microsoft.com/office/powerpoint/2012/main" xmlns:ahyp="http://schemas.microsoft.com/office/drawing/2018/hyperlinkcolor" showMasterPhAnim="0" showMasterSp="0">
+<p:notes xmlns:a="http://schemas.openxmlformats.org/drawingml/2006/main" xmlns:r="http://schemas.openxmlformats.org/officeDocument/2006/relationships" xmlns:p="http://schemas.openxmlformats.org/presentationml/2006/main" showMasterSp="0" showMasterPhAnim="0">
   <p:cSld>
     <p:spTree>
       <p:nvGrpSpPr>
-        <p:cNvPr id="156" name="Shape 156"/>
+        <p:cNvPr id="1" name="Shape 156"/>
         <p:cNvGrpSpPr/>
         <p:nvPr/>
       </p:nvGrpSpPr>
@@ -1028,9 +1064,11 @@
       <p:sp>
         <p:nvSpPr>
           <p:cNvPr id="157" name="Google Shape;157;ge6246dd590_0_330:notes"/>
-          <p:cNvSpPr/>
+          <p:cNvSpPr>
+            <a:spLocks noGrp="1" noRot="1" noChangeAspect="1"/>
+          </p:cNvSpPr>
           <p:nvPr>
-            <p:ph idx="2" type="sldImg"/>
+            <p:ph type="sldImg" idx="2"/>
           </p:nvPr>
         </p:nvSpPr>
         <p:spPr>
@@ -1039,9 +1077,13 @@
             <a:ext cx="6096000" cy="3429000"/>
           </a:xfrm>
           <a:custGeom>
-            <a:rect b="b" l="l" r="r" t="t"/>
+            <a:avLst/>
+            <a:gdLst/>
+            <a:ahLst/>
+            <a:cxnLst/>
+            <a:rect l="l" t="t" r="r" b="b"/>
             <a:pathLst>
-              <a:path extrusionOk="0" h="120000" w="120000">
+              <a:path w="120000" h="120000" extrusionOk="0">
                 <a:moveTo>
                   <a:pt x="0" y="0"/>
                 </a:moveTo>
@@ -1063,9 +1105,11 @@
       <p:sp>
         <p:nvSpPr>
           <p:cNvPr id="158" name="Google Shape;158;ge6246dd590_0_330:notes"/>
-          <p:cNvSpPr txBox="1"/>
+          <p:cNvSpPr txBox="1">
+            <a:spLocks noGrp="1"/>
+          </p:cNvSpPr>
           <p:nvPr>
-            <p:ph idx="1" type="body"/>
+            <p:ph type="body" idx="1"/>
           </p:nvPr>
         </p:nvSpPr>
         <p:spPr>
@@ -1078,12 +1122,12 @@
           </a:prstGeom>
         </p:spPr>
         <p:txBody>
-          <a:bodyPr anchorCtr="0" anchor="t" bIns="91425" lIns="91425" spcFirstLastPara="1" rIns="91425" wrap="square" tIns="91425">
+          <a:bodyPr spcFirstLastPara="1" wrap="square" lIns="91425" tIns="91425" rIns="91425" bIns="91425" anchor="t" anchorCtr="0">
             <a:noAutofit/>
           </a:bodyPr>
           <a:lstStyle/>
           <a:p>
-            <a:pPr indent="-298450" lvl="0" marL="457200" rtl="0" algn="l">
+            <a:pPr marL="457200" lvl="0" indent="-298450" algn="l" rtl="0">
               <a:spcBef>
                 <a:spcPts val="0"/>
               </a:spcBef>
@@ -1110,11 +1154,11 @@
 </file>
 
 <file path=ppt/notesSlides/notesSlide13.xml><?xml version="1.0" encoding="utf-8"?>
-<p:notes xmlns:a="http://schemas.openxmlformats.org/drawingml/2006/main" xmlns:r="http://schemas.openxmlformats.org/officeDocument/2006/relationships" xmlns:mc="http://schemas.openxmlformats.org/markup-compatibility/2006" xmlns:mv="urn:schemas-microsoft-com:mac:vml" xmlns:p="http://schemas.openxmlformats.org/presentationml/2006/main" xmlns:c="http://schemas.openxmlformats.org/drawingml/2006/chart" xmlns:dgm="http://schemas.openxmlformats.org/drawingml/2006/diagram" xmlns:o="urn:schemas-microsoft-com:office:office" xmlns:v="urn:schemas-microsoft-com:vml" xmlns:pvml="urn:schemas-microsoft-com:office:powerpoint" xmlns:com="http://schemas.openxmlformats.org/drawingml/2006/compatibility" xmlns:p14="http://schemas.microsoft.com/office/powerpoint/2010/main" xmlns:p15="http://schemas.microsoft.com/office/powerpoint/2012/main" xmlns:ahyp="http://schemas.microsoft.com/office/drawing/2018/hyperlinkcolor" showMasterPhAnim="0" showMasterSp="0">
+<p:notes xmlns:a="http://schemas.openxmlformats.org/drawingml/2006/main" xmlns:r="http://schemas.openxmlformats.org/officeDocument/2006/relationships" xmlns:p="http://schemas.openxmlformats.org/presentationml/2006/main" showMasterSp="0" showMasterPhAnim="0">
   <p:cSld>
     <p:spTree>
       <p:nvGrpSpPr>
-        <p:cNvPr id="166" name="Shape 166"/>
+        <p:cNvPr id="1" name="Shape 166"/>
         <p:cNvGrpSpPr/>
         <p:nvPr/>
       </p:nvGrpSpPr>
@@ -1129,9 +1173,11 @@
       <p:sp>
         <p:nvSpPr>
           <p:cNvPr id="167" name="Google Shape;167;ge6246dd590_0_369:notes"/>
-          <p:cNvSpPr/>
+          <p:cNvSpPr>
+            <a:spLocks noGrp="1" noRot="1" noChangeAspect="1"/>
+          </p:cNvSpPr>
           <p:nvPr>
-            <p:ph idx="2" type="sldImg"/>
+            <p:ph type="sldImg" idx="2"/>
           </p:nvPr>
         </p:nvSpPr>
         <p:spPr>
@@ -1140,9 +1186,13 @@
             <a:ext cx="6096000" cy="3429000"/>
           </a:xfrm>
           <a:custGeom>
-            <a:rect b="b" l="l" r="r" t="t"/>
+            <a:avLst/>
+            <a:gdLst/>
+            <a:ahLst/>
+            <a:cxnLst/>
+            <a:rect l="l" t="t" r="r" b="b"/>
             <a:pathLst>
-              <a:path extrusionOk="0" h="120000" w="120000">
+              <a:path w="120000" h="120000" extrusionOk="0">
                 <a:moveTo>
                   <a:pt x="0" y="0"/>
                 </a:moveTo>
@@ -1164,9 +1214,11 @@
       <p:sp>
         <p:nvSpPr>
           <p:cNvPr id="168" name="Google Shape;168;ge6246dd590_0_369:notes"/>
-          <p:cNvSpPr txBox="1"/>
+          <p:cNvSpPr txBox="1">
+            <a:spLocks noGrp="1"/>
+          </p:cNvSpPr>
           <p:nvPr>
-            <p:ph idx="1" type="body"/>
+            <p:ph type="body" idx="1"/>
           </p:nvPr>
         </p:nvSpPr>
         <p:spPr>
@@ -1179,12 +1231,12 @@
           </a:prstGeom>
         </p:spPr>
         <p:txBody>
-          <a:bodyPr anchorCtr="0" anchor="t" bIns="91425" lIns="91425" spcFirstLastPara="1" rIns="91425" wrap="square" tIns="91425">
+          <a:bodyPr spcFirstLastPara="1" wrap="square" lIns="91425" tIns="91425" rIns="91425" bIns="91425" anchor="t" anchorCtr="0">
             <a:noAutofit/>
           </a:bodyPr>
           <a:lstStyle/>
           <a:p>
-            <a:pPr indent="-298450" lvl="0" marL="457200" rtl="0" algn="l">
+            <a:pPr marL="457200" lvl="0" indent="-298450" algn="l" rtl="0">
               <a:spcBef>
                 <a:spcPts val="0"/>
               </a:spcBef>
@@ -1211,11 +1263,11 @@
 </file>
 
 <file path=ppt/notesSlides/notesSlide14.xml><?xml version="1.0" encoding="utf-8"?>
-<p:notes xmlns:a="http://schemas.openxmlformats.org/drawingml/2006/main" xmlns:r="http://schemas.openxmlformats.org/officeDocument/2006/relationships" xmlns:mc="http://schemas.openxmlformats.org/markup-compatibility/2006" xmlns:mv="urn:schemas-microsoft-com:mac:vml" xmlns:p="http://schemas.openxmlformats.org/presentationml/2006/main" xmlns:c="http://schemas.openxmlformats.org/drawingml/2006/chart" xmlns:dgm="http://schemas.openxmlformats.org/drawingml/2006/diagram" xmlns:o="urn:schemas-microsoft-com:office:office" xmlns:v="urn:schemas-microsoft-com:vml" xmlns:pvml="urn:schemas-microsoft-com:office:powerpoint" xmlns:com="http://schemas.openxmlformats.org/drawingml/2006/compatibility" xmlns:p14="http://schemas.microsoft.com/office/powerpoint/2010/main" xmlns:p15="http://schemas.microsoft.com/office/powerpoint/2012/main" xmlns:ahyp="http://schemas.microsoft.com/office/drawing/2018/hyperlinkcolor" showMasterPhAnim="0" showMasterSp="0">
+<p:notes xmlns:a="http://schemas.openxmlformats.org/drawingml/2006/main" xmlns:r="http://schemas.openxmlformats.org/officeDocument/2006/relationships" xmlns:p="http://schemas.openxmlformats.org/presentationml/2006/main" showMasterSp="0" showMasterPhAnim="0">
   <p:cSld>
     <p:spTree>
       <p:nvGrpSpPr>
-        <p:cNvPr id="172" name="Shape 172"/>
+        <p:cNvPr id="1" name="Shape 172"/>
         <p:cNvGrpSpPr/>
         <p:nvPr/>
       </p:nvGrpSpPr>
@@ -1230,9 +1282,11 @@
       <p:sp>
         <p:nvSpPr>
           <p:cNvPr id="173" name="Google Shape;173;ge6246dd590_0_344:notes"/>
-          <p:cNvSpPr/>
+          <p:cNvSpPr>
+            <a:spLocks noGrp="1" noRot="1" noChangeAspect="1"/>
+          </p:cNvSpPr>
           <p:nvPr>
-            <p:ph idx="2" type="sldImg"/>
+            <p:ph type="sldImg" idx="2"/>
           </p:nvPr>
         </p:nvSpPr>
         <p:spPr>
@@ -1241,9 +1295,13 @@
             <a:ext cx="6096000" cy="3429000"/>
           </a:xfrm>
           <a:custGeom>
-            <a:rect b="b" l="l" r="r" t="t"/>
+            <a:avLst/>
+            <a:gdLst/>
+            <a:ahLst/>
+            <a:cxnLst/>
+            <a:rect l="l" t="t" r="r" b="b"/>
             <a:pathLst>
-              <a:path extrusionOk="0" h="120000" w="120000">
+              <a:path w="120000" h="120000" extrusionOk="0">
                 <a:moveTo>
                   <a:pt x="0" y="0"/>
                 </a:moveTo>
@@ -1265,9 +1323,11 @@
       <p:sp>
         <p:nvSpPr>
           <p:cNvPr id="174" name="Google Shape;174;ge6246dd590_0_344:notes"/>
-          <p:cNvSpPr txBox="1"/>
+          <p:cNvSpPr txBox="1">
+            <a:spLocks noGrp="1"/>
+          </p:cNvSpPr>
           <p:nvPr>
-            <p:ph idx="1" type="body"/>
+            <p:ph type="body" idx="1"/>
           </p:nvPr>
         </p:nvSpPr>
         <p:spPr>
@@ -1280,12 +1340,12 @@
           </a:prstGeom>
         </p:spPr>
         <p:txBody>
-          <a:bodyPr anchorCtr="0" anchor="t" bIns="91425" lIns="91425" spcFirstLastPara="1" rIns="91425" wrap="square" tIns="91425">
+          <a:bodyPr spcFirstLastPara="1" wrap="square" lIns="91425" tIns="91425" rIns="91425" bIns="91425" anchor="t" anchorCtr="0">
             <a:noAutofit/>
           </a:bodyPr>
           <a:lstStyle/>
           <a:p>
-            <a:pPr indent="-298450" lvl="0" marL="457200" rtl="0" algn="l">
+            <a:pPr marL="457200" lvl="0" indent="-298450" algn="l" rtl="0">
               <a:spcBef>
                 <a:spcPts val="0"/>
               </a:spcBef>
@@ -1312,11 +1372,11 @@
 </file>
 
 <file path=ppt/notesSlides/notesSlide15.xml><?xml version="1.0" encoding="utf-8"?>
-<p:notes xmlns:a="http://schemas.openxmlformats.org/drawingml/2006/main" xmlns:r="http://schemas.openxmlformats.org/officeDocument/2006/relationships" xmlns:mc="http://schemas.openxmlformats.org/markup-compatibility/2006" xmlns:mv="urn:schemas-microsoft-com:mac:vml" xmlns:p="http://schemas.openxmlformats.org/presentationml/2006/main" xmlns:c="http://schemas.openxmlformats.org/drawingml/2006/chart" xmlns:dgm="http://schemas.openxmlformats.org/drawingml/2006/diagram" xmlns:o="urn:schemas-microsoft-com:office:office" xmlns:v="urn:schemas-microsoft-com:vml" xmlns:pvml="urn:schemas-microsoft-com:office:powerpoint" xmlns:com="http://schemas.openxmlformats.org/drawingml/2006/compatibility" xmlns:p14="http://schemas.microsoft.com/office/powerpoint/2010/main" xmlns:p15="http://schemas.microsoft.com/office/powerpoint/2012/main" xmlns:ahyp="http://schemas.microsoft.com/office/drawing/2018/hyperlinkcolor" showMasterPhAnim="0" showMasterSp="0">
+<p:notes xmlns:a="http://schemas.openxmlformats.org/drawingml/2006/main" xmlns:r="http://schemas.openxmlformats.org/officeDocument/2006/relationships" xmlns:p="http://schemas.openxmlformats.org/presentationml/2006/main" showMasterSp="0" showMasterPhAnim="0">
   <p:cSld>
     <p:spTree>
       <p:nvGrpSpPr>
-        <p:cNvPr id="181" name="Shape 181"/>
+        <p:cNvPr id="1" name="Shape 181"/>
         <p:cNvGrpSpPr/>
         <p:nvPr/>
       </p:nvGrpSpPr>
@@ -1331,20 +1391,26 @@
       <p:sp>
         <p:nvSpPr>
           <p:cNvPr id="182" name="Google Shape;182;ge6246dd590_0_374:notes"/>
-          <p:cNvSpPr/>
+          <p:cNvSpPr>
+            <a:spLocks noGrp="1" noRot="1" noChangeAspect="1"/>
+          </p:cNvSpPr>
           <p:nvPr>
-            <p:ph idx="2" type="sldImg"/>
+            <p:ph type="sldImg" idx="2"/>
           </p:nvPr>
         </p:nvSpPr>
         <p:spPr>
           <a:xfrm>
-            <a:off x="381300" y="685800"/>
+            <a:off x="381000" y="685800"/>
             <a:ext cx="6096000" cy="3429000"/>
           </a:xfrm>
           <a:custGeom>
-            <a:rect b="b" l="l" r="r" t="t"/>
+            <a:avLst/>
+            <a:gdLst/>
+            <a:ahLst/>
+            <a:cxnLst/>
+            <a:rect l="l" t="t" r="r" b="b"/>
             <a:pathLst>
-              <a:path extrusionOk="0" h="120000" w="120000">
+              <a:path w="120000" h="120000" extrusionOk="0">
                 <a:moveTo>
                   <a:pt x="0" y="0"/>
                 </a:moveTo>
@@ -1366,9 +1432,11 @@
       <p:sp>
         <p:nvSpPr>
           <p:cNvPr id="183" name="Google Shape;183;ge6246dd590_0_374:notes"/>
-          <p:cNvSpPr txBox="1"/>
+          <p:cNvSpPr txBox="1">
+            <a:spLocks noGrp="1"/>
+          </p:cNvSpPr>
           <p:nvPr>
-            <p:ph idx="1" type="body"/>
+            <p:ph type="body" idx="1"/>
           </p:nvPr>
         </p:nvSpPr>
         <p:spPr>
@@ -1381,12 +1449,12 @@
           </a:prstGeom>
         </p:spPr>
         <p:txBody>
-          <a:bodyPr anchorCtr="0" anchor="t" bIns="91425" lIns="91425" spcFirstLastPara="1" rIns="91425" wrap="square" tIns="91425">
+          <a:bodyPr spcFirstLastPara="1" wrap="square" lIns="91425" tIns="91425" rIns="91425" bIns="91425" anchor="t" anchorCtr="0">
             <a:noAutofit/>
           </a:bodyPr>
           <a:lstStyle/>
           <a:p>
-            <a:pPr indent="-298450" lvl="0" marL="457200" rtl="0" algn="l">
+            <a:pPr marL="457200" lvl="0" indent="-298450" algn="l" rtl="0">
               <a:spcBef>
                 <a:spcPts val="0"/>
               </a:spcBef>
@@ -1413,11 +1481,11 @@
 </file>
 
 <file path=ppt/notesSlides/notesSlide16.xml><?xml version="1.0" encoding="utf-8"?>
-<p:notes xmlns:a="http://schemas.openxmlformats.org/drawingml/2006/main" xmlns:r="http://schemas.openxmlformats.org/officeDocument/2006/relationships" xmlns:mc="http://schemas.openxmlformats.org/markup-compatibility/2006" xmlns:mv="urn:schemas-microsoft-com:mac:vml" xmlns:p="http://schemas.openxmlformats.org/presentationml/2006/main" xmlns:c="http://schemas.openxmlformats.org/drawingml/2006/chart" xmlns:dgm="http://schemas.openxmlformats.org/drawingml/2006/diagram" xmlns:o="urn:schemas-microsoft-com:office:office" xmlns:v="urn:schemas-microsoft-com:vml" xmlns:pvml="urn:schemas-microsoft-com:office:powerpoint" xmlns:com="http://schemas.openxmlformats.org/drawingml/2006/compatibility" xmlns:p14="http://schemas.microsoft.com/office/powerpoint/2010/main" xmlns:p15="http://schemas.microsoft.com/office/powerpoint/2012/main" xmlns:ahyp="http://schemas.microsoft.com/office/drawing/2018/hyperlinkcolor" showMasterPhAnim="0" showMasterSp="0">
+<p:notes xmlns:a="http://schemas.openxmlformats.org/drawingml/2006/main" xmlns:r="http://schemas.openxmlformats.org/officeDocument/2006/relationships" xmlns:p="http://schemas.openxmlformats.org/presentationml/2006/main" showMasterSp="0" showMasterPhAnim="0">
   <p:cSld>
     <p:spTree>
       <p:nvGrpSpPr>
-        <p:cNvPr id="191" name="Shape 191"/>
+        <p:cNvPr id="1" name="Shape 191"/>
         <p:cNvGrpSpPr/>
         <p:nvPr/>
       </p:nvGrpSpPr>
@@ -1432,9 +1500,11 @@
       <p:sp>
         <p:nvSpPr>
           <p:cNvPr id="192" name="Google Shape;192;ge6246dd590_0_443:notes"/>
-          <p:cNvSpPr/>
+          <p:cNvSpPr>
+            <a:spLocks noGrp="1" noRot="1" noChangeAspect="1"/>
+          </p:cNvSpPr>
           <p:nvPr>
-            <p:ph idx="2" type="sldImg"/>
+            <p:ph type="sldImg" idx="2"/>
           </p:nvPr>
         </p:nvSpPr>
         <p:spPr>
@@ -1443,9 +1513,13 @@
             <a:ext cx="6096000" cy="3429000"/>
           </a:xfrm>
           <a:custGeom>
-            <a:rect b="b" l="l" r="r" t="t"/>
+            <a:avLst/>
+            <a:gdLst/>
+            <a:ahLst/>
+            <a:cxnLst/>
+            <a:rect l="l" t="t" r="r" b="b"/>
             <a:pathLst>
-              <a:path extrusionOk="0" h="120000" w="120000">
+              <a:path w="120000" h="120000" extrusionOk="0">
                 <a:moveTo>
                   <a:pt x="0" y="0"/>
                 </a:moveTo>
@@ -1467,9 +1541,11 @@
       <p:sp>
         <p:nvSpPr>
           <p:cNvPr id="193" name="Google Shape;193;ge6246dd590_0_443:notes"/>
-          <p:cNvSpPr txBox="1"/>
+          <p:cNvSpPr txBox="1">
+            <a:spLocks noGrp="1"/>
+          </p:cNvSpPr>
           <p:nvPr>
-            <p:ph idx="1" type="body"/>
+            <p:ph type="body" idx="1"/>
           </p:nvPr>
         </p:nvSpPr>
         <p:spPr>
@@ -1482,12 +1558,12 @@
           </a:prstGeom>
         </p:spPr>
         <p:txBody>
-          <a:bodyPr anchorCtr="0" anchor="t" bIns="91425" lIns="91425" spcFirstLastPara="1" rIns="91425" wrap="square" tIns="91425">
+          <a:bodyPr spcFirstLastPara="1" wrap="square" lIns="91425" tIns="91425" rIns="91425" bIns="91425" anchor="t" anchorCtr="0">
             <a:noAutofit/>
           </a:bodyPr>
           <a:lstStyle/>
           <a:p>
-            <a:pPr indent="-298450" lvl="0" marL="457200" rtl="0" algn="l">
+            <a:pPr marL="457200" lvl="0" indent="-298450" algn="l" rtl="0">
               <a:spcBef>
                 <a:spcPts val="0"/>
               </a:spcBef>
@@ -1514,11 +1590,11 @@
 </file>
 
 <file path=ppt/notesSlides/notesSlide17.xml><?xml version="1.0" encoding="utf-8"?>
-<p:notes xmlns:a="http://schemas.openxmlformats.org/drawingml/2006/main" xmlns:r="http://schemas.openxmlformats.org/officeDocument/2006/relationships" xmlns:mc="http://schemas.openxmlformats.org/markup-compatibility/2006" xmlns:mv="urn:schemas-microsoft-com:mac:vml" xmlns:p="http://schemas.openxmlformats.org/presentationml/2006/main" xmlns:c="http://schemas.openxmlformats.org/drawingml/2006/chart" xmlns:dgm="http://schemas.openxmlformats.org/drawingml/2006/diagram" xmlns:o="urn:schemas-microsoft-com:office:office" xmlns:v="urn:schemas-microsoft-com:vml" xmlns:pvml="urn:schemas-microsoft-com:office:powerpoint" xmlns:com="http://schemas.openxmlformats.org/drawingml/2006/compatibility" xmlns:p14="http://schemas.microsoft.com/office/powerpoint/2010/main" xmlns:p15="http://schemas.microsoft.com/office/powerpoint/2012/main" xmlns:ahyp="http://schemas.microsoft.com/office/drawing/2018/hyperlinkcolor" showMasterPhAnim="0" showMasterSp="0">
+<p:notes xmlns:a="http://schemas.openxmlformats.org/drawingml/2006/main" xmlns:r="http://schemas.openxmlformats.org/officeDocument/2006/relationships" xmlns:p="http://schemas.openxmlformats.org/presentationml/2006/main" showMasterSp="0" showMasterPhAnim="0">
   <p:cSld>
     <p:spTree>
       <p:nvGrpSpPr>
-        <p:cNvPr id="202" name="Shape 202"/>
+        <p:cNvPr id="1" name="Shape 202"/>
         <p:cNvGrpSpPr/>
         <p:nvPr/>
       </p:nvGrpSpPr>
@@ -1533,9 +1609,11 @@
       <p:sp>
         <p:nvSpPr>
           <p:cNvPr id="203" name="Google Shape;203;ge6246dd590_0_461:notes"/>
-          <p:cNvSpPr/>
+          <p:cNvSpPr>
+            <a:spLocks noGrp="1" noRot="1" noChangeAspect="1"/>
+          </p:cNvSpPr>
           <p:nvPr>
-            <p:ph idx="2" type="sldImg"/>
+            <p:ph type="sldImg" idx="2"/>
           </p:nvPr>
         </p:nvSpPr>
         <p:spPr>
@@ -1544,9 +1622,13 @@
             <a:ext cx="6096000" cy="3429000"/>
           </a:xfrm>
           <a:custGeom>
-            <a:rect b="b" l="l" r="r" t="t"/>
+            <a:avLst/>
+            <a:gdLst/>
+            <a:ahLst/>
+            <a:cxnLst/>
+            <a:rect l="l" t="t" r="r" b="b"/>
             <a:pathLst>
-              <a:path extrusionOk="0" h="120000" w="120000">
+              <a:path w="120000" h="120000" extrusionOk="0">
                 <a:moveTo>
                   <a:pt x="0" y="0"/>
                 </a:moveTo>
@@ -1568,9 +1650,11 @@
       <p:sp>
         <p:nvSpPr>
           <p:cNvPr id="204" name="Google Shape;204;ge6246dd590_0_461:notes"/>
-          <p:cNvSpPr txBox="1"/>
+          <p:cNvSpPr txBox="1">
+            <a:spLocks noGrp="1"/>
+          </p:cNvSpPr>
           <p:nvPr>
-            <p:ph idx="1" type="body"/>
+            <p:ph type="body" idx="1"/>
           </p:nvPr>
         </p:nvSpPr>
         <p:spPr>
@@ -1583,12 +1667,12 @@
           </a:prstGeom>
         </p:spPr>
         <p:txBody>
-          <a:bodyPr anchorCtr="0" anchor="t" bIns="91425" lIns="91425" spcFirstLastPara="1" rIns="91425" wrap="square" tIns="91425">
+          <a:bodyPr spcFirstLastPara="1" wrap="square" lIns="91425" tIns="91425" rIns="91425" bIns="91425" anchor="t" anchorCtr="0">
             <a:noAutofit/>
           </a:bodyPr>
           <a:lstStyle/>
           <a:p>
-            <a:pPr indent="-298450" lvl="0" marL="457200" rtl="0" algn="l">
+            <a:pPr marL="457200" lvl="0" indent="-298450" algn="l" rtl="0">
               <a:spcBef>
                 <a:spcPts val="0"/>
               </a:spcBef>
@@ -1615,11 +1699,11 @@
 </file>
 
 <file path=ppt/notesSlides/notesSlide18.xml><?xml version="1.0" encoding="utf-8"?>
-<p:notes xmlns:a="http://schemas.openxmlformats.org/drawingml/2006/main" xmlns:r="http://schemas.openxmlformats.org/officeDocument/2006/relationships" xmlns:mc="http://schemas.openxmlformats.org/markup-compatibility/2006" xmlns:mv="urn:schemas-microsoft-com:mac:vml" xmlns:p="http://schemas.openxmlformats.org/presentationml/2006/main" xmlns:c="http://schemas.openxmlformats.org/drawingml/2006/chart" xmlns:dgm="http://schemas.openxmlformats.org/drawingml/2006/diagram" xmlns:o="urn:schemas-microsoft-com:office:office" xmlns:v="urn:schemas-microsoft-com:vml" xmlns:pvml="urn:schemas-microsoft-com:office:powerpoint" xmlns:com="http://schemas.openxmlformats.org/drawingml/2006/compatibility" xmlns:p14="http://schemas.microsoft.com/office/powerpoint/2010/main" xmlns:p15="http://schemas.microsoft.com/office/powerpoint/2012/main" xmlns:ahyp="http://schemas.microsoft.com/office/drawing/2018/hyperlinkcolor" showMasterPhAnim="0" showMasterSp="0">
+<p:notes xmlns:a="http://schemas.openxmlformats.org/drawingml/2006/main" xmlns:r="http://schemas.openxmlformats.org/officeDocument/2006/relationships" xmlns:p="http://schemas.openxmlformats.org/presentationml/2006/main" showMasterSp="0" showMasterPhAnim="0">
   <p:cSld>
     <p:spTree>
       <p:nvGrpSpPr>
-        <p:cNvPr id="212" name="Shape 212"/>
+        <p:cNvPr id="1" name="Shape 212"/>
         <p:cNvGrpSpPr/>
         <p:nvPr/>
       </p:nvGrpSpPr>
@@ -1634,9 +1718,11 @@
       <p:sp>
         <p:nvSpPr>
           <p:cNvPr id="213" name="Google Shape;213;ge62779e485_0_0:notes"/>
-          <p:cNvSpPr/>
+          <p:cNvSpPr>
+            <a:spLocks noGrp="1" noRot="1" noChangeAspect="1"/>
+          </p:cNvSpPr>
           <p:nvPr>
-            <p:ph idx="2" type="sldImg"/>
+            <p:ph type="sldImg" idx="2"/>
           </p:nvPr>
         </p:nvSpPr>
         <p:spPr>
@@ -1645,9 +1731,13 @@
             <a:ext cx="6096000" cy="3429000"/>
           </a:xfrm>
           <a:custGeom>
-            <a:rect b="b" l="l" r="r" t="t"/>
+            <a:avLst/>
+            <a:gdLst/>
+            <a:ahLst/>
+            <a:cxnLst/>
+            <a:rect l="l" t="t" r="r" b="b"/>
             <a:pathLst>
-              <a:path extrusionOk="0" h="120000" w="120000">
+              <a:path w="120000" h="120000" extrusionOk="0">
                 <a:moveTo>
                   <a:pt x="0" y="0"/>
                 </a:moveTo>
@@ -1669,9 +1759,11 @@
       <p:sp>
         <p:nvSpPr>
           <p:cNvPr id="214" name="Google Shape;214;ge62779e485_0_0:notes"/>
-          <p:cNvSpPr txBox="1"/>
+          <p:cNvSpPr txBox="1">
+            <a:spLocks noGrp="1"/>
+          </p:cNvSpPr>
           <p:nvPr>
-            <p:ph idx="1" type="body"/>
+            <p:ph type="body" idx="1"/>
           </p:nvPr>
         </p:nvSpPr>
         <p:spPr>
@@ -1684,12 +1776,12 @@
           </a:prstGeom>
         </p:spPr>
         <p:txBody>
-          <a:bodyPr anchorCtr="0" anchor="t" bIns="91425" lIns="91425" spcFirstLastPara="1" rIns="91425" wrap="square" tIns="91425">
+          <a:bodyPr spcFirstLastPara="1" wrap="square" lIns="91425" tIns="91425" rIns="91425" bIns="91425" anchor="t" anchorCtr="0">
             <a:noAutofit/>
           </a:bodyPr>
           <a:lstStyle/>
           <a:p>
-            <a:pPr indent="-298450" lvl="0" marL="457200" rtl="0" algn="l">
+            <a:pPr marL="457200" lvl="0" indent="-298450" algn="l" rtl="0">
               <a:spcBef>
                 <a:spcPts val="0"/>
               </a:spcBef>
@@ -1716,11 +1808,11 @@
 </file>
 
 <file path=ppt/notesSlides/notesSlide19.xml><?xml version="1.0" encoding="utf-8"?>
-<p:notes xmlns:a="http://schemas.openxmlformats.org/drawingml/2006/main" xmlns:r="http://schemas.openxmlformats.org/officeDocument/2006/relationships" xmlns:mc="http://schemas.openxmlformats.org/markup-compatibility/2006" xmlns:mv="urn:schemas-microsoft-com:mac:vml" xmlns:p="http://schemas.openxmlformats.org/presentationml/2006/main" xmlns:c="http://schemas.openxmlformats.org/drawingml/2006/chart" xmlns:dgm="http://schemas.openxmlformats.org/drawingml/2006/diagram" xmlns:o="urn:schemas-microsoft-com:office:office" xmlns:v="urn:schemas-microsoft-com:vml" xmlns:pvml="urn:schemas-microsoft-com:office:powerpoint" xmlns:com="http://schemas.openxmlformats.org/drawingml/2006/compatibility" xmlns:p14="http://schemas.microsoft.com/office/powerpoint/2010/main" xmlns:p15="http://schemas.microsoft.com/office/powerpoint/2012/main" xmlns:ahyp="http://schemas.microsoft.com/office/drawing/2018/hyperlinkcolor" showMasterPhAnim="0" showMasterSp="0">
+<p:notes xmlns:a="http://schemas.openxmlformats.org/drawingml/2006/main" xmlns:r="http://schemas.openxmlformats.org/officeDocument/2006/relationships" xmlns:p="http://schemas.openxmlformats.org/presentationml/2006/main" showMasterSp="0" showMasterPhAnim="0">
   <p:cSld>
     <p:spTree>
       <p:nvGrpSpPr>
-        <p:cNvPr id="218" name="Shape 218"/>
+        <p:cNvPr id="1" name="Shape 218"/>
         <p:cNvGrpSpPr/>
         <p:nvPr/>
       </p:nvGrpSpPr>
@@ -1735,9 +1827,11 @@
       <p:sp>
         <p:nvSpPr>
           <p:cNvPr id="219" name="Google Shape;219;ge62779e485_0_5:notes"/>
-          <p:cNvSpPr/>
+          <p:cNvSpPr>
+            <a:spLocks noGrp="1" noRot="1" noChangeAspect="1"/>
+          </p:cNvSpPr>
           <p:nvPr>
-            <p:ph idx="2" type="sldImg"/>
+            <p:ph type="sldImg" idx="2"/>
           </p:nvPr>
         </p:nvSpPr>
         <p:spPr>
@@ -1746,9 +1840,13 @@
             <a:ext cx="6096000" cy="3429000"/>
           </a:xfrm>
           <a:custGeom>
-            <a:rect b="b" l="l" r="r" t="t"/>
+            <a:avLst/>
+            <a:gdLst/>
+            <a:ahLst/>
+            <a:cxnLst/>
+            <a:rect l="l" t="t" r="r" b="b"/>
             <a:pathLst>
-              <a:path extrusionOk="0" h="120000" w="120000">
+              <a:path w="120000" h="120000" extrusionOk="0">
                 <a:moveTo>
                   <a:pt x="0" y="0"/>
                 </a:moveTo>
@@ -1770,9 +1868,11 @@
       <p:sp>
         <p:nvSpPr>
           <p:cNvPr id="220" name="Google Shape;220;ge62779e485_0_5:notes"/>
-          <p:cNvSpPr txBox="1"/>
+          <p:cNvSpPr txBox="1">
+            <a:spLocks noGrp="1"/>
+          </p:cNvSpPr>
           <p:nvPr>
-            <p:ph idx="1" type="body"/>
+            <p:ph type="body" idx="1"/>
           </p:nvPr>
         </p:nvSpPr>
         <p:spPr>
@@ -1785,12 +1885,12 @@
           </a:prstGeom>
         </p:spPr>
         <p:txBody>
-          <a:bodyPr anchorCtr="0" anchor="t" bIns="91425" lIns="91425" spcFirstLastPara="1" rIns="91425" wrap="square" tIns="91425">
+          <a:bodyPr spcFirstLastPara="1" wrap="square" lIns="91425" tIns="91425" rIns="91425" bIns="91425" anchor="t" anchorCtr="0">
             <a:noAutofit/>
           </a:bodyPr>
           <a:lstStyle/>
           <a:p>
-            <a:pPr indent="-298450" lvl="0" marL="457200" rtl="0" algn="l">
+            <a:pPr marL="457200" lvl="0" indent="-298450" algn="l" rtl="0">
               <a:spcBef>
                 <a:spcPts val="0"/>
               </a:spcBef>
@@ -1817,11 +1917,11 @@
 </file>
 
 <file path=ppt/notesSlides/notesSlide2.xml><?xml version="1.0" encoding="utf-8"?>
-<p:notes xmlns:a="http://schemas.openxmlformats.org/drawingml/2006/main" xmlns:r="http://schemas.openxmlformats.org/officeDocument/2006/relationships" xmlns:mc="http://schemas.openxmlformats.org/markup-compatibility/2006" xmlns:mv="urn:schemas-microsoft-com:mac:vml" xmlns:p="http://schemas.openxmlformats.org/presentationml/2006/main" xmlns:c="http://schemas.openxmlformats.org/drawingml/2006/chart" xmlns:dgm="http://schemas.openxmlformats.org/drawingml/2006/diagram" xmlns:o="urn:schemas-microsoft-com:office:office" xmlns:v="urn:schemas-microsoft-com:vml" xmlns:pvml="urn:schemas-microsoft-com:office:powerpoint" xmlns:com="http://schemas.openxmlformats.org/drawingml/2006/compatibility" xmlns:p14="http://schemas.microsoft.com/office/powerpoint/2010/main" xmlns:p15="http://schemas.microsoft.com/office/powerpoint/2012/main" xmlns:ahyp="http://schemas.microsoft.com/office/drawing/2018/hyperlinkcolor" showMasterPhAnim="0" showMasterSp="0">
+<p:notes xmlns:a="http://schemas.openxmlformats.org/drawingml/2006/main" xmlns:r="http://schemas.openxmlformats.org/officeDocument/2006/relationships" xmlns:p="http://schemas.openxmlformats.org/presentationml/2006/main" showMasterSp="0" showMasterPhAnim="0">
   <p:cSld>
     <p:spTree>
       <p:nvGrpSpPr>
-        <p:cNvPr id="68" name="Shape 68"/>
+        <p:cNvPr id="1" name="Shape 68"/>
         <p:cNvGrpSpPr/>
         <p:nvPr/>
       </p:nvGrpSpPr>
@@ -1836,9 +1936,11 @@
       <p:sp>
         <p:nvSpPr>
           <p:cNvPr id="69" name="Google Shape;69;ge6246dd590_0_357:notes"/>
-          <p:cNvSpPr/>
+          <p:cNvSpPr>
+            <a:spLocks noGrp="1" noRot="1" noChangeAspect="1"/>
+          </p:cNvSpPr>
           <p:nvPr>
-            <p:ph idx="2" type="sldImg"/>
+            <p:ph type="sldImg" idx="2"/>
           </p:nvPr>
         </p:nvSpPr>
         <p:spPr>
@@ -1847,9 +1949,13 @@
             <a:ext cx="6096000" cy="3429000"/>
           </a:xfrm>
           <a:custGeom>
-            <a:rect b="b" l="l" r="r" t="t"/>
+            <a:avLst/>
+            <a:gdLst/>
+            <a:ahLst/>
+            <a:cxnLst/>
+            <a:rect l="l" t="t" r="r" b="b"/>
             <a:pathLst>
-              <a:path extrusionOk="0" h="120000" w="120000">
+              <a:path w="120000" h="120000" extrusionOk="0">
                 <a:moveTo>
                   <a:pt x="0" y="0"/>
                 </a:moveTo>
@@ -1871,9 +1977,11 @@
       <p:sp>
         <p:nvSpPr>
           <p:cNvPr id="70" name="Google Shape;70;ge6246dd590_0_357:notes"/>
-          <p:cNvSpPr txBox="1"/>
+          <p:cNvSpPr txBox="1">
+            <a:spLocks noGrp="1"/>
+          </p:cNvSpPr>
           <p:nvPr>
-            <p:ph idx="1" type="body"/>
+            <p:ph type="body" idx="1"/>
           </p:nvPr>
         </p:nvSpPr>
         <p:spPr>
@@ -1886,12 +1994,12 @@
           </a:prstGeom>
         </p:spPr>
         <p:txBody>
-          <a:bodyPr anchorCtr="0" anchor="t" bIns="91425" lIns="91425" spcFirstLastPara="1" rIns="91425" wrap="square" tIns="91425">
+          <a:bodyPr spcFirstLastPara="1" wrap="square" lIns="91425" tIns="91425" rIns="91425" bIns="91425" anchor="t" anchorCtr="0">
             <a:noAutofit/>
           </a:bodyPr>
           <a:lstStyle/>
           <a:p>
-            <a:pPr indent="-298450" lvl="0" marL="457200" rtl="0" algn="l">
+            <a:pPr marL="457200" lvl="0" indent="-298450" algn="l" rtl="0">
               <a:spcBef>
                 <a:spcPts val="0"/>
               </a:spcBef>
@@ -1918,11 +2026,11 @@
 </file>
 
 <file path=ppt/notesSlides/notesSlide20.xml><?xml version="1.0" encoding="utf-8"?>
-<p:notes xmlns:a="http://schemas.openxmlformats.org/drawingml/2006/main" xmlns:r="http://schemas.openxmlformats.org/officeDocument/2006/relationships" xmlns:mc="http://schemas.openxmlformats.org/markup-compatibility/2006" xmlns:mv="urn:schemas-microsoft-com:mac:vml" xmlns:p="http://schemas.openxmlformats.org/presentationml/2006/main" xmlns:c="http://schemas.openxmlformats.org/drawingml/2006/chart" xmlns:dgm="http://schemas.openxmlformats.org/drawingml/2006/diagram" xmlns:o="urn:schemas-microsoft-com:office:office" xmlns:v="urn:schemas-microsoft-com:vml" xmlns:pvml="urn:schemas-microsoft-com:office:powerpoint" xmlns:com="http://schemas.openxmlformats.org/drawingml/2006/compatibility" xmlns:p14="http://schemas.microsoft.com/office/powerpoint/2010/main" xmlns:p15="http://schemas.microsoft.com/office/powerpoint/2012/main" xmlns:ahyp="http://schemas.microsoft.com/office/drawing/2018/hyperlinkcolor" showMasterPhAnim="0" showMasterSp="0">
+<p:notes xmlns:a="http://schemas.openxmlformats.org/drawingml/2006/main" xmlns:r="http://schemas.openxmlformats.org/officeDocument/2006/relationships" xmlns:p="http://schemas.openxmlformats.org/presentationml/2006/main" showMasterSp="0" showMasterPhAnim="0">
   <p:cSld>
     <p:spTree>
       <p:nvGrpSpPr>
-        <p:cNvPr id="228" name="Shape 228"/>
+        <p:cNvPr id="1" name="Shape 228"/>
         <p:cNvGrpSpPr/>
         <p:nvPr/>
       </p:nvGrpSpPr>
@@ -1937,9 +2045,11 @@
       <p:sp>
         <p:nvSpPr>
           <p:cNvPr id="229" name="Google Shape;229;ge62779e485_0_14:notes"/>
-          <p:cNvSpPr/>
+          <p:cNvSpPr>
+            <a:spLocks noGrp="1" noRot="1" noChangeAspect="1"/>
+          </p:cNvSpPr>
           <p:nvPr>
-            <p:ph idx="2" type="sldImg"/>
+            <p:ph type="sldImg" idx="2"/>
           </p:nvPr>
         </p:nvSpPr>
         <p:spPr>
@@ -1948,9 +2058,13 @@
             <a:ext cx="6096000" cy="3429000"/>
           </a:xfrm>
           <a:custGeom>
-            <a:rect b="b" l="l" r="r" t="t"/>
+            <a:avLst/>
+            <a:gdLst/>
+            <a:ahLst/>
+            <a:cxnLst/>
+            <a:rect l="l" t="t" r="r" b="b"/>
             <a:pathLst>
-              <a:path extrusionOk="0" h="120000" w="120000">
+              <a:path w="120000" h="120000" extrusionOk="0">
                 <a:moveTo>
                   <a:pt x="0" y="0"/>
                 </a:moveTo>
@@ -1972,9 +2086,11 @@
       <p:sp>
         <p:nvSpPr>
           <p:cNvPr id="230" name="Google Shape;230;ge62779e485_0_14:notes"/>
-          <p:cNvSpPr txBox="1"/>
+          <p:cNvSpPr txBox="1">
+            <a:spLocks noGrp="1"/>
+          </p:cNvSpPr>
           <p:nvPr>
-            <p:ph idx="1" type="body"/>
+            <p:ph type="body" idx="1"/>
           </p:nvPr>
         </p:nvSpPr>
         <p:spPr>
@@ -1987,12 +2103,12 @@
           </a:prstGeom>
         </p:spPr>
         <p:txBody>
-          <a:bodyPr anchorCtr="0" anchor="t" bIns="91425" lIns="91425" spcFirstLastPara="1" rIns="91425" wrap="square" tIns="91425">
+          <a:bodyPr spcFirstLastPara="1" wrap="square" lIns="91425" tIns="91425" rIns="91425" bIns="91425" anchor="t" anchorCtr="0">
             <a:noAutofit/>
           </a:bodyPr>
           <a:lstStyle/>
           <a:p>
-            <a:pPr indent="-298450" lvl="0" marL="457200" rtl="0" algn="l">
+            <a:pPr marL="457200" lvl="0" indent="-298450" algn="l" rtl="0">
               <a:spcBef>
                 <a:spcPts val="0"/>
               </a:spcBef>
@@ -2019,11 +2135,11 @@
 </file>
 
 <file path=ppt/notesSlides/notesSlide21.xml><?xml version="1.0" encoding="utf-8"?>
-<p:notes xmlns:a="http://schemas.openxmlformats.org/drawingml/2006/main" xmlns:r="http://schemas.openxmlformats.org/officeDocument/2006/relationships" xmlns:mc="http://schemas.openxmlformats.org/markup-compatibility/2006" xmlns:mv="urn:schemas-microsoft-com:mac:vml" xmlns:p="http://schemas.openxmlformats.org/presentationml/2006/main" xmlns:c="http://schemas.openxmlformats.org/drawingml/2006/chart" xmlns:dgm="http://schemas.openxmlformats.org/drawingml/2006/diagram" xmlns:o="urn:schemas-microsoft-com:office:office" xmlns:v="urn:schemas-microsoft-com:vml" xmlns:pvml="urn:schemas-microsoft-com:office:powerpoint" xmlns:com="http://schemas.openxmlformats.org/drawingml/2006/compatibility" xmlns:p14="http://schemas.microsoft.com/office/powerpoint/2010/main" xmlns:p15="http://schemas.microsoft.com/office/powerpoint/2012/main" xmlns:ahyp="http://schemas.microsoft.com/office/drawing/2018/hyperlinkcolor" showMasterPhAnim="0" showMasterSp="0">
+<p:notes xmlns:a="http://schemas.openxmlformats.org/drawingml/2006/main" xmlns:r="http://schemas.openxmlformats.org/officeDocument/2006/relationships" xmlns:p="http://schemas.openxmlformats.org/presentationml/2006/main" showMasterSp="0" showMasterPhAnim="0">
   <p:cSld>
     <p:spTree>
       <p:nvGrpSpPr>
-        <p:cNvPr id="239" name="Shape 239"/>
+        <p:cNvPr id="1" name="Shape 239"/>
         <p:cNvGrpSpPr/>
         <p:nvPr/>
       </p:nvGrpSpPr>
@@ -2038,9 +2154,11 @@
       <p:sp>
         <p:nvSpPr>
           <p:cNvPr id="240" name="Google Shape;240;ge6246dd590_0_472:notes"/>
-          <p:cNvSpPr/>
+          <p:cNvSpPr>
+            <a:spLocks noGrp="1" noRot="1" noChangeAspect="1"/>
+          </p:cNvSpPr>
           <p:nvPr>
-            <p:ph idx="2" type="sldImg"/>
+            <p:ph type="sldImg" idx="2"/>
           </p:nvPr>
         </p:nvSpPr>
         <p:spPr>
@@ -2049,9 +2167,13 @@
             <a:ext cx="6096000" cy="3429000"/>
           </a:xfrm>
           <a:custGeom>
-            <a:rect b="b" l="l" r="r" t="t"/>
+            <a:avLst/>
+            <a:gdLst/>
+            <a:ahLst/>
+            <a:cxnLst/>
+            <a:rect l="l" t="t" r="r" b="b"/>
             <a:pathLst>
-              <a:path extrusionOk="0" h="120000" w="120000">
+              <a:path w="120000" h="120000" extrusionOk="0">
                 <a:moveTo>
                   <a:pt x="0" y="0"/>
                 </a:moveTo>
@@ -2073,9 +2195,11 @@
       <p:sp>
         <p:nvSpPr>
           <p:cNvPr id="241" name="Google Shape;241;ge6246dd590_0_472:notes"/>
-          <p:cNvSpPr txBox="1"/>
+          <p:cNvSpPr txBox="1">
+            <a:spLocks noGrp="1"/>
+          </p:cNvSpPr>
           <p:nvPr>
-            <p:ph idx="1" type="body"/>
+            <p:ph type="body" idx="1"/>
           </p:nvPr>
         </p:nvSpPr>
         <p:spPr>
@@ -2088,12 +2212,12 @@
           </a:prstGeom>
         </p:spPr>
         <p:txBody>
-          <a:bodyPr anchorCtr="0" anchor="t" bIns="91425" lIns="91425" spcFirstLastPara="1" rIns="91425" wrap="square" tIns="91425">
+          <a:bodyPr spcFirstLastPara="1" wrap="square" lIns="91425" tIns="91425" rIns="91425" bIns="91425" anchor="t" anchorCtr="0">
             <a:noAutofit/>
           </a:bodyPr>
           <a:lstStyle/>
           <a:p>
-            <a:pPr indent="-298450" lvl="0" marL="457200" rtl="0" algn="l">
+            <a:pPr marL="457200" lvl="0" indent="-298450" algn="l" rtl="0">
               <a:spcBef>
                 <a:spcPts val="0"/>
               </a:spcBef>
@@ -2120,11 +2244,11 @@
 </file>
 
 <file path=ppt/notesSlides/notesSlide22.xml><?xml version="1.0" encoding="utf-8"?>
-<p:notes xmlns:a="http://schemas.openxmlformats.org/drawingml/2006/main" xmlns:r="http://schemas.openxmlformats.org/officeDocument/2006/relationships" xmlns:mc="http://schemas.openxmlformats.org/markup-compatibility/2006" xmlns:mv="urn:schemas-microsoft-com:mac:vml" xmlns:p="http://schemas.openxmlformats.org/presentationml/2006/main" xmlns:c="http://schemas.openxmlformats.org/drawingml/2006/chart" xmlns:dgm="http://schemas.openxmlformats.org/drawingml/2006/diagram" xmlns:o="urn:schemas-microsoft-com:office:office" xmlns:v="urn:schemas-microsoft-com:vml" xmlns:pvml="urn:schemas-microsoft-com:office:powerpoint" xmlns:com="http://schemas.openxmlformats.org/drawingml/2006/compatibility" xmlns:p14="http://schemas.microsoft.com/office/powerpoint/2010/main" xmlns:p15="http://schemas.microsoft.com/office/powerpoint/2012/main" xmlns:ahyp="http://schemas.microsoft.com/office/drawing/2018/hyperlinkcolor" showMasterPhAnim="0" showMasterSp="0">
+<p:notes xmlns:a="http://schemas.openxmlformats.org/drawingml/2006/main" xmlns:r="http://schemas.openxmlformats.org/officeDocument/2006/relationships" xmlns:p="http://schemas.openxmlformats.org/presentationml/2006/main" showMasterSp="0" showMasterPhAnim="0">
   <p:cSld>
     <p:spTree>
       <p:nvGrpSpPr>
-        <p:cNvPr id="245" name="Shape 245"/>
+        <p:cNvPr id="1" name="Shape 245"/>
         <p:cNvGrpSpPr/>
         <p:nvPr/>
       </p:nvGrpSpPr>
@@ -2139,9 +2263,11 @@
       <p:sp>
         <p:nvSpPr>
           <p:cNvPr id="246" name="Google Shape;246;ge6246dd590_0_477:notes"/>
-          <p:cNvSpPr/>
+          <p:cNvSpPr>
+            <a:spLocks noGrp="1" noRot="1" noChangeAspect="1"/>
+          </p:cNvSpPr>
           <p:nvPr>
-            <p:ph idx="2" type="sldImg"/>
+            <p:ph type="sldImg" idx="2"/>
           </p:nvPr>
         </p:nvSpPr>
         <p:spPr>
@@ -2150,9 +2276,13 @@
             <a:ext cx="6096000" cy="3429000"/>
           </a:xfrm>
           <a:custGeom>
-            <a:rect b="b" l="l" r="r" t="t"/>
+            <a:avLst/>
+            <a:gdLst/>
+            <a:ahLst/>
+            <a:cxnLst/>
+            <a:rect l="l" t="t" r="r" b="b"/>
             <a:pathLst>
-              <a:path extrusionOk="0" h="120000" w="120000">
+              <a:path w="120000" h="120000" extrusionOk="0">
                 <a:moveTo>
                   <a:pt x="0" y="0"/>
                 </a:moveTo>
@@ -2174,9 +2304,11 @@
       <p:sp>
         <p:nvSpPr>
           <p:cNvPr id="247" name="Google Shape;247;ge6246dd590_0_477:notes"/>
-          <p:cNvSpPr txBox="1"/>
+          <p:cNvSpPr txBox="1">
+            <a:spLocks noGrp="1"/>
+          </p:cNvSpPr>
           <p:nvPr>
-            <p:ph idx="1" type="body"/>
+            <p:ph type="body" idx="1"/>
           </p:nvPr>
         </p:nvSpPr>
         <p:spPr>
@@ -2189,12 +2321,12 @@
           </a:prstGeom>
         </p:spPr>
         <p:txBody>
-          <a:bodyPr anchorCtr="0" anchor="t" bIns="91425" lIns="91425" spcFirstLastPara="1" rIns="91425" wrap="square" tIns="91425">
+          <a:bodyPr spcFirstLastPara="1" wrap="square" lIns="91425" tIns="91425" rIns="91425" bIns="91425" anchor="t" anchorCtr="0">
             <a:noAutofit/>
           </a:bodyPr>
           <a:lstStyle/>
           <a:p>
-            <a:pPr indent="-298450" lvl="0" marL="457200" rtl="0" algn="l">
+            <a:pPr marL="457200" lvl="0" indent="-298450" algn="l" rtl="0">
               <a:spcBef>
                 <a:spcPts val="0"/>
               </a:spcBef>
@@ -2221,11 +2353,11 @@
 </file>
 
 <file path=ppt/notesSlides/notesSlide3.xml><?xml version="1.0" encoding="utf-8"?>
-<p:notes xmlns:a="http://schemas.openxmlformats.org/drawingml/2006/main" xmlns:r="http://schemas.openxmlformats.org/officeDocument/2006/relationships" xmlns:mc="http://schemas.openxmlformats.org/markup-compatibility/2006" xmlns:mv="urn:schemas-microsoft-com:mac:vml" xmlns:p="http://schemas.openxmlformats.org/presentationml/2006/main" xmlns:c="http://schemas.openxmlformats.org/drawingml/2006/chart" xmlns:dgm="http://schemas.openxmlformats.org/drawingml/2006/diagram" xmlns:o="urn:schemas-microsoft-com:office:office" xmlns:v="urn:schemas-microsoft-com:vml" xmlns:pvml="urn:schemas-microsoft-com:office:powerpoint" xmlns:com="http://schemas.openxmlformats.org/drawingml/2006/compatibility" xmlns:p14="http://schemas.microsoft.com/office/powerpoint/2010/main" xmlns:p15="http://schemas.microsoft.com/office/powerpoint/2012/main" xmlns:ahyp="http://schemas.microsoft.com/office/drawing/2018/hyperlinkcolor" showMasterPhAnim="0" showMasterSp="0">
+<p:notes xmlns:a="http://schemas.openxmlformats.org/drawingml/2006/main" xmlns:r="http://schemas.openxmlformats.org/officeDocument/2006/relationships" xmlns:p="http://schemas.openxmlformats.org/presentationml/2006/main" showMasterSp="0" showMasterPhAnim="0">
   <p:cSld>
     <p:spTree>
       <p:nvGrpSpPr>
-        <p:cNvPr id="74" name="Shape 74"/>
+        <p:cNvPr id="1" name="Shape 74"/>
         <p:cNvGrpSpPr/>
         <p:nvPr/>
       </p:nvGrpSpPr>
@@ -2240,9 +2372,11 @@
       <p:sp>
         <p:nvSpPr>
           <p:cNvPr id="75" name="Google Shape;75;ge6246dd590_0_132:notes"/>
-          <p:cNvSpPr/>
+          <p:cNvSpPr>
+            <a:spLocks noGrp="1" noRot="1" noChangeAspect="1"/>
+          </p:cNvSpPr>
           <p:nvPr>
-            <p:ph idx="2" type="sldImg"/>
+            <p:ph type="sldImg" idx="2"/>
           </p:nvPr>
         </p:nvSpPr>
         <p:spPr>
@@ -2251,9 +2385,13 @@
             <a:ext cx="6096000" cy="3429000"/>
           </a:xfrm>
           <a:custGeom>
-            <a:rect b="b" l="l" r="r" t="t"/>
+            <a:avLst/>
+            <a:gdLst/>
+            <a:ahLst/>
+            <a:cxnLst/>
+            <a:rect l="l" t="t" r="r" b="b"/>
             <a:pathLst>
-              <a:path extrusionOk="0" h="120000" w="120000">
+              <a:path w="120000" h="120000" extrusionOk="0">
                 <a:moveTo>
                   <a:pt x="0" y="0"/>
                 </a:moveTo>
@@ -2275,9 +2413,11 @@
       <p:sp>
         <p:nvSpPr>
           <p:cNvPr id="76" name="Google Shape;76;ge6246dd590_0_132:notes"/>
-          <p:cNvSpPr txBox="1"/>
+          <p:cNvSpPr txBox="1">
+            <a:spLocks noGrp="1"/>
+          </p:cNvSpPr>
           <p:nvPr>
-            <p:ph idx="1" type="body"/>
+            <p:ph type="body" idx="1"/>
           </p:nvPr>
         </p:nvSpPr>
         <p:spPr>
@@ -2290,12 +2430,12 @@
           </a:prstGeom>
         </p:spPr>
         <p:txBody>
-          <a:bodyPr anchorCtr="0" anchor="t" bIns="91425" lIns="91425" spcFirstLastPara="1" rIns="91425" wrap="square" tIns="91425">
+          <a:bodyPr spcFirstLastPara="1" wrap="square" lIns="91425" tIns="91425" rIns="91425" bIns="91425" anchor="t" anchorCtr="0">
             <a:noAutofit/>
           </a:bodyPr>
           <a:lstStyle/>
           <a:p>
-            <a:pPr indent="-298450" lvl="0" marL="457200" rtl="0" algn="l">
+            <a:pPr marL="457200" lvl="0" indent="-298450" algn="l" rtl="0">
               <a:spcBef>
                 <a:spcPts val="0"/>
               </a:spcBef>
@@ -2322,11 +2462,11 @@
 </file>
 
 <file path=ppt/notesSlides/notesSlide4.xml><?xml version="1.0" encoding="utf-8"?>
-<p:notes xmlns:a="http://schemas.openxmlformats.org/drawingml/2006/main" xmlns:r="http://schemas.openxmlformats.org/officeDocument/2006/relationships" xmlns:mc="http://schemas.openxmlformats.org/markup-compatibility/2006" xmlns:mv="urn:schemas-microsoft-com:mac:vml" xmlns:p="http://schemas.openxmlformats.org/presentationml/2006/main" xmlns:c="http://schemas.openxmlformats.org/drawingml/2006/chart" xmlns:dgm="http://schemas.openxmlformats.org/drawingml/2006/diagram" xmlns:o="urn:schemas-microsoft-com:office:office" xmlns:v="urn:schemas-microsoft-com:vml" xmlns:pvml="urn:schemas-microsoft-com:office:powerpoint" xmlns:com="http://schemas.openxmlformats.org/drawingml/2006/compatibility" xmlns:p14="http://schemas.microsoft.com/office/powerpoint/2010/main" xmlns:p15="http://schemas.microsoft.com/office/powerpoint/2012/main" xmlns:ahyp="http://schemas.microsoft.com/office/drawing/2018/hyperlinkcolor" showMasterPhAnim="0" showMasterSp="0">
+<p:notes xmlns:a="http://schemas.openxmlformats.org/drawingml/2006/main" xmlns:r="http://schemas.openxmlformats.org/officeDocument/2006/relationships" xmlns:p="http://schemas.openxmlformats.org/presentationml/2006/main" showMasterSp="0" showMasterPhAnim="0">
   <p:cSld>
     <p:spTree>
       <p:nvGrpSpPr>
-        <p:cNvPr id="82" name="Shape 82"/>
+        <p:cNvPr id="1" name="Shape 82"/>
         <p:cNvGrpSpPr/>
         <p:nvPr/>
       </p:nvGrpSpPr>
@@ -2341,9 +2481,11 @@
       <p:sp>
         <p:nvSpPr>
           <p:cNvPr id="83" name="Google Shape;83;ge6246dd590_0_209:notes"/>
-          <p:cNvSpPr/>
+          <p:cNvSpPr>
+            <a:spLocks noGrp="1" noRot="1" noChangeAspect="1"/>
+          </p:cNvSpPr>
           <p:nvPr>
-            <p:ph idx="2" type="sldImg"/>
+            <p:ph type="sldImg" idx="2"/>
           </p:nvPr>
         </p:nvSpPr>
         <p:spPr>
@@ -2352,9 +2494,13 @@
             <a:ext cx="6096000" cy="3429000"/>
           </a:xfrm>
           <a:custGeom>
-            <a:rect b="b" l="l" r="r" t="t"/>
+            <a:avLst/>
+            <a:gdLst/>
+            <a:ahLst/>
+            <a:cxnLst/>
+            <a:rect l="l" t="t" r="r" b="b"/>
             <a:pathLst>
-              <a:path extrusionOk="0" h="120000" w="120000">
+              <a:path w="120000" h="120000" extrusionOk="0">
                 <a:moveTo>
                   <a:pt x="0" y="0"/>
                 </a:moveTo>
@@ -2376,9 +2522,11 @@
       <p:sp>
         <p:nvSpPr>
           <p:cNvPr id="84" name="Google Shape;84;ge6246dd590_0_209:notes"/>
-          <p:cNvSpPr txBox="1"/>
+          <p:cNvSpPr txBox="1">
+            <a:spLocks noGrp="1"/>
+          </p:cNvSpPr>
           <p:nvPr>
-            <p:ph idx="1" type="body"/>
+            <p:ph type="body" idx="1"/>
           </p:nvPr>
         </p:nvSpPr>
         <p:spPr>
@@ -2391,12 +2539,12 @@
           </a:prstGeom>
         </p:spPr>
         <p:txBody>
-          <a:bodyPr anchorCtr="0" anchor="t" bIns="91425" lIns="91425" spcFirstLastPara="1" rIns="91425" wrap="square" tIns="91425">
+          <a:bodyPr spcFirstLastPara="1" wrap="square" lIns="91425" tIns="91425" rIns="91425" bIns="91425" anchor="t" anchorCtr="0">
             <a:noAutofit/>
           </a:bodyPr>
           <a:lstStyle/>
           <a:p>
-            <a:pPr indent="-298450" lvl="0" marL="457200" rtl="0" algn="l">
+            <a:pPr marL="457200" lvl="0" indent="-298450" algn="l" rtl="0">
               <a:spcBef>
                 <a:spcPts val="0"/>
               </a:spcBef>
@@ -2423,11 +2571,11 @@
 </file>
 
 <file path=ppt/notesSlides/notesSlide5.xml><?xml version="1.0" encoding="utf-8"?>
-<p:notes xmlns:a="http://schemas.openxmlformats.org/drawingml/2006/main" xmlns:r="http://schemas.openxmlformats.org/officeDocument/2006/relationships" xmlns:mc="http://schemas.openxmlformats.org/markup-compatibility/2006" xmlns:mv="urn:schemas-microsoft-com:mac:vml" xmlns:p="http://schemas.openxmlformats.org/presentationml/2006/main" xmlns:c="http://schemas.openxmlformats.org/drawingml/2006/chart" xmlns:dgm="http://schemas.openxmlformats.org/drawingml/2006/diagram" xmlns:o="urn:schemas-microsoft-com:office:office" xmlns:v="urn:schemas-microsoft-com:vml" xmlns:pvml="urn:schemas-microsoft-com:office:powerpoint" xmlns:com="http://schemas.openxmlformats.org/drawingml/2006/compatibility" xmlns:p14="http://schemas.microsoft.com/office/powerpoint/2010/main" xmlns:p15="http://schemas.microsoft.com/office/powerpoint/2012/main" xmlns:ahyp="http://schemas.microsoft.com/office/drawing/2018/hyperlinkcolor" showMasterPhAnim="0" showMasterSp="0">
+<p:notes xmlns:a="http://schemas.openxmlformats.org/drawingml/2006/main" xmlns:r="http://schemas.openxmlformats.org/officeDocument/2006/relationships" xmlns:p="http://schemas.openxmlformats.org/presentationml/2006/main" showMasterSp="0" showMasterPhAnim="0">
   <p:cSld>
     <p:spTree>
       <p:nvGrpSpPr>
-        <p:cNvPr id="92" name="Shape 92"/>
+        <p:cNvPr id="1" name="Shape 92"/>
         <p:cNvGrpSpPr/>
         <p:nvPr/>
       </p:nvGrpSpPr>
@@ -2442,9 +2590,11 @@
       <p:sp>
         <p:nvSpPr>
           <p:cNvPr id="93" name="Google Shape;93;ge6246dd590_0_233:notes"/>
-          <p:cNvSpPr/>
+          <p:cNvSpPr>
+            <a:spLocks noGrp="1" noRot="1" noChangeAspect="1"/>
+          </p:cNvSpPr>
           <p:nvPr>
-            <p:ph idx="2" type="sldImg"/>
+            <p:ph type="sldImg" idx="2"/>
           </p:nvPr>
         </p:nvSpPr>
         <p:spPr>
@@ -2453,9 +2603,13 @@
             <a:ext cx="6096000" cy="3429000"/>
           </a:xfrm>
           <a:custGeom>
-            <a:rect b="b" l="l" r="r" t="t"/>
+            <a:avLst/>
+            <a:gdLst/>
+            <a:ahLst/>
+            <a:cxnLst/>
+            <a:rect l="l" t="t" r="r" b="b"/>
             <a:pathLst>
-              <a:path extrusionOk="0" h="120000" w="120000">
+              <a:path w="120000" h="120000" extrusionOk="0">
                 <a:moveTo>
                   <a:pt x="0" y="0"/>
                 </a:moveTo>
@@ -2477,9 +2631,11 @@
       <p:sp>
         <p:nvSpPr>
           <p:cNvPr id="94" name="Google Shape;94;ge6246dd590_0_233:notes"/>
-          <p:cNvSpPr txBox="1"/>
+          <p:cNvSpPr txBox="1">
+            <a:spLocks noGrp="1"/>
+          </p:cNvSpPr>
           <p:nvPr>
-            <p:ph idx="1" type="body"/>
+            <p:ph type="body" idx="1"/>
           </p:nvPr>
         </p:nvSpPr>
         <p:spPr>
@@ -2492,12 +2648,12 @@
           </a:prstGeom>
         </p:spPr>
         <p:txBody>
-          <a:bodyPr anchorCtr="0" anchor="t" bIns="91425" lIns="91425" spcFirstLastPara="1" rIns="91425" wrap="square" tIns="91425">
+          <a:bodyPr spcFirstLastPara="1" wrap="square" lIns="91425" tIns="91425" rIns="91425" bIns="91425" anchor="t" anchorCtr="0">
             <a:noAutofit/>
           </a:bodyPr>
           <a:lstStyle/>
           <a:p>
-            <a:pPr indent="-298450" lvl="0" marL="457200" rtl="0" algn="l">
+            <a:pPr marL="457200" lvl="0" indent="-298450" algn="l" rtl="0">
               <a:spcBef>
                 <a:spcPts val="0"/>
               </a:spcBef>
@@ -2524,11 +2680,11 @@
 </file>
 
 <file path=ppt/notesSlides/notesSlide6.xml><?xml version="1.0" encoding="utf-8"?>
-<p:notes xmlns:a="http://schemas.openxmlformats.org/drawingml/2006/main" xmlns:r="http://schemas.openxmlformats.org/officeDocument/2006/relationships" xmlns:mc="http://schemas.openxmlformats.org/markup-compatibility/2006" xmlns:mv="urn:schemas-microsoft-com:mac:vml" xmlns:p="http://schemas.openxmlformats.org/presentationml/2006/main" xmlns:c="http://schemas.openxmlformats.org/drawingml/2006/chart" xmlns:dgm="http://schemas.openxmlformats.org/drawingml/2006/diagram" xmlns:o="urn:schemas-microsoft-com:office:office" xmlns:v="urn:schemas-microsoft-com:vml" xmlns:pvml="urn:schemas-microsoft-com:office:powerpoint" xmlns:com="http://schemas.openxmlformats.org/drawingml/2006/compatibility" xmlns:p14="http://schemas.microsoft.com/office/powerpoint/2010/main" xmlns:p15="http://schemas.microsoft.com/office/powerpoint/2012/main" xmlns:ahyp="http://schemas.microsoft.com/office/drawing/2018/hyperlinkcolor" showMasterPhAnim="0" showMasterSp="0">
+<p:notes xmlns:a="http://schemas.openxmlformats.org/drawingml/2006/main" xmlns:r="http://schemas.openxmlformats.org/officeDocument/2006/relationships" xmlns:p="http://schemas.openxmlformats.org/presentationml/2006/main" showMasterSp="0" showMasterPhAnim="0">
   <p:cSld>
     <p:spTree>
       <p:nvGrpSpPr>
-        <p:cNvPr id="102" name="Shape 102"/>
+        <p:cNvPr id="1" name="Shape 102"/>
         <p:cNvGrpSpPr/>
         <p:nvPr/>
       </p:nvGrpSpPr>
@@ -2543,9 +2699,11 @@
       <p:sp>
         <p:nvSpPr>
           <p:cNvPr id="103" name="Google Shape;103;ge6246dd590_0_258:notes"/>
-          <p:cNvSpPr/>
+          <p:cNvSpPr>
+            <a:spLocks noGrp="1" noRot="1" noChangeAspect="1"/>
+          </p:cNvSpPr>
           <p:nvPr>
-            <p:ph idx="2" type="sldImg"/>
+            <p:ph type="sldImg" idx="2"/>
           </p:nvPr>
         </p:nvSpPr>
         <p:spPr>
@@ -2554,9 +2712,13 @@
             <a:ext cx="6096000" cy="3429000"/>
           </a:xfrm>
           <a:custGeom>
-            <a:rect b="b" l="l" r="r" t="t"/>
+            <a:avLst/>
+            <a:gdLst/>
+            <a:ahLst/>
+            <a:cxnLst/>
+            <a:rect l="l" t="t" r="r" b="b"/>
             <a:pathLst>
-              <a:path extrusionOk="0" h="120000" w="120000">
+              <a:path w="120000" h="120000" extrusionOk="0">
                 <a:moveTo>
                   <a:pt x="0" y="0"/>
                 </a:moveTo>
@@ -2578,9 +2740,11 @@
       <p:sp>
         <p:nvSpPr>
           <p:cNvPr id="104" name="Google Shape;104;ge6246dd590_0_258:notes"/>
-          <p:cNvSpPr txBox="1"/>
+          <p:cNvSpPr txBox="1">
+            <a:spLocks noGrp="1"/>
+          </p:cNvSpPr>
           <p:nvPr>
-            <p:ph idx="1" type="body"/>
+            <p:ph type="body" idx="1"/>
           </p:nvPr>
         </p:nvSpPr>
         <p:spPr>
@@ -2593,12 +2757,12 @@
           </a:prstGeom>
         </p:spPr>
         <p:txBody>
-          <a:bodyPr anchorCtr="0" anchor="t" bIns="91425" lIns="91425" spcFirstLastPara="1" rIns="91425" wrap="square" tIns="91425">
+          <a:bodyPr spcFirstLastPara="1" wrap="square" lIns="91425" tIns="91425" rIns="91425" bIns="91425" anchor="t" anchorCtr="0">
             <a:noAutofit/>
           </a:bodyPr>
           <a:lstStyle/>
           <a:p>
-            <a:pPr indent="-298450" lvl="0" marL="457200" rtl="0" algn="l">
+            <a:pPr marL="457200" lvl="0" indent="-298450" algn="l" rtl="0">
               <a:spcBef>
                 <a:spcPts val="0"/>
               </a:spcBef>
@@ -2625,11 +2789,11 @@
 </file>
 
 <file path=ppt/notesSlides/notesSlide7.xml><?xml version="1.0" encoding="utf-8"?>
-<p:notes xmlns:a="http://schemas.openxmlformats.org/drawingml/2006/main" xmlns:r="http://schemas.openxmlformats.org/officeDocument/2006/relationships" xmlns:mc="http://schemas.openxmlformats.org/markup-compatibility/2006" xmlns:mv="urn:schemas-microsoft-com:mac:vml" xmlns:p="http://schemas.openxmlformats.org/presentationml/2006/main" xmlns:c="http://schemas.openxmlformats.org/drawingml/2006/chart" xmlns:dgm="http://schemas.openxmlformats.org/drawingml/2006/diagram" xmlns:o="urn:schemas-microsoft-com:office:office" xmlns:v="urn:schemas-microsoft-com:vml" xmlns:pvml="urn:schemas-microsoft-com:office:powerpoint" xmlns:com="http://schemas.openxmlformats.org/drawingml/2006/compatibility" xmlns:p14="http://schemas.microsoft.com/office/powerpoint/2010/main" xmlns:p15="http://schemas.microsoft.com/office/powerpoint/2012/main" xmlns:ahyp="http://schemas.microsoft.com/office/drawing/2018/hyperlinkcolor" showMasterPhAnim="0" showMasterSp="0">
+<p:notes xmlns:a="http://schemas.openxmlformats.org/drawingml/2006/main" xmlns:r="http://schemas.openxmlformats.org/officeDocument/2006/relationships" xmlns:p="http://schemas.openxmlformats.org/presentationml/2006/main" showMasterSp="0" showMasterPhAnim="0">
   <p:cSld>
     <p:spTree>
       <p:nvGrpSpPr>
-        <p:cNvPr id="112" name="Shape 112"/>
+        <p:cNvPr id="1" name="Shape 112"/>
         <p:cNvGrpSpPr/>
         <p:nvPr/>
       </p:nvGrpSpPr>
@@ -2644,9 +2808,11 @@
       <p:sp>
         <p:nvSpPr>
           <p:cNvPr id="113" name="Google Shape;113;ge6246dd590_0_364:notes"/>
-          <p:cNvSpPr/>
+          <p:cNvSpPr>
+            <a:spLocks noGrp="1" noRot="1" noChangeAspect="1"/>
+          </p:cNvSpPr>
           <p:nvPr>
-            <p:ph idx="2" type="sldImg"/>
+            <p:ph type="sldImg" idx="2"/>
           </p:nvPr>
         </p:nvSpPr>
         <p:spPr>
@@ -2655,9 +2821,13 @@
             <a:ext cx="6096000" cy="3429000"/>
           </a:xfrm>
           <a:custGeom>
-            <a:rect b="b" l="l" r="r" t="t"/>
+            <a:avLst/>
+            <a:gdLst/>
+            <a:ahLst/>
+            <a:cxnLst/>
+            <a:rect l="l" t="t" r="r" b="b"/>
             <a:pathLst>
-              <a:path extrusionOk="0" h="120000" w="120000">
+              <a:path w="120000" h="120000" extrusionOk="0">
                 <a:moveTo>
                   <a:pt x="0" y="0"/>
                 </a:moveTo>
@@ -2679,9 +2849,11 @@
       <p:sp>
         <p:nvSpPr>
           <p:cNvPr id="114" name="Google Shape;114;ge6246dd590_0_364:notes"/>
-          <p:cNvSpPr txBox="1"/>
+          <p:cNvSpPr txBox="1">
+            <a:spLocks noGrp="1"/>
+          </p:cNvSpPr>
           <p:nvPr>
-            <p:ph idx="1" type="body"/>
+            <p:ph type="body" idx="1"/>
           </p:nvPr>
         </p:nvSpPr>
         <p:spPr>
@@ -2694,12 +2866,12 @@
           </a:prstGeom>
         </p:spPr>
         <p:txBody>
-          <a:bodyPr anchorCtr="0" anchor="t" bIns="91425" lIns="91425" spcFirstLastPara="1" rIns="91425" wrap="square" tIns="91425">
+          <a:bodyPr spcFirstLastPara="1" wrap="square" lIns="91425" tIns="91425" rIns="91425" bIns="91425" anchor="t" anchorCtr="0">
             <a:noAutofit/>
           </a:bodyPr>
           <a:lstStyle/>
           <a:p>
-            <a:pPr indent="-298450" lvl="0" marL="457200" rtl="0" algn="l">
+            <a:pPr marL="457200" lvl="0" indent="-298450" algn="l" rtl="0">
               <a:spcBef>
                 <a:spcPts val="0"/>
               </a:spcBef>
@@ -2726,11 +2898,11 @@
 </file>
 
 <file path=ppt/notesSlides/notesSlide8.xml><?xml version="1.0" encoding="utf-8"?>
-<p:notes xmlns:a="http://schemas.openxmlformats.org/drawingml/2006/main" xmlns:r="http://schemas.openxmlformats.org/officeDocument/2006/relationships" xmlns:mc="http://schemas.openxmlformats.org/markup-compatibility/2006" xmlns:mv="urn:schemas-microsoft-com:mac:vml" xmlns:p="http://schemas.openxmlformats.org/presentationml/2006/main" xmlns:c="http://schemas.openxmlformats.org/drawingml/2006/chart" xmlns:dgm="http://schemas.openxmlformats.org/drawingml/2006/diagram" xmlns:o="urn:schemas-microsoft-com:office:office" xmlns:v="urn:schemas-microsoft-com:vml" xmlns:pvml="urn:schemas-microsoft-com:office:powerpoint" xmlns:com="http://schemas.openxmlformats.org/drawingml/2006/compatibility" xmlns:p14="http://schemas.microsoft.com/office/powerpoint/2010/main" xmlns:p15="http://schemas.microsoft.com/office/powerpoint/2012/main" xmlns:ahyp="http://schemas.microsoft.com/office/drawing/2018/hyperlinkcolor" showMasterPhAnim="0" showMasterSp="0">
+<p:notes xmlns:a="http://schemas.openxmlformats.org/drawingml/2006/main" xmlns:r="http://schemas.openxmlformats.org/officeDocument/2006/relationships" xmlns:p="http://schemas.openxmlformats.org/presentationml/2006/main" showMasterSp="0" showMasterPhAnim="0">
   <p:cSld>
     <p:spTree>
       <p:nvGrpSpPr>
-        <p:cNvPr id="118" name="Shape 118"/>
+        <p:cNvPr id="1" name="Shape 118"/>
         <p:cNvGrpSpPr/>
         <p:nvPr/>
       </p:nvGrpSpPr>
@@ -2745,9 +2917,11 @@
       <p:sp>
         <p:nvSpPr>
           <p:cNvPr id="119" name="Google Shape;119;ge6246dd590_0_271:notes"/>
-          <p:cNvSpPr/>
+          <p:cNvSpPr>
+            <a:spLocks noGrp="1" noRot="1" noChangeAspect="1"/>
+          </p:cNvSpPr>
           <p:nvPr>
-            <p:ph idx="2" type="sldImg"/>
+            <p:ph type="sldImg" idx="2"/>
           </p:nvPr>
         </p:nvSpPr>
         <p:spPr>
@@ -2756,9 +2930,13 @@
             <a:ext cx="6096000" cy="3429000"/>
           </a:xfrm>
           <a:custGeom>
-            <a:rect b="b" l="l" r="r" t="t"/>
+            <a:avLst/>
+            <a:gdLst/>
+            <a:ahLst/>
+            <a:cxnLst/>
+            <a:rect l="l" t="t" r="r" b="b"/>
             <a:pathLst>
-              <a:path extrusionOk="0" h="120000" w="120000">
+              <a:path w="120000" h="120000" extrusionOk="0">
                 <a:moveTo>
                   <a:pt x="0" y="0"/>
                 </a:moveTo>
@@ -2780,9 +2958,11 @@
       <p:sp>
         <p:nvSpPr>
           <p:cNvPr id="120" name="Google Shape;120;ge6246dd590_0_271:notes"/>
-          <p:cNvSpPr txBox="1"/>
+          <p:cNvSpPr txBox="1">
+            <a:spLocks noGrp="1"/>
+          </p:cNvSpPr>
           <p:nvPr>
-            <p:ph idx="1" type="body"/>
+            <p:ph type="body" idx="1"/>
           </p:nvPr>
         </p:nvSpPr>
         <p:spPr>
@@ -2795,12 +2975,12 @@
           </a:prstGeom>
         </p:spPr>
         <p:txBody>
-          <a:bodyPr anchorCtr="0" anchor="t" bIns="91425" lIns="91425" spcFirstLastPara="1" rIns="91425" wrap="square" tIns="91425">
+          <a:bodyPr spcFirstLastPara="1" wrap="square" lIns="91425" tIns="91425" rIns="91425" bIns="91425" anchor="t" anchorCtr="0">
             <a:noAutofit/>
           </a:bodyPr>
           <a:lstStyle/>
           <a:p>
-            <a:pPr indent="-298450" lvl="0" marL="457200" rtl="0" algn="l">
+            <a:pPr marL="457200" lvl="0" indent="-298450" algn="l" rtl="0">
               <a:spcBef>
                 <a:spcPts val="0"/>
               </a:spcBef>
@@ -2827,11 +3007,11 @@
 </file>
 
 <file path=ppt/notesSlides/notesSlide9.xml><?xml version="1.0" encoding="utf-8"?>
-<p:notes xmlns:a="http://schemas.openxmlformats.org/drawingml/2006/main" xmlns:r="http://schemas.openxmlformats.org/officeDocument/2006/relationships" xmlns:mc="http://schemas.openxmlformats.org/markup-compatibility/2006" xmlns:mv="urn:schemas-microsoft-com:mac:vml" xmlns:p="http://schemas.openxmlformats.org/presentationml/2006/main" xmlns:c="http://schemas.openxmlformats.org/drawingml/2006/chart" xmlns:dgm="http://schemas.openxmlformats.org/drawingml/2006/diagram" xmlns:o="urn:schemas-microsoft-com:office:office" xmlns:v="urn:schemas-microsoft-com:vml" xmlns:pvml="urn:schemas-microsoft-com:office:powerpoint" xmlns:com="http://schemas.openxmlformats.org/drawingml/2006/compatibility" xmlns:p14="http://schemas.microsoft.com/office/powerpoint/2010/main" xmlns:p15="http://schemas.microsoft.com/office/powerpoint/2012/main" xmlns:ahyp="http://schemas.microsoft.com/office/drawing/2018/hyperlinkcolor" showMasterPhAnim="0" showMasterSp="0">
+<p:notes xmlns:a="http://schemas.openxmlformats.org/drawingml/2006/main" xmlns:r="http://schemas.openxmlformats.org/officeDocument/2006/relationships" xmlns:p="http://schemas.openxmlformats.org/presentationml/2006/main" showMasterSp="0" showMasterPhAnim="0">
   <p:cSld>
     <p:spTree>
       <p:nvGrpSpPr>
-        <p:cNvPr id="126" name="Shape 126"/>
+        <p:cNvPr id="1" name="Shape 126"/>
         <p:cNvGrpSpPr/>
         <p:nvPr/>
       </p:nvGrpSpPr>
@@ -2846,9 +3026,11 @@
       <p:sp>
         <p:nvSpPr>
           <p:cNvPr id="127" name="Google Shape;127;ge6246dd590_0_281:notes"/>
-          <p:cNvSpPr/>
+          <p:cNvSpPr>
+            <a:spLocks noGrp="1" noRot="1" noChangeAspect="1"/>
+          </p:cNvSpPr>
           <p:nvPr>
-            <p:ph idx="2" type="sldImg"/>
+            <p:ph type="sldImg" idx="2"/>
           </p:nvPr>
         </p:nvSpPr>
         <p:spPr>
@@ -2857,9 +3039,13 @@
             <a:ext cx="6096000" cy="3429000"/>
           </a:xfrm>
           <a:custGeom>
-            <a:rect b="b" l="l" r="r" t="t"/>
+            <a:avLst/>
+            <a:gdLst/>
+            <a:ahLst/>
+            <a:cxnLst/>
+            <a:rect l="l" t="t" r="r" b="b"/>
             <a:pathLst>
-              <a:path extrusionOk="0" h="120000" w="120000">
+              <a:path w="120000" h="120000" extrusionOk="0">
                 <a:moveTo>
                   <a:pt x="0" y="0"/>
                 </a:moveTo>
@@ -2881,9 +3067,11 @@
       <p:sp>
         <p:nvSpPr>
           <p:cNvPr id="128" name="Google Shape;128;ge6246dd590_0_281:notes"/>
-          <p:cNvSpPr txBox="1"/>
+          <p:cNvSpPr txBox="1">
+            <a:spLocks noGrp="1"/>
+          </p:cNvSpPr>
           <p:nvPr>
-            <p:ph idx="1" type="body"/>
+            <p:ph type="body" idx="1"/>
           </p:nvPr>
         </p:nvSpPr>
         <p:spPr>
@@ -2896,12 +3084,12 @@
           </a:prstGeom>
         </p:spPr>
         <p:txBody>
-          <a:bodyPr anchorCtr="0" anchor="t" bIns="91425" lIns="91425" spcFirstLastPara="1" rIns="91425" wrap="square" tIns="91425">
+          <a:bodyPr spcFirstLastPara="1" wrap="square" lIns="91425" tIns="91425" rIns="91425" bIns="91425" anchor="t" anchorCtr="0">
             <a:noAutofit/>
           </a:bodyPr>
           <a:lstStyle/>
           <a:p>
-            <a:pPr indent="-298450" lvl="0" marL="457200" rtl="0" algn="l">
+            <a:pPr marL="457200" lvl="0" indent="-298450" algn="l" rtl="0">
               <a:spcBef>
                 <a:spcPts val="0"/>
               </a:spcBef>
@@ -2928,11 +3116,11 @@
 </file>
 
 <file path=ppt/slideLayouts/slideLayout1.xml><?xml version="1.0" encoding="utf-8"?>
-<p:sldLayout xmlns:a="http://schemas.openxmlformats.org/drawingml/2006/main" xmlns:r="http://schemas.openxmlformats.org/officeDocument/2006/relationships" xmlns:mc="http://schemas.openxmlformats.org/markup-compatibility/2006" xmlns:mv="urn:schemas-microsoft-com:mac:vml" xmlns:p="http://schemas.openxmlformats.org/presentationml/2006/main" xmlns:c="http://schemas.openxmlformats.org/drawingml/2006/chart" xmlns:dgm="http://schemas.openxmlformats.org/drawingml/2006/diagram" xmlns:o="urn:schemas-microsoft-com:office:office" xmlns:v="urn:schemas-microsoft-com:vml" xmlns:pvml="urn:schemas-microsoft-com:office:powerpoint" xmlns:com="http://schemas.openxmlformats.org/drawingml/2006/compatibility" xmlns:p14="http://schemas.microsoft.com/office/powerpoint/2010/main" xmlns:p15="http://schemas.microsoft.com/office/powerpoint/2012/main" xmlns:ahyp="http://schemas.microsoft.com/office/drawing/2018/hyperlinkcolor" matchingName="Title slide" type="title">
+<p:sldLayout xmlns:a="http://schemas.openxmlformats.org/drawingml/2006/main" xmlns:r="http://schemas.openxmlformats.org/officeDocument/2006/relationships" xmlns:p="http://schemas.openxmlformats.org/presentationml/2006/main" matchingName="Title slide" type="title">
   <p:cSld name="TITLE">
     <p:spTree>
       <p:nvGrpSpPr>
-        <p:cNvPr id="9" name="Shape 9"/>
+        <p:cNvPr id="1" name="Shape 9"/>
         <p:cNvGrpSpPr/>
         <p:nvPr/>
       </p:nvGrpSpPr>
@@ -2959,14 +3147,14 @@
             <a:avLst/>
           </a:prstGeom>
           <a:noFill/>
-          <a:ln cap="flat" cmpd="sng" w="76200">
+          <a:ln w="76200" cap="flat" cmpd="sng">
             <a:solidFill>
               <a:schemeClr val="lt2"/>
             </a:solidFill>
             <a:prstDash val="solid"/>
             <a:round/>
-            <a:headEnd len="sm" w="sm" type="none"/>
-            <a:tailEnd len="sm" w="sm" type="none"/>
+            <a:headEnd type="none" w="sm" len="sm"/>
+            <a:tailEnd type="none" w="sm" len="sm"/>
           </a:ln>
         </p:spPr>
       </p:cxnSp>
@@ -2985,14 +3173,14 @@
             <a:avLst/>
           </a:prstGeom>
           <a:noFill/>
-          <a:ln cap="flat" cmpd="sng" w="76200">
+          <a:ln w="76200" cap="flat" cmpd="sng">
             <a:solidFill>
               <a:schemeClr val="lt2"/>
             </a:solidFill>
             <a:prstDash val="solid"/>
             <a:round/>
-            <a:headEnd len="sm" w="sm" type="none"/>
-            <a:tailEnd len="sm" w="sm" type="none"/>
+            <a:headEnd type="none" w="sm" len="sm"/>
+            <a:tailEnd type="none" w="sm" len="sm"/>
           </a:ln>
         </p:spPr>
       </p:cxnSp>
@@ -3025,14 +3213,14 @@
               <a:avLst/>
             </a:prstGeom>
             <a:noFill/>
-            <a:ln cap="flat" cmpd="sng" w="76200">
+            <a:ln w="76200" cap="flat" cmpd="sng">
               <a:solidFill>
                 <a:schemeClr val="accent3"/>
               </a:solidFill>
               <a:prstDash val="solid"/>
               <a:round/>
-              <a:headEnd len="sm" w="sm" type="none"/>
-              <a:tailEnd len="sm" w="sm" type="none"/>
+              <a:headEnd type="none" w="sm" len="sm"/>
+              <a:tailEnd type="none" w="sm" len="sm"/>
             </a:ln>
           </p:spPr>
         </p:cxnSp>
@@ -3051,14 +3239,14 @@
               <a:avLst/>
             </a:prstGeom>
             <a:noFill/>
-            <a:ln cap="flat" cmpd="sng" w="9525">
+            <a:ln w="9525" cap="flat" cmpd="sng">
               <a:solidFill>
                 <a:schemeClr val="accent3"/>
               </a:solidFill>
               <a:prstDash val="solid"/>
               <a:round/>
-              <a:headEnd len="sm" w="sm" type="none"/>
-              <a:tailEnd len="sm" w="sm" type="none"/>
+              <a:headEnd type="none" w="sm" len="sm"/>
+              <a:tailEnd type="none" w="sm" len="sm"/>
             </a:ln>
           </p:spPr>
         </p:cxnSp>
@@ -3092,14 +3280,14 @@
               <a:avLst/>
             </a:prstGeom>
             <a:noFill/>
-            <a:ln cap="flat" cmpd="sng" w="76200">
+            <a:ln w="76200" cap="flat" cmpd="sng">
               <a:solidFill>
                 <a:schemeClr val="accent3"/>
               </a:solidFill>
               <a:prstDash val="solid"/>
               <a:round/>
-              <a:headEnd len="sm" w="sm" type="none"/>
-              <a:tailEnd len="sm" w="sm" type="none"/>
+              <a:headEnd type="none" w="sm" len="sm"/>
+              <a:tailEnd type="none" w="sm" len="sm"/>
             </a:ln>
           </p:spPr>
         </p:cxnSp>
@@ -3118,14 +3306,14 @@
               <a:avLst/>
             </a:prstGeom>
             <a:noFill/>
-            <a:ln cap="flat" cmpd="sng" w="9525">
+            <a:ln w="9525" cap="flat" cmpd="sng">
               <a:solidFill>
                 <a:schemeClr val="accent3"/>
               </a:solidFill>
               <a:prstDash val="solid"/>
               <a:round/>
-              <a:headEnd len="sm" w="sm" type="none"/>
-              <a:tailEnd len="sm" w="sm" type="none"/>
+              <a:headEnd type="none" w="sm" len="sm"/>
+              <a:tailEnd type="none" w="sm" len="sm"/>
             </a:ln>
           </p:spPr>
         </p:cxnSp>
@@ -3133,7 +3321,9 @@
       <p:sp>
         <p:nvSpPr>
           <p:cNvPr id="18" name="Google Shape;18;p2"/>
-          <p:cNvSpPr txBox="1"/>
+          <p:cNvSpPr txBox="1">
+            <a:spLocks noGrp="1"/>
+          </p:cNvSpPr>
           <p:nvPr>
             <p:ph type="ctrTitle"/>
           </p:nvPr>
@@ -3148,11 +3338,11 @@
           </a:prstGeom>
         </p:spPr>
         <p:txBody>
-          <a:bodyPr anchorCtr="0" anchor="b" bIns="91425" lIns="91425" spcFirstLastPara="1" rIns="91425" wrap="square" tIns="91425">
+          <a:bodyPr spcFirstLastPara="1" wrap="square" lIns="91425" tIns="91425" rIns="91425" bIns="91425" anchor="b" anchorCtr="0">
             <a:normAutofit/>
           </a:bodyPr>
           <a:lstStyle>
-            <a:lvl1pPr lvl="0" rtl="0" algn="ctr">
+            <a:lvl1pPr lvl="0" algn="ctr" rtl="0">
               <a:spcBef>
                 <a:spcPts val="0"/>
               </a:spcBef>
@@ -3163,7 +3353,7 @@
               <a:buNone/>
               <a:defRPr sz="5400"/>
             </a:lvl1pPr>
-            <a:lvl2pPr lvl="1" rtl="0" algn="ctr">
+            <a:lvl2pPr lvl="1" algn="ctr" rtl="0">
               <a:spcBef>
                 <a:spcPts val="0"/>
               </a:spcBef>
@@ -3174,7 +3364,7 @@
               <a:buNone/>
               <a:defRPr sz="5400"/>
             </a:lvl2pPr>
-            <a:lvl3pPr lvl="2" rtl="0" algn="ctr">
+            <a:lvl3pPr lvl="2" algn="ctr" rtl="0">
               <a:spcBef>
                 <a:spcPts val="0"/>
               </a:spcBef>
@@ -3185,7 +3375,7 @@
               <a:buNone/>
               <a:defRPr sz="5400"/>
             </a:lvl3pPr>
-            <a:lvl4pPr lvl="3" rtl="0" algn="ctr">
+            <a:lvl4pPr lvl="3" algn="ctr" rtl="0">
               <a:spcBef>
                 <a:spcPts val="0"/>
               </a:spcBef>
@@ -3196,7 +3386,7 @@
               <a:buNone/>
               <a:defRPr sz="5400"/>
             </a:lvl4pPr>
-            <a:lvl5pPr lvl="4" rtl="0" algn="ctr">
+            <a:lvl5pPr lvl="4" algn="ctr" rtl="0">
               <a:spcBef>
                 <a:spcPts val="0"/>
               </a:spcBef>
@@ -3207,7 +3397,7 @@
               <a:buNone/>
               <a:defRPr sz="5400"/>
             </a:lvl5pPr>
-            <a:lvl6pPr lvl="5" rtl="0" algn="ctr">
+            <a:lvl6pPr lvl="5" algn="ctr" rtl="0">
               <a:spcBef>
                 <a:spcPts val="0"/>
               </a:spcBef>
@@ -3218,7 +3408,7 @@
               <a:buNone/>
               <a:defRPr sz="5400"/>
             </a:lvl6pPr>
-            <a:lvl7pPr lvl="6" rtl="0" algn="ctr">
+            <a:lvl7pPr lvl="6" algn="ctr" rtl="0">
               <a:spcBef>
                 <a:spcPts val="0"/>
               </a:spcBef>
@@ -3229,7 +3419,7 @@
               <a:buNone/>
               <a:defRPr sz="5400"/>
             </a:lvl7pPr>
-            <a:lvl8pPr lvl="7" rtl="0" algn="ctr">
+            <a:lvl8pPr lvl="7" algn="ctr" rtl="0">
               <a:spcBef>
                 <a:spcPts val="0"/>
               </a:spcBef>
@@ -3240,7 +3430,7 @@
               <a:buNone/>
               <a:defRPr sz="5400"/>
             </a:lvl8pPr>
-            <a:lvl9pPr lvl="8" rtl="0" algn="ctr">
+            <a:lvl9pPr lvl="8" algn="ctr" rtl="0">
               <a:spcBef>
                 <a:spcPts val="0"/>
               </a:spcBef>
@@ -3252,15 +3442,19 @@
               <a:defRPr sz="5400"/>
             </a:lvl9pPr>
           </a:lstStyle>
-          <a:p/>
+          <a:p>
+            <a:endParaRPr/>
+          </a:p>
         </p:txBody>
       </p:sp>
       <p:sp>
         <p:nvSpPr>
           <p:cNvPr id="19" name="Google Shape;19;p2"/>
-          <p:cNvSpPr txBox="1"/>
+          <p:cNvSpPr txBox="1">
+            <a:spLocks noGrp="1"/>
+          </p:cNvSpPr>
           <p:nvPr>
-            <p:ph idx="1" type="subTitle"/>
+            <p:ph type="subTitle" idx="1"/>
           </p:nvPr>
         </p:nvSpPr>
         <p:spPr>
@@ -3273,11 +3467,11 @@
           </a:prstGeom>
         </p:spPr>
         <p:txBody>
-          <a:bodyPr anchorCtr="0" anchor="t" bIns="91425" lIns="91425" spcFirstLastPara="1" rIns="91425" wrap="square" tIns="91425">
+          <a:bodyPr spcFirstLastPara="1" wrap="square" lIns="91425" tIns="91425" rIns="91425" bIns="91425" anchor="t" anchorCtr="0">
             <a:normAutofit/>
           </a:bodyPr>
           <a:lstStyle>
-            <a:lvl1pPr lvl="0" rtl="0" algn="ctr">
+            <a:lvl1pPr lvl="0" algn="ctr" rtl="0">
               <a:lnSpc>
                 <a:spcPct val="100000"/>
               </a:lnSpc>
@@ -3291,7 +3485,7 @@
               <a:buNone/>
               <a:defRPr sz="2400"/>
             </a:lvl1pPr>
-            <a:lvl2pPr lvl="1" rtl="0" algn="ctr">
+            <a:lvl2pPr lvl="1" algn="ctr" rtl="0">
               <a:lnSpc>
                 <a:spcPct val="100000"/>
               </a:lnSpc>
@@ -3305,7 +3499,7 @@
               <a:buNone/>
               <a:defRPr sz="2400"/>
             </a:lvl2pPr>
-            <a:lvl3pPr lvl="2" rtl="0" algn="ctr">
+            <a:lvl3pPr lvl="2" algn="ctr" rtl="0">
               <a:lnSpc>
                 <a:spcPct val="100000"/>
               </a:lnSpc>
@@ -3319,7 +3513,7 @@
               <a:buNone/>
               <a:defRPr sz="2400"/>
             </a:lvl3pPr>
-            <a:lvl4pPr lvl="3" rtl="0" algn="ctr">
+            <a:lvl4pPr lvl="3" algn="ctr" rtl="0">
               <a:lnSpc>
                 <a:spcPct val="100000"/>
               </a:lnSpc>
@@ -3333,7 +3527,7 @@
               <a:buNone/>
               <a:defRPr sz="2400"/>
             </a:lvl4pPr>
-            <a:lvl5pPr lvl="4" rtl="0" algn="ctr">
+            <a:lvl5pPr lvl="4" algn="ctr" rtl="0">
               <a:lnSpc>
                 <a:spcPct val="100000"/>
               </a:lnSpc>
@@ -3347,7 +3541,7 @@
               <a:buNone/>
               <a:defRPr sz="2400"/>
             </a:lvl5pPr>
-            <a:lvl6pPr lvl="5" rtl="0" algn="ctr">
+            <a:lvl6pPr lvl="5" algn="ctr" rtl="0">
               <a:lnSpc>
                 <a:spcPct val="100000"/>
               </a:lnSpc>
@@ -3361,7 +3555,7 @@
               <a:buNone/>
               <a:defRPr sz="2400"/>
             </a:lvl6pPr>
-            <a:lvl7pPr lvl="6" rtl="0" algn="ctr">
+            <a:lvl7pPr lvl="6" algn="ctr" rtl="0">
               <a:lnSpc>
                 <a:spcPct val="100000"/>
               </a:lnSpc>
@@ -3375,7 +3569,7 @@
               <a:buNone/>
               <a:defRPr sz="2400"/>
             </a:lvl7pPr>
-            <a:lvl8pPr lvl="7" rtl="0" algn="ctr">
+            <a:lvl8pPr lvl="7" algn="ctr" rtl="0">
               <a:lnSpc>
                 <a:spcPct val="100000"/>
               </a:lnSpc>
@@ -3389,7 +3583,7 @@
               <a:buNone/>
               <a:defRPr sz="2400"/>
             </a:lvl8pPr>
-            <a:lvl9pPr lvl="8" rtl="0" algn="ctr">
+            <a:lvl9pPr lvl="8" algn="ctr" rtl="0">
               <a:lnSpc>
                 <a:spcPct val="100000"/>
               </a:lnSpc>
@@ -3404,15 +3598,19 @@
               <a:defRPr sz="2400"/>
             </a:lvl9pPr>
           </a:lstStyle>
-          <a:p/>
+          <a:p>
+            <a:endParaRPr/>
+          </a:p>
         </p:txBody>
       </p:sp>
       <p:sp>
         <p:nvSpPr>
           <p:cNvPr id="20" name="Google Shape;20;p2"/>
-          <p:cNvSpPr txBox="1"/>
+          <p:cNvSpPr txBox="1">
+            <a:spLocks noGrp="1"/>
+          </p:cNvSpPr>
           <p:nvPr>
-            <p:ph idx="12" type="sldNum"/>
+            <p:ph type="sldNum" idx="12"/>
           </p:nvPr>
         </p:nvSpPr>
         <p:spPr>
@@ -3425,7 +3623,7 @@
           </a:prstGeom>
         </p:spPr>
         <p:txBody>
-          <a:bodyPr anchorCtr="0" anchor="ctr" bIns="91425" lIns="91425" spcFirstLastPara="1" rIns="91425" wrap="square" tIns="91425">
+          <a:bodyPr spcFirstLastPara="1" wrap="square" lIns="91425" tIns="91425" rIns="91425" bIns="91425" anchor="ctr" anchorCtr="0">
             <a:normAutofit/>
           </a:bodyPr>
           <a:lstStyle>
@@ -3467,7 +3665,7 @@
             </a:lvl9pPr>
           </a:lstStyle>
           <a:p>
-            <a:pPr indent="0" lvl="0" marL="0" rtl="0" algn="r">
+            <a:pPr marL="0" lvl="0" indent="0" algn="r" rtl="0">
               <a:spcBef>
                 <a:spcPts val="0"/>
               </a:spcBef>
@@ -3493,11 +3691,11 @@
 </file>
 
 <file path=ppt/slideLayouts/slideLayout10.xml><?xml version="1.0" encoding="utf-8"?>
-<p:sldLayout xmlns:a="http://schemas.openxmlformats.org/drawingml/2006/main" xmlns:r="http://schemas.openxmlformats.org/officeDocument/2006/relationships" xmlns:mc="http://schemas.openxmlformats.org/markup-compatibility/2006" xmlns:mv="urn:schemas-microsoft-com:mac:vml" xmlns:p="http://schemas.openxmlformats.org/presentationml/2006/main" xmlns:c="http://schemas.openxmlformats.org/drawingml/2006/chart" xmlns:dgm="http://schemas.openxmlformats.org/drawingml/2006/diagram" xmlns:o="urn:schemas-microsoft-com:office:office" xmlns:v="urn:schemas-microsoft-com:vml" xmlns:pvml="urn:schemas-microsoft-com:office:powerpoint" xmlns:com="http://schemas.openxmlformats.org/drawingml/2006/compatibility" xmlns:p14="http://schemas.microsoft.com/office/powerpoint/2010/main" xmlns:p15="http://schemas.microsoft.com/office/powerpoint/2012/main" xmlns:ahyp="http://schemas.microsoft.com/office/drawing/2018/hyperlinkcolor" matchingName="Big number">
+<p:sldLayout xmlns:a="http://schemas.openxmlformats.org/drawingml/2006/main" xmlns:r="http://schemas.openxmlformats.org/officeDocument/2006/relationships" xmlns:p="http://schemas.openxmlformats.org/presentationml/2006/main" matchingName="Big number">
   <p:cSld name="BIG_NUMBER">
     <p:spTree>
       <p:nvGrpSpPr>
-        <p:cNvPr id="55" name="Shape 55"/>
+        <p:cNvPr id="1" name="Shape 55"/>
         <p:cNvGrpSpPr/>
         <p:nvPr/>
       </p:nvGrpSpPr>
@@ -3531,12 +3729,12 @@
           </a:ln>
         </p:spPr>
         <p:txBody>
-          <a:bodyPr anchorCtr="0" anchor="ctr" bIns="91425" lIns="91425" spcFirstLastPara="1" rIns="91425" wrap="square" tIns="91425">
+          <a:bodyPr spcFirstLastPara="1" wrap="square" lIns="91425" tIns="91425" rIns="91425" bIns="91425" anchor="ctr" anchorCtr="0">
             <a:noAutofit/>
           </a:bodyPr>
           <a:lstStyle/>
           <a:p>
-            <a:pPr indent="0" lvl="0" marL="0" rtl="0" algn="l">
+            <a:pPr marL="0" lvl="0" indent="0" algn="l" rtl="0">
               <a:spcBef>
                 <a:spcPts val="0"/>
               </a:spcBef>
@@ -3545,9 +3743,6 @@
               </a:spcAft>
               <a:buNone/>
             </a:pPr>
-            <a:r>
-              <a:t/>
-            </a:r>
             <a:endParaRPr/>
           </a:p>
         </p:txBody>
@@ -3555,9 +3750,11 @@
       <p:sp>
         <p:nvSpPr>
           <p:cNvPr id="57" name="Google Shape;57;p11"/>
-          <p:cNvSpPr txBox="1"/>
+          <p:cNvSpPr txBox="1">
+            <a:spLocks noGrp="1"/>
+          </p:cNvSpPr>
           <p:nvPr>
-            <p:ph hasCustomPrompt="1" type="title"/>
+            <p:ph type="title" hasCustomPrompt="1"/>
           </p:nvPr>
         </p:nvSpPr>
         <p:spPr>
@@ -3570,11 +3767,11 @@
           </a:prstGeom>
         </p:spPr>
         <p:txBody>
-          <a:bodyPr anchorCtr="0" anchor="ctr" bIns="91425" lIns="91425" spcFirstLastPara="1" rIns="91425" wrap="square" tIns="91425">
+          <a:bodyPr spcFirstLastPara="1" wrap="square" lIns="91425" tIns="91425" rIns="91425" bIns="91425" anchor="ctr" anchorCtr="0">
             <a:normAutofit/>
           </a:bodyPr>
           <a:lstStyle>
-            <a:lvl1pPr lvl="0" rtl="0" algn="ctr">
+            <a:lvl1pPr lvl="0" algn="ctr" rtl="0">
               <a:spcBef>
                 <a:spcPts val="0"/>
               </a:spcBef>
@@ -3592,7 +3789,7 @@
                 </a:solidFill>
               </a:defRPr>
             </a:lvl1pPr>
-            <a:lvl2pPr lvl="1" rtl="0" algn="ctr">
+            <a:lvl2pPr lvl="1" algn="ctr" rtl="0">
               <a:spcBef>
                 <a:spcPts val="0"/>
               </a:spcBef>
@@ -3610,7 +3807,7 @@
                 </a:solidFill>
               </a:defRPr>
             </a:lvl2pPr>
-            <a:lvl3pPr lvl="2" rtl="0" algn="ctr">
+            <a:lvl3pPr lvl="2" algn="ctr" rtl="0">
               <a:spcBef>
                 <a:spcPts val="0"/>
               </a:spcBef>
@@ -3628,7 +3825,7 @@
                 </a:solidFill>
               </a:defRPr>
             </a:lvl3pPr>
-            <a:lvl4pPr lvl="3" rtl="0" algn="ctr">
+            <a:lvl4pPr lvl="3" algn="ctr" rtl="0">
               <a:spcBef>
                 <a:spcPts val="0"/>
               </a:spcBef>
@@ -3646,7 +3843,7 @@
                 </a:solidFill>
               </a:defRPr>
             </a:lvl4pPr>
-            <a:lvl5pPr lvl="4" rtl="0" algn="ctr">
+            <a:lvl5pPr lvl="4" algn="ctr" rtl="0">
               <a:spcBef>
                 <a:spcPts val="0"/>
               </a:spcBef>
@@ -3664,7 +3861,7 @@
                 </a:solidFill>
               </a:defRPr>
             </a:lvl5pPr>
-            <a:lvl6pPr lvl="5" rtl="0" algn="ctr">
+            <a:lvl6pPr lvl="5" algn="ctr" rtl="0">
               <a:spcBef>
                 <a:spcPts val="0"/>
               </a:spcBef>
@@ -3682,7 +3879,7 @@
                 </a:solidFill>
               </a:defRPr>
             </a:lvl6pPr>
-            <a:lvl7pPr lvl="6" rtl="0" algn="ctr">
+            <a:lvl7pPr lvl="6" algn="ctr" rtl="0">
               <a:spcBef>
                 <a:spcPts val="0"/>
               </a:spcBef>
@@ -3700,7 +3897,7 @@
                 </a:solidFill>
               </a:defRPr>
             </a:lvl7pPr>
-            <a:lvl8pPr lvl="7" rtl="0" algn="ctr">
+            <a:lvl8pPr lvl="7" algn="ctr" rtl="0">
               <a:spcBef>
                 <a:spcPts val="0"/>
               </a:spcBef>
@@ -3718,7 +3915,7 @@
                 </a:solidFill>
               </a:defRPr>
             </a:lvl8pPr>
-            <a:lvl9pPr lvl="8" rtl="0" algn="ctr">
+            <a:lvl9pPr lvl="8" algn="ctr" rtl="0">
               <a:spcBef>
                 <a:spcPts val="0"/>
               </a:spcBef>
@@ -3747,9 +3944,11 @@
       <p:sp>
         <p:nvSpPr>
           <p:cNvPr id="58" name="Google Shape;58;p11"/>
-          <p:cNvSpPr txBox="1"/>
+          <p:cNvSpPr txBox="1">
+            <a:spLocks noGrp="1"/>
+          </p:cNvSpPr>
           <p:nvPr>
-            <p:ph idx="1" type="body"/>
+            <p:ph type="body" idx="1"/>
           </p:nvPr>
         </p:nvSpPr>
         <p:spPr>
@@ -3762,11 +3961,11 @@
           </a:prstGeom>
         </p:spPr>
         <p:txBody>
-          <a:bodyPr anchorCtr="0" anchor="t" bIns="91425" lIns="91425" spcFirstLastPara="1" rIns="91425" wrap="square" tIns="91425">
+          <a:bodyPr spcFirstLastPara="1" wrap="square" lIns="91425" tIns="91425" rIns="91425" bIns="91425" anchor="t" anchorCtr="0">
             <a:normAutofit/>
           </a:bodyPr>
           <a:lstStyle>
-            <a:lvl1pPr indent="-342900" lvl="0" marL="457200" rtl="0" algn="ctr">
+            <a:lvl1pPr marL="457200" lvl="0" indent="-342900" algn="ctr" rtl="0">
               <a:spcBef>
                 <a:spcPts val="0"/>
               </a:spcBef>
@@ -3777,7 +3976,7 @@
               <a:buChar char="●"/>
               <a:defRPr/>
             </a:lvl1pPr>
-            <a:lvl2pPr indent="-317500" lvl="1" marL="914400" rtl="0" algn="ctr">
+            <a:lvl2pPr marL="914400" lvl="1" indent="-317500" algn="ctr" rtl="0">
               <a:spcBef>
                 <a:spcPts val="0"/>
               </a:spcBef>
@@ -3788,7 +3987,7 @@
               <a:buChar char="○"/>
               <a:defRPr/>
             </a:lvl2pPr>
-            <a:lvl3pPr indent="-317500" lvl="2" marL="1371600" rtl="0" algn="ctr">
+            <a:lvl3pPr marL="1371600" lvl="2" indent="-317500" algn="ctr" rtl="0">
               <a:spcBef>
                 <a:spcPts val="0"/>
               </a:spcBef>
@@ -3799,7 +3998,7 @@
               <a:buChar char="■"/>
               <a:defRPr/>
             </a:lvl3pPr>
-            <a:lvl4pPr indent="-317500" lvl="3" marL="1828800" rtl="0" algn="ctr">
+            <a:lvl4pPr marL="1828800" lvl="3" indent="-317500" algn="ctr" rtl="0">
               <a:spcBef>
                 <a:spcPts val="0"/>
               </a:spcBef>
@@ -3810,7 +4009,7 @@
               <a:buChar char="●"/>
               <a:defRPr/>
             </a:lvl4pPr>
-            <a:lvl5pPr indent="-317500" lvl="4" marL="2286000" rtl="0" algn="ctr">
+            <a:lvl5pPr marL="2286000" lvl="4" indent="-317500" algn="ctr" rtl="0">
               <a:spcBef>
                 <a:spcPts val="0"/>
               </a:spcBef>
@@ -3821,7 +4020,7 @@
               <a:buChar char="○"/>
               <a:defRPr/>
             </a:lvl5pPr>
-            <a:lvl6pPr indent="-317500" lvl="5" marL="2743200" rtl="0" algn="ctr">
+            <a:lvl6pPr marL="2743200" lvl="5" indent="-317500" algn="ctr" rtl="0">
               <a:spcBef>
                 <a:spcPts val="0"/>
               </a:spcBef>
@@ -3832,7 +4031,7 @@
               <a:buChar char="■"/>
               <a:defRPr/>
             </a:lvl6pPr>
-            <a:lvl7pPr indent="-317500" lvl="6" marL="3200400" rtl="0" algn="ctr">
+            <a:lvl7pPr marL="3200400" lvl="6" indent="-317500" algn="ctr" rtl="0">
               <a:spcBef>
                 <a:spcPts val="0"/>
               </a:spcBef>
@@ -3843,7 +4042,7 @@
               <a:buChar char="●"/>
               <a:defRPr/>
             </a:lvl7pPr>
-            <a:lvl8pPr indent="-317500" lvl="7" marL="3657600" rtl="0" algn="ctr">
+            <a:lvl8pPr marL="3657600" lvl="7" indent="-317500" algn="ctr" rtl="0">
               <a:spcBef>
                 <a:spcPts val="0"/>
               </a:spcBef>
@@ -3854,7 +4053,7 @@
               <a:buChar char="○"/>
               <a:defRPr/>
             </a:lvl8pPr>
-            <a:lvl9pPr indent="-317500" lvl="8" marL="4114800" rtl="0" algn="ctr">
+            <a:lvl9pPr marL="4114800" lvl="8" indent="-317500" algn="ctr" rtl="0">
               <a:spcBef>
                 <a:spcPts val="0"/>
               </a:spcBef>
@@ -3866,15 +4065,19 @@
               <a:defRPr/>
             </a:lvl9pPr>
           </a:lstStyle>
-          <a:p/>
+          <a:p>
+            <a:endParaRPr/>
+          </a:p>
         </p:txBody>
       </p:sp>
       <p:sp>
         <p:nvSpPr>
           <p:cNvPr id="59" name="Google Shape;59;p11"/>
-          <p:cNvSpPr txBox="1"/>
+          <p:cNvSpPr txBox="1">
+            <a:spLocks noGrp="1"/>
+          </p:cNvSpPr>
           <p:nvPr>
-            <p:ph idx="12" type="sldNum"/>
+            <p:ph type="sldNum" idx="12"/>
           </p:nvPr>
         </p:nvSpPr>
         <p:spPr>
@@ -3887,7 +4090,7 @@
           </a:prstGeom>
         </p:spPr>
         <p:txBody>
-          <a:bodyPr anchorCtr="0" anchor="ctr" bIns="91425" lIns="91425" spcFirstLastPara="1" rIns="91425" wrap="square" tIns="91425">
+          <a:bodyPr spcFirstLastPara="1" wrap="square" lIns="91425" tIns="91425" rIns="91425" bIns="91425" anchor="ctr" anchorCtr="0">
             <a:normAutofit/>
           </a:bodyPr>
           <a:lstStyle>
@@ -3929,7 +4132,7 @@
             </a:lvl9pPr>
           </a:lstStyle>
           <a:p>
-            <a:pPr indent="0" lvl="0" marL="0" rtl="0" algn="r">
+            <a:pPr marL="0" lvl="0" indent="0" algn="r" rtl="0">
               <a:spcBef>
                 <a:spcPts val="0"/>
               </a:spcBef>
@@ -3955,11 +4158,11 @@
 </file>
 
 <file path=ppt/slideLayouts/slideLayout11.xml><?xml version="1.0" encoding="utf-8"?>
-<p:sldLayout xmlns:a="http://schemas.openxmlformats.org/drawingml/2006/main" xmlns:r="http://schemas.openxmlformats.org/officeDocument/2006/relationships" xmlns:mc="http://schemas.openxmlformats.org/markup-compatibility/2006" xmlns:mv="urn:schemas-microsoft-com:mac:vml" xmlns:p="http://schemas.openxmlformats.org/presentationml/2006/main" xmlns:c="http://schemas.openxmlformats.org/drawingml/2006/chart" xmlns:dgm="http://schemas.openxmlformats.org/drawingml/2006/diagram" xmlns:o="urn:schemas-microsoft-com:office:office" xmlns:v="urn:schemas-microsoft-com:vml" xmlns:pvml="urn:schemas-microsoft-com:office:powerpoint" xmlns:com="http://schemas.openxmlformats.org/drawingml/2006/compatibility" xmlns:p14="http://schemas.microsoft.com/office/powerpoint/2010/main" xmlns:p15="http://schemas.microsoft.com/office/powerpoint/2012/main" xmlns:ahyp="http://schemas.microsoft.com/office/drawing/2018/hyperlinkcolor" matchingName="Blank" type="blank">
+<p:sldLayout xmlns:a="http://schemas.openxmlformats.org/drawingml/2006/main" xmlns:r="http://schemas.openxmlformats.org/officeDocument/2006/relationships" xmlns:p="http://schemas.openxmlformats.org/presentationml/2006/main" matchingName="Blank" type="blank">
   <p:cSld name="BLANK">
     <p:spTree>
       <p:nvGrpSpPr>
-        <p:cNvPr id="60" name="Shape 60"/>
+        <p:cNvPr id="1" name="Shape 60"/>
         <p:cNvGrpSpPr/>
         <p:nvPr/>
       </p:nvGrpSpPr>
@@ -3974,9 +4177,11 @@
       <p:sp>
         <p:nvSpPr>
           <p:cNvPr id="61" name="Google Shape;61;p12"/>
-          <p:cNvSpPr txBox="1"/>
+          <p:cNvSpPr txBox="1">
+            <a:spLocks noGrp="1"/>
+          </p:cNvSpPr>
           <p:nvPr>
-            <p:ph idx="12" type="sldNum"/>
+            <p:ph type="sldNum" idx="12"/>
           </p:nvPr>
         </p:nvSpPr>
         <p:spPr>
@@ -3989,7 +4194,7 @@
           </a:prstGeom>
         </p:spPr>
         <p:txBody>
-          <a:bodyPr anchorCtr="0" anchor="ctr" bIns="91425" lIns="91425" spcFirstLastPara="1" rIns="91425" wrap="square" tIns="91425">
+          <a:bodyPr spcFirstLastPara="1" wrap="square" lIns="91425" tIns="91425" rIns="91425" bIns="91425" anchor="ctr" anchorCtr="0">
             <a:normAutofit/>
           </a:bodyPr>
           <a:lstStyle>
@@ -4031,7 +4236,7 @@
             </a:lvl9pPr>
           </a:lstStyle>
           <a:p>
-            <a:pPr indent="0" lvl="0" marL="0" rtl="0" algn="r">
+            <a:pPr marL="0" lvl="0" indent="0" algn="r" rtl="0">
               <a:spcBef>
                 <a:spcPts val="0"/>
               </a:spcBef>
@@ -4057,11 +4262,11 @@
 </file>
 
 <file path=ppt/slideLayouts/slideLayout2.xml><?xml version="1.0" encoding="utf-8"?>
-<p:sldLayout xmlns:a="http://schemas.openxmlformats.org/drawingml/2006/main" xmlns:r="http://schemas.openxmlformats.org/officeDocument/2006/relationships" xmlns:mc="http://schemas.openxmlformats.org/markup-compatibility/2006" xmlns:mv="urn:schemas-microsoft-com:mac:vml" xmlns:p="http://schemas.openxmlformats.org/presentationml/2006/main" xmlns:c="http://schemas.openxmlformats.org/drawingml/2006/chart" xmlns:dgm="http://schemas.openxmlformats.org/drawingml/2006/diagram" xmlns:o="urn:schemas-microsoft-com:office:office" xmlns:v="urn:schemas-microsoft-com:vml" xmlns:pvml="urn:schemas-microsoft-com:office:powerpoint" xmlns:com="http://schemas.openxmlformats.org/drawingml/2006/compatibility" xmlns:p14="http://schemas.microsoft.com/office/powerpoint/2010/main" xmlns:p15="http://schemas.microsoft.com/office/powerpoint/2012/main" xmlns:ahyp="http://schemas.microsoft.com/office/drawing/2018/hyperlinkcolor" matchingName="Section header" type="secHead">
+<p:sldLayout xmlns:a="http://schemas.openxmlformats.org/drawingml/2006/main" xmlns:r="http://schemas.openxmlformats.org/officeDocument/2006/relationships" xmlns:p="http://schemas.openxmlformats.org/presentationml/2006/main" matchingName="Section header" type="secHead">
   <p:cSld name="SECTION_HEADER">
     <p:spTree>
       <p:nvGrpSpPr>
-        <p:cNvPr id="21" name="Shape 21"/>
+        <p:cNvPr id="1" name="Shape 21"/>
         <p:cNvGrpSpPr/>
         <p:nvPr/>
       </p:nvGrpSpPr>
@@ -4095,12 +4300,12 @@
           </a:ln>
         </p:spPr>
         <p:txBody>
-          <a:bodyPr anchorCtr="0" anchor="ctr" bIns="91425" lIns="91425" spcFirstLastPara="1" rIns="91425" wrap="square" tIns="91425">
+          <a:bodyPr spcFirstLastPara="1" wrap="square" lIns="91425" tIns="91425" rIns="91425" bIns="91425" anchor="ctr" anchorCtr="0">
             <a:noAutofit/>
           </a:bodyPr>
           <a:lstStyle/>
           <a:p>
-            <a:pPr indent="0" lvl="0" marL="0" rtl="0" algn="l">
+            <a:pPr marL="0" lvl="0" indent="0" algn="l" rtl="0">
               <a:spcBef>
                 <a:spcPts val="0"/>
               </a:spcBef>
@@ -4109,9 +4314,6 @@
               </a:spcAft>
               <a:buNone/>
             </a:pPr>
-            <a:r>
-              <a:t/>
-            </a:r>
             <a:endParaRPr/>
           </a:p>
         </p:txBody>
@@ -4119,7 +4321,9 @@
       <p:sp>
         <p:nvSpPr>
           <p:cNvPr id="23" name="Google Shape;23;p3"/>
-          <p:cNvSpPr txBox="1"/>
+          <p:cNvSpPr txBox="1">
+            <a:spLocks noGrp="1"/>
+          </p:cNvSpPr>
           <p:nvPr>
             <p:ph type="title"/>
           </p:nvPr>
@@ -4134,11 +4338,11 @@
           </a:prstGeom>
         </p:spPr>
         <p:txBody>
-          <a:bodyPr anchorCtr="0" anchor="ctr" bIns="91425" lIns="91425" spcFirstLastPara="1" rIns="91425" wrap="square" tIns="91425">
+          <a:bodyPr spcFirstLastPara="1" wrap="square" lIns="91425" tIns="91425" rIns="91425" bIns="91425" anchor="ctr" anchorCtr="0">
             <a:normAutofit/>
           </a:bodyPr>
           <a:lstStyle>
-            <a:lvl1pPr lvl="0" rtl="0" algn="ctr">
+            <a:lvl1pPr lvl="0" algn="ctr" rtl="0">
               <a:spcBef>
                 <a:spcPts val="0"/>
               </a:spcBef>
@@ -4149,7 +4353,7 @@
               <a:buNone/>
               <a:defRPr/>
             </a:lvl1pPr>
-            <a:lvl2pPr lvl="1" rtl="0" algn="ctr">
+            <a:lvl2pPr lvl="1" algn="ctr" rtl="0">
               <a:spcBef>
                 <a:spcPts val="0"/>
               </a:spcBef>
@@ -4160,7 +4364,7 @@
               <a:buNone/>
               <a:defRPr/>
             </a:lvl2pPr>
-            <a:lvl3pPr lvl="2" rtl="0" algn="ctr">
+            <a:lvl3pPr lvl="2" algn="ctr" rtl="0">
               <a:spcBef>
                 <a:spcPts val="0"/>
               </a:spcBef>
@@ -4171,7 +4375,7 @@
               <a:buNone/>
               <a:defRPr/>
             </a:lvl3pPr>
-            <a:lvl4pPr lvl="3" rtl="0" algn="ctr">
+            <a:lvl4pPr lvl="3" algn="ctr" rtl="0">
               <a:spcBef>
                 <a:spcPts val="0"/>
               </a:spcBef>
@@ -4182,7 +4386,7 @@
               <a:buNone/>
               <a:defRPr/>
             </a:lvl4pPr>
-            <a:lvl5pPr lvl="4" rtl="0" algn="ctr">
+            <a:lvl5pPr lvl="4" algn="ctr" rtl="0">
               <a:spcBef>
                 <a:spcPts val="0"/>
               </a:spcBef>
@@ -4193,7 +4397,7 @@
               <a:buNone/>
               <a:defRPr/>
             </a:lvl5pPr>
-            <a:lvl6pPr lvl="5" rtl="0" algn="ctr">
+            <a:lvl6pPr lvl="5" algn="ctr" rtl="0">
               <a:spcBef>
                 <a:spcPts val="0"/>
               </a:spcBef>
@@ -4204,7 +4408,7 @@
               <a:buNone/>
               <a:defRPr/>
             </a:lvl6pPr>
-            <a:lvl7pPr lvl="6" rtl="0" algn="ctr">
+            <a:lvl7pPr lvl="6" algn="ctr" rtl="0">
               <a:spcBef>
                 <a:spcPts val="0"/>
               </a:spcBef>
@@ -4215,7 +4419,7 @@
               <a:buNone/>
               <a:defRPr/>
             </a:lvl7pPr>
-            <a:lvl8pPr lvl="7" rtl="0" algn="ctr">
+            <a:lvl8pPr lvl="7" algn="ctr" rtl="0">
               <a:spcBef>
                 <a:spcPts val="0"/>
               </a:spcBef>
@@ -4226,7 +4430,7 @@
               <a:buNone/>
               <a:defRPr/>
             </a:lvl8pPr>
-            <a:lvl9pPr lvl="8" rtl="0" algn="ctr">
+            <a:lvl9pPr lvl="8" algn="ctr" rtl="0">
               <a:spcBef>
                 <a:spcPts val="0"/>
               </a:spcBef>
@@ -4238,15 +4442,19 @@
               <a:defRPr/>
             </a:lvl9pPr>
           </a:lstStyle>
-          <a:p/>
+          <a:p>
+            <a:endParaRPr/>
+          </a:p>
         </p:txBody>
       </p:sp>
       <p:sp>
         <p:nvSpPr>
           <p:cNvPr id="24" name="Google Shape;24;p3"/>
-          <p:cNvSpPr txBox="1"/>
+          <p:cNvSpPr txBox="1">
+            <a:spLocks noGrp="1"/>
+          </p:cNvSpPr>
           <p:nvPr>
-            <p:ph idx="12" type="sldNum"/>
+            <p:ph type="sldNum" idx="12"/>
           </p:nvPr>
         </p:nvSpPr>
         <p:spPr>
@@ -4259,7 +4467,7 @@
           </a:prstGeom>
         </p:spPr>
         <p:txBody>
-          <a:bodyPr anchorCtr="0" anchor="ctr" bIns="91425" lIns="91425" spcFirstLastPara="1" rIns="91425" wrap="square" tIns="91425">
+          <a:bodyPr spcFirstLastPara="1" wrap="square" lIns="91425" tIns="91425" rIns="91425" bIns="91425" anchor="ctr" anchorCtr="0">
             <a:normAutofit/>
           </a:bodyPr>
           <a:lstStyle>
@@ -4337,7 +4545,7 @@
             </a:lvl9pPr>
           </a:lstStyle>
           <a:p>
-            <a:pPr indent="0" lvl="0" marL="0" rtl="0" algn="r">
+            <a:pPr marL="0" lvl="0" indent="0" algn="r" rtl="0">
               <a:spcBef>
                 <a:spcPts val="0"/>
               </a:spcBef>
@@ -4363,11 +4571,11 @@
 </file>
 
 <file path=ppt/slideLayouts/slideLayout3.xml><?xml version="1.0" encoding="utf-8"?>
-<p:sldLayout xmlns:a="http://schemas.openxmlformats.org/drawingml/2006/main" xmlns:r="http://schemas.openxmlformats.org/officeDocument/2006/relationships" xmlns:mc="http://schemas.openxmlformats.org/markup-compatibility/2006" xmlns:mv="urn:schemas-microsoft-com:mac:vml" xmlns:p="http://schemas.openxmlformats.org/presentationml/2006/main" xmlns:c="http://schemas.openxmlformats.org/drawingml/2006/chart" xmlns:dgm="http://schemas.openxmlformats.org/drawingml/2006/diagram" xmlns:o="urn:schemas-microsoft-com:office:office" xmlns:v="urn:schemas-microsoft-com:vml" xmlns:pvml="urn:schemas-microsoft-com:office:powerpoint" xmlns:com="http://schemas.openxmlformats.org/drawingml/2006/compatibility" xmlns:p14="http://schemas.microsoft.com/office/powerpoint/2010/main" xmlns:p15="http://schemas.microsoft.com/office/powerpoint/2012/main" xmlns:ahyp="http://schemas.microsoft.com/office/drawing/2018/hyperlinkcolor" matchingName="Title and body" type="tx">
+<p:sldLayout xmlns:a="http://schemas.openxmlformats.org/drawingml/2006/main" xmlns:r="http://schemas.openxmlformats.org/officeDocument/2006/relationships" xmlns:p="http://schemas.openxmlformats.org/presentationml/2006/main" matchingName="Title and body" type="tx">
   <p:cSld name="TITLE_AND_BODY">
     <p:spTree>
       <p:nvGrpSpPr>
-        <p:cNvPr id="25" name="Shape 25"/>
+        <p:cNvPr id="1" name="Shape 25"/>
         <p:cNvGrpSpPr/>
         <p:nvPr/>
       </p:nvGrpSpPr>
@@ -4401,12 +4609,12 @@
           </a:ln>
         </p:spPr>
         <p:txBody>
-          <a:bodyPr anchorCtr="0" anchor="ctr" bIns="91425" lIns="91425" spcFirstLastPara="1" rIns="91425" wrap="square" tIns="91425">
+          <a:bodyPr spcFirstLastPara="1" wrap="square" lIns="91425" tIns="91425" rIns="91425" bIns="91425" anchor="ctr" anchorCtr="0">
             <a:noAutofit/>
           </a:bodyPr>
           <a:lstStyle/>
           <a:p>
-            <a:pPr indent="0" lvl="0" marL="0" rtl="0" algn="l">
+            <a:pPr marL="0" lvl="0" indent="0" algn="l" rtl="0">
               <a:spcBef>
                 <a:spcPts val="0"/>
               </a:spcBef>
@@ -4415,9 +4623,6 @@
               </a:spcAft>
               <a:buNone/>
             </a:pPr>
-            <a:r>
-              <a:t/>
-            </a:r>
             <a:endParaRPr/>
           </a:p>
         </p:txBody>
@@ -4425,7 +4630,9 @@
       <p:sp>
         <p:nvSpPr>
           <p:cNvPr id="27" name="Google Shape;27;p4"/>
-          <p:cNvSpPr txBox="1"/>
+          <p:cNvSpPr txBox="1">
+            <a:spLocks noGrp="1"/>
+          </p:cNvSpPr>
           <p:nvPr>
             <p:ph type="title"/>
           </p:nvPr>
@@ -4440,7 +4647,7 @@
           </a:prstGeom>
         </p:spPr>
         <p:txBody>
-          <a:bodyPr anchorCtr="0" anchor="t" bIns="91425" lIns="91425" spcFirstLastPara="1" rIns="91425" wrap="square" tIns="91425">
+          <a:bodyPr spcFirstLastPara="1" wrap="square" lIns="91425" tIns="91425" rIns="91425" bIns="91425" anchor="t" anchorCtr="0">
             <a:normAutofit/>
           </a:bodyPr>
           <a:lstStyle>
@@ -4544,15 +4751,19 @@
               <a:defRPr/>
             </a:lvl9pPr>
           </a:lstStyle>
-          <a:p/>
+          <a:p>
+            <a:endParaRPr/>
+          </a:p>
         </p:txBody>
       </p:sp>
       <p:sp>
         <p:nvSpPr>
           <p:cNvPr id="28" name="Google Shape;28;p4"/>
-          <p:cNvSpPr txBox="1"/>
+          <p:cNvSpPr txBox="1">
+            <a:spLocks noGrp="1"/>
+          </p:cNvSpPr>
           <p:nvPr>
-            <p:ph idx="1" type="body"/>
+            <p:ph type="body" idx="1"/>
           </p:nvPr>
         </p:nvSpPr>
         <p:spPr>
@@ -4565,11 +4776,11 @@
           </a:prstGeom>
         </p:spPr>
         <p:txBody>
-          <a:bodyPr anchorCtr="0" anchor="t" bIns="91425" lIns="91425" spcFirstLastPara="1" rIns="91425" wrap="square" tIns="91425">
+          <a:bodyPr spcFirstLastPara="1" wrap="square" lIns="91425" tIns="91425" rIns="91425" bIns="91425" anchor="t" anchorCtr="0">
             <a:normAutofit/>
           </a:bodyPr>
           <a:lstStyle>
-            <a:lvl1pPr indent="-342900" lvl="0" marL="457200" rtl="0">
+            <a:lvl1pPr marL="457200" lvl="0" indent="-342900" rtl="0">
               <a:spcBef>
                 <a:spcPts val="0"/>
               </a:spcBef>
@@ -4580,7 +4791,7 @@
               <a:buChar char="●"/>
               <a:defRPr/>
             </a:lvl1pPr>
-            <a:lvl2pPr indent="-317500" lvl="1" marL="914400" rtl="0">
+            <a:lvl2pPr marL="914400" lvl="1" indent="-317500" rtl="0">
               <a:spcBef>
                 <a:spcPts val="0"/>
               </a:spcBef>
@@ -4591,7 +4802,7 @@
               <a:buChar char="○"/>
               <a:defRPr/>
             </a:lvl2pPr>
-            <a:lvl3pPr indent="-317500" lvl="2" marL="1371600" rtl="0">
+            <a:lvl3pPr marL="1371600" lvl="2" indent="-317500" rtl="0">
               <a:spcBef>
                 <a:spcPts val="0"/>
               </a:spcBef>
@@ -4602,7 +4813,7 @@
               <a:buChar char="■"/>
               <a:defRPr/>
             </a:lvl3pPr>
-            <a:lvl4pPr indent="-317500" lvl="3" marL="1828800" rtl="0">
+            <a:lvl4pPr marL="1828800" lvl="3" indent="-317500" rtl="0">
               <a:spcBef>
                 <a:spcPts val="0"/>
               </a:spcBef>
@@ -4613,7 +4824,7 @@
               <a:buChar char="●"/>
               <a:defRPr/>
             </a:lvl4pPr>
-            <a:lvl5pPr indent="-317500" lvl="4" marL="2286000" rtl="0">
+            <a:lvl5pPr marL="2286000" lvl="4" indent="-317500" rtl="0">
               <a:spcBef>
                 <a:spcPts val="0"/>
               </a:spcBef>
@@ -4624,7 +4835,7 @@
               <a:buChar char="○"/>
               <a:defRPr/>
             </a:lvl5pPr>
-            <a:lvl6pPr indent="-317500" lvl="5" marL="2743200" rtl="0">
+            <a:lvl6pPr marL="2743200" lvl="5" indent="-317500" rtl="0">
               <a:spcBef>
                 <a:spcPts val="0"/>
               </a:spcBef>
@@ -4635,7 +4846,7 @@
               <a:buChar char="■"/>
               <a:defRPr/>
             </a:lvl6pPr>
-            <a:lvl7pPr indent="-317500" lvl="6" marL="3200400" rtl="0">
+            <a:lvl7pPr marL="3200400" lvl="6" indent="-317500" rtl="0">
               <a:spcBef>
                 <a:spcPts val="0"/>
               </a:spcBef>
@@ -4646,7 +4857,7 @@
               <a:buChar char="●"/>
               <a:defRPr/>
             </a:lvl7pPr>
-            <a:lvl8pPr indent="-317500" lvl="7" marL="3657600" rtl="0">
+            <a:lvl8pPr marL="3657600" lvl="7" indent="-317500" rtl="0">
               <a:spcBef>
                 <a:spcPts val="0"/>
               </a:spcBef>
@@ -4657,7 +4868,7 @@
               <a:buChar char="○"/>
               <a:defRPr/>
             </a:lvl8pPr>
-            <a:lvl9pPr indent="-317500" lvl="8" marL="4114800" rtl="0">
+            <a:lvl9pPr marL="4114800" lvl="8" indent="-317500" rtl="0">
               <a:spcBef>
                 <a:spcPts val="0"/>
               </a:spcBef>
@@ -4669,15 +4880,19 @@
               <a:defRPr/>
             </a:lvl9pPr>
           </a:lstStyle>
-          <a:p/>
+          <a:p>
+            <a:endParaRPr/>
+          </a:p>
         </p:txBody>
       </p:sp>
       <p:sp>
         <p:nvSpPr>
           <p:cNvPr id="29" name="Google Shape;29;p4"/>
-          <p:cNvSpPr txBox="1"/>
+          <p:cNvSpPr txBox="1">
+            <a:spLocks noGrp="1"/>
+          </p:cNvSpPr>
           <p:nvPr>
-            <p:ph idx="12" type="sldNum"/>
+            <p:ph type="sldNum" idx="12"/>
           </p:nvPr>
         </p:nvSpPr>
         <p:spPr>
@@ -4690,7 +4905,7 @@
           </a:prstGeom>
         </p:spPr>
         <p:txBody>
-          <a:bodyPr anchorCtr="0" anchor="ctr" bIns="91425" lIns="91425" spcFirstLastPara="1" rIns="91425" wrap="square" tIns="91425">
+          <a:bodyPr spcFirstLastPara="1" wrap="square" lIns="91425" tIns="91425" rIns="91425" bIns="91425" anchor="ctr" anchorCtr="0">
             <a:normAutofit/>
           </a:bodyPr>
           <a:lstStyle>
@@ -4732,7 +4947,7 @@
             </a:lvl9pPr>
           </a:lstStyle>
           <a:p>
-            <a:pPr indent="0" lvl="0" marL="0" rtl="0" algn="r">
+            <a:pPr marL="0" lvl="0" indent="0" algn="r" rtl="0">
               <a:spcBef>
                 <a:spcPts val="0"/>
               </a:spcBef>
@@ -4758,11 +4973,11 @@
 </file>
 
 <file path=ppt/slideLayouts/slideLayout4.xml><?xml version="1.0" encoding="utf-8"?>
-<p:sldLayout xmlns:a="http://schemas.openxmlformats.org/drawingml/2006/main" xmlns:r="http://schemas.openxmlformats.org/officeDocument/2006/relationships" xmlns:mc="http://schemas.openxmlformats.org/markup-compatibility/2006" xmlns:mv="urn:schemas-microsoft-com:mac:vml" xmlns:p="http://schemas.openxmlformats.org/presentationml/2006/main" xmlns:c="http://schemas.openxmlformats.org/drawingml/2006/chart" xmlns:dgm="http://schemas.openxmlformats.org/drawingml/2006/diagram" xmlns:o="urn:schemas-microsoft-com:office:office" xmlns:v="urn:schemas-microsoft-com:vml" xmlns:pvml="urn:schemas-microsoft-com:office:powerpoint" xmlns:com="http://schemas.openxmlformats.org/drawingml/2006/compatibility" xmlns:p14="http://schemas.microsoft.com/office/powerpoint/2010/main" xmlns:p15="http://schemas.microsoft.com/office/powerpoint/2012/main" xmlns:ahyp="http://schemas.microsoft.com/office/drawing/2018/hyperlinkcolor" matchingName="Title and two columns" type="twoColTx">
+<p:sldLayout xmlns:a="http://schemas.openxmlformats.org/drawingml/2006/main" xmlns:r="http://schemas.openxmlformats.org/officeDocument/2006/relationships" xmlns:p="http://schemas.openxmlformats.org/presentationml/2006/main" matchingName="Title and two columns" type="twoColTx">
   <p:cSld name="TITLE_AND_TWO_COLUMNS">
     <p:spTree>
       <p:nvGrpSpPr>
-        <p:cNvPr id="30" name="Shape 30"/>
+        <p:cNvPr id="1" name="Shape 30"/>
         <p:cNvGrpSpPr/>
         <p:nvPr/>
       </p:nvGrpSpPr>
@@ -4777,7 +4992,9 @@
       <p:sp>
         <p:nvSpPr>
           <p:cNvPr id="31" name="Google Shape;31;p5"/>
-          <p:cNvSpPr txBox="1"/>
+          <p:cNvSpPr txBox="1">
+            <a:spLocks noGrp="1"/>
+          </p:cNvSpPr>
           <p:nvPr>
             <p:ph type="title"/>
           </p:nvPr>
@@ -4792,7 +5009,7 @@
           </a:prstGeom>
         </p:spPr>
         <p:txBody>
-          <a:bodyPr anchorCtr="0" anchor="t" bIns="91425" lIns="91425" spcFirstLastPara="1" rIns="91425" wrap="square" tIns="91425">
+          <a:bodyPr spcFirstLastPara="1" wrap="square" lIns="91425" tIns="91425" rIns="91425" bIns="91425" anchor="t" anchorCtr="0">
             <a:normAutofit/>
           </a:bodyPr>
           <a:lstStyle>
@@ -4896,15 +5113,19 @@
               <a:defRPr/>
             </a:lvl9pPr>
           </a:lstStyle>
-          <a:p/>
+          <a:p>
+            <a:endParaRPr/>
+          </a:p>
         </p:txBody>
       </p:sp>
       <p:sp>
         <p:nvSpPr>
           <p:cNvPr id="32" name="Google Shape;32;p5"/>
-          <p:cNvSpPr txBox="1"/>
+          <p:cNvSpPr txBox="1">
+            <a:spLocks noGrp="1"/>
+          </p:cNvSpPr>
           <p:nvPr>
-            <p:ph idx="1" type="body"/>
+            <p:ph type="body" idx="1"/>
           </p:nvPr>
         </p:nvSpPr>
         <p:spPr>
@@ -4917,11 +5138,11 @@
           </a:prstGeom>
         </p:spPr>
         <p:txBody>
-          <a:bodyPr anchorCtr="0" anchor="t" bIns="91425" lIns="91425" spcFirstLastPara="1" rIns="91425" wrap="square" tIns="91425">
+          <a:bodyPr spcFirstLastPara="1" wrap="square" lIns="91425" tIns="91425" rIns="91425" bIns="91425" anchor="t" anchorCtr="0">
             <a:normAutofit/>
           </a:bodyPr>
           <a:lstStyle>
-            <a:lvl1pPr indent="-317500" lvl="0" marL="457200" rtl="0">
+            <a:lvl1pPr marL="457200" lvl="0" indent="-317500" rtl="0">
               <a:spcBef>
                 <a:spcPts val="0"/>
               </a:spcBef>
@@ -4932,7 +5153,7 @@
               <a:buChar char="●"/>
               <a:defRPr sz="1400"/>
             </a:lvl1pPr>
-            <a:lvl2pPr indent="-304800" lvl="1" marL="914400" rtl="0">
+            <a:lvl2pPr marL="914400" lvl="1" indent="-304800" rtl="0">
               <a:spcBef>
                 <a:spcPts val="0"/>
               </a:spcBef>
@@ -4943,7 +5164,7 @@
               <a:buChar char="○"/>
               <a:defRPr sz="1200"/>
             </a:lvl2pPr>
-            <a:lvl3pPr indent="-304800" lvl="2" marL="1371600" rtl="0">
+            <a:lvl3pPr marL="1371600" lvl="2" indent="-304800" rtl="0">
               <a:spcBef>
                 <a:spcPts val="0"/>
               </a:spcBef>
@@ -4954,7 +5175,7 @@
               <a:buChar char="■"/>
               <a:defRPr sz="1200"/>
             </a:lvl3pPr>
-            <a:lvl4pPr indent="-304800" lvl="3" marL="1828800" rtl="0">
+            <a:lvl4pPr marL="1828800" lvl="3" indent="-304800" rtl="0">
               <a:spcBef>
                 <a:spcPts val="0"/>
               </a:spcBef>
@@ -4965,7 +5186,7 @@
               <a:buChar char="●"/>
               <a:defRPr sz="1200"/>
             </a:lvl4pPr>
-            <a:lvl5pPr indent="-304800" lvl="4" marL="2286000" rtl="0">
+            <a:lvl5pPr marL="2286000" lvl="4" indent="-304800" rtl="0">
               <a:spcBef>
                 <a:spcPts val="0"/>
               </a:spcBef>
@@ -4976,7 +5197,7 @@
               <a:buChar char="○"/>
               <a:defRPr sz="1200"/>
             </a:lvl5pPr>
-            <a:lvl6pPr indent="-304800" lvl="5" marL="2743200" rtl="0">
+            <a:lvl6pPr marL="2743200" lvl="5" indent="-304800" rtl="0">
               <a:spcBef>
                 <a:spcPts val="0"/>
               </a:spcBef>
@@ -4987,7 +5208,7 @@
               <a:buChar char="■"/>
               <a:defRPr sz="1200"/>
             </a:lvl6pPr>
-            <a:lvl7pPr indent="-304800" lvl="6" marL="3200400" rtl="0">
+            <a:lvl7pPr marL="3200400" lvl="6" indent="-304800" rtl="0">
               <a:spcBef>
                 <a:spcPts val="0"/>
               </a:spcBef>
@@ -4998,7 +5219,7 @@
               <a:buChar char="●"/>
               <a:defRPr sz="1200"/>
             </a:lvl7pPr>
-            <a:lvl8pPr indent="-304800" lvl="7" marL="3657600" rtl="0">
+            <a:lvl8pPr marL="3657600" lvl="7" indent="-304800" rtl="0">
               <a:spcBef>
                 <a:spcPts val="0"/>
               </a:spcBef>
@@ -5009,7 +5230,7 @@
               <a:buChar char="○"/>
               <a:defRPr sz="1200"/>
             </a:lvl8pPr>
-            <a:lvl9pPr indent="-304800" lvl="8" marL="4114800" rtl="0">
+            <a:lvl9pPr marL="4114800" lvl="8" indent="-304800" rtl="0">
               <a:spcBef>
                 <a:spcPts val="0"/>
               </a:spcBef>
@@ -5021,15 +5242,19 @@
               <a:defRPr sz="1200"/>
             </a:lvl9pPr>
           </a:lstStyle>
-          <a:p/>
+          <a:p>
+            <a:endParaRPr/>
+          </a:p>
         </p:txBody>
       </p:sp>
       <p:sp>
         <p:nvSpPr>
           <p:cNvPr id="33" name="Google Shape;33;p5"/>
-          <p:cNvSpPr txBox="1"/>
+          <p:cNvSpPr txBox="1">
+            <a:spLocks noGrp="1"/>
+          </p:cNvSpPr>
           <p:nvPr>
-            <p:ph idx="2" type="body"/>
+            <p:ph type="body" idx="2"/>
           </p:nvPr>
         </p:nvSpPr>
         <p:spPr>
@@ -5042,11 +5267,11 @@
           </a:prstGeom>
         </p:spPr>
         <p:txBody>
-          <a:bodyPr anchorCtr="0" anchor="t" bIns="91425" lIns="91425" spcFirstLastPara="1" rIns="91425" wrap="square" tIns="91425">
+          <a:bodyPr spcFirstLastPara="1" wrap="square" lIns="91425" tIns="91425" rIns="91425" bIns="91425" anchor="t" anchorCtr="0">
             <a:normAutofit/>
           </a:bodyPr>
           <a:lstStyle>
-            <a:lvl1pPr indent="-317500" lvl="0" marL="457200" rtl="0">
+            <a:lvl1pPr marL="457200" lvl="0" indent="-317500" rtl="0">
               <a:spcBef>
                 <a:spcPts val="0"/>
               </a:spcBef>
@@ -5057,7 +5282,7 @@
               <a:buChar char="●"/>
               <a:defRPr sz="1400"/>
             </a:lvl1pPr>
-            <a:lvl2pPr indent="-304800" lvl="1" marL="914400" rtl="0">
+            <a:lvl2pPr marL="914400" lvl="1" indent="-304800" rtl="0">
               <a:spcBef>
                 <a:spcPts val="0"/>
               </a:spcBef>
@@ -5068,7 +5293,7 @@
               <a:buChar char="○"/>
               <a:defRPr sz="1200"/>
             </a:lvl2pPr>
-            <a:lvl3pPr indent="-304800" lvl="2" marL="1371600" rtl="0">
+            <a:lvl3pPr marL="1371600" lvl="2" indent="-304800" rtl="0">
               <a:spcBef>
                 <a:spcPts val="0"/>
               </a:spcBef>
@@ -5079,7 +5304,7 @@
               <a:buChar char="■"/>
               <a:defRPr sz="1200"/>
             </a:lvl3pPr>
-            <a:lvl4pPr indent="-304800" lvl="3" marL="1828800" rtl="0">
+            <a:lvl4pPr marL="1828800" lvl="3" indent="-304800" rtl="0">
               <a:spcBef>
                 <a:spcPts val="0"/>
               </a:spcBef>
@@ -5090,7 +5315,7 @@
               <a:buChar char="●"/>
               <a:defRPr sz="1200"/>
             </a:lvl4pPr>
-            <a:lvl5pPr indent="-304800" lvl="4" marL="2286000" rtl="0">
+            <a:lvl5pPr marL="2286000" lvl="4" indent="-304800" rtl="0">
               <a:spcBef>
                 <a:spcPts val="0"/>
               </a:spcBef>
@@ -5101,7 +5326,7 @@
               <a:buChar char="○"/>
               <a:defRPr sz="1200"/>
             </a:lvl5pPr>
-            <a:lvl6pPr indent="-304800" lvl="5" marL="2743200" rtl="0">
+            <a:lvl6pPr marL="2743200" lvl="5" indent="-304800" rtl="0">
               <a:spcBef>
                 <a:spcPts val="0"/>
               </a:spcBef>
@@ -5112,7 +5337,7 @@
               <a:buChar char="■"/>
               <a:defRPr sz="1200"/>
             </a:lvl6pPr>
-            <a:lvl7pPr indent="-304800" lvl="6" marL="3200400" rtl="0">
+            <a:lvl7pPr marL="3200400" lvl="6" indent="-304800" rtl="0">
               <a:spcBef>
                 <a:spcPts val="0"/>
               </a:spcBef>
@@ -5123,7 +5348,7 @@
               <a:buChar char="●"/>
               <a:defRPr sz="1200"/>
             </a:lvl7pPr>
-            <a:lvl8pPr indent="-304800" lvl="7" marL="3657600" rtl="0">
+            <a:lvl8pPr marL="3657600" lvl="7" indent="-304800" rtl="0">
               <a:spcBef>
                 <a:spcPts val="0"/>
               </a:spcBef>
@@ -5134,7 +5359,7 @@
               <a:buChar char="○"/>
               <a:defRPr sz="1200"/>
             </a:lvl8pPr>
-            <a:lvl9pPr indent="-304800" lvl="8" marL="4114800" rtl="0">
+            <a:lvl9pPr marL="4114800" lvl="8" indent="-304800" rtl="0">
               <a:spcBef>
                 <a:spcPts val="0"/>
               </a:spcBef>
@@ -5146,15 +5371,19 @@
               <a:defRPr sz="1200"/>
             </a:lvl9pPr>
           </a:lstStyle>
-          <a:p/>
+          <a:p>
+            <a:endParaRPr/>
+          </a:p>
         </p:txBody>
       </p:sp>
       <p:sp>
         <p:nvSpPr>
           <p:cNvPr id="34" name="Google Shape;34;p5"/>
-          <p:cNvSpPr txBox="1"/>
+          <p:cNvSpPr txBox="1">
+            <a:spLocks noGrp="1"/>
+          </p:cNvSpPr>
           <p:nvPr>
-            <p:ph idx="12" type="sldNum"/>
+            <p:ph type="sldNum" idx="12"/>
           </p:nvPr>
         </p:nvSpPr>
         <p:spPr>
@@ -5167,7 +5396,7 @@
           </a:prstGeom>
         </p:spPr>
         <p:txBody>
-          <a:bodyPr anchorCtr="0" anchor="ctr" bIns="91425" lIns="91425" spcFirstLastPara="1" rIns="91425" wrap="square" tIns="91425">
+          <a:bodyPr spcFirstLastPara="1" wrap="square" lIns="91425" tIns="91425" rIns="91425" bIns="91425" anchor="ctr" anchorCtr="0">
             <a:normAutofit/>
           </a:bodyPr>
           <a:lstStyle>
@@ -5209,7 +5438,7 @@
             </a:lvl9pPr>
           </a:lstStyle>
           <a:p>
-            <a:pPr indent="0" lvl="0" marL="0" rtl="0" algn="r">
+            <a:pPr marL="0" lvl="0" indent="0" algn="r" rtl="0">
               <a:spcBef>
                 <a:spcPts val="0"/>
               </a:spcBef>
@@ -5235,11 +5464,11 @@
 </file>
 
 <file path=ppt/slideLayouts/slideLayout5.xml><?xml version="1.0" encoding="utf-8"?>
-<p:sldLayout xmlns:a="http://schemas.openxmlformats.org/drawingml/2006/main" xmlns:r="http://schemas.openxmlformats.org/officeDocument/2006/relationships" xmlns:mc="http://schemas.openxmlformats.org/markup-compatibility/2006" xmlns:mv="urn:schemas-microsoft-com:mac:vml" xmlns:p="http://schemas.openxmlformats.org/presentationml/2006/main" xmlns:c="http://schemas.openxmlformats.org/drawingml/2006/chart" xmlns:dgm="http://schemas.openxmlformats.org/drawingml/2006/diagram" xmlns:o="urn:schemas-microsoft-com:office:office" xmlns:v="urn:schemas-microsoft-com:vml" xmlns:pvml="urn:schemas-microsoft-com:office:powerpoint" xmlns:com="http://schemas.openxmlformats.org/drawingml/2006/compatibility" xmlns:p14="http://schemas.microsoft.com/office/powerpoint/2010/main" xmlns:p15="http://schemas.microsoft.com/office/powerpoint/2012/main" xmlns:ahyp="http://schemas.microsoft.com/office/drawing/2018/hyperlinkcolor" matchingName="Title only" type="titleOnly">
+<p:sldLayout xmlns:a="http://schemas.openxmlformats.org/drawingml/2006/main" xmlns:r="http://schemas.openxmlformats.org/officeDocument/2006/relationships" xmlns:p="http://schemas.openxmlformats.org/presentationml/2006/main" matchingName="Title only" type="titleOnly">
   <p:cSld name="TITLE_ONLY">
     <p:spTree>
       <p:nvGrpSpPr>
-        <p:cNvPr id="35" name="Shape 35"/>
+        <p:cNvPr id="1" name="Shape 35"/>
         <p:cNvGrpSpPr/>
         <p:nvPr/>
       </p:nvGrpSpPr>
@@ -5254,7 +5483,9 @@
       <p:sp>
         <p:nvSpPr>
           <p:cNvPr id="36" name="Google Shape;36;p6"/>
-          <p:cNvSpPr txBox="1"/>
+          <p:cNvSpPr txBox="1">
+            <a:spLocks noGrp="1"/>
+          </p:cNvSpPr>
           <p:nvPr>
             <p:ph type="title"/>
           </p:nvPr>
@@ -5269,7 +5500,7 @@
           </a:prstGeom>
         </p:spPr>
         <p:txBody>
-          <a:bodyPr anchorCtr="0" anchor="t" bIns="91425" lIns="91425" spcFirstLastPara="1" rIns="91425" wrap="square" tIns="91425">
+          <a:bodyPr spcFirstLastPara="1" wrap="square" lIns="91425" tIns="91425" rIns="91425" bIns="91425" anchor="t" anchorCtr="0">
             <a:normAutofit/>
           </a:bodyPr>
           <a:lstStyle>
@@ -5373,15 +5604,19 @@
               <a:defRPr/>
             </a:lvl9pPr>
           </a:lstStyle>
-          <a:p/>
+          <a:p>
+            <a:endParaRPr/>
+          </a:p>
         </p:txBody>
       </p:sp>
       <p:sp>
         <p:nvSpPr>
           <p:cNvPr id="37" name="Google Shape;37;p6"/>
-          <p:cNvSpPr txBox="1"/>
+          <p:cNvSpPr txBox="1">
+            <a:spLocks noGrp="1"/>
+          </p:cNvSpPr>
           <p:nvPr>
-            <p:ph idx="12" type="sldNum"/>
+            <p:ph type="sldNum" idx="12"/>
           </p:nvPr>
         </p:nvSpPr>
         <p:spPr>
@@ -5394,7 +5629,7 @@
           </a:prstGeom>
         </p:spPr>
         <p:txBody>
-          <a:bodyPr anchorCtr="0" anchor="ctr" bIns="91425" lIns="91425" spcFirstLastPara="1" rIns="91425" wrap="square" tIns="91425">
+          <a:bodyPr spcFirstLastPara="1" wrap="square" lIns="91425" tIns="91425" rIns="91425" bIns="91425" anchor="ctr" anchorCtr="0">
             <a:normAutofit/>
           </a:bodyPr>
           <a:lstStyle>
@@ -5436,7 +5671,7 @@
             </a:lvl9pPr>
           </a:lstStyle>
           <a:p>
-            <a:pPr indent="0" lvl="0" marL="0" rtl="0" algn="r">
+            <a:pPr marL="0" lvl="0" indent="0" algn="r" rtl="0">
               <a:spcBef>
                 <a:spcPts val="0"/>
               </a:spcBef>
@@ -5462,11 +5697,11 @@
 </file>
 
 <file path=ppt/slideLayouts/slideLayout6.xml><?xml version="1.0" encoding="utf-8"?>
-<p:sldLayout xmlns:a="http://schemas.openxmlformats.org/drawingml/2006/main" xmlns:r="http://schemas.openxmlformats.org/officeDocument/2006/relationships" xmlns:mc="http://schemas.openxmlformats.org/markup-compatibility/2006" xmlns:mv="urn:schemas-microsoft-com:mac:vml" xmlns:p="http://schemas.openxmlformats.org/presentationml/2006/main" xmlns:c="http://schemas.openxmlformats.org/drawingml/2006/chart" xmlns:dgm="http://schemas.openxmlformats.org/drawingml/2006/diagram" xmlns:o="urn:schemas-microsoft-com:office:office" xmlns:v="urn:schemas-microsoft-com:vml" xmlns:pvml="urn:schemas-microsoft-com:office:powerpoint" xmlns:com="http://schemas.openxmlformats.org/drawingml/2006/compatibility" xmlns:p14="http://schemas.microsoft.com/office/powerpoint/2010/main" xmlns:p15="http://schemas.microsoft.com/office/powerpoint/2012/main" xmlns:ahyp="http://schemas.microsoft.com/office/drawing/2018/hyperlinkcolor" matchingName="One column text">
+<p:sldLayout xmlns:a="http://schemas.openxmlformats.org/drawingml/2006/main" xmlns:r="http://schemas.openxmlformats.org/officeDocument/2006/relationships" xmlns:p="http://schemas.openxmlformats.org/presentationml/2006/main" matchingName="One column text">
   <p:cSld name="ONE_COLUMN_TEXT">
     <p:spTree>
       <p:nvGrpSpPr>
-        <p:cNvPr id="38" name="Shape 38"/>
+        <p:cNvPr id="1" name="Shape 38"/>
         <p:cNvGrpSpPr/>
         <p:nvPr/>
       </p:nvGrpSpPr>
@@ -5481,7 +5716,9 @@
       <p:sp>
         <p:nvSpPr>
           <p:cNvPr id="39" name="Google Shape;39;p7"/>
-          <p:cNvSpPr txBox="1"/>
+          <p:cNvSpPr txBox="1">
+            <a:spLocks noGrp="1"/>
+          </p:cNvSpPr>
           <p:nvPr>
             <p:ph type="title"/>
           </p:nvPr>
@@ -5496,7 +5733,7 @@
           </a:prstGeom>
         </p:spPr>
         <p:txBody>
-          <a:bodyPr anchorCtr="0" anchor="b" bIns="91425" lIns="91425" spcFirstLastPara="1" rIns="91425" wrap="square" tIns="91425">
+          <a:bodyPr spcFirstLastPara="1" wrap="square" lIns="91425" tIns="91425" rIns="91425" bIns="91425" anchor="b" anchorCtr="0">
             <a:normAutofit/>
           </a:bodyPr>
           <a:lstStyle>
@@ -5600,15 +5837,19 @@
               <a:defRPr sz="2400"/>
             </a:lvl9pPr>
           </a:lstStyle>
-          <a:p/>
+          <a:p>
+            <a:endParaRPr/>
+          </a:p>
         </p:txBody>
       </p:sp>
       <p:sp>
         <p:nvSpPr>
           <p:cNvPr id="40" name="Google Shape;40;p7"/>
-          <p:cNvSpPr txBox="1"/>
+          <p:cNvSpPr txBox="1">
+            <a:spLocks noGrp="1"/>
+          </p:cNvSpPr>
           <p:nvPr>
-            <p:ph idx="1" type="body"/>
+            <p:ph type="body" idx="1"/>
           </p:nvPr>
         </p:nvSpPr>
         <p:spPr>
@@ -5621,11 +5862,11 @@
           </a:prstGeom>
         </p:spPr>
         <p:txBody>
-          <a:bodyPr anchorCtr="0" anchor="t" bIns="91425" lIns="91425" spcFirstLastPara="1" rIns="91425" wrap="square" tIns="91425">
+          <a:bodyPr spcFirstLastPara="1" wrap="square" lIns="91425" tIns="91425" rIns="91425" bIns="91425" anchor="t" anchorCtr="0">
             <a:normAutofit/>
           </a:bodyPr>
           <a:lstStyle>
-            <a:lvl1pPr indent="-304800" lvl="0" marL="457200" rtl="0">
+            <a:lvl1pPr marL="457200" lvl="0" indent="-304800" rtl="0">
               <a:spcBef>
                 <a:spcPts val="0"/>
               </a:spcBef>
@@ -5636,7 +5877,7 @@
               <a:buChar char="●"/>
               <a:defRPr sz="1200"/>
             </a:lvl1pPr>
-            <a:lvl2pPr indent="-304800" lvl="1" marL="914400" rtl="0">
+            <a:lvl2pPr marL="914400" lvl="1" indent="-304800" rtl="0">
               <a:spcBef>
                 <a:spcPts val="0"/>
               </a:spcBef>
@@ -5647,7 +5888,7 @@
               <a:buChar char="○"/>
               <a:defRPr sz="1200"/>
             </a:lvl2pPr>
-            <a:lvl3pPr indent="-304800" lvl="2" marL="1371600" rtl="0">
+            <a:lvl3pPr marL="1371600" lvl="2" indent="-304800" rtl="0">
               <a:spcBef>
                 <a:spcPts val="0"/>
               </a:spcBef>
@@ -5658,7 +5899,7 @@
               <a:buChar char="■"/>
               <a:defRPr sz="1200"/>
             </a:lvl3pPr>
-            <a:lvl4pPr indent="-304800" lvl="3" marL="1828800" rtl="0">
+            <a:lvl4pPr marL="1828800" lvl="3" indent="-304800" rtl="0">
               <a:spcBef>
                 <a:spcPts val="0"/>
               </a:spcBef>
@@ -5669,7 +5910,7 @@
               <a:buChar char="●"/>
               <a:defRPr sz="1200"/>
             </a:lvl4pPr>
-            <a:lvl5pPr indent="-304800" lvl="4" marL="2286000" rtl="0">
+            <a:lvl5pPr marL="2286000" lvl="4" indent="-304800" rtl="0">
               <a:spcBef>
                 <a:spcPts val="0"/>
               </a:spcBef>
@@ -5680,7 +5921,7 @@
               <a:buChar char="○"/>
               <a:defRPr sz="1200"/>
             </a:lvl5pPr>
-            <a:lvl6pPr indent="-304800" lvl="5" marL="2743200" rtl="0">
+            <a:lvl6pPr marL="2743200" lvl="5" indent="-304800" rtl="0">
               <a:spcBef>
                 <a:spcPts val="0"/>
               </a:spcBef>
@@ -5691,7 +5932,7 @@
               <a:buChar char="■"/>
               <a:defRPr sz="1200"/>
             </a:lvl6pPr>
-            <a:lvl7pPr indent="-304800" lvl="6" marL="3200400" rtl="0">
+            <a:lvl7pPr marL="3200400" lvl="6" indent="-304800" rtl="0">
               <a:spcBef>
                 <a:spcPts val="0"/>
               </a:spcBef>
@@ -5702,7 +5943,7 @@
               <a:buChar char="●"/>
               <a:defRPr sz="1200"/>
             </a:lvl7pPr>
-            <a:lvl8pPr indent="-304800" lvl="7" marL="3657600" rtl="0">
+            <a:lvl8pPr marL="3657600" lvl="7" indent="-304800" rtl="0">
               <a:spcBef>
                 <a:spcPts val="0"/>
               </a:spcBef>
@@ -5713,7 +5954,7 @@
               <a:buChar char="○"/>
               <a:defRPr sz="1200"/>
             </a:lvl8pPr>
-            <a:lvl9pPr indent="-304800" lvl="8" marL="4114800" rtl="0">
+            <a:lvl9pPr marL="4114800" lvl="8" indent="-304800" rtl="0">
               <a:spcBef>
                 <a:spcPts val="0"/>
               </a:spcBef>
@@ -5725,15 +5966,19 @@
               <a:defRPr sz="1200"/>
             </a:lvl9pPr>
           </a:lstStyle>
-          <a:p/>
+          <a:p>
+            <a:endParaRPr/>
+          </a:p>
         </p:txBody>
       </p:sp>
       <p:sp>
         <p:nvSpPr>
           <p:cNvPr id="41" name="Google Shape;41;p7"/>
-          <p:cNvSpPr txBox="1"/>
+          <p:cNvSpPr txBox="1">
+            <a:spLocks noGrp="1"/>
+          </p:cNvSpPr>
           <p:nvPr>
-            <p:ph idx="12" type="sldNum"/>
+            <p:ph type="sldNum" idx="12"/>
           </p:nvPr>
         </p:nvSpPr>
         <p:spPr>
@@ -5746,7 +5991,7 @@
           </a:prstGeom>
         </p:spPr>
         <p:txBody>
-          <a:bodyPr anchorCtr="0" anchor="ctr" bIns="91425" lIns="91425" spcFirstLastPara="1" rIns="91425" wrap="square" tIns="91425">
+          <a:bodyPr spcFirstLastPara="1" wrap="square" lIns="91425" tIns="91425" rIns="91425" bIns="91425" anchor="ctr" anchorCtr="0">
             <a:normAutofit/>
           </a:bodyPr>
           <a:lstStyle>
@@ -5788,7 +6033,7 @@
             </a:lvl9pPr>
           </a:lstStyle>
           <a:p>
-            <a:pPr indent="0" lvl="0" marL="0" rtl="0" algn="r">
+            <a:pPr marL="0" lvl="0" indent="0" algn="r" rtl="0">
               <a:spcBef>
                 <a:spcPts val="0"/>
               </a:spcBef>
@@ -5814,18 +6059,19 @@
 </file>
 
 <file path=ppt/slideLayouts/slideLayout7.xml><?xml version="1.0" encoding="utf-8"?>
-<p:sldLayout xmlns:a="http://schemas.openxmlformats.org/drawingml/2006/main" xmlns:r="http://schemas.openxmlformats.org/officeDocument/2006/relationships" xmlns:mc="http://schemas.openxmlformats.org/markup-compatibility/2006" xmlns:mv="urn:schemas-microsoft-com:mac:vml" xmlns:p="http://schemas.openxmlformats.org/presentationml/2006/main" xmlns:c="http://schemas.openxmlformats.org/drawingml/2006/chart" xmlns:dgm="http://schemas.openxmlformats.org/drawingml/2006/diagram" xmlns:o="urn:schemas-microsoft-com:office:office" xmlns:v="urn:schemas-microsoft-com:vml" xmlns:pvml="urn:schemas-microsoft-com:office:powerpoint" xmlns:com="http://schemas.openxmlformats.org/drawingml/2006/compatibility" xmlns:p14="http://schemas.microsoft.com/office/powerpoint/2010/main" xmlns:p15="http://schemas.microsoft.com/office/powerpoint/2012/main" xmlns:ahyp="http://schemas.microsoft.com/office/drawing/2018/hyperlinkcolor" matchingName="Main point">
+<p:sldLayout xmlns:a="http://schemas.openxmlformats.org/drawingml/2006/main" xmlns:r="http://schemas.openxmlformats.org/officeDocument/2006/relationships" xmlns:p="http://schemas.openxmlformats.org/presentationml/2006/main" matchingName="Main point">
   <p:cSld name="MAIN_POINT">
     <p:bg>
       <p:bgPr>
         <a:solidFill>
           <a:schemeClr val="accent6"/>
         </a:solidFill>
+        <a:effectLst/>
       </p:bgPr>
     </p:bg>
     <p:spTree>
       <p:nvGrpSpPr>
-        <p:cNvPr id="42" name="Shape 42"/>
+        <p:cNvPr id="1" name="Shape 42"/>
         <p:cNvGrpSpPr/>
         <p:nvPr/>
       </p:nvGrpSpPr>
@@ -5840,7 +6086,9 @@
       <p:sp>
         <p:nvSpPr>
           <p:cNvPr id="43" name="Google Shape;43;p8"/>
-          <p:cNvSpPr txBox="1"/>
+          <p:cNvSpPr txBox="1">
+            <a:spLocks noGrp="1"/>
+          </p:cNvSpPr>
           <p:nvPr>
             <p:ph type="title"/>
           </p:nvPr>
@@ -5855,7 +6103,7 @@
           </a:prstGeom>
         </p:spPr>
         <p:txBody>
-          <a:bodyPr anchorCtr="0" anchor="ctr" bIns="91425" lIns="91425" spcFirstLastPara="1" rIns="91425" wrap="square" tIns="91425">
+          <a:bodyPr spcFirstLastPara="1" wrap="square" lIns="91425" tIns="91425" rIns="91425" bIns="91425" anchor="ctr" anchorCtr="0">
             <a:normAutofit/>
           </a:bodyPr>
           <a:lstStyle>
@@ -5871,7 +6119,7 @@
               </a:buClr>
               <a:buSzPts val="5400"/>
               <a:buNone/>
-              <a:defRPr b="0" sz="5400">
+              <a:defRPr sz="5400" b="0">
                 <a:solidFill>
                   <a:schemeClr val="dk2"/>
                 </a:solidFill>
@@ -5889,7 +6137,7 @@
               </a:buClr>
               <a:buSzPts val="5400"/>
               <a:buNone/>
-              <a:defRPr b="0" sz="5400">
+              <a:defRPr sz="5400" b="0">
                 <a:solidFill>
                   <a:schemeClr val="dk2"/>
                 </a:solidFill>
@@ -5907,7 +6155,7 @@
               </a:buClr>
               <a:buSzPts val="5400"/>
               <a:buNone/>
-              <a:defRPr b="0" sz="5400">
+              <a:defRPr sz="5400" b="0">
                 <a:solidFill>
                   <a:schemeClr val="dk2"/>
                 </a:solidFill>
@@ -5925,7 +6173,7 @@
               </a:buClr>
               <a:buSzPts val="5400"/>
               <a:buNone/>
-              <a:defRPr b="0" sz="5400">
+              <a:defRPr sz="5400" b="0">
                 <a:solidFill>
                   <a:schemeClr val="dk2"/>
                 </a:solidFill>
@@ -5943,7 +6191,7 @@
               </a:buClr>
               <a:buSzPts val="5400"/>
               <a:buNone/>
-              <a:defRPr b="0" sz="5400">
+              <a:defRPr sz="5400" b="0">
                 <a:solidFill>
                   <a:schemeClr val="dk2"/>
                 </a:solidFill>
@@ -5961,7 +6209,7 @@
               </a:buClr>
               <a:buSzPts val="5400"/>
               <a:buNone/>
-              <a:defRPr b="0" sz="5400">
+              <a:defRPr sz="5400" b="0">
                 <a:solidFill>
                   <a:schemeClr val="dk2"/>
                 </a:solidFill>
@@ -5979,7 +6227,7 @@
               </a:buClr>
               <a:buSzPts val="5400"/>
               <a:buNone/>
-              <a:defRPr b="0" sz="5400">
+              <a:defRPr sz="5400" b="0">
                 <a:solidFill>
                   <a:schemeClr val="dk2"/>
                 </a:solidFill>
@@ -5997,7 +6245,7 @@
               </a:buClr>
               <a:buSzPts val="5400"/>
               <a:buNone/>
-              <a:defRPr b="0" sz="5400">
+              <a:defRPr sz="5400" b="0">
                 <a:solidFill>
                   <a:schemeClr val="dk2"/>
                 </a:solidFill>
@@ -6015,22 +6263,26 @@
               </a:buClr>
               <a:buSzPts val="5400"/>
               <a:buNone/>
-              <a:defRPr b="0" sz="5400">
+              <a:defRPr sz="5400" b="0">
                 <a:solidFill>
                   <a:schemeClr val="dk2"/>
                 </a:solidFill>
               </a:defRPr>
             </a:lvl9pPr>
           </a:lstStyle>
-          <a:p/>
+          <a:p>
+            <a:endParaRPr/>
+          </a:p>
         </p:txBody>
       </p:sp>
       <p:sp>
         <p:nvSpPr>
           <p:cNvPr id="44" name="Google Shape;44;p8"/>
-          <p:cNvSpPr txBox="1"/>
+          <p:cNvSpPr txBox="1">
+            <a:spLocks noGrp="1"/>
+          </p:cNvSpPr>
           <p:nvPr>
-            <p:ph idx="12" type="sldNum"/>
+            <p:ph type="sldNum" idx="12"/>
           </p:nvPr>
         </p:nvSpPr>
         <p:spPr>
@@ -6043,7 +6295,7 @@
           </a:prstGeom>
         </p:spPr>
         <p:txBody>
-          <a:bodyPr anchorCtr="0" anchor="ctr" bIns="91425" lIns="91425" spcFirstLastPara="1" rIns="91425" wrap="square" tIns="91425">
+          <a:bodyPr spcFirstLastPara="1" wrap="square" lIns="91425" tIns="91425" rIns="91425" bIns="91425" anchor="ctr" anchorCtr="0">
             <a:normAutofit/>
           </a:bodyPr>
           <a:lstStyle>
@@ -6085,7 +6337,7 @@
             </a:lvl9pPr>
           </a:lstStyle>
           <a:p>
-            <a:pPr indent="0" lvl="0" marL="0" rtl="0" algn="r">
+            <a:pPr marL="0" lvl="0" indent="0" algn="r" rtl="0">
               <a:spcBef>
                 <a:spcPts val="0"/>
               </a:spcBef>
@@ -6111,11 +6363,11 @@
 </file>
 
 <file path=ppt/slideLayouts/slideLayout8.xml><?xml version="1.0" encoding="utf-8"?>
-<p:sldLayout xmlns:a="http://schemas.openxmlformats.org/drawingml/2006/main" xmlns:r="http://schemas.openxmlformats.org/officeDocument/2006/relationships" xmlns:mc="http://schemas.openxmlformats.org/markup-compatibility/2006" xmlns:mv="urn:schemas-microsoft-com:mac:vml" xmlns:p="http://schemas.openxmlformats.org/presentationml/2006/main" xmlns:c="http://schemas.openxmlformats.org/drawingml/2006/chart" xmlns:dgm="http://schemas.openxmlformats.org/drawingml/2006/diagram" xmlns:o="urn:schemas-microsoft-com:office:office" xmlns:v="urn:schemas-microsoft-com:vml" xmlns:pvml="urn:schemas-microsoft-com:office:powerpoint" xmlns:com="http://schemas.openxmlformats.org/drawingml/2006/compatibility" xmlns:p14="http://schemas.microsoft.com/office/powerpoint/2010/main" xmlns:p15="http://schemas.microsoft.com/office/powerpoint/2012/main" xmlns:ahyp="http://schemas.microsoft.com/office/drawing/2018/hyperlinkcolor" matchingName="Section title and description">
+<p:sldLayout xmlns:a="http://schemas.openxmlformats.org/drawingml/2006/main" xmlns:r="http://schemas.openxmlformats.org/officeDocument/2006/relationships" xmlns:p="http://schemas.openxmlformats.org/presentationml/2006/main" matchingName="Section title and description">
   <p:cSld name="SECTION_TITLE_AND_DESCRIPTION">
     <p:spTree>
       <p:nvGrpSpPr>
-        <p:cNvPr id="45" name="Shape 45"/>
+        <p:cNvPr id="1" name="Shape 45"/>
         <p:cNvGrpSpPr/>
         <p:nvPr/>
       </p:nvGrpSpPr>
@@ -6149,12 +6401,12 @@
           </a:ln>
         </p:spPr>
         <p:txBody>
-          <a:bodyPr anchorCtr="0" anchor="ctr" bIns="91425" lIns="91425" spcFirstLastPara="1" rIns="91425" wrap="square" tIns="91425">
+          <a:bodyPr spcFirstLastPara="1" wrap="square" lIns="91425" tIns="91425" rIns="91425" bIns="91425" anchor="ctr" anchorCtr="0">
             <a:noAutofit/>
           </a:bodyPr>
           <a:lstStyle/>
           <a:p>
-            <a:pPr indent="0" lvl="0" marL="0" rtl="0" algn="l">
+            <a:pPr marL="0" lvl="0" indent="0" algn="l" rtl="0">
               <a:spcBef>
                 <a:spcPts val="0"/>
               </a:spcBef>
@@ -6163,9 +6415,6 @@
               </a:spcAft>
               <a:buNone/>
             </a:pPr>
-            <a:r>
-              <a:t/>
-            </a:r>
             <a:endParaRPr/>
           </a:p>
         </p:txBody>
@@ -6185,21 +6434,23 @@
             <a:avLst/>
           </a:prstGeom>
           <a:noFill/>
-          <a:ln cap="flat" cmpd="sng" w="19050">
+          <a:ln w="19050" cap="flat" cmpd="sng">
             <a:solidFill>
               <a:schemeClr val="lt1"/>
             </a:solidFill>
             <a:prstDash val="solid"/>
             <a:round/>
-            <a:headEnd len="sm" w="sm" type="none"/>
-            <a:tailEnd len="sm" w="sm" type="none"/>
+            <a:headEnd type="none" w="sm" len="sm"/>
+            <a:tailEnd type="none" w="sm" len="sm"/>
           </a:ln>
         </p:spPr>
       </p:cxnSp>
       <p:sp>
         <p:nvSpPr>
           <p:cNvPr id="48" name="Google Shape;48;p9"/>
-          <p:cNvSpPr txBox="1"/>
+          <p:cNvSpPr txBox="1">
+            <a:spLocks noGrp="1"/>
+          </p:cNvSpPr>
           <p:nvPr>
             <p:ph type="title"/>
           </p:nvPr>
@@ -6214,11 +6465,11 @@
           </a:prstGeom>
         </p:spPr>
         <p:txBody>
-          <a:bodyPr anchorCtr="0" anchor="b" bIns="91425" lIns="91425" spcFirstLastPara="1" rIns="91425" wrap="square" tIns="91425">
+          <a:bodyPr spcFirstLastPara="1" wrap="square" lIns="91425" tIns="91425" rIns="91425" bIns="91425" anchor="b" anchorCtr="0">
             <a:normAutofit/>
           </a:bodyPr>
           <a:lstStyle>
-            <a:lvl1pPr lvl="0" rtl="0" algn="ctr">
+            <a:lvl1pPr lvl="0" algn="ctr" rtl="0">
               <a:spcBef>
                 <a:spcPts val="0"/>
               </a:spcBef>
@@ -6229,7 +6480,7 @@
               <a:buNone/>
               <a:defRPr sz="4200"/>
             </a:lvl1pPr>
-            <a:lvl2pPr lvl="1" rtl="0" algn="ctr">
+            <a:lvl2pPr lvl="1" algn="ctr" rtl="0">
               <a:spcBef>
                 <a:spcPts val="0"/>
               </a:spcBef>
@@ -6240,7 +6491,7 @@
               <a:buNone/>
               <a:defRPr sz="4200"/>
             </a:lvl2pPr>
-            <a:lvl3pPr lvl="2" rtl="0" algn="ctr">
+            <a:lvl3pPr lvl="2" algn="ctr" rtl="0">
               <a:spcBef>
                 <a:spcPts val="0"/>
               </a:spcBef>
@@ -6251,7 +6502,7 @@
               <a:buNone/>
               <a:defRPr sz="4200"/>
             </a:lvl3pPr>
-            <a:lvl4pPr lvl="3" rtl="0" algn="ctr">
+            <a:lvl4pPr lvl="3" algn="ctr" rtl="0">
               <a:spcBef>
                 <a:spcPts val="0"/>
               </a:spcBef>
@@ -6262,7 +6513,7 @@
               <a:buNone/>
               <a:defRPr sz="4200"/>
             </a:lvl4pPr>
-            <a:lvl5pPr lvl="4" rtl="0" algn="ctr">
+            <a:lvl5pPr lvl="4" algn="ctr" rtl="0">
               <a:spcBef>
                 <a:spcPts val="0"/>
               </a:spcBef>
@@ -6273,7 +6524,7 @@
               <a:buNone/>
               <a:defRPr sz="4200"/>
             </a:lvl5pPr>
-            <a:lvl6pPr lvl="5" rtl="0" algn="ctr">
+            <a:lvl6pPr lvl="5" algn="ctr" rtl="0">
               <a:spcBef>
                 <a:spcPts val="0"/>
               </a:spcBef>
@@ -6284,7 +6535,7 @@
               <a:buNone/>
               <a:defRPr sz="4200"/>
             </a:lvl6pPr>
-            <a:lvl7pPr lvl="6" rtl="0" algn="ctr">
+            <a:lvl7pPr lvl="6" algn="ctr" rtl="0">
               <a:spcBef>
                 <a:spcPts val="0"/>
               </a:spcBef>
@@ -6295,7 +6546,7 @@
               <a:buNone/>
               <a:defRPr sz="4200"/>
             </a:lvl7pPr>
-            <a:lvl8pPr lvl="7" rtl="0" algn="ctr">
+            <a:lvl8pPr lvl="7" algn="ctr" rtl="0">
               <a:spcBef>
                 <a:spcPts val="0"/>
               </a:spcBef>
@@ -6306,7 +6557,7 @@
               <a:buNone/>
               <a:defRPr sz="4200"/>
             </a:lvl8pPr>
-            <a:lvl9pPr lvl="8" rtl="0" algn="ctr">
+            <a:lvl9pPr lvl="8" algn="ctr" rtl="0">
               <a:spcBef>
                 <a:spcPts val="0"/>
               </a:spcBef>
@@ -6318,15 +6569,19 @@
               <a:defRPr sz="4200"/>
             </a:lvl9pPr>
           </a:lstStyle>
-          <a:p/>
+          <a:p>
+            <a:endParaRPr/>
+          </a:p>
         </p:txBody>
       </p:sp>
       <p:sp>
         <p:nvSpPr>
           <p:cNvPr id="49" name="Google Shape;49;p9"/>
-          <p:cNvSpPr txBox="1"/>
+          <p:cNvSpPr txBox="1">
+            <a:spLocks noGrp="1"/>
+          </p:cNvSpPr>
           <p:nvPr>
-            <p:ph idx="1" type="subTitle"/>
+            <p:ph type="subTitle" idx="1"/>
           </p:nvPr>
         </p:nvSpPr>
         <p:spPr>
@@ -6339,11 +6594,11 @@
           </a:prstGeom>
         </p:spPr>
         <p:txBody>
-          <a:bodyPr anchorCtr="0" anchor="t" bIns="91425" lIns="91425" spcFirstLastPara="1" rIns="91425" wrap="square" tIns="91425">
+          <a:bodyPr spcFirstLastPara="1" wrap="square" lIns="91425" tIns="91425" rIns="91425" bIns="91425" anchor="t" anchorCtr="0">
             <a:normAutofit/>
           </a:bodyPr>
           <a:lstStyle>
-            <a:lvl1pPr lvl="0" rtl="0" algn="ctr">
+            <a:lvl1pPr lvl="0" algn="ctr" rtl="0">
               <a:lnSpc>
                 <a:spcPct val="100000"/>
               </a:lnSpc>
@@ -6357,7 +6612,7 @@
               <a:buNone/>
               <a:defRPr sz="2100"/>
             </a:lvl1pPr>
-            <a:lvl2pPr lvl="1" rtl="0" algn="ctr">
+            <a:lvl2pPr lvl="1" algn="ctr" rtl="0">
               <a:lnSpc>
                 <a:spcPct val="100000"/>
               </a:lnSpc>
@@ -6371,7 +6626,7 @@
               <a:buNone/>
               <a:defRPr sz="2100"/>
             </a:lvl2pPr>
-            <a:lvl3pPr lvl="2" rtl="0" algn="ctr">
+            <a:lvl3pPr lvl="2" algn="ctr" rtl="0">
               <a:lnSpc>
                 <a:spcPct val="100000"/>
               </a:lnSpc>
@@ -6385,7 +6640,7 @@
               <a:buNone/>
               <a:defRPr sz="2100"/>
             </a:lvl3pPr>
-            <a:lvl4pPr lvl="3" rtl="0" algn="ctr">
+            <a:lvl4pPr lvl="3" algn="ctr" rtl="0">
               <a:lnSpc>
                 <a:spcPct val="100000"/>
               </a:lnSpc>
@@ -6399,7 +6654,7 @@
               <a:buNone/>
               <a:defRPr sz="2100"/>
             </a:lvl4pPr>
-            <a:lvl5pPr lvl="4" rtl="0" algn="ctr">
+            <a:lvl5pPr lvl="4" algn="ctr" rtl="0">
               <a:lnSpc>
                 <a:spcPct val="100000"/>
               </a:lnSpc>
@@ -6413,7 +6668,7 @@
               <a:buNone/>
               <a:defRPr sz="2100"/>
             </a:lvl5pPr>
-            <a:lvl6pPr lvl="5" rtl="0" algn="ctr">
+            <a:lvl6pPr lvl="5" algn="ctr" rtl="0">
               <a:lnSpc>
                 <a:spcPct val="100000"/>
               </a:lnSpc>
@@ -6427,7 +6682,7 @@
               <a:buNone/>
               <a:defRPr sz="2100"/>
             </a:lvl6pPr>
-            <a:lvl7pPr lvl="6" rtl="0" algn="ctr">
+            <a:lvl7pPr lvl="6" algn="ctr" rtl="0">
               <a:lnSpc>
                 <a:spcPct val="100000"/>
               </a:lnSpc>
@@ -6441,7 +6696,7 @@
               <a:buNone/>
               <a:defRPr sz="2100"/>
             </a:lvl7pPr>
-            <a:lvl8pPr lvl="7" rtl="0" algn="ctr">
+            <a:lvl8pPr lvl="7" algn="ctr" rtl="0">
               <a:lnSpc>
                 <a:spcPct val="100000"/>
               </a:lnSpc>
@@ -6455,7 +6710,7 @@
               <a:buNone/>
               <a:defRPr sz="2100"/>
             </a:lvl8pPr>
-            <a:lvl9pPr lvl="8" rtl="0" algn="ctr">
+            <a:lvl9pPr lvl="8" algn="ctr" rtl="0">
               <a:lnSpc>
                 <a:spcPct val="100000"/>
               </a:lnSpc>
@@ -6470,15 +6725,19 @@
               <a:defRPr sz="2100"/>
             </a:lvl9pPr>
           </a:lstStyle>
-          <a:p/>
+          <a:p>
+            <a:endParaRPr/>
+          </a:p>
         </p:txBody>
       </p:sp>
       <p:sp>
         <p:nvSpPr>
           <p:cNvPr id="50" name="Google Shape;50;p9"/>
-          <p:cNvSpPr txBox="1"/>
+          <p:cNvSpPr txBox="1">
+            <a:spLocks noGrp="1"/>
+          </p:cNvSpPr>
           <p:nvPr>
-            <p:ph idx="2" type="body"/>
+            <p:ph type="body" idx="2"/>
           </p:nvPr>
         </p:nvSpPr>
         <p:spPr>
@@ -6491,11 +6750,11 @@
           </a:prstGeom>
         </p:spPr>
         <p:txBody>
-          <a:bodyPr anchorCtr="0" anchor="ctr" bIns="91425" lIns="91425" spcFirstLastPara="1" rIns="91425" wrap="square" tIns="91425">
+          <a:bodyPr spcFirstLastPara="1" wrap="square" lIns="91425" tIns="91425" rIns="91425" bIns="91425" anchor="ctr" anchorCtr="0">
             <a:normAutofit/>
           </a:bodyPr>
           <a:lstStyle>
-            <a:lvl1pPr indent="-342900" lvl="0" marL="457200" rtl="0">
+            <a:lvl1pPr marL="457200" lvl="0" indent="-342900" rtl="0">
               <a:spcBef>
                 <a:spcPts val="0"/>
               </a:spcBef>
@@ -6513,7 +6772,7 @@
                 </a:solidFill>
               </a:defRPr>
             </a:lvl1pPr>
-            <a:lvl2pPr indent="-317500" lvl="1" marL="914400" rtl="0">
+            <a:lvl2pPr marL="914400" lvl="1" indent="-317500" rtl="0">
               <a:spcBef>
                 <a:spcPts val="0"/>
               </a:spcBef>
@@ -6531,7 +6790,7 @@
                 </a:solidFill>
               </a:defRPr>
             </a:lvl2pPr>
-            <a:lvl3pPr indent="-317500" lvl="2" marL="1371600" rtl="0">
+            <a:lvl3pPr marL="1371600" lvl="2" indent="-317500" rtl="0">
               <a:spcBef>
                 <a:spcPts val="0"/>
               </a:spcBef>
@@ -6549,7 +6808,7 @@
                 </a:solidFill>
               </a:defRPr>
             </a:lvl3pPr>
-            <a:lvl4pPr indent="-317500" lvl="3" marL="1828800" rtl="0">
+            <a:lvl4pPr marL="1828800" lvl="3" indent="-317500" rtl="0">
               <a:spcBef>
                 <a:spcPts val="0"/>
               </a:spcBef>
@@ -6567,7 +6826,7 @@
                 </a:solidFill>
               </a:defRPr>
             </a:lvl4pPr>
-            <a:lvl5pPr indent="-317500" lvl="4" marL="2286000" rtl="0">
+            <a:lvl5pPr marL="2286000" lvl="4" indent="-317500" rtl="0">
               <a:spcBef>
                 <a:spcPts val="0"/>
               </a:spcBef>
@@ -6585,7 +6844,7 @@
                 </a:solidFill>
               </a:defRPr>
             </a:lvl5pPr>
-            <a:lvl6pPr indent="-317500" lvl="5" marL="2743200" rtl="0">
+            <a:lvl6pPr marL="2743200" lvl="5" indent="-317500" rtl="0">
               <a:spcBef>
                 <a:spcPts val="0"/>
               </a:spcBef>
@@ -6603,7 +6862,7 @@
                 </a:solidFill>
               </a:defRPr>
             </a:lvl6pPr>
-            <a:lvl7pPr indent="-317500" lvl="6" marL="3200400" rtl="0">
+            <a:lvl7pPr marL="3200400" lvl="6" indent="-317500" rtl="0">
               <a:spcBef>
                 <a:spcPts val="0"/>
               </a:spcBef>
@@ -6621,7 +6880,7 @@
                 </a:solidFill>
               </a:defRPr>
             </a:lvl7pPr>
-            <a:lvl8pPr indent="-317500" lvl="7" marL="3657600" rtl="0">
+            <a:lvl8pPr marL="3657600" lvl="7" indent="-317500" rtl="0">
               <a:spcBef>
                 <a:spcPts val="0"/>
               </a:spcBef>
@@ -6639,7 +6898,7 @@
                 </a:solidFill>
               </a:defRPr>
             </a:lvl8pPr>
-            <a:lvl9pPr indent="-317500" lvl="8" marL="4114800" rtl="0">
+            <a:lvl9pPr marL="4114800" lvl="8" indent="-317500" rtl="0">
               <a:spcBef>
                 <a:spcPts val="0"/>
               </a:spcBef>
@@ -6658,15 +6917,19 @@
               </a:defRPr>
             </a:lvl9pPr>
           </a:lstStyle>
-          <a:p/>
+          <a:p>
+            <a:endParaRPr/>
+          </a:p>
         </p:txBody>
       </p:sp>
       <p:sp>
         <p:nvSpPr>
           <p:cNvPr id="51" name="Google Shape;51;p9"/>
-          <p:cNvSpPr txBox="1"/>
+          <p:cNvSpPr txBox="1">
+            <a:spLocks noGrp="1"/>
+          </p:cNvSpPr>
           <p:nvPr>
-            <p:ph idx="12" type="sldNum"/>
+            <p:ph type="sldNum" idx="12"/>
           </p:nvPr>
         </p:nvSpPr>
         <p:spPr>
@@ -6679,7 +6942,7 @@
           </a:prstGeom>
         </p:spPr>
         <p:txBody>
-          <a:bodyPr anchorCtr="0" anchor="ctr" bIns="91425" lIns="91425" spcFirstLastPara="1" rIns="91425" wrap="square" tIns="91425">
+          <a:bodyPr spcFirstLastPara="1" wrap="square" lIns="91425" tIns="91425" rIns="91425" bIns="91425" anchor="ctr" anchorCtr="0">
             <a:normAutofit/>
           </a:bodyPr>
           <a:lstStyle>
@@ -6757,7 +7020,7 @@
             </a:lvl9pPr>
           </a:lstStyle>
           <a:p>
-            <a:pPr indent="0" lvl="0" marL="0" rtl="0" algn="r">
+            <a:pPr marL="0" lvl="0" indent="0" algn="r" rtl="0">
               <a:spcBef>
                 <a:spcPts val="0"/>
               </a:spcBef>
@@ -6783,11 +7046,11 @@
 </file>
 
 <file path=ppt/slideLayouts/slideLayout9.xml><?xml version="1.0" encoding="utf-8"?>
-<p:sldLayout xmlns:a="http://schemas.openxmlformats.org/drawingml/2006/main" xmlns:r="http://schemas.openxmlformats.org/officeDocument/2006/relationships" xmlns:mc="http://schemas.openxmlformats.org/markup-compatibility/2006" xmlns:mv="urn:schemas-microsoft-com:mac:vml" xmlns:p="http://schemas.openxmlformats.org/presentationml/2006/main" xmlns:c="http://schemas.openxmlformats.org/drawingml/2006/chart" xmlns:dgm="http://schemas.openxmlformats.org/drawingml/2006/diagram" xmlns:o="urn:schemas-microsoft-com:office:office" xmlns:v="urn:schemas-microsoft-com:vml" xmlns:pvml="urn:schemas-microsoft-com:office:powerpoint" xmlns:com="http://schemas.openxmlformats.org/drawingml/2006/compatibility" xmlns:p14="http://schemas.microsoft.com/office/powerpoint/2010/main" xmlns:p15="http://schemas.microsoft.com/office/powerpoint/2012/main" xmlns:ahyp="http://schemas.microsoft.com/office/drawing/2018/hyperlinkcolor" matchingName="Caption">
+<p:sldLayout xmlns:a="http://schemas.openxmlformats.org/drawingml/2006/main" xmlns:r="http://schemas.openxmlformats.org/officeDocument/2006/relationships" xmlns:p="http://schemas.openxmlformats.org/presentationml/2006/main" matchingName="Caption">
   <p:cSld name="CAPTION_ONLY">
     <p:spTree>
       <p:nvGrpSpPr>
-        <p:cNvPr id="52" name="Shape 52"/>
+        <p:cNvPr id="1" name="Shape 52"/>
         <p:cNvGrpSpPr/>
         <p:nvPr/>
       </p:nvGrpSpPr>
@@ -6802,9 +7065,11 @@
       <p:sp>
         <p:nvSpPr>
           <p:cNvPr id="53" name="Google Shape;53;p10"/>
-          <p:cNvSpPr txBox="1"/>
+          <p:cNvSpPr txBox="1">
+            <a:spLocks noGrp="1"/>
+          </p:cNvSpPr>
           <p:nvPr>
-            <p:ph idx="1" type="body"/>
+            <p:ph type="body" idx="1"/>
           </p:nvPr>
         </p:nvSpPr>
         <p:spPr>
@@ -6817,11 +7082,11 @@
           </a:prstGeom>
         </p:spPr>
         <p:txBody>
-          <a:bodyPr anchorCtr="0" anchor="ctr" bIns="91425" lIns="91425" spcFirstLastPara="1" rIns="91425" wrap="square" tIns="91425">
+          <a:bodyPr spcFirstLastPara="1" wrap="square" lIns="91425" tIns="91425" rIns="91425" bIns="91425" anchor="ctr" anchorCtr="0">
             <a:normAutofit/>
           </a:bodyPr>
           <a:lstStyle>
-            <a:lvl1pPr indent="-228600" lvl="0" marL="457200" rtl="0">
+            <a:lvl1pPr marL="457200" lvl="0" indent="-228600" rtl="0">
               <a:lnSpc>
                 <a:spcPct val="100000"/>
               </a:lnSpc>
@@ -6842,15 +7107,19 @@
               </a:defRPr>
             </a:lvl1pPr>
           </a:lstStyle>
-          <a:p/>
+          <a:p>
+            <a:endParaRPr/>
+          </a:p>
         </p:txBody>
       </p:sp>
       <p:sp>
         <p:nvSpPr>
           <p:cNvPr id="54" name="Google Shape;54;p10"/>
-          <p:cNvSpPr txBox="1"/>
+          <p:cNvSpPr txBox="1">
+            <a:spLocks noGrp="1"/>
+          </p:cNvSpPr>
           <p:nvPr>
-            <p:ph idx="12" type="sldNum"/>
+            <p:ph type="sldNum" idx="12"/>
           </p:nvPr>
         </p:nvSpPr>
         <p:spPr>
@@ -6863,7 +7132,7 @@
           </a:prstGeom>
         </p:spPr>
         <p:txBody>
-          <a:bodyPr anchorCtr="0" anchor="ctr" bIns="91425" lIns="91425" spcFirstLastPara="1" rIns="91425" wrap="square" tIns="91425">
+          <a:bodyPr spcFirstLastPara="1" wrap="square" lIns="91425" tIns="91425" rIns="91425" bIns="91425" anchor="ctr" anchorCtr="0">
             <a:normAutofit/>
           </a:bodyPr>
           <a:lstStyle>
@@ -6905,7 +7174,7 @@
             </a:lvl9pPr>
           </a:lstStyle>
           <a:p>
-            <a:pPr indent="0" lvl="0" marL="0" rtl="0" algn="r">
+            <a:pPr marL="0" lvl="0" indent="0" algn="r" rtl="0">
               <a:spcBef>
                 <a:spcPts val="0"/>
               </a:spcBef>
@@ -6931,18 +7200,19 @@
 </file>
 
 <file path=ppt/slideMasters/slideMaster1.xml><?xml version="1.0" encoding="utf-8"?>
-<p:sldMaster xmlns:a="http://schemas.openxmlformats.org/drawingml/2006/main" xmlns:r="http://schemas.openxmlformats.org/officeDocument/2006/relationships" xmlns:mc="http://schemas.openxmlformats.org/markup-compatibility/2006" xmlns:mv="urn:schemas-microsoft-com:mac:vml" xmlns:p="http://schemas.openxmlformats.org/presentationml/2006/main" xmlns:c="http://schemas.openxmlformats.org/drawingml/2006/chart" xmlns:dgm="http://schemas.openxmlformats.org/drawingml/2006/diagram" xmlns:o="urn:schemas-microsoft-com:office:office" xmlns:v="urn:schemas-microsoft-com:vml" xmlns:pvml="urn:schemas-microsoft-com:office:powerpoint" xmlns:com="http://schemas.openxmlformats.org/drawingml/2006/compatibility" xmlns:p14="http://schemas.microsoft.com/office/powerpoint/2010/main" xmlns:p15="http://schemas.microsoft.com/office/powerpoint/2012/main" xmlns:ahyp="http://schemas.microsoft.com/office/drawing/2018/hyperlinkcolor">
+<p:sldMaster xmlns:a="http://schemas.openxmlformats.org/drawingml/2006/main" xmlns:r="http://schemas.openxmlformats.org/officeDocument/2006/relationships" xmlns:p="http://schemas.openxmlformats.org/presentationml/2006/main">
   <p:cSld name="tropic">
     <p:bg>
       <p:bgPr>
         <a:solidFill>
           <a:schemeClr val="lt1"/>
         </a:solidFill>
+        <a:effectLst/>
       </p:bgPr>
     </p:bg>
     <p:spTree>
       <p:nvGrpSpPr>
-        <p:cNvPr id="5" name="Shape 5"/>
+        <p:cNvPr id="1" name="Shape 5"/>
         <p:cNvGrpSpPr/>
         <p:nvPr/>
       </p:nvGrpSpPr>
@@ -6957,7 +7227,9 @@
       <p:sp>
         <p:nvSpPr>
           <p:cNvPr id="6" name="Google Shape;6;p1"/>
-          <p:cNvSpPr txBox="1"/>
+          <p:cNvSpPr txBox="1">
+            <a:spLocks noGrp="1"/>
+          </p:cNvSpPr>
           <p:nvPr>
             <p:ph type="title"/>
           </p:nvPr>
@@ -6976,7 +7248,7 @@
           </a:ln>
         </p:spPr>
         <p:txBody>
-          <a:bodyPr anchorCtr="0" anchor="t" bIns="91425" lIns="91425" spcFirstLastPara="1" rIns="91425" wrap="square" tIns="91425">
+          <a:bodyPr spcFirstLastPara="1" wrap="square" lIns="91425" tIns="91425" rIns="91425" bIns="91425" anchor="t" anchorCtr="0">
             <a:normAutofit/>
           </a:bodyPr>
           <a:lstStyle>
@@ -6993,7 +7265,7 @@
               <a:buSzPts val="3600"/>
               <a:buFont typeface="PT Sans Narrow"/>
               <a:buNone/>
-              <a:defRPr b="1" sz="3600">
+              <a:defRPr sz="3600" b="1">
                 <a:solidFill>
                   <a:schemeClr val="accent1"/>
                 </a:solidFill>
@@ -7016,7 +7288,7 @@
               <a:buSzPts val="3600"/>
               <a:buFont typeface="PT Sans Narrow"/>
               <a:buNone/>
-              <a:defRPr b="1" sz="3600">
+              <a:defRPr sz="3600" b="1">
                 <a:solidFill>
                   <a:schemeClr val="accent1"/>
                 </a:solidFill>
@@ -7039,7 +7311,7 @@
               <a:buSzPts val="3600"/>
               <a:buFont typeface="PT Sans Narrow"/>
               <a:buNone/>
-              <a:defRPr b="1" sz="3600">
+              <a:defRPr sz="3600" b="1">
                 <a:solidFill>
                   <a:schemeClr val="accent1"/>
                 </a:solidFill>
@@ -7062,7 +7334,7 @@
               <a:buSzPts val="3600"/>
               <a:buFont typeface="PT Sans Narrow"/>
               <a:buNone/>
-              <a:defRPr b="1" sz="3600">
+              <a:defRPr sz="3600" b="1">
                 <a:solidFill>
                   <a:schemeClr val="accent1"/>
                 </a:solidFill>
@@ -7085,7 +7357,7 @@
               <a:buSzPts val="3600"/>
               <a:buFont typeface="PT Sans Narrow"/>
               <a:buNone/>
-              <a:defRPr b="1" sz="3600">
+              <a:defRPr sz="3600" b="1">
                 <a:solidFill>
                   <a:schemeClr val="accent1"/>
                 </a:solidFill>
@@ -7108,7 +7380,7 @@
               <a:buSzPts val="3600"/>
               <a:buFont typeface="PT Sans Narrow"/>
               <a:buNone/>
-              <a:defRPr b="1" sz="3600">
+              <a:defRPr sz="3600" b="1">
                 <a:solidFill>
                   <a:schemeClr val="accent1"/>
                 </a:solidFill>
@@ -7131,7 +7403,7 @@
               <a:buSzPts val="3600"/>
               <a:buFont typeface="PT Sans Narrow"/>
               <a:buNone/>
-              <a:defRPr b="1" sz="3600">
+              <a:defRPr sz="3600" b="1">
                 <a:solidFill>
                   <a:schemeClr val="accent1"/>
                 </a:solidFill>
@@ -7154,7 +7426,7 @@
               <a:buSzPts val="3600"/>
               <a:buFont typeface="PT Sans Narrow"/>
               <a:buNone/>
-              <a:defRPr b="1" sz="3600">
+              <a:defRPr sz="3600" b="1">
                 <a:solidFill>
                   <a:schemeClr val="accent1"/>
                 </a:solidFill>
@@ -7177,7 +7449,7 @@
               <a:buSzPts val="3600"/>
               <a:buFont typeface="PT Sans Narrow"/>
               <a:buNone/>
-              <a:defRPr b="1" sz="3600">
+              <a:defRPr sz="3600" b="1">
                 <a:solidFill>
                   <a:schemeClr val="accent1"/>
                 </a:solidFill>
@@ -7188,15 +7460,19 @@
               </a:defRPr>
             </a:lvl9pPr>
           </a:lstStyle>
-          <a:p/>
+          <a:p>
+            <a:endParaRPr/>
+          </a:p>
         </p:txBody>
       </p:sp>
       <p:sp>
         <p:nvSpPr>
           <p:cNvPr id="7" name="Google Shape;7;p1"/>
-          <p:cNvSpPr txBox="1"/>
+          <p:cNvSpPr txBox="1">
+            <a:spLocks noGrp="1"/>
+          </p:cNvSpPr>
           <p:nvPr>
-            <p:ph idx="1" type="body"/>
+            <p:ph type="body" idx="1"/>
           </p:nvPr>
         </p:nvSpPr>
         <p:spPr>
@@ -7213,11 +7489,11 @@
           </a:ln>
         </p:spPr>
         <p:txBody>
-          <a:bodyPr anchorCtr="0" anchor="t" bIns="91425" lIns="91425" spcFirstLastPara="1" rIns="91425" wrap="square" tIns="91425">
+          <a:bodyPr spcFirstLastPara="1" wrap="square" lIns="91425" tIns="91425" rIns="91425" bIns="91425" anchor="t" anchorCtr="0">
             <a:normAutofit/>
           </a:bodyPr>
           <a:lstStyle>
-            <a:lvl1pPr indent="-342900" lvl="0" marL="457200" rtl="0">
+            <a:lvl1pPr marL="457200" lvl="0" indent="-342900" rtl="0">
               <a:lnSpc>
                 <a:spcPct val="115000"/>
               </a:lnSpc>
@@ -7243,7 +7519,7 @@
                 <a:sym typeface="Open Sans"/>
               </a:defRPr>
             </a:lvl1pPr>
-            <a:lvl2pPr indent="-317500" lvl="1" marL="914400" rtl="0">
+            <a:lvl2pPr marL="914400" lvl="1" indent="-317500" rtl="0">
               <a:lnSpc>
                 <a:spcPct val="115000"/>
               </a:lnSpc>
@@ -7269,7 +7545,7 @@
                 <a:sym typeface="Open Sans"/>
               </a:defRPr>
             </a:lvl2pPr>
-            <a:lvl3pPr indent="-317500" lvl="2" marL="1371600" rtl="0">
+            <a:lvl3pPr marL="1371600" lvl="2" indent="-317500" rtl="0">
               <a:lnSpc>
                 <a:spcPct val="115000"/>
               </a:lnSpc>
@@ -7295,7 +7571,7 @@
                 <a:sym typeface="Open Sans"/>
               </a:defRPr>
             </a:lvl3pPr>
-            <a:lvl4pPr indent="-317500" lvl="3" marL="1828800" rtl="0">
+            <a:lvl4pPr marL="1828800" lvl="3" indent="-317500" rtl="0">
               <a:lnSpc>
                 <a:spcPct val="115000"/>
               </a:lnSpc>
@@ -7321,7 +7597,7 @@
                 <a:sym typeface="Open Sans"/>
               </a:defRPr>
             </a:lvl4pPr>
-            <a:lvl5pPr indent="-317500" lvl="4" marL="2286000" rtl="0">
+            <a:lvl5pPr marL="2286000" lvl="4" indent="-317500" rtl="0">
               <a:lnSpc>
                 <a:spcPct val="115000"/>
               </a:lnSpc>
@@ -7347,7 +7623,7 @@
                 <a:sym typeface="Open Sans"/>
               </a:defRPr>
             </a:lvl5pPr>
-            <a:lvl6pPr indent="-317500" lvl="5" marL="2743200" rtl="0">
+            <a:lvl6pPr marL="2743200" lvl="5" indent="-317500" rtl="0">
               <a:lnSpc>
                 <a:spcPct val="115000"/>
               </a:lnSpc>
@@ -7373,7 +7649,7 @@
                 <a:sym typeface="Open Sans"/>
               </a:defRPr>
             </a:lvl6pPr>
-            <a:lvl7pPr indent="-317500" lvl="6" marL="3200400" rtl="0">
+            <a:lvl7pPr marL="3200400" lvl="6" indent="-317500" rtl="0">
               <a:lnSpc>
                 <a:spcPct val="115000"/>
               </a:lnSpc>
@@ -7399,7 +7675,7 @@
                 <a:sym typeface="Open Sans"/>
               </a:defRPr>
             </a:lvl7pPr>
-            <a:lvl8pPr indent="-317500" lvl="7" marL="3657600" rtl="0">
+            <a:lvl8pPr marL="3657600" lvl="7" indent="-317500" rtl="0">
               <a:lnSpc>
                 <a:spcPct val="115000"/>
               </a:lnSpc>
@@ -7425,7 +7701,7 @@
                 <a:sym typeface="Open Sans"/>
               </a:defRPr>
             </a:lvl8pPr>
-            <a:lvl9pPr indent="-317500" lvl="8" marL="4114800" rtl="0">
+            <a:lvl9pPr marL="4114800" lvl="8" indent="-317500" rtl="0">
               <a:lnSpc>
                 <a:spcPct val="115000"/>
               </a:lnSpc>
@@ -7452,15 +7728,19 @@
               </a:defRPr>
             </a:lvl9pPr>
           </a:lstStyle>
-          <a:p/>
+          <a:p>
+            <a:endParaRPr/>
+          </a:p>
         </p:txBody>
       </p:sp>
       <p:sp>
         <p:nvSpPr>
           <p:cNvPr id="8" name="Google Shape;8;p1"/>
-          <p:cNvSpPr txBox="1"/>
+          <p:cNvSpPr txBox="1">
+            <a:spLocks noGrp="1"/>
+          </p:cNvSpPr>
           <p:nvPr>
-            <p:ph idx="12" type="sldNum"/>
+            <p:ph type="sldNum" idx="12"/>
           </p:nvPr>
         </p:nvSpPr>
         <p:spPr>
@@ -7477,11 +7757,11 @@
           </a:ln>
         </p:spPr>
         <p:txBody>
-          <a:bodyPr anchorCtr="0" anchor="ctr" bIns="91425" lIns="91425" spcFirstLastPara="1" rIns="91425" wrap="square" tIns="91425">
+          <a:bodyPr spcFirstLastPara="1" wrap="square" lIns="91425" tIns="91425" rIns="91425" bIns="91425" anchor="ctr" anchorCtr="0">
             <a:normAutofit/>
           </a:bodyPr>
           <a:lstStyle>
-            <a:lvl1pPr lvl="0" rtl="0" algn="r">
+            <a:lvl1pPr lvl="0" algn="r" rtl="0">
               <a:buNone/>
               <a:defRPr sz="1000">
                 <a:solidFill>
@@ -7493,7 +7773,7 @@
                 <a:sym typeface="Open Sans"/>
               </a:defRPr>
             </a:lvl1pPr>
-            <a:lvl2pPr lvl="1" rtl="0" algn="r">
+            <a:lvl2pPr lvl="1" algn="r" rtl="0">
               <a:buNone/>
               <a:defRPr sz="1000">
                 <a:solidFill>
@@ -7505,7 +7785,7 @@
                 <a:sym typeface="Open Sans"/>
               </a:defRPr>
             </a:lvl2pPr>
-            <a:lvl3pPr lvl="2" rtl="0" algn="r">
+            <a:lvl3pPr lvl="2" algn="r" rtl="0">
               <a:buNone/>
               <a:defRPr sz="1000">
                 <a:solidFill>
@@ -7517,7 +7797,7 @@
                 <a:sym typeface="Open Sans"/>
               </a:defRPr>
             </a:lvl3pPr>
-            <a:lvl4pPr lvl="3" rtl="0" algn="r">
+            <a:lvl4pPr lvl="3" algn="r" rtl="0">
               <a:buNone/>
               <a:defRPr sz="1000">
                 <a:solidFill>
@@ -7529,7 +7809,7 @@
                 <a:sym typeface="Open Sans"/>
               </a:defRPr>
             </a:lvl4pPr>
-            <a:lvl5pPr lvl="4" rtl="0" algn="r">
+            <a:lvl5pPr lvl="4" algn="r" rtl="0">
               <a:buNone/>
               <a:defRPr sz="1000">
                 <a:solidFill>
@@ -7541,7 +7821,7 @@
                 <a:sym typeface="Open Sans"/>
               </a:defRPr>
             </a:lvl5pPr>
-            <a:lvl6pPr lvl="5" rtl="0" algn="r">
+            <a:lvl6pPr lvl="5" algn="r" rtl="0">
               <a:buNone/>
               <a:defRPr sz="1000">
                 <a:solidFill>
@@ -7553,7 +7833,7 @@
                 <a:sym typeface="Open Sans"/>
               </a:defRPr>
             </a:lvl6pPr>
-            <a:lvl7pPr lvl="6" rtl="0" algn="r">
+            <a:lvl7pPr lvl="6" algn="r" rtl="0">
               <a:buNone/>
               <a:defRPr sz="1000">
                 <a:solidFill>
@@ -7565,7 +7845,7 @@
                 <a:sym typeface="Open Sans"/>
               </a:defRPr>
             </a:lvl7pPr>
-            <a:lvl8pPr lvl="7" rtl="0" algn="r">
+            <a:lvl8pPr lvl="7" algn="r" rtl="0">
               <a:buNone/>
               <a:defRPr sz="1000">
                 <a:solidFill>
@@ -7577,7 +7857,7 @@
                 <a:sym typeface="Open Sans"/>
               </a:defRPr>
             </a:lvl8pPr>
-            <a:lvl9pPr lvl="8" rtl="0" algn="r">
+            <a:lvl9pPr lvl="8" algn="r" rtl="0">
               <a:buNone/>
               <a:defRPr sz="1000">
                 <a:solidFill>
@@ -7591,7 +7871,7 @@
             </a:lvl9pPr>
           </a:lstStyle>
           <a:p>
-            <a:pPr indent="0" lvl="0" marL="0" rtl="0" algn="r">
+            <a:pPr marL="0" lvl="0" indent="0" algn="r" rtl="0">
               <a:spcBef>
                 <a:spcPts val="0"/>
               </a:spcBef>
@@ -7610,7 +7890,7 @@
       </p:sp>
     </p:spTree>
   </p:cSld>
-  <p:clrMap accent1="accent1" accent2="accent2" accent3="accent3" accent4="accent4" accent5="accent5" accent6="accent6" bg1="lt1" bg2="dk2" tx1="dk1" tx2="lt2" folHlink="folHlink" hlink="hlink"/>
+  <p:clrMap bg1="lt1" tx1="dk1" bg2="dk2" tx2="lt2" accent1="accent1" accent2="accent2" accent3="accent3" accent4="accent4" accent5="accent5" accent6="accent6" hlink="hlink" folHlink="folHlink"/>
   <p:sldLayoutIdLst>
     <p:sldLayoutId id="2147483648" r:id="rId1"/>
     <p:sldLayoutId id="2147483649" r:id="rId2"/>
@@ -7624,10 +7904,10 @@
     <p:sldLayoutId id="2147483657" r:id="rId10"/>
     <p:sldLayoutId id="2147483658" r:id="rId11"/>
   </p:sldLayoutIdLst>
-  <p:hf dt="0" ftr="0" hdr="0" sldNum="0"/>
+  <p:hf sldNum="0" hdr="0" ftr="0" dt="0"/>
   <p:txStyles>
     <p:titleStyle>
-      <a:defPPr lvl="0" marR="0" rtl="0" algn="l">
+      <a:defPPr marR="0" lvl="0" algn="l" rtl="0">
         <a:lnSpc>
           <a:spcPct val="100000"/>
         </a:lnSpc>
@@ -7638,7 +7918,7 @@
           <a:spcPts val="0"/>
         </a:spcAft>
       </a:defPPr>
-      <a:lvl1pPr lvl="0" marR="0" rtl="0" algn="l">
+      <a:lvl1pPr marR="0" lvl="0" algn="l" rtl="0">
         <a:lnSpc>
           <a:spcPct val="100000"/>
         </a:lnSpc>
@@ -7652,7 +7932,7 @@
           <a:srgbClr val="000000"/>
         </a:buClr>
         <a:buFont typeface="Arial"/>
-        <a:defRPr b="0" i="0" sz="1400" u="none" cap="none" strike="noStrike">
+        <a:defRPr sz="1400" b="0" i="0" u="none" strike="noStrike" cap="none">
           <a:solidFill>
             <a:srgbClr val="000000"/>
           </a:solidFill>
@@ -7662,7 +7942,7 @@
           <a:sym typeface="Arial"/>
         </a:defRPr>
       </a:lvl1pPr>
-      <a:lvl2pPr lvl="1" marR="0" rtl="0" algn="l">
+      <a:lvl2pPr marR="0" lvl="1" algn="l" rtl="0">
         <a:lnSpc>
           <a:spcPct val="100000"/>
         </a:lnSpc>
@@ -7676,7 +7956,7 @@
           <a:srgbClr val="000000"/>
         </a:buClr>
         <a:buFont typeface="Arial"/>
-        <a:defRPr b="0" i="0" sz="1400" u="none" cap="none" strike="noStrike">
+        <a:defRPr sz="1400" b="0" i="0" u="none" strike="noStrike" cap="none">
           <a:solidFill>
             <a:srgbClr val="000000"/>
           </a:solidFill>
@@ -7686,7 +7966,7 @@
           <a:sym typeface="Arial"/>
         </a:defRPr>
       </a:lvl2pPr>
-      <a:lvl3pPr lvl="2" marR="0" rtl="0" algn="l">
+      <a:lvl3pPr marR="0" lvl="2" algn="l" rtl="0">
         <a:lnSpc>
           <a:spcPct val="100000"/>
         </a:lnSpc>
@@ -7700,7 +7980,7 @@
           <a:srgbClr val="000000"/>
         </a:buClr>
         <a:buFont typeface="Arial"/>
-        <a:defRPr b="0" i="0" sz="1400" u="none" cap="none" strike="noStrike">
+        <a:defRPr sz="1400" b="0" i="0" u="none" strike="noStrike" cap="none">
           <a:solidFill>
             <a:srgbClr val="000000"/>
           </a:solidFill>
@@ -7710,7 +7990,7 @@
           <a:sym typeface="Arial"/>
         </a:defRPr>
       </a:lvl3pPr>
-      <a:lvl4pPr lvl="3" marR="0" rtl="0" algn="l">
+      <a:lvl4pPr marR="0" lvl="3" algn="l" rtl="0">
         <a:lnSpc>
           <a:spcPct val="100000"/>
         </a:lnSpc>
@@ -7724,7 +8004,7 @@
           <a:srgbClr val="000000"/>
         </a:buClr>
         <a:buFont typeface="Arial"/>
-        <a:defRPr b="0" i="0" sz="1400" u="none" cap="none" strike="noStrike">
+        <a:defRPr sz="1400" b="0" i="0" u="none" strike="noStrike" cap="none">
           <a:solidFill>
             <a:srgbClr val="000000"/>
           </a:solidFill>
@@ -7734,7 +8014,7 @@
           <a:sym typeface="Arial"/>
         </a:defRPr>
       </a:lvl4pPr>
-      <a:lvl5pPr lvl="4" marR="0" rtl="0" algn="l">
+      <a:lvl5pPr marR="0" lvl="4" algn="l" rtl="0">
         <a:lnSpc>
           <a:spcPct val="100000"/>
         </a:lnSpc>
@@ -7748,7 +8028,7 @@
           <a:srgbClr val="000000"/>
         </a:buClr>
         <a:buFont typeface="Arial"/>
-        <a:defRPr b="0" i="0" sz="1400" u="none" cap="none" strike="noStrike">
+        <a:defRPr sz="1400" b="0" i="0" u="none" strike="noStrike" cap="none">
           <a:solidFill>
             <a:srgbClr val="000000"/>
           </a:solidFill>
@@ -7758,7 +8038,7 @@
           <a:sym typeface="Arial"/>
         </a:defRPr>
       </a:lvl5pPr>
-      <a:lvl6pPr lvl="5" marR="0" rtl="0" algn="l">
+      <a:lvl6pPr marR="0" lvl="5" algn="l" rtl="0">
         <a:lnSpc>
           <a:spcPct val="100000"/>
         </a:lnSpc>
@@ -7772,7 +8052,7 @@
           <a:srgbClr val="000000"/>
         </a:buClr>
         <a:buFont typeface="Arial"/>
-        <a:defRPr b="0" i="0" sz="1400" u="none" cap="none" strike="noStrike">
+        <a:defRPr sz="1400" b="0" i="0" u="none" strike="noStrike" cap="none">
           <a:solidFill>
             <a:srgbClr val="000000"/>
           </a:solidFill>
@@ -7782,7 +8062,7 @@
           <a:sym typeface="Arial"/>
         </a:defRPr>
       </a:lvl6pPr>
-      <a:lvl7pPr lvl="6" marR="0" rtl="0" algn="l">
+      <a:lvl7pPr marR="0" lvl="6" algn="l" rtl="0">
         <a:lnSpc>
           <a:spcPct val="100000"/>
         </a:lnSpc>
@@ -7796,7 +8076,7 @@
           <a:srgbClr val="000000"/>
         </a:buClr>
         <a:buFont typeface="Arial"/>
-        <a:defRPr b="0" i="0" sz="1400" u="none" cap="none" strike="noStrike">
+        <a:defRPr sz="1400" b="0" i="0" u="none" strike="noStrike" cap="none">
           <a:solidFill>
             <a:srgbClr val="000000"/>
           </a:solidFill>
@@ -7806,7 +8086,7 @@
           <a:sym typeface="Arial"/>
         </a:defRPr>
       </a:lvl7pPr>
-      <a:lvl8pPr lvl="7" marR="0" rtl="0" algn="l">
+      <a:lvl8pPr marR="0" lvl="7" algn="l" rtl="0">
         <a:lnSpc>
           <a:spcPct val="100000"/>
         </a:lnSpc>
@@ -7820,7 +8100,7 @@
           <a:srgbClr val="000000"/>
         </a:buClr>
         <a:buFont typeface="Arial"/>
-        <a:defRPr b="0" i="0" sz="1400" u="none" cap="none" strike="noStrike">
+        <a:defRPr sz="1400" b="0" i="0" u="none" strike="noStrike" cap="none">
           <a:solidFill>
             <a:srgbClr val="000000"/>
           </a:solidFill>
@@ -7830,7 +8110,7 @@
           <a:sym typeface="Arial"/>
         </a:defRPr>
       </a:lvl8pPr>
-      <a:lvl9pPr lvl="8" marR="0" rtl="0" algn="l">
+      <a:lvl9pPr marR="0" lvl="8" algn="l" rtl="0">
         <a:lnSpc>
           <a:spcPct val="100000"/>
         </a:lnSpc>
@@ -7844,7 +8124,7 @@
           <a:srgbClr val="000000"/>
         </a:buClr>
         <a:buFont typeface="Arial"/>
-        <a:defRPr b="0" i="0" sz="1400" u="none" cap="none" strike="noStrike">
+        <a:defRPr sz="1400" b="0" i="0" u="none" strike="noStrike" cap="none">
           <a:solidFill>
             <a:srgbClr val="000000"/>
           </a:solidFill>
@@ -7856,7 +8136,7 @@
       </a:lvl9pPr>
     </p:titleStyle>
     <p:bodyStyle>
-      <a:defPPr lvl="0" marR="0" rtl="0" algn="l">
+      <a:defPPr marR="0" lvl="0" algn="l" rtl="0">
         <a:lnSpc>
           <a:spcPct val="100000"/>
         </a:lnSpc>
@@ -7867,7 +8147,7 @@
           <a:spcPts val="0"/>
         </a:spcAft>
       </a:defPPr>
-      <a:lvl1pPr lvl="0" marR="0" rtl="0" algn="l">
+      <a:lvl1pPr marR="0" lvl="0" algn="l" rtl="0">
         <a:lnSpc>
           <a:spcPct val="100000"/>
         </a:lnSpc>
@@ -7881,7 +8161,7 @@
           <a:srgbClr val="000000"/>
         </a:buClr>
         <a:buFont typeface="Arial"/>
-        <a:defRPr b="0" i="0" sz="1400" u="none" cap="none" strike="noStrike">
+        <a:defRPr sz="1400" b="0" i="0" u="none" strike="noStrike" cap="none">
           <a:solidFill>
             <a:srgbClr val="000000"/>
           </a:solidFill>
@@ -7891,7 +8171,7 @@
           <a:sym typeface="Arial"/>
         </a:defRPr>
       </a:lvl1pPr>
-      <a:lvl2pPr lvl="1" marR="0" rtl="0" algn="l">
+      <a:lvl2pPr marR="0" lvl="1" algn="l" rtl="0">
         <a:lnSpc>
           <a:spcPct val="100000"/>
         </a:lnSpc>
@@ -7905,7 +8185,7 @@
           <a:srgbClr val="000000"/>
         </a:buClr>
         <a:buFont typeface="Arial"/>
-        <a:defRPr b="0" i="0" sz="1400" u="none" cap="none" strike="noStrike">
+        <a:defRPr sz="1400" b="0" i="0" u="none" strike="noStrike" cap="none">
           <a:solidFill>
             <a:srgbClr val="000000"/>
           </a:solidFill>
@@ -7915,7 +8195,7 @@
           <a:sym typeface="Arial"/>
         </a:defRPr>
       </a:lvl2pPr>
-      <a:lvl3pPr lvl="2" marR="0" rtl="0" algn="l">
+      <a:lvl3pPr marR="0" lvl="2" algn="l" rtl="0">
         <a:lnSpc>
           <a:spcPct val="100000"/>
         </a:lnSpc>
@@ -7929,7 +8209,7 @@
           <a:srgbClr val="000000"/>
         </a:buClr>
         <a:buFont typeface="Arial"/>
-        <a:defRPr b="0" i="0" sz="1400" u="none" cap="none" strike="noStrike">
+        <a:defRPr sz="1400" b="0" i="0" u="none" strike="noStrike" cap="none">
           <a:solidFill>
             <a:srgbClr val="000000"/>
           </a:solidFill>
@@ -7939,7 +8219,7 @@
           <a:sym typeface="Arial"/>
         </a:defRPr>
       </a:lvl3pPr>
-      <a:lvl4pPr lvl="3" marR="0" rtl="0" algn="l">
+      <a:lvl4pPr marR="0" lvl="3" algn="l" rtl="0">
         <a:lnSpc>
           <a:spcPct val="100000"/>
         </a:lnSpc>
@@ -7953,7 +8233,7 @@
           <a:srgbClr val="000000"/>
         </a:buClr>
         <a:buFont typeface="Arial"/>
-        <a:defRPr b="0" i="0" sz="1400" u="none" cap="none" strike="noStrike">
+        <a:defRPr sz="1400" b="0" i="0" u="none" strike="noStrike" cap="none">
           <a:solidFill>
             <a:srgbClr val="000000"/>
           </a:solidFill>
@@ -7963,7 +8243,7 @@
           <a:sym typeface="Arial"/>
         </a:defRPr>
       </a:lvl4pPr>
-      <a:lvl5pPr lvl="4" marR="0" rtl="0" algn="l">
+      <a:lvl5pPr marR="0" lvl="4" algn="l" rtl="0">
         <a:lnSpc>
           <a:spcPct val="100000"/>
         </a:lnSpc>
@@ -7977,7 +8257,7 @@
           <a:srgbClr val="000000"/>
         </a:buClr>
         <a:buFont typeface="Arial"/>
-        <a:defRPr b="0" i="0" sz="1400" u="none" cap="none" strike="noStrike">
+        <a:defRPr sz="1400" b="0" i="0" u="none" strike="noStrike" cap="none">
           <a:solidFill>
             <a:srgbClr val="000000"/>
           </a:solidFill>
@@ -7987,7 +8267,7 @@
           <a:sym typeface="Arial"/>
         </a:defRPr>
       </a:lvl5pPr>
-      <a:lvl6pPr lvl="5" marR="0" rtl="0" algn="l">
+      <a:lvl6pPr marR="0" lvl="5" algn="l" rtl="0">
         <a:lnSpc>
           <a:spcPct val="100000"/>
         </a:lnSpc>
@@ -8001,7 +8281,7 @@
           <a:srgbClr val="000000"/>
         </a:buClr>
         <a:buFont typeface="Arial"/>
-        <a:defRPr b="0" i="0" sz="1400" u="none" cap="none" strike="noStrike">
+        <a:defRPr sz="1400" b="0" i="0" u="none" strike="noStrike" cap="none">
           <a:solidFill>
             <a:srgbClr val="000000"/>
           </a:solidFill>
@@ -8011,7 +8291,7 @@
           <a:sym typeface="Arial"/>
         </a:defRPr>
       </a:lvl6pPr>
-      <a:lvl7pPr lvl="6" marR="0" rtl="0" algn="l">
+      <a:lvl7pPr marR="0" lvl="6" algn="l" rtl="0">
         <a:lnSpc>
           <a:spcPct val="100000"/>
         </a:lnSpc>
@@ -8025,7 +8305,7 @@
           <a:srgbClr val="000000"/>
         </a:buClr>
         <a:buFont typeface="Arial"/>
-        <a:defRPr b="0" i="0" sz="1400" u="none" cap="none" strike="noStrike">
+        <a:defRPr sz="1400" b="0" i="0" u="none" strike="noStrike" cap="none">
           <a:solidFill>
             <a:srgbClr val="000000"/>
           </a:solidFill>
@@ -8035,7 +8315,7 @@
           <a:sym typeface="Arial"/>
         </a:defRPr>
       </a:lvl7pPr>
-      <a:lvl8pPr lvl="7" marR="0" rtl="0" algn="l">
+      <a:lvl8pPr marR="0" lvl="7" algn="l" rtl="0">
         <a:lnSpc>
           <a:spcPct val="100000"/>
         </a:lnSpc>
@@ -8049,7 +8329,7 @@
           <a:srgbClr val="000000"/>
         </a:buClr>
         <a:buFont typeface="Arial"/>
-        <a:defRPr b="0" i="0" sz="1400" u="none" cap="none" strike="noStrike">
+        <a:defRPr sz="1400" b="0" i="0" u="none" strike="noStrike" cap="none">
           <a:solidFill>
             <a:srgbClr val="000000"/>
           </a:solidFill>
@@ -8059,7 +8339,7 @@
           <a:sym typeface="Arial"/>
         </a:defRPr>
       </a:lvl8pPr>
-      <a:lvl9pPr lvl="8" marR="0" rtl="0" algn="l">
+      <a:lvl9pPr marR="0" lvl="8" algn="l" rtl="0">
         <a:lnSpc>
           <a:spcPct val="100000"/>
         </a:lnSpc>
@@ -8073,7 +8353,7 @@
           <a:srgbClr val="000000"/>
         </a:buClr>
         <a:buFont typeface="Arial"/>
-        <a:defRPr b="0" i="0" sz="1400" u="none" cap="none" strike="noStrike">
+        <a:defRPr sz="1400" b="0" i="0" u="none" strike="noStrike" cap="none">
           <a:solidFill>
             <a:srgbClr val="000000"/>
           </a:solidFill>
@@ -8085,7 +8365,7 @@
       </a:lvl9pPr>
     </p:bodyStyle>
     <p:otherStyle>
-      <a:defPPr lvl="0" marR="0" rtl="0" algn="l">
+      <a:defPPr marR="0" lvl="0" algn="l" rtl="0">
         <a:lnSpc>
           <a:spcPct val="100000"/>
         </a:lnSpc>
@@ -8096,7 +8376,7 @@
           <a:spcPts val="0"/>
         </a:spcAft>
       </a:defPPr>
-      <a:lvl1pPr lvl="0" marR="0" rtl="0" algn="l">
+      <a:lvl1pPr marR="0" lvl="0" algn="l" rtl="0">
         <a:lnSpc>
           <a:spcPct val="100000"/>
         </a:lnSpc>
@@ -8110,7 +8390,7 @@
           <a:srgbClr val="000000"/>
         </a:buClr>
         <a:buFont typeface="Arial"/>
-        <a:defRPr b="0" i="0" sz="1400" u="none" cap="none" strike="noStrike">
+        <a:defRPr sz="1400" b="0" i="0" u="none" strike="noStrike" cap="none">
           <a:solidFill>
             <a:srgbClr val="000000"/>
           </a:solidFill>
@@ -8120,7 +8400,7 @@
           <a:sym typeface="Arial"/>
         </a:defRPr>
       </a:lvl1pPr>
-      <a:lvl2pPr lvl="1" marR="0" rtl="0" algn="l">
+      <a:lvl2pPr marR="0" lvl="1" algn="l" rtl="0">
         <a:lnSpc>
           <a:spcPct val="100000"/>
         </a:lnSpc>
@@ -8134,7 +8414,7 @@
           <a:srgbClr val="000000"/>
         </a:buClr>
         <a:buFont typeface="Arial"/>
-        <a:defRPr b="0" i="0" sz="1400" u="none" cap="none" strike="noStrike">
+        <a:defRPr sz="1400" b="0" i="0" u="none" strike="noStrike" cap="none">
           <a:solidFill>
             <a:srgbClr val="000000"/>
           </a:solidFill>
@@ -8144,7 +8424,7 @@
           <a:sym typeface="Arial"/>
         </a:defRPr>
       </a:lvl2pPr>
-      <a:lvl3pPr lvl="2" marR="0" rtl="0" algn="l">
+      <a:lvl3pPr marR="0" lvl="2" algn="l" rtl="0">
         <a:lnSpc>
           <a:spcPct val="100000"/>
         </a:lnSpc>
@@ -8158,7 +8438,7 @@
           <a:srgbClr val="000000"/>
         </a:buClr>
         <a:buFont typeface="Arial"/>
-        <a:defRPr b="0" i="0" sz="1400" u="none" cap="none" strike="noStrike">
+        <a:defRPr sz="1400" b="0" i="0" u="none" strike="noStrike" cap="none">
           <a:solidFill>
             <a:srgbClr val="000000"/>
           </a:solidFill>
@@ -8168,7 +8448,7 @@
           <a:sym typeface="Arial"/>
         </a:defRPr>
       </a:lvl3pPr>
-      <a:lvl4pPr lvl="3" marR="0" rtl="0" algn="l">
+      <a:lvl4pPr marR="0" lvl="3" algn="l" rtl="0">
         <a:lnSpc>
           <a:spcPct val="100000"/>
         </a:lnSpc>
@@ -8182,7 +8462,7 @@
           <a:srgbClr val="000000"/>
         </a:buClr>
         <a:buFont typeface="Arial"/>
-        <a:defRPr b="0" i="0" sz="1400" u="none" cap="none" strike="noStrike">
+        <a:defRPr sz="1400" b="0" i="0" u="none" strike="noStrike" cap="none">
           <a:solidFill>
             <a:srgbClr val="000000"/>
           </a:solidFill>
@@ -8192,7 +8472,7 @@
           <a:sym typeface="Arial"/>
         </a:defRPr>
       </a:lvl4pPr>
-      <a:lvl5pPr lvl="4" marR="0" rtl="0" algn="l">
+      <a:lvl5pPr marR="0" lvl="4" algn="l" rtl="0">
         <a:lnSpc>
           <a:spcPct val="100000"/>
         </a:lnSpc>
@@ -8206,7 +8486,7 @@
           <a:srgbClr val="000000"/>
         </a:buClr>
         <a:buFont typeface="Arial"/>
-        <a:defRPr b="0" i="0" sz="1400" u="none" cap="none" strike="noStrike">
+        <a:defRPr sz="1400" b="0" i="0" u="none" strike="noStrike" cap="none">
           <a:solidFill>
             <a:srgbClr val="000000"/>
           </a:solidFill>
@@ -8216,7 +8496,7 @@
           <a:sym typeface="Arial"/>
         </a:defRPr>
       </a:lvl5pPr>
-      <a:lvl6pPr lvl="5" marR="0" rtl="0" algn="l">
+      <a:lvl6pPr marR="0" lvl="5" algn="l" rtl="0">
         <a:lnSpc>
           <a:spcPct val="100000"/>
         </a:lnSpc>
@@ -8230,7 +8510,7 @@
           <a:srgbClr val="000000"/>
         </a:buClr>
         <a:buFont typeface="Arial"/>
-        <a:defRPr b="0" i="0" sz="1400" u="none" cap="none" strike="noStrike">
+        <a:defRPr sz="1400" b="0" i="0" u="none" strike="noStrike" cap="none">
           <a:solidFill>
             <a:srgbClr val="000000"/>
           </a:solidFill>
@@ -8240,7 +8520,7 @@
           <a:sym typeface="Arial"/>
         </a:defRPr>
       </a:lvl6pPr>
-      <a:lvl7pPr lvl="6" marR="0" rtl="0" algn="l">
+      <a:lvl7pPr marR="0" lvl="6" algn="l" rtl="0">
         <a:lnSpc>
           <a:spcPct val="100000"/>
         </a:lnSpc>
@@ -8254,7 +8534,7 @@
           <a:srgbClr val="000000"/>
         </a:buClr>
         <a:buFont typeface="Arial"/>
-        <a:defRPr b="0" i="0" sz="1400" u="none" cap="none" strike="noStrike">
+        <a:defRPr sz="1400" b="0" i="0" u="none" strike="noStrike" cap="none">
           <a:solidFill>
             <a:srgbClr val="000000"/>
           </a:solidFill>
@@ -8264,7 +8544,7 @@
           <a:sym typeface="Arial"/>
         </a:defRPr>
       </a:lvl7pPr>
-      <a:lvl8pPr lvl="7" marR="0" rtl="0" algn="l">
+      <a:lvl8pPr marR="0" lvl="7" algn="l" rtl="0">
         <a:lnSpc>
           <a:spcPct val="100000"/>
         </a:lnSpc>
@@ -8278,7 +8558,7 @@
           <a:srgbClr val="000000"/>
         </a:buClr>
         <a:buFont typeface="Arial"/>
-        <a:defRPr b="0" i="0" sz="1400" u="none" cap="none" strike="noStrike">
+        <a:defRPr sz="1400" b="0" i="0" u="none" strike="noStrike" cap="none">
           <a:solidFill>
             <a:srgbClr val="000000"/>
           </a:solidFill>
@@ -8288,7 +8568,7 @@
           <a:sym typeface="Arial"/>
         </a:defRPr>
       </a:lvl8pPr>
-      <a:lvl9pPr lvl="8" marR="0" rtl="0" algn="l">
+      <a:lvl9pPr marR="0" lvl="8" algn="l" rtl="0">
         <a:lnSpc>
           <a:spcPct val="100000"/>
         </a:lnSpc>
@@ -8302,7 +8582,7 @@
           <a:srgbClr val="000000"/>
         </a:buClr>
         <a:buFont typeface="Arial"/>
-        <a:defRPr b="0" i="0" sz="1400" u="none" cap="none" strike="noStrike">
+        <a:defRPr sz="1400" b="0" i="0" u="none" strike="noStrike" cap="none">
           <a:solidFill>
             <a:srgbClr val="000000"/>
           </a:solidFill>
@@ -8318,11 +8598,11 @@
 </file>
 
 <file path=ppt/slides/slide1.xml><?xml version="1.0" encoding="utf-8"?>
-<p:sld xmlns:a="http://schemas.openxmlformats.org/drawingml/2006/main" xmlns:r="http://schemas.openxmlformats.org/officeDocument/2006/relationships" xmlns:mc="http://schemas.openxmlformats.org/markup-compatibility/2006" xmlns:mv="urn:schemas-microsoft-com:mac:vml" xmlns:p="http://schemas.openxmlformats.org/presentationml/2006/main" xmlns:c="http://schemas.openxmlformats.org/drawingml/2006/chart" xmlns:dgm="http://schemas.openxmlformats.org/drawingml/2006/diagram" xmlns:o="urn:schemas-microsoft-com:office:office" xmlns:v="urn:schemas-microsoft-com:vml" xmlns:pvml="urn:schemas-microsoft-com:office:powerpoint" xmlns:com="http://schemas.openxmlformats.org/drawingml/2006/compatibility" xmlns:p14="http://schemas.microsoft.com/office/powerpoint/2010/main" xmlns:p15="http://schemas.microsoft.com/office/powerpoint/2012/main" xmlns:ahyp="http://schemas.microsoft.com/office/drawing/2018/hyperlinkcolor">
+<p:sld xmlns:a="http://schemas.openxmlformats.org/drawingml/2006/main" xmlns:r="http://schemas.openxmlformats.org/officeDocument/2006/relationships" xmlns:p="http://schemas.openxmlformats.org/presentationml/2006/main">
   <p:cSld>
     <p:spTree>
       <p:nvGrpSpPr>
-        <p:cNvPr id="65" name="Shape 65"/>
+        <p:cNvPr id="1" name="Shape 65"/>
         <p:cNvGrpSpPr/>
         <p:nvPr/>
       </p:nvGrpSpPr>
@@ -8337,7 +8617,9 @@
       <p:sp>
         <p:nvSpPr>
           <p:cNvPr id="66" name="Google Shape;66;p13"/>
-          <p:cNvSpPr txBox="1"/>
+          <p:cNvSpPr txBox="1">
+            <a:spLocks noGrp="1"/>
+          </p:cNvSpPr>
           <p:nvPr>
             <p:ph type="ctrTitle"/>
           </p:nvPr>
@@ -8352,12 +8634,12 @@
           </a:prstGeom>
         </p:spPr>
         <p:txBody>
-          <a:bodyPr anchorCtr="0" anchor="b" bIns="91425" lIns="91425" spcFirstLastPara="1" rIns="91425" wrap="square" tIns="91425">
+          <a:bodyPr spcFirstLastPara="1" wrap="square" lIns="91425" tIns="91425" rIns="91425" bIns="91425" anchor="b" anchorCtr="0">
             <a:noAutofit/>
           </a:bodyPr>
           <a:lstStyle/>
           <a:p>
-            <a:pPr indent="0" lvl="0" marL="0" rtl="0" algn="ctr">
+            <a:pPr marL="0" lvl="0" indent="0" algn="ctr" rtl="0">
               <a:spcBef>
                 <a:spcPts val="0"/>
               </a:spcBef>
@@ -8420,11 +8702,11 @@
 </file>
 
 <file path=ppt/slides/slide10.xml><?xml version="1.0" encoding="utf-8"?>
-<p:sld xmlns:a="http://schemas.openxmlformats.org/drawingml/2006/main" xmlns:r="http://schemas.openxmlformats.org/officeDocument/2006/relationships" xmlns:mc="http://schemas.openxmlformats.org/markup-compatibility/2006" xmlns:mv="urn:schemas-microsoft-com:mac:vml" xmlns:p="http://schemas.openxmlformats.org/presentationml/2006/main" xmlns:c="http://schemas.openxmlformats.org/drawingml/2006/chart" xmlns:dgm="http://schemas.openxmlformats.org/drawingml/2006/diagram" xmlns:o="urn:schemas-microsoft-com:office:office" xmlns:v="urn:schemas-microsoft-com:vml" xmlns:pvml="urn:schemas-microsoft-com:office:powerpoint" xmlns:com="http://schemas.openxmlformats.org/drawingml/2006/compatibility" xmlns:p14="http://schemas.microsoft.com/office/powerpoint/2010/main" xmlns:p15="http://schemas.microsoft.com/office/powerpoint/2012/main" xmlns:ahyp="http://schemas.microsoft.com/office/drawing/2018/hyperlinkcolor">
+<p:sld xmlns:a="http://schemas.openxmlformats.org/drawingml/2006/main" xmlns:r="http://schemas.openxmlformats.org/officeDocument/2006/relationships" xmlns:p="http://schemas.openxmlformats.org/presentationml/2006/main">
   <p:cSld>
     <p:spTree>
       <p:nvGrpSpPr>
-        <p:cNvPr id="141" name="Shape 141"/>
+        <p:cNvPr id="1" name="Shape 141"/>
         <p:cNvGrpSpPr/>
         <p:nvPr/>
       </p:nvGrpSpPr>
@@ -8439,7 +8721,9 @@
       <p:sp>
         <p:nvSpPr>
           <p:cNvPr id="142" name="Google Shape;142;p22"/>
-          <p:cNvSpPr txBox="1"/>
+          <p:cNvSpPr txBox="1">
+            <a:spLocks noGrp="1"/>
+          </p:cNvSpPr>
           <p:nvPr>
             <p:ph type="title"/>
           </p:nvPr>
@@ -8454,12 +8738,12 @@
           </a:prstGeom>
         </p:spPr>
         <p:txBody>
-          <a:bodyPr anchorCtr="0" anchor="t" bIns="91425" lIns="91425" spcFirstLastPara="1" rIns="91425" wrap="square" tIns="91425">
+          <a:bodyPr spcFirstLastPara="1" wrap="square" lIns="91425" tIns="91425" rIns="91425" bIns="91425" anchor="t" anchorCtr="0">
             <a:normAutofit fontScale="90000"/>
           </a:bodyPr>
           <a:lstStyle/>
           <a:p>
-            <a:pPr indent="0" lvl="0" marL="0" rtl="0" algn="l">
+            <a:pPr marL="0" lvl="0" indent="0" algn="l" rtl="0">
               <a:spcBef>
                 <a:spcPts val="0"/>
               </a:spcBef>
@@ -8491,7 +8775,7 @@
           <p:nvPr/>
         </p:nvCxnSpPr>
         <p:spPr>
-          <a:xfrm flipH="1" rot="10800000">
+          <a:xfrm rot="10800000" flipH="1">
             <a:off x="417625" y="802375"/>
             <a:ext cx="4835700" cy="21900"/>
           </a:xfrm>
@@ -8499,14 +8783,14 @@
             <a:avLst/>
           </a:prstGeom>
           <a:noFill/>
-          <a:ln cap="flat" cmpd="sng" w="9525">
+          <a:ln w="9525" cap="flat" cmpd="sng">
             <a:solidFill>
               <a:schemeClr val="dk2"/>
             </a:solidFill>
             <a:prstDash val="solid"/>
             <a:round/>
-            <a:headEnd len="med" w="med" type="none"/>
-            <a:tailEnd len="med" w="med" type="none"/>
+            <a:headEnd type="none" w="med" len="med"/>
+            <a:tailEnd type="none" w="med" len="med"/>
           </a:ln>
         </p:spPr>
       </p:cxnSp>
@@ -8558,12 +8842,12 @@
           </a:ln>
         </p:spPr>
         <p:txBody>
-          <a:bodyPr anchorCtr="0" anchor="t" bIns="91425" lIns="91425" spcFirstLastPara="1" rIns="91425" wrap="square" tIns="91425">
+          <a:bodyPr spcFirstLastPara="1" wrap="square" lIns="91425" tIns="91425" rIns="91425" bIns="91425" anchor="t" anchorCtr="0">
             <a:spAutoFit/>
           </a:bodyPr>
           <a:lstStyle/>
           <a:p>
-            <a:pPr indent="0" lvl="0" marL="0" rtl="0" algn="just">
+            <a:pPr marL="0" lvl="0" indent="0" algn="just" rtl="0">
               <a:spcBef>
                 <a:spcPts val="0"/>
               </a:spcBef>
@@ -8582,7 +8866,7 @@
               <a:t>Intuitively, the </a:t>
             </a:r>
             <a:r>
-              <a:rPr b="1" lang="en-GB">
+              <a:rPr lang="en-GB" b="1">
                 <a:latin typeface="Open Sans"/>
                 <a:ea typeface="Open Sans"/>
                 <a:cs typeface="Open Sans"/>
@@ -8607,7 +8891,7 @@
             </a:endParaRPr>
           </a:p>
           <a:p>
-            <a:pPr indent="0" lvl="0" marL="0" rtl="0" algn="just">
+            <a:pPr marL="0" lvl="0" indent="0" algn="just" rtl="0">
               <a:spcBef>
                 <a:spcPts val="0"/>
               </a:spcBef>
@@ -8616,9 +8900,6 @@
               </a:spcAft>
               <a:buNone/>
             </a:pPr>
-            <a:r>
-              <a:t/>
-            </a:r>
             <a:endParaRPr>
               <a:latin typeface="Open Sans"/>
               <a:ea typeface="Open Sans"/>
@@ -8665,11 +8946,11 @@
 </file>
 
 <file path=ppt/slides/slide11.xml><?xml version="1.0" encoding="utf-8"?>
-<p:sld xmlns:a="http://schemas.openxmlformats.org/drawingml/2006/main" xmlns:r="http://schemas.openxmlformats.org/officeDocument/2006/relationships" xmlns:mc="http://schemas.openxmlformats.org/markup-compatibility/2006" xmlns:mv="urn:schemas-microsoft-com:mac:vml" xmlns:p="http://schemas.openxmlformats.org/presentationml/2006/main" xmlns:c="http://schemas.openxmlformats.org/drawingml/2006/chart" xmlns:dgm="http://schemas.openxmlformats.org/drawingml/2006/diagram" xmlns:o="urn:schemas-microsoft-com:office:office" xmlns:v="urn:schemas-microsoft-com:vml" xmlns:pvml="urn:schemas-microsoft-com:office:powerpoint" xmlns:com="http://schemas.openxmlformats.org/drawingml/2006/compatibility" xmlns:p14="http://schemas.microsoft.com/office/powerpoint/2010/main" xmlns:p15="http://schemas.microsoft.com/office/powerpoint/2012/main" xmlns:ahyp="http://schemas.microsoft.com/office/drawing/2018/hyperlinkcolor">
+<p:sld xmlns:a="http://schemas.openxmlformats.org/drawingml/2006/main" xmlns:r="http://schemas.openxmlformats.org/officeDocument/2006/relationships" xmlns:p="http://schemas.openxmlformats.org/presentationml/2006/main">
   <p:cSld>
     <p:spTree>
       <p:nvGrpSpPr>
-        <p:cNvPr id="150" name="Shape 150"/>
+        <p:cNvPr id="1" name="Shape 150"/>
         <p:cNvGrpSpPr/>
         <p:nvPr/>
       </p:nvGrpSpPr>
@@ -8684,7 +8965,9 @@
       <p:sp>
         <p:nvSpPr>
           <p:cNvPr id="151" name="Google Shape;151;p23"/>
-          <p:cNvSpPr txBox="1"/>
+          <p:cNvSpPr txBox="1">
+            <a:spLocks noGrp="1"/>
+          </p:cNvSpPr>
           <p:nvPr>
             <p:ph type="title"/>
           </p:nvPr>
@@ -8699,12 +8982,12 @@
           </a:prstGeom>
         </p:spPr>
         <p:txBody>
-          <a:bodyPr anchorCtr="0" anchor="t" bIns="91425" lIns="91425" spcFirstLastPara="1" rIns="91425" wrap="square" tIns="91425">
+          <a:bodyPr spcFirstLastPara="1" wrap="square" lIns="91425" tIns="91425" rIns="91425" bIns="91425" anchor="t" anchorCtr="0">
             <a:normAutofit fontScale="90000"/>
           </a:bodyPr>
           <a:lstStyle/>
           <a:p>
-            <a:pPr indent="0" lvl="0" marL="0" rtl="0" algn="l">
+            <a:pPr marL="0" lvl="0" indent="0" algn="l" rtl="0">
               <a:spcBef>
                 <a:spcPts val="0"/>
               </a:spcBef>
@@ -8736,7 +9019,7 @@
           <p:nvPr/>
         </p:nvCxnSpPr>
         <p:spPr>
-          <a:xfrm flipH="1" rot="10800000">
+          <a:xfrm rot="10800000" flipH="1">
             <a:off x="417625" y="802375"/>
             <a:ext cx="4835700" cy="21900"/>
           </a:xfrm>
@@ -8744,14 +9027,14 @@
             <a:avLst/>
           </a:prstGeom>
           <a:noFill/>
-          <a:ln cap="flat" cmpd="sng" w="9525">
+          <a:ln w="9525" cap="flat" cmpd="sng">
             <a:solidFill>
               <a:schemeClr val="dk2"/>
             </a:solidFill>
             <a:prstDash val="solid"/>
             <a:round/>
-            <a:headEnd len="med" w="med" type="none"/>
-            <a:tailEnd len="med" w="med" type="none"/>
+            <a:headEnd type="none" w="med" len="med"/>
+            <a:tailEnd type="none" w="med" len="med"/>
           </a:ln>
         </p:spPr>
       </p:cxnSp>
@@ -8803,12 +9086,12 @@
           </a:ln>
         </p:spPr>
         <p:txBody>
-          <a:bodyPr anchorCtr="0" anchor="t" bIns="91425" lIns="91425" spcFirstLastPara="1" rIns="91425" wrap="square" tIns="91425">
+          <a:bodyPr spcFirstLastPara="1" wrap="square" lIns="91425" tIns="91425" rIns="91425" bIns="91425" anchor="t" anchorCtr="0">
             <a:spAutoFit/>
           </a:bodyPr>
           <a:lstStyle/>
           <a:p>
-            <a:pPr indent="0" lvl="0" marL="0" rtl="0" algn="just">
+            <a:pPr marL="0" lvl="0" indent="0" algn="just" rtl="0">
               <a:spcBef>
                 <a:spcPts val="0"/>
               </a:spcBef>
@@ -8872,11 +9155,11 @@
 </file>
 
 <file path=ppt/slides/slide12.xml><?xml version="1.0" encoding="utf-8"?>
-<p:sld xmlns:a="http://schemas.openxmlformats.org/drawingml/2006/main" xmlns:r="http://schemas.openxmlformats.org/officeDocument/2006/relationships" xmlns:mc="http://schemas.openxmlformats.org/markup-compatibility/2006" xmlns:mv="urn:schemas-microsoft-com:mac:vml" xmlns:p="http://schemas.openxmlformats.org/presentationml/2006/main" xmlns:c="http://schemas.openxmlformats.org/drawingml/2006/chart" xmlns:dgm="http://schemas.openxmlformats.org/drawingml/2006/diagram" xmlns:o="urn:schemas-microsoft-com:office:office" xmlns:v="urn:schemas-microsoft-com:vml" xmlns:pvml="urn:schemas-microsoft-com:office:powerpoint" xmlns:com="http://schemas.openxmlformats.org/drawingml/2006/compatibility" xmlns:p14="http://schemas.microsoft.com/office/powerpoint/2010/main" xmlns:p15="http://schemas.microsoft.com/office/powerpoint/2012/main" xmlns:ahyp="http://schemas.microsoft.com/office/drawing/2018/hyperlinkcolor">
+<p:sld xmlns:a="http://schemas.openxmlformats.org/drawingml/2006/main" xmlns:r="http://schemas.openxmlformats.org/officeDocument/2006/relationships" xmlns:p="http://schemas.openxmlformats.org/presentationml/2006/main">
   <p:cSld>
     <p:spTree>
       <p:nvGrpSpPr>
-        <p:cNvPr id="159" name="Shape 159"/>
+        <p:cNvPr id="1" name="Shape 159"/>
         <p:cNvGrpSpPr/>
         <p:nvPr/>
       </p:nvGrpSpPr>
@@ -8891,7 +9174,9 @@
       <p:sp>
         <p:nvSpPr>
           <p:cNvPr id="160" name="Google Shape;160;p24"/>
-          <p:cNvSpPr txBox="1"/>
+          <p:cNvSpPr txBox="1">
+            <a:spLocks noGrp="1"/>
+          </p:cNvSpPr>
           <p:nvPr>
             <p:ph type="title"/>
           </p:nvPr>
@@ -8906,12 +9191,12 @@
           </a:prstGeom>
         </p:spPr>
         <p:txBody>
-          <a:bodyPr anchorCtr="0" anchor="t" bIns="91425" lIns="91425" spcFirstLastPara="1" rIns="91425" wrap="square" tIns="91425">
+          <a:bodyPr spcFirstLastPara="1" wrap="square" lIns="91425" tIns="91425" rIns="91425" bIns="91425" anchor="t" anchorCtr="0">
             <a:normAutofit fontScale="90000"/>
           </a:bodyPr>
           <a:lstStyle/>
           <a:p>
-            <a:pPr indent="0" lvl="0" marL="0" rtl="0" algn="l">
+            <a:pPr marL="0" lvl="0" indent="0" algn="l" rtl="0">
               <a:spcBef>
                 <a:spcPts val="0"/>
               </a:spcBef>
@@ -8943,7 +9228,7 @@
           <p:nvPr/>
         </p:nvCxnSpPr>
         <p:spPr>
-          <a:xfrm flipH="1" rot="10800000">
+          <a:xfrm rot="10800000" flipH="1">
             <a:off x="417625" y="802375"/>
             <a:ext cx="4835700" cy="21900"/>
           </a:xfrm>
@@ -8951,14 +9236,14 @@
             <a:avLst/>
           </a:prstGeom>
           <a:noFill/>
-          <a:ln cap="flat" cmpd="sng" w="9525">
+          <a:ln w="9525" cap="flat" cmpd="sng">
             <a:solidFill>
               <a:schemeClr val="dk2"/>
             </a:solidFill>
             <a:prstDash val="solid"/>
             <a:round/>
-            <a:headEnd len="med" w="med" type="none"/>
-            <a:tailEnd len="med" w="med" type="none"/>
+            <a:headEnd type="none" w="med" len="med"/>
+            <a:tailEnd type="none" w="med" len="med"/>
           </a:ln>
         </p:spPr>
       </p:cxnSp>
@@ -9066,12 +9351,12 @@
           </a:ln>
         </p:spPr>
         <p:txBody>
-          <a:bodyPr anchorCtr="0" anchor="t" bIns="91425" lIns="91425" spcFirstLastPara="1" rIns="91425" wrap="square" tIns="91425">
+          <a:bodyPr spcFirstLastPara="1" wrap="square" lIns="91425" tIns="91425" rIns="91425" bIns="91425" anchor="t" anchorCtr="0">
             <a:spAutoFit/>
           </a:bodyPr>
           <a:lstStyle/>
           <a:p>
-            <a:pPr indent="0" lvl="0" marL="0" rtl="0" algn="l">
+            <a:pPr marL="0" lvl="0" indent="0" algn="l" rtl="0">
               <a:spcBef>
                 <a:spcPts val="0"/>
               </a:spcBef>
@@ -9151,11 +9436,11 @@
 </file>
 
 <file path=ppt/slides/slide13.xml><?xml version="1.0" encoding="utf-8"?>
-<p:sld xmlns:a="http://schemas.openxmlformats.org/drawingml/2006/main" xmlns:r="http://schemas.openxmlformats.org/officeDocument/2006/relationships" xmlns:mc="http://schemas.openxmlformats.org/markup-compatibility/2006" xmlns:mv="urn:schemas-microsoft-com:mac:vml" xmlns:p="http://schemas.openxmlformats.org/presentationml/2006/main" xmlns:c="http://schemas.openxmlformats.org/drawingml/2006/chart" xmlns:dgm="http://schemas.openxmlformats.org/drawingml/2006/diagram" xmlns:o="urn:schemas-microsoft-com:office:office" xmlns:v="urn:schemas-microsoft-com:vml" xmlns:pvml="urn:schemas-microsoft-com:office:powerpoint" xmlns:com="http://schemas.openxmlformats.org/drawingml/2006/compatibility" xmlns:p14="http://schemas.microsoft.com/office/powerpoint/2010/main" xmlns:p15="http://schemas.microsoft.com/office/powerpoint/2012/main" xmlns:ahyp="http://schemas.microsoft.com/office/drawing/2018/hyperlinkcolor">
+<p:sld xmlns:a="http://schemas.openxmlformats.org/drawingml/2006/main" xmlns:r="http://schemas.openxmlformats.org/officeDocument/2006/relationships" xmlns:p="http://schemas.openxmlformats.org/presentationml/2006/main">
   <p:cSld>
     <p:spTree>
       <p:nvGrpSpPr>
-        <p:cNvPr id="169" name="Shape 169"/>
+        <p:cNvPr id="1" name="Shape 169"/>
         <p:cNvGrpSpPr/>
         <p:nvPr/>
       </p:nvGrpSpPr>
@@ -9170,7 +9455,9 @@
       <p:sp>
         <p:nvSpPr>
           <p:cNvPr id="170" name="Google Shape;170;p25"/>
-          <p:cNvSpPr txBox="1"/>
+          <p:cNvSpPr txBox="1">
+            <a:spLocks noGrp="1"/>
+          </p:cNvSpPr>
           <p:nvPr>
             <p:ph type="title"/>
           </p:nvPr>
@@ -9185,12 +9472,12 @@
           </a:prstGeom>
         </p:spPr>
         <p:txBody>
-          <a:bodyPr anchorCtr="0" anchor="t" bIns="91425" lIns="91425" spcFirstLastPara="1" rIns="91425" wrap="square" tIns="91425">
+          <a:bodyPr spcFirstLastPara="1" wrap="square" lIns="91425" tIns="91425" rIns="91425" bIns="91425" anchor="t" anchorCtr="0">
             <a:noAutofit/>
           </a:bodyPr>
           <a:lstStyle/>
           <a:p>
-            <a:pPr indent="0" lvl="0" marL="0" rtl="0" algn="just">
+            <a:pPr marL="0" lvl="0" indent="0" algn="just" rtl="0">
               <a:spcBef>
                 <a:spcPts val="0"/>
               </a:spcBef>
@@ -9253,11 +9540,11 @@
 </file>
 
 <file path=ppt/slides/slide14.xml><?xml version="1.0" encoding="utf-8"?>
-<p:sld xmlns:a="http://schemas.openxmlformats.org/drawingml/2006/main" xmlns:r="http://schemas.openxmlformats.org/officeDocument/2006/relationships" xmlns:mc="http://schemas.openxmlformats.org/markup-compatibility/2006" xmlns:mv="urn:schemas-microsoft-com:mac:vml" xmlns:p="http://schemas.openxmlformats.org/presentationml/2006/main" xmlns:c="http://schemas.openxmlformats.org/drawingml/2006/chart" xmlns:dgm="http://schemas.openxmlformats.org/drawingml/2006/diagram" xmlns:o="urn:schemas-microsoft-com:office:office" xmlns:v="urn:schemas-microsoft-com:vml" xmlns:pvml="urn:schemas-microsoft-com:office:powerpoint" xmlns:com="http://schemas.openxmlformats.org/drawingml/2006/compatibility" xmlns:p14="http://schemas.microsoft.com/office/powerpoint/2010/main" xmlns:p15="http://schemas.microsoft.com/office/powerpoint/2012/main" xmlns:ahyp="http://schemas.microsoft.com/office/drawing/2018/hyperlinkcolor">
+<p:sld xmlns:a="http://schemas.openxmlformats.org/drawingml/2006/main" xmlns:r="http://schemas.openxmlformats.org/officeDocument/2006/relationships" xmlns:p="http://schemas.openxmlformats.org/presentationml/2006/main">
   <p:cSld>
     <p:spTree>
       <p:nvGrpSpPr>
-        <p:cNvPr id="175" name="Shape 175"/>
+        <p:cNvPr id="1" name="Shape 175"/>
         <p:cNvGrpSpPr/>
         <p:nvPr/>
       </p:nvGrpSpPr>
@@ -9272,7 +9559,9 @@
       <p:sp>
         <p:nvSpPr>
           <p:cNvPr id="176" name="Google Shape;176;p26"/>
-          <p:cNvSpPr txBox="1"/>
+          <p:cNvSpPr txBox="1">
+            <a:spLocks noGrp="1"/>
+          </p:cNvSpPr>
           <p:nvPr>
             <p:ph type="title"/>
           </p:nvPr>
@@ -9287,12 +9576,12 @@
           </a:prstGeom>
         </p:spPr>
         <p:txBody>
-          <a:bodyPr anchorCtr="0" anchor="t" bIns="91425" lIns="91425" spcFirstLastPara="1" rIns="91425" wrap="square" tIns="91425">
+          <a:bodyPr spcFirstLastPara="1" wrap="square" lIns="91425" tIns="91425" rIns="91425" bIns="91425" anchor="t" anchorCtr="0">
             <a:normAutofit fontScale="90000"/>
           </a:bodyPr>
           <a:lstStyle/>
           <a:p>
-            <a:pPr indent="0" lvl="0" marL="0" rtl="0" algn="l">
+            <a:pPr marL="0" lvl="0" indent="0" algn="l" rtl="0">
               <a:spcBef>
                 <a:spcPts val="0"/>
               </a:spcBef>
@@ -9324,7 +9613,7 @@
           <p:nvPr/>
         </p:nvCxnSpPr>
         <p:spPr>
-          <a:xfrm flipH="1" rot="10800000">
+          <a:xfrm rot="10800000" flipH="1">
             <a:off x="417625" y="802375"/>
             <a:ext cx="4835700" cy="21900"/>
           </a:xfrm>
@@ -9332,14 +9621,14 @@
             <a:avLst/>
           </a:prstGeom>
           <a:noFill/>
-          <a:ln cap="flat" cmpd="sng" w="9525">
+          <a:ln w="9525" cap="flat" cmpd="sng">
             <a:solidFill>
               <a:schemeClr val="dk2"/>
             </a:solidFill>
             <a:prstDash val="solid"/>
             <a:round/>
-            <a:headEnd len="med" w="med" type="none"/>
-            <a:tailEnd len="med" w="med" type="none"/>
+            <a:headEnd type="none" w="med" len="med"/>
+            <a:tailEnd type="none" w="med" len="med"/>
           </a:ln>
         </p:spPr>
       </p:cxnSp>
@@ -9391,12 +9680,12 @@
           </a:ln>
         </p:spPr>
         <p:txBody>
-          <a:bodyPr anchorCtr="0" anchor="t" bIns="91425" lIns="91425" spcFirstLastPara="1" rIns="91425" wrap="square" tIns="91425">
+          <a:bodyPr spcFirstLastPara="1" wrap="square" lIns="91425" tIns="91425" rIns="91425" bIns="91425" anchor="t" anchorCtr="0">
             <a:spAutoFit/>
           </a:bodyPr>
           <a:lstStyle/>
           <a:p>
-            <a:pPr indent="0" lvl="0" marL="0" rtl="0" algn="just">
+            <a:pPr marL="0" lvl="0" indent="0" algn="just" rtl="0">
               <a:spcBef>
                 <a:spcPts val="0"/>
               </a:spcBef>
@@ -9415,7 +9704,7 @@
               <a:t>Autoencoders are an unsupervised learning architectures in neural networks. They are commonly used in Deep Learning tasks; such as generative models, anomaly detection, dimensionality reduction. They map the input data into lower dimensional space with encoder </a:t>
             </a:r>
             <a:r>
-              <a:rPr b="1" lang="en-GB">
+              <a:rPr lang="en-GB" b="1">
                 <a:latin typeface="Open Sans"/>
                 <a:ea typeface="Open Sans"/>
                 <a:cs typeface="Open Sans"/>
@@ -9433,7 +9722,7 @@
               <a:t>, and then maps into same space that have same dimension of input data with decoder </a:t>
             </a:r>
             <a:r>
-              <a:rPr b="1" lang="en-GB">
+              <a:rPr lang="en-GB" b="1">
                 <a:latin typeface="Open Sans"/>
                 <a:ea typeface="Open Sans"/>
                 <a:cs typeface="Open Sans"/>
@@ -9448,7 +9737,16 @@
                 <a:cs typeface="Open Sans"/>
                 <a:sym typeface="Open Sans"/>
               </a:rPr>
-              <a:t>. </a:t>
+              <a:t>. The main idea behind Autoencoders is to attempt to copy its input to its output. The input layer is fed with input vector </a:t>
+            </a:r>
+            <a:r>
+              <a:rPr lang="en-GB" b="1">
+                <a:latin typeface="Open Sans"/>
+                <a:ea typeface="Open Sans"/>
+                <a:cs typeface="Open Sans"/>
+                <a:sym typeface="Open Sans"/>
+              </a:rPr>
+              <a:t>x</a:t>
             </a:r>
             <a:r>
               <a:rPr lang="en-GB">
@@ -9457,10 +9755,10 @@
                 <a:cs typeface="Open Sans"/>
                 <a:sym typeface="Open Sans"/>
               </a:rPr>
-              <a:t>The main idea behind Autoencoders is to attempt to copy its input to its output. The input layer is fed with input vector </a:t>
-            </a:r>
-            <a:r>
-              <a:rPr b="1" lang="en-GB">
+              <a:t> and the loss is calculated at output layer between </a:t>
+            </a:r>
+            <a:r>
+              <a:rPr lang="en-GB" b="1">
                 <a:latin typeface="Open Sans"/>
                 <a:ea typeface="Open Sans"/>
                 <a:cs typeface="Open Sans"/>
@@ -9475,16 +9773,16 @@
                 <a:cs typeface="Open Sans"/>
                 <a:sym typeface="Open Sans"/>
               </a:rPr>
-              <a:t> and the loss is calculated at output layer between </a:t>
-            </a:r>
-            <a:r>
-              <a:rPr b="1" lang="en-GB">
-                <a:latin typeface="Open Sans"/>
-                <a:ea typeface="Open Sans"/>
-                <a:cs typeface="Open Sans"/>
-                <a:sym typeface="Open Sans"/>
-              </a:rPr>
-              <a:t>x</a:t>
+              <a:t> and </a:t>
+            </a:r>
+            <a:r>
+              <a:rPr lang="en-GB" b="1">
+                <a:latin typeface="Open Sans"/>
+                <a:ea typeface="Open Sans"/>
+                <a:cs typeface="Open Sans"/>
+                <a:sym typeface="Open Sans"/>
+              </a:rPr>
+              <a:t>E(D(x))</a:t>
             </a:r>
             <a:r>
               <a:rPr lang="en-GB">
@@ -9493,16 +9791,16 @@
                 <a:cs typeface="Open Sans"/>
                 <a:sym typeface="Open Sans"/>
               </a:rPr>
-              <a:t> and </a:t>
-            </a:r>
-            <a:r>
-              <a:rPr b="1" lang="en-GB">
-                <a:latin typeface="Open Sans"/>
-                <a:ea typeface="Open Sans"/>
-                <a:cs typeface="Open Sans"/>
-                <a:sym typeface="Open Sans"/>
-              </a:rPr>
-              <a:t>E(D(x))</a:t>
+              <a:t>, in other words the loss is </a:t>
+            </a:r>
+            <a:r>
+              <a:rPr lang="en-GB" b="1">
+                <a:latin typeface="Open Sans"/>
+                <a:ea typeface="Open Sans"/>
+                <a:cs typeface="Open Sans"/>
+                <a:sym typeface="Open Sans"/>
+              </a:rPr>
+              <a:t>L(x, E(D(x)))</a:t>
             </a:r>
             <a:r>
               <a:rPr lang="en-GB">
@@ -9511,16 +9809,16 @@
                 <a:cs typeface="Open Sans"/>
                 <a:sym typeface="Open Sans"/>
               </a:rPr>
-              <a:t>, in other words the loss is </a:t>
-            </a:r>
-            <a:r>
-              <a:rPr b="1" lang="en-GB">
-                <a:latin typeface="Open Sans"/>
-                <a:ea typeface="Open Sans"/>
-                <a:cs typeface="Open Sans"/>
-                <a:sym typeface="Open Sans"/>
-              </a:rPr>
-              <a:t>L(x, E(D(x)))</a:t>
+              <a:t>. It measures difference between our original input and the consequent reconstruction. We named the middle layer, that is connection between encoder </a:t>
+            </a:r>
+            <a:r>
+              <a:rPr lang="en-GB" b="1">
+                <a:latin typeface="Open Sans"/>
+                <a:ea typeface="Open Sans"/>
+                <a:cs typeface="Open Sans"/>
+                <a:sym typeface="Open Sans"/>
+              </a:rPr>
+              <a:t>E</a:t>
             </a:r>
             <a:r>
               <a:rPr lang="en-GB">
@@ -9529,28 +9827,10 @@
                 <a:cs typeface="Open Sans"/>
                 <a:sym typeface="Open Sans"/>
               </a:rPr>
-              <a:t>. It measures difference between our original input and the consequent reconstruction. We named the middle layer, that is connection between encoder </a:t>
-            </a:r>
-            <a:r>
-              <a:rPr b="1" lang="en-GB">
-                <a:latin typeface="Open Sans"/>
-                <a:ea typeface="Open Sans"/>
-                <a:cs typeface="Open Sans"/>
-                <a:sym typeface="Open Sans"/>
-              </a:rPr>
-              <a:t>E</a:t>
-            </a:r>
-            <a:r>
-              <a:rPr lang="en-GB">
-                <a:latin typeface="Open Sans"/>
-                <a:ea typeface="Open Sans"/>
-                <a:cs typeface="Open Sans"/>
-                <a:sym typeface="Open Sans"/>
-              </a:rPr>
               <a:t> and decoder</a:t>
             </a:r>
             <a:r>
-              <a:rPr b="1" lang="en-GB">
+              <a:rPr lang="en-GB" b="1">
                 <a:latin typeface="Open Sans"/>
                 <a:ea typeface="Open Sans"/>
                 <a:cs typeface="Open Sans"/>
@@ -9575,7 +9855,7 @@
             </a:endParaRPr>
           </a:p>
           <a:p>
-            <a:pPr indent="0" lvl="0" marL="0" rtl="0" algn="just">
+            <a:pPr marL="0" lvl="0" indent="0" algn="just" rtl="0">
               <a:spcBef>
                 <a:spcPts val="0"/>
               </a:spcBef>
@@ -9584,9 +9864,6 @@
               </a:spcAft>
               <a:buNone/>
             </a:pPr>
-            <a:r>
-              <a:t/>
-            </a:r>
             <a:endParaRPr>
               <a:latin typeface="Open Sans"/>
               <a:ea typeface="Open Sans"/>
@@ -9595,7 +9872,7 @@
             </a:endParaRPr>
           </a:p>
           <a:p>
-            <a:pPr indent="0" lvl="0" marL="0" rtl="0" algn="just">
+            <a:pPr marL="0" lvl="0" indent="0" algn="just" rtl="0">
               <a:spcBef>
                 <a:spcPts val="0"/>
               </a:spcBef>
@@ -9604,9 +9881,6 @@
               </a:spcAft>
               <a:buNone/>
             </a:pPr>
-            <a:r>
-              <a:t/>
-            </a:r>
             <a:endParaRPr>
               <a:latin typeface="Open Sans"/>
               <a:ea typeface="Open Sans"/>
@@ -9615,7 +9889,7 @@
             </a:endParaRPr>
           </a:p>
           <a:p>
-            <a:pPr indent="0" lvl="0" marL="0" rtl="0" algn="just">
+            <a:pPr marL="0" lvl="0" indent="0" algn="just" rtl="0">
               <a:spcBef>
                 <a:spcPts val="0"/>
               </a:spcBef>
@@ -9624,9 +9898,6 @@
               </a:spcAft>
               <a:buNone/>
             </a:pPr>
-            <a:r>
-              <a:t/>
-            </a:r>
             <a:endParaRPr>
               <a:latin typeface="Open Sans"/>
               <a:ea typeface="Open Sans"/>
@@ -9673,11 +9944,11 @@
 </file>
 
 <file path=ppt/slides/slide15.xml><?xml version="1.0" encoding="utf-8"?>
-<p:sld xmlns:a="http://schemas.openxmlformats.org/drawingml/2006/main" xmlns:r="http://schemas.openxmlformats.org/officeDocument/2006/relationships" xmlns:mc="http://schemas.openxmlformats.org/markup-compatibility/2006" xmlns:mv="urn:schemas-microsoft-com:mac:vml" xmlns:p="http://schemas.openxmlformats.org/presentationml/2006/main" xmlns:c="http://schemas.openxmlformats.org/drawingml/2006/chart" xmlns:dgm="http://schemas.openxmlformats.org/drawingml/2006/diagram" xmlns:o="urn:schemas-microsoft-com:office:office" xmlns:v="urn:schemas-microsoft-com:vml" xmlns:pvml="urn:schemas-microsoft-com:office:powerpoint" xmlns:com="http://schemas.openxmlformats.org/drawingml/2006/compatibility" xmlns:p14="http://schemas.microsoft.com/office/powerpoint/2010/main" xmlns:p15="http://schemas.microsoft.com/office/powerpoint/2012/main" xmlns:ahyp="http://schemas.microsoft.com/office/drawing/2018/hyperlinkcolor">
+<p:sld xmlns:a="http://schemas.openxmlformats.org/drawingml/2006/main" xmlns:r="http://schemas.openxmlformats.org/officeDocument/2006/relationships" xmlns:p="http://schemas.openxmlformats.org/presentationml/2006/main">
   <p:cSld>
     <p:spTree>
       <p:nvGrpSpPr>
-        <p:cNvPr id="184" name="Shape 184"/>
+        <p:cNvPr id="1" name="Shape 184"/>
         <p:cNvGrpSpPr/>
         <p:nvPr/>
       </p:nvGrpSpPr>
@@ -9692,7 +9963,9 @@
       <p:sp>
         <p:nvSpPr>
           <p:cNvPr id="185" name="Google Shape;185;p27"/>
-          <p:cNvSpPr txBox="1"/>
+          <p:cNvSpPr txBox="1">
+            <a:spLocks noGrp="1"/>
+          </p:cNvSpPr>
           <p:nvPr>
             <p:ph type="title"/>
           </p:nvPr>
@@ -9707,12 +9980,12 @@
           </a:prstGeom>
         </p:spPr>
         <p:txBody>
-          <a:bodyPr anchorCtr="0" anchor="t" bIns="91425" lIns="91425" spcFirstLastPara="1" rIns="91425" wrap="square" tIns="91425">
+          <a:bodyPr spcFirstLastPara="1" wrap="square" lIns="91425" tIns="91425" rIns="91425" bIns="91425" anchor="t" anchorCtr="0">
             <a:normAutofit fontScale="90000"/>
           </a:bodyPr>
           <a:lstStyle/>
           <a:p>
-            <a:pPr indent="0" lvl="0" marL="0" rtl="0" algn="l">
+            <a:pPr marL="0" lvl="0" indent="0" algn="l" rtl="0">
               <a:spcBef>
                 <a:spcPts val="0"/>
               </a:spcBef>
@@ -9721,15 +9994,23 @@
               </a:spcAft>
               <a:buNone/>
             </a:pPr>
+            <a:r>
+              <a:rPr lang="en-GB" dirty="0">
+                <a:solidFill>
+                  <a:srgbClr val="134F5C"/>
+                </a:solidFill>
+              </a:rPr>
+              <a:t>Autoencoders: Denoising </a:t>
+            </a:r>
             <a:r>
               <a:rPr lang="en-GB">
                 <a:solidFill>
                   <a:srgbClr val="134F5C"/>
                 </a:solidFill>
               </a:rPr>
-              <a:t>Autoencoders: DAE</a:t>
-            </a:r>
-            <a:endParaRPr>
+              <a:t>Auto Encoders</a:t>
+            </a:r>
+            <a:endParaRPr dirty="0">
               <a:solidFill>
                 <a:srgbClr val="00ACEE"/>
               </a:solidFill>
@@ -9744,7 +10025,7 @@
           <p:nvPr/>
         </p:nvCxnSpPr>
         <p:spPr>
-          <a:xfrm flipH="1" rot="10800000">
+          <a:xfrm rot="10800000" flipH="1">
             <a:off x="417625" y="802375"/>
             <a:ext cx="4835700" cy="21900"/>
           </a:xfrm>
@@ -9752,14 +10033,14 @@
             <a:avLst/>
           </a:prstGeom>
           <a:noFill/>
-          <a:ln cap="flat" cmpd="sng" w="9525">
+          <a:ln w="9525" cap="flat" cmpd="sng">
             <a:solidFill>
               <a:schemeClr val="dk2"/>
             </a:solidFill>
             <a:prstDash val="solid"/>
             <a:round/>
-            <a:headEnd len="med" w="med" type="none"/>
-            <a:tailEnd len="med" w="med" type="none"/>
+            <a:headEnd type="none" w="med" len="med"/>
+            <a:tailEnd type="none" w="med" len="med"/>
           </a:ln>
         </p:spPr>
       </p:cxnSp>
@@ -9811,12 +10092,12 @@
           </a:ln>
         </p:spPr>
         <p:txBody>
-          <a:bodyPr anchorCtr="0" anchor="t" bIns="91425" lIns="91425" spcFirstLastPara="1" rIns="91425" wrap="square" tIns="91425">
+          <a:bodyPr spcFirstLastPara="1" wrap="square" lIns="91425" tIns="91425" rIns="91425" bIns="91425" anchor="t" anchorCtr="0">
             <a:spAutoFit/>
           </a:bodyPr>
           <a:lstStyle/>
           <a:p>
-            <a:pPr indent="0" lvl="0" marL="0" rtl="0" algn="just">
+            <a:pPr marL="0" lvl="0" indent="0" algn="just" rtl="0">
               <a:spcBef>
                 <a:spcPts val="0"/>
               </a:spcBef>
@@ -9825,9 +10106,6 @@
               </a:spcAft>
               <a:buNone/>
             </a:pPr>
-            <a:r>
-              <a:t/>
-            </a:r>
             <a:endParaRPr>
               <a:latin typeface="Open Sans"/>
               <a:ea typeface="Open Sans"/>
@@ -9857,12 +10135,12 @@
           </a:ln>
         </p:spPr>
         <p:txBody>
-          <a:bodyPr anchorCtr="0" anchor="t" bIns="91425" lIns="91425" spcFirstLastPara="1" rIns="91425" wrap="square" tIns="91425">
+          <a:bodyPr spcFirstLastPara="1" wrap="square" lIns="91425" tIns="91425" rIns="91425" bIns="91425" anchor="t" anchorCtr="0">
             <a:spAutoFit/>
           </a:bodyPr>
           <a:lstStyle/>
           <a:p>
-            <a:pPr indent="0" lvl="0" marL="0" rtl="0" algn="just">
+            <a:pPr marL="0" lvl="0" indent="0" algn="just" rtl="0">
               <a:spcBef>
                 <a:spcPts val="0"/>
               </a:spcBef>
@@ -9872,16 +10150,52 @@
               <a:buNone/>
             </a:pPr>
             <a:r>
-              <a:rPr lang="en-GB">
-                <a:latin typeface="Open Sans"/>
-                <a:ea typeface="Open Sans"/>
-                <a:cs typeface="Open Sans"/>
-                <a:sym typeface="Open Sans"/>
-              </a:rPr>
-              <a:t>When we said that main idea behind autoencoders is to copy input to its output, the key idea is that not to copy without extracting useful informations about the distribution of the data. Autoencoders are allowed too much capacity, easy to be trained to the copying the task with learning anything useful about the dataset. So we need to penalize those autoencoders. We can achieve the task that learning useful informations about data by adding some noise to input data. To perform the denoising, the input x is corrupted into </a:t>
-            </a:r>
-            <a:r>
-              <a:rPr b="1" lang="en-GB">
+              <a:rPr lang="en-GB" dirty="0">
+                <a:latin typeface="Open Sans"/>
+                <a:ea typeface="Open Sans"/>
+                <a:cs typeface="Open Sans"/>
+                <a:sym typeface="Open Sans"/>
+              </a:rPr>
+              <a:t>When we said that main idea behind autoencoders is to copy input to its output, the key idea is that not to copy without extracting useful </a:t>
+            </a:r>
+            <a:r>
+              <a:rPr lang="en-GB" dirty="0" err="1">
+                <a:latin typeface="Open Sans"/>
+                <a:ea typeface="Open Sans"/>
+                <a:cs typeface="Open Sans"/>
+                <a:sym typeface="Open Sans"/>
+              </a:rPr>
+              <a:t>informations</a:t>
+            </a:r>
+            <a:r>
+              <a:rPr lang="en-GB" dirty="0">
+                <a:latin typeface="Open Sans"/>
+                <a:ea typeface="Open Sans"/>
+                <a:cs typeface="Open Sans"/>
+                <a:sym typeface="Open Sans"/>
+              </a:rPr>
+              <a:t> about the distribution of the data. Autoencoders are allowed too much capacity, easy to be trained to the copying the task with learning anything useful about the dataset. So we need to penalize those autoencoders. We can achieve the task that learning useful </a:t>
+            </a:r>
+            <a:r>
+              <a:rPr lang="en-GB" dirty="0" err="1">
+                <a:latin typeface="Open Sans"/>
+                <a:ea typeface="Open Sans"/>
+                <a:cs typeface="Open Sans"/>
+                <a:sym typeface="Open Sans"/>
+              </a:rPr>
+              <a:t>informations</a:t>
+            </a:r>
+            <a:r>
+              <a:rPr lang="en-GB" dirty="0">
+                <a:latin typeface="Open Sans"/>
+                <a:ea typeface="Open Sans"/>
+                <a:cs typeface="Open Sans"/>
+                <a:sym typeface="Open Sans"/>
+              </a:rPr>
+              <a:t> about data by adding some noise to input data. To perform the denoising, the input x is corrupted into </a:t>
+            </a:r>
+            <a:r>
+              <a:rPr lang="en-GB" b="1" dirty="0">
                 <a:latin typeface="Open Sans"/>
                 <a:ea typeface="Open Sans"/>
                 <a:cs typeface="Open Sans"/>
@@ -9890,7 +10204,7 @@
               <a:t>x̃</a:t>
             </a:r>
             <a:r>
-              <a:rPr lang="en-GB">
+              <a:rPr lang="en-GB" dirty="0">
                 <a:latin typeface="Open Sans"/>
                 <a:ea typeface="Open Sans"/>
                 <a:cs typeface="Open Sans"/>
@@ -9899,16 +10213,25 @@
               <a:t> through stochastic mapping of </a:t>
             </a:r>
             <a:r>
-              <a:rPr b="1" lang="en-GB">
-                <a:latin typeface="Open Sans"/>
-                <a:ea typeface="Open Sans"/>
-                <a:cs typeface="Open Sans"/>
-                <a:sym typeface="Open Sans"/>
-              </a:rPr>
-              <a:t>x̃ ∼ p</a:t>
-            </a:r>
-            <a:r>
-              <a:rPr b="1" baseline="-25000" lang="en-GB">
+              <a:rPr lang="en-GB" b="1" dirty="0">
+                <a:latin typeface="Open Sans"/>
+                <a:ea typeface="Open Sans"/>
+                <a:cs typeface="Open Sans"/>
+                <a:sym typeface="Open Sans"/>
+              </a:rPr>
+              <a:t>x̃ ∼ </a:t>
+            </a:r>
+            <a:r>
+              <a:rPr lang="en-GB" b="1" dirty="0" err="1">
+                <a:latin typeface="Open Sans"/>
+                <a:ea typeface="Open Sans"/>
+                <a:cs typeface="Open Sans"/>
+                <a:sym typeface="Open Sans"/>
+              </a:rPr>
+              <a:t>p</a:t>
+            </a:r>
+            <a:r>
+              <a:rPr lang="en-GB" b="1" baseline="-25000" dirty="0" err="1">
                 <a:latin typeface="Open Sans"/>
                 <a:ea typeface="Open Sans"/>
                 <a:cs typeface="Open Sans"/>
@@ -9917,7 +10240,7 @@
               <a:t>N</a:t>
             </a:r>
             <a:r>
-              <a:rPr b="1" lang="en-GB">
+              <a:rPr lang="en-GB" b="1" dirty="0">
                 <a:latin typeface="Open Sans"/>
                 <a:ea typeface="Open Sans"/>
                 <a:cs typeface="Open Sans"/>
@@ -9926,7 +10249,7 @@
               <a:t>(x̃|x)</a:t>
             </a:r>
             <a:r>
-              <a:rPr lang="en-GB">
+              <a:rPr lang="en-GB" dirty="0">
                 <a:latin typeface="Open Sans"/>
                 <a:ea typeface="Open Sans"/>
                 <a:cs typeface="Open Sans"/>
@@ -9934,7 +10257,7 @@
               </a:rPr>
               <a:t>. Then the noisy (corrupted) input is used for encoding and decoding parts.</a:t>
             </a:r>
-            <a:endParaRPr>
+            <a:endParaRPr dirty="0">
               <a:latin typeface="Open Sans"/>
               <a:ea typeface="Open Sans"/>
               <a:cs typeface="Open Sans"/>
@@ -9942,7 +10265,7 @@
             </a:endParaRPr>
           </a:p>
           <a:p>
-            <a:pPr indent="0" lvl="0" marL="0" rtl="0" algn="just">
+            <a:pPr marL="0" lvl="0" indent="0" algn="just" rtl="0">
               <a:spcBef>
                 <a:spcPts val="0"/>
               </a:spcBef>
@@ -9951,10 +10274,7 @@
               </a:spcAft>
               <a:buNone/>
             </a:pPr>
-            <a:r>
-              <a:t/>
-            </a:r>
-            <a:endParaRPr>
+            <a:endParaRPr dirty="0">
               <a:latin typeface="Open Sans"/>
               <a:ea typeface="Open Sans"/>
               <a:cs typeface="Open Sans"/>
@@ -10000,11 +10320,11 @@
 </file>
 
 <file path=ppt/slides/slide16.xml><?xml version="1.0" encoding="utf-8"?>
-<p:sld xmlns:a="http://schemas.openxmlformats.org/drawingml/2006/main" xmlns:r="http://schemas.openxmlformats.org/officeDocument/2006/relationships" xmlns:mc="http://schemas.openxmlformats.org/markup-compatibility/2006" xmlns:mv="urn:schemas-microsoft-com:mac:vml" xmlns:p="http://schemas.openxmlformats.org/presentationml/2006/main" xmlns:c="http://schemas.openxmlformats.org/drawingml/2006/chart" xmlns:dgm="http://schemas.openxmlformats.org/drawingml/2006/diagram" xmlns:o="urn:schemas-microsoft-com:office:office" xmlns:v="urn:schemas-microsoft-com:vml" xmlns:pvml="urn:schemas-microsoft-com:office:powerpoint" xmlns:com="http://schemas.openxmlformats.org/drawingml/2006/compatibility" xmlns:p14="http://schemas.microsoft.com/office/powerpoint/2010/main" xmlns:p15="http://schemas.microsoft.com/office/powerpoint/2012/main" xmlns:ahyp="http://schemas.microsoft.com/office/drawing/2018/hyperlinkcolor">
+<p:sld xmlns:a="http://schemas.openxmlformats.org/drawingml/2006/main" xmlns:r="http://schemas.openxmlformats.org/officeDocument/2006/relationships" xmlns:p="http://schemas.openxmlformats.org/presentationml/2006/main">
   <p:cSld>
     <p:spTree>
       <p:nvGrpSpPr>
-        <p:cNvPr id="194" name="Shape 194"/>
+        <p:cNvPr id="1" name="Shape 194"/>
         <p:cNvGrpSpPr/>
         <p:nvPr/>
       </p:nvGrpSpPr>
@@ -10019,7 +10339,9 @@
       <p:sp>
         <p:nvSpPr>
           <p:cNvPr id="195" name="Google Shape;195;p28"/>
-          <p:cNvSpPr txBox="1"/>
+          <p:cNvSpPr txBox="1">
+            <a:spLocks noGrp="1"/>
+          </p:cNvSpPr>
           <p:nvPr>
             <p:ph type="title"/>
           </p:nvPr>
@@ -10034,12 +10356,12 @@
           </a:prstGeom>
         </p:spPr>
         <p:txBody>
-          <a:bodyPr anchorCtr="0" anchor="t" bIns="91425" lIns="91425" spcFirstLastPara="1" rIns="91425" wrap="square" tIns="91425">
+          <a:bodyPr spcFirstLastPara="1" wrap="square" lIns="91425" tIns="91425" rIns="91425" bIns="91425" anchor="t" anchorCtr="0">
             <a:normAutofit fontScale="90000"/>
           </a:bodyPr>
           <a:lstStyle/>
           <a:p>
-            <a:pPr indent="0" lvl="0" marL="0" rtl="0" algn="l">
+            <a:pPr marL="0" lvl="0" indent="0" algn="l" rtl="0">
               <a:spcBef>
                 <a:spcPts val="0"/>
               </a:spcBef>
@@ -10071,7 +10393,7 @@
           <p:nvPr/>
         </p:nvCxnSpPr>
         <p:spPr>
-          <a:xfrm flipH="1" rot="10800000">
+          <a:xfrm rot="10800000" flipH="1">
             <a:off x="417625" y="802375"/>
             <a:ext cx="4835700" cy="21900"/>
           </a:xfrm>
@@ -10079,14 +10401,14 @@
             <a:avLst/>
           </a:prstGeom>
           <a:noFill/>
-          <a:ln cap="flat" cmpd="sng" w="9525">
+          <a:ln w="9525" cap="flat" cmpd="sng">
             <a:solidFill>
               <a:schemeClr val="dk2"/>
             </a:solidFill>
             <a:prstDash val="solid"/>
             <a:round/>
-            <a:headEnd len="med" w="med" type="none"/>
-            <a:tailEnd len="med" w="med" type="none"/>
+            <a:headEnd type="none" w="med" len="med"/>
+            <a:tailEnd type="none" w="med" len="med"/>
           </a:ln>
         </p:spPr>
       </p:cxnSp>
@@ -10138,12 +10460,12 @@
           </a:ln>
         </p:spPr>
         <p:txBody>
-          <a:bodyPr anchorCtr="0" anchor="t" bIns="91425" lIns="91425" spcFirstLastPara="1" rIns="91425" wrap="square" tIns="91425">
+          <a:bodyPr spcFirstLastPara="1" wrap="square" lIns="91425" tIns="91425" rIns="91425" bIns="91425" anchor="t" anchorCtr="0">
             <a:spAutoFit/>
           </a:bodyPr>
           <a:lstStyle/>
           <a:p>
-            <a:pPr indent="0" lvl="0" marL="0" rtl="0" algn="just">
+            <a:pPr marL="0" lvl="0" indent="0" algn="just" rtl="0">
               <a:spcBef>
                 <a:spcPts val="0"/>
               </a:spcBef>
@@ -10152,9 +10474,6 @@
               </a:spcAft>
               <a:buNone/>
             </a:pPr>
-            <a:r>
-              <a:t/>
-            </a:r>
             <a:endParaRPr>
               <a:latin typeface="Open Sans"/>
               <a:ea typeface="Open Sans"/>
@@ -10184,12 +10503,12 @@
           </a:ln>
         </p:spPr>
         <p:txBody>
-          <a:bodyPr anchorCtr="0" anchor="t" bIns="91425" lIns="91425" spcFirstLastPara="1" rIns="91425" wrap="square" tIns="91425">
+          <a:bodyPr spcFirstLastPara="1" wrap="square" lIns="91425" tIns="91425" rIns="91425" bIns="91425" anchor="t" anchorCtr="0">
             <a:spAutoFit/>
           </a:bodyPr>
           <a:lstStyle/>
           <a:p>
-            <a:pPr indent="0" lvl="0" marL="0" rtl="0" algn="just">
+            <a:pPr marL="0" lvl="0" indent="0" algn="just" rtl="0">
               <a:spcBef>
                 <a:spcPts val="0"/>
               </a:spcBef>
@@ -10208,7 +10527,7 @@
               <a:t>Variational Autoencoder (VAE) is a deep learning technique  for  learning  latent  representations.  VAE  also  can  be used  for  generative  tasks.  It  allows  model  to  learn  complex distributions  from  complex  datasets.  The  motivation  behind Variational  Autoencoders  is  to  produce  a  output  distribution which  is  equivalent  to  the  input  distribution. The probabilistic encoder </a:t>
             </a:r>
             <a:r>
-              <a:rPr b="1" lang="en-GB">
+              <a:rPr lang="en-GB" b="1">
                 <a:latin typeface="Open Sans"/>
                 <a:ea typeface="Open Sans"/>
                 <a:cs typeface="Open Sans"/>
@@ -10217,7 +10536,7 @@
               <a:t>p</a:t>
             </a:r>
             <a:r>
-              <a:rPr b="1" baseline="-25000" lang="en-GB">
+              <a:rPr lang="en-GB" b="1" baseline="-25000">
                 <a:latin typeface="Open Sans"/>
                 <a:ea typeface="Open Sans"/>
                 <a:cs typeface="Open Sans"/>
@@ -10226,7 +10545,7 @@
               <a:t>encoder</a:t>
             </a:r>
             <a:r>
-              <a:rPr b="1" lang="en-GB">
+              <a:rPr lang="en-GB" b="1">
                 <a:latin typeface="Open Sans"/>
                 <a:ea typeface="Open Sans"/>
                 <a:cs typeface="Open Sans"/>
@@ -10244,7 +10563,7 @@
               <a:t> of VAE learns representing input with lower-dimensional space. The probabilistic decoder </a:t>
             </a:r>
             <a:r>
-              <a:rPr b="1" lang="en-GB">
+              <a:rPr lang="en-GB" b="1">
                 <a:latin typeface="Open Sans"/>
                 <a:ea typeface="Open Sans"/>
                 <a:cs typeface="Open Sans"/>
@@ -10253,7 +10572,7 @@
               <a:t>p</a:t>
             </a:r>
             <a:r>
-              <a:rPr b="1" baseline="-25000" lang="en-GB">
+              <a:rPr lang="en-GB" b="1" baseline="-25000">
                 <a:latin typeface="Open Sans"/>
                 <a:ea typeface="Open Sans"/>
                 <a:cs typeface="Open Sans"/>
@@ -10262,31 +10581,13 @@
               <a:t>decoder</a:t>
             </a:r>
             <a:r>
-              <a:rPr b="1" lang="en-GB">
-                <a:latin typeface="Open Sans"/>
-                <a:ea typeface="Open Sans"/>
-                <a:cs typeface="Open Sans"/>
-                <a:sym typeface="Open Sans"/>
-              </a:rPr>
-              <a:t>(</a:t>
-            </a:r>
-            <a:r>
-              <a:rPr b="1" lang="en-GB">
-                <a:latin typeface="Open Sans"/>
-                <a:ea typeface="Open Sans"/>
-                <a:cs typeface="Open Sans"/>
-                <a:sym typeface="Open Sans"/>
-              </a:rPr>
-              <a:t>x</a:t>
-            </a:r>
-            <a:r>
-              <a:rPr b="1" lang="en-GB">
-                <a:latin typeface="Open Sans"/>
-                <a:ea typeface="Open Sans"/>
-                <a:cs typeface="Open Sans"/>
-                <a:sym typeface="Open Sans"/>
-              </a:rPr>
-              <a:t>|z)</a:t>
+              <a:rPr lang="en-GB" b="1">
+                <a:latin typeface="Open Sans"/>
+                <a:ea typeface="Open Sans"/>
+                <a:cs typeface="Open Sans"/>
+                <a:sym typeface="Open Sans"/>
+              </a:rPr>
+              <a:t>(x|z)</a:t>
             </a:r>
             <a:r>
               <a:rPr lang="en-GB">
@@ -10305,7 +10606,7 @@
             </a:endParaRPr>
           </a:p>
           <a:p>
-            <a:pPr indent="0" lvl="0" marL="0" rtl="0" algn="just">
+            <a:pPr marL="0" lvl="0" indent="0" algn="just" rtl="0">
               <a:spcBef>
                 <a:spcPts val="0"/>
               </a:spcBef>
@@ -10324,7 +10625,7 @@
               <a:t>VAE is combination of Kullback Leibler Divergence (KL Divergence) loss and log-likelihood loss. It allows model to approximate its posterior </a:t>
             </a:r>
             <a:r>
-              <a:rPr b="1" lang="en-GB">
+              <a:rPr lang="en-GB" b="1">
                 <a:latin typeface="Open Sans"/>
                 <a:ea typeface="Open Sans"/>
                 <a:cs typeface="Open Sans"/>
@@ -10333,7 +10634,7 @@
               <a:t>p</a:t>
             </a:r>
             <a:r>
-              <a:rPr b="1" baseline="-25000" lang="en-GB">
+              <a:rPr lang="en-GB" b="1" baseline="-25000">
                 <a:latin typeface="Open Sans"/>
                 <a:ea typeface="Open Sans"/>
                 <a:cs typeface="Open Sans"/>
@@ -10342,7 +10643,7 @@
               <a:t>decoder</a:t>
             </a:r>
             <a:r>
-              <a:rPr b="1" lang="en-GB">
+              <a:rPr lang="en-GB" b="1">
                 <a:latin typeface="Open Sans"/>
                 <a:ea typeface="Open Sans"/>
                 <a:cs typeface="Open Sans"/>
@@ -10367,7 +10668,7 @@
             </a:endParaRPr>
           </a:p>
           <a:p>
-            <a:pPr indent="0" lvl="0" marL="0" rtl="0" algn="just">
+            <a:pPr marL="0" lvl="0" indent="0" algn="just" rtl="0">
               <a:spcBef>
                 <a:spcPts val="0"/>
               </a:spcBef>
@@ -10376,9 +10677,6 @@
               </a:spcAft>
               <a:buNone/>
             </a:pPr>
-            <a:r>
-              <a:t/>
-            </a:r>
             <a:endParaRPr>
               <a:latin typeface="Open Sans"/>
               <a:ea typeface="Open Sans"/>
@@ -10387,7 +10685,7 @@
             </a:endParaRPr>
           </a:p>
           <a:p>
-            <a:pPr indent="0" lvl="0" marL="0" rtl="0" algn="just">
+            <a:pPr marL="0" lvl="0" indent="0" algn="just" rtl="0">
               <a:spcBef>
                 <a:spcPts val="0"/>
               </a:spcBef>
@@ -10396,9 +10694,6 @@
               </a:spcAft>
               <a:buNone/>
             </a:pPr>
-            <a:r>
-              <a:t/>
-            </a:r>
             <a:endParaRPr>
               <a:latin typeface="Open Sans"/>
               <a:ea typeface="Open Sans"/>
@@ -10407,7 +10702,7 @@
             </a:endParaRPr>
           </a:p>
           <a:p>
-            <a:pPr indent="0" lvl="0" marL="0" rtl="0" algn="just">
+            <a:pPr marL="0" lvl="0" indent="0" algn="just" rtl="0">
               <a:spcBef>
                 <a:spcPts val="0"/>
               </a:spcBef>
@@ -10416,9 +10711,6 @@
               </a:spcAft>
               <a:buNone/>
             </a:pPr>
-            <a:r>
-              <a:t/>
-            </a:r>
             <a:endParaRPr>
               <a:latin typeface="Open Sans"/>
               <a:ea typeface="Open Sans"/>
@@ -10427,7 +10719,7 @@
             </a:endParaRPr>
           </a:p>
           <a:p>
-            <a:pPr indent="0" lvl="0" marL="0" rtl="0" algn="just">
+            <a:pPr marL="0" lvl="0" indent="0" algn="just" rtl="0">
               <a:spcBef>
                 <a:spcPts val="0"/>
               </a:spcBef>
@@ -10436,9 +10728,6 @@
               </a:spcAft>
               <a:buNone/>
             </a:pPr>
-            <a:r>
-              <a:t/>
-            </a:r>
             <a:endParaRPr>
               <a:latin typeface="Open Sans"/>
               <a:ea typeface="Open Sans"/>
@@ -10513,11 +10802,11 @@
 </file>
 
 <file path=ppt/slides/slide17.xml><?xml version="1.0" encoding="utf-8"?>
-<p:sld xmlns:a="http://schemas.openxmlformats.org/drawingml/2006/main" xmlns:r="http://schemas.openxmlformats.org/officeDocument/2006/relationships" xmlns:mc="http://schemas.openxmlformats.org/markup-compatibility/2006" xmlns:mv="urn:schemas-microsoft-com:mac:vml" xmlns:p="http://schemas.openxmlformats.org/presentationml/2006/main" xmlns:c="http://schemas.openxmlformats.org/drawingml/2006/chart" xmlns:dgm="http://schemas.openxmlformats.org/drawingml/2006/diagram" xmlns:o="urn:schemas-microsoft-com:office:office" xmlns:v="urn:schemas-microsoft-com:vml" xmlns:pvml="urn:schemas-microsoft-com:office:powerpoint" xmlns:com="http://schemas.openxmlformats.org/drawingml/2006/compatibility" xmlns:p14="http://schemas.microsoft.com/office/powerpoint/2010/main" xmlns:p15="http://schemas.microsoft.com/office/powerpoint/2012/main" xmlns:ahyp="http://schemas.microsoft.com/office/drawing/2018/hyperlinkcolor">
+<p:sld xmlns:a="http://schemas.openxmlformats.org/drawingml/2006/main" xmlns:r="http://schemas.openxmlformats.org/officeDocument/2006/relationships" xmlns:p="http://schemas.openxmlformats.org/presentationml/2006/main">
   <p:cSld>
     <p:spTree>
       <p:nvGrpSpPr>
-        <p:cNvPr id="205" name="Shape 205"/>
+        <p:cNvPr id="1" name="Shape 205"/>
         <p:cNvGrpSpPr/>
         <p:nvPr/>
       </p:nvGrpSpPr>
@@ -10532,7 +10821,9 @@
       <p:sp>
         <p:nvSpPr>
           <p:cNvPr id="206" name="Google Shape;206;p29"/>
-          <p:cNvSpPr txBox="1"/>
+          <p:cNvSpPr txBox="1">
+            <a:spLocks noGrp="1"/>
+          </p:cNvSpPr>
           <p:nvPr>
             <p:ph type="title"/>
           </p:nvPr>
@@ -10547,12 +10838,12 @@
           </a:prstGeom>
         </p:spPr>
         <p:txBody>
-          <a:bodyPr anchorCtr="0" anchor="t" bIns="91425" lIns="91425" spcFirstLastPara="1" rIns="91425" wrap="square" tIns="91425">
+          <a:bodyPr spcFirstLastPara="1" wrap="square" lIns="91425" tIns="91425" rIns="91425" bIns="91425" anchor="t" anchorCtr="0">
             <a:normAutofit fontScale="90000"/>
           </a:bodyPr>
           <a:lstStyle/>
           <a:p>
-            <a:pPr indent="0" lvl="0" marL="0" rtl="0" algn="l">
+            <a:pPr marL="0" lvl="0" indent="0" algn="l" rtl="0">
               <a:spcBef>
                 <a:spcPts val="0"/>
               </a:spcBef>
@@ -10584,7 +10875,7 @@
           <p:nvPr/>
         </p:nvCxnSpPr>
         <p:spPr>
-          <a:xfrm flipH="1" rot="10800000">
+          <a:xfrm rot="10800000" flipH="1">
             <a:off x="417625" y="802375"/>
             <a:ext cx="4835700" cy="21900"/>
           </a:xfrm>
@@ -10592,14 +10883,14 @@
             <a:avLst/>
           </a:prstGeom>
           <a:noFill/>
-          <a:ln cap="flat" cmpd="sng" w="9525">
+          <a:ln w="9525" cap="flat" cmpd="sng">
             <a:solidFill>
               <a:schemeClr val="dk2"/>
             </a:solidFill>
             <a:prstDash val="solid"/>
             <a:round/>
-            <a:headEnd len="med" w="med" type="none"/>
-            <a:tailEnd len="med" w="med" type="none"/>
+            <a:headEnd type="none" w="med" len="med"/>
+            <a:tailEnd type="none" w="med" len="med"/>
           </a:ln>
         </p:spPr>
       </p:cxnSp>
@@ -10651,12 +10942,12 @@
           </a:ln>
         </p:spPr>
         <p:txBody>
-          <a:bodyPr anchorCtr="0" anchor="t" bIns="91425" lIns="91425" spcFirstLastPara="1" rIns="91425" wrap="square" tIns="91425">
+          <a:bodyPr spcFirstLastPara="1" wrap="square" lIns="91425" tIns="91425" rIns="91425" bIns="91425" anchor="t" anchorCtr="0">
             <a:spAutoFit/>
           </a:bodyPr>
           <a:lstStyle/>
           <a:p>
-            <a:pPr indent="0" lvl="0" marL="0" rtl="0" algn="just">
+            <a:pPr marL="0" lvl="0" indent="0" algn="just" rtl="0">
               <a:spcBef>
                 <a:spcPts val="0"/>
               </a:spcBef>
@@ -10665,9 +10956,6 @@
               </a:spcAft>
               <a:buNone/>
             </a:pPr>
-            <a:r>
-              <a:t/>
-            </a:r>
             <a:endParaRPr>
               <a:latin typeface="Open Sans"/>
               <a:ea typeface="Open Sans"/>
@@ -10697,12 +10985,12 @@
           </a:ln>
         </p:spPr>
         <p:txBody>
-          <a:bodyPr anchorCtr="0" anchor="t" bIns="91425" lIns="91425" spcFirstLastPara="1" rIns="91425" wrap="square" tIns="91425">
+          <a:bodyPr spcFirstLastPara="1" wrap="square" lIns="91425" tIns="91425" rIns="91425" bIns="91425" anchor="t" anchorCtr="0">
             <a:spAutoFit/>
           </a:bodyPr>
           <a:lstStyle/>
           <a:p>
-            <a:pPr indent="0" lvl="0" marL="0" rtl="0" algn="just">
+            <a:pPr marL="0" lvl="0" indent="0" algn="just" rtl="0">
               <a:spcBef>
                 <a:spcPts val="0"/>
               </a:spcBef>
@@ -10711,9 +10999,6 @@
               </a:spcAft>
               <a:buNone/>
             </a:pPr>
-            <a:r>
-              <a:t/>
-            </a:r>
             <a:endParaRPr>
               <a:latin typeface="Open Sans"/>
               <a:ea typeface="Open Sans"/>
@@ -10760,11 +11045,11 @@
 </file>
 
 <file path=ppt/slides/slide18.xml><?xml version="1.0" encoding="utf-8"?>
-<p:sld xmlns:a="http://schemas.openxmlformats.org/drawingml/2006/main" xmlns:r="http://schemas.openxmlformats.org/officeDocument/2006/relationships" xmlns:mc="http://schemas.openxmlformats.org/markup-compatibility/2006" xmlns:mv="urn:schemas-microsoft-com:mac:vml" xmlns:p="http://schemas.openxmlformats.org/presentationml/2006/main" xmlns:c="http://schemas.openxmlformats.org/drawingml/2006/chart" xmlns:dgm="http://schemas.openxmlformats.org/drawingml/2006/diagram" xmlns:o="urn:schemas-microsoft-com:office:office" xmlns:v="urn:schemas-microsoft-com:vml" xmlns:pvml="urn:schemas-microsoft-com:office:powerpoint" xmlns:com="http://schemas.openxmlformats.org/drawingml/2006/compatibility" xmlns:p14="http://schemas.microsoft.com/office/powerpoint/2010/main" xmlns:p15="http://schemas.microsoft.com/office/powerpoint/2012/main" xmlns:ahyp="http://schemas.microsoft.com/office/drawing/2018/hyperlinkcolor">
+<p:sld xmlns:a="http://schemas.openxmlformats.org/drawingml/2006/main" xmlns:r="http://schemas.openxmlformats.org/officeDocument/2006/relationships" xmlns:p="http://schemas.openxmlformats.org/presentationml/2006/main">
   <p:cSld>
     <p:spTree>
       <p:nvGrpSpPr>
-        <p:cNvPr id="215" name="Shape 215"/>
+        <p:cNvPr id="1" name="Shape 215"/>
         <p:cNvGrpSpPr/>
         <p:nvPr/>
       </p:nvGrpSpPr>
@@ -10779,7 +11064,9 @@
       <p:sp>
         <p:nvSpPr>
           <p:cNvPr id="216" name="Google Shape;216;p30"/>
-          <p:cNvSpPr txBox="1"/>
+          <p:cNvSpPr txBox="1">
+            <a:spLocks noGrp="1"/>
+          </p:cNvSpPr>
           <p:nvPr>
             <p:ph type="title"/>
           </p:nvPr>
@@ -10794,12 +11081,12 @@
           </a:prstGeom>
         </p:spPr>
         <p:txBody>
-          <a:bodyPr anchorCtr="0" anchor="t" bIns="91425" lIns="91425" spcFirstLastPara="1" rIns="91425" wrap="square" tIns="91425">
+          <a:bodyPr spcFirstLastPara="1" wrap="square" lIns="91425" tIns="91425" rIns="91425" bIns="91425" anchor="t" anchorCtr="0">
             <a:noAutofit/>
           </a:bodyPr>
           <a:lstStyle/>
           <a:p>
-            <a:pPr indent="0" lvl="0" marL="0" rtl="0" algn="just">
+            <a:pPr marL="0" lvl="0" indent="0" algn="just" rtl="0">
               <a:spcBef>
                 <a:spcPts val="0"/>
               </a:spcBef>
@@ -10862,11 +11149,11 @@
 </file>
 
 <file path=ppt/slides/slide19.xml><?xml version="1.0" encoding="utf-8"?>
-<p:sld xmlns:a="http://schemas.openxmlformats.org/drawingml/2006/main" xmlns:r="http://schemas.openxmlformats.org/officeDocument/2006/relationships" xmlns:mc="http://schemas.openxmlformats.org/markup-compatibility/2006" xmlns:mv="urn:schemas-microsoft-com:mac:vml" xmlns:p="http://schemas.openxmlformats.org/presentationml/2006/main" xmlns:c="http://schemas.openxmlformats.org/drawingml/2006/chart" xmlns:dgm="http://schemas.openxmlformats.org/drawingml/2006/diagram" xmlns:o="urn:schemas-microsoft-com:office:office" xmlns:v="urn:schemas-microsoft-com:vml" xmlns:pvml="urn:schemas-microsoft-com:office:powerpoint" xmlns:com="http://schemas.openxmlformats.org/drawingml/2006/compatibility" xmlns:p14="http://schemas.microsoft.com/office/powerpoint/2010/main" xmlns:p15="http://schemas.microsoft.com/office/powerpoint/2012/main" xmlns:ahyp="http://schemas.microsoft.com/office/drawing/2018/hyperlinkcolor">
+<p:sld xmlns:a="http://schemas.openxmlformats.org/drawingml/2006/main" xmlns:r="http://schemas.openxmlformats.org/officeDocument/2006/relationships" xmlns:p="http://schemas.openxmlformats.org/presentationml/2006/main">
   <p:cSld>
     <p:spTree>
       <p:nvGrpSpPr>
-        <p:cNvPr id="221" name="Shape 221"/>
+        <p:cNvPr id="1" name="Shape 221"/>
         <p:cNvGrpSpPr/>
         <p:nvPr/>
       </p:nvGrpSpPr>
@@ -10881,7 +11168,9 @@
       <p:sp>
         <p:nvSpPr>
           <p:cNvPr id="222" name="Google Shape;222;p31"/>
-          <p:cNvSpPr txBox="1"/>
+          <p:cNvSpPr txBox="1">
+            <a:spLocks noGrp="1"/>
+          </p:cNvSpPr>
           <p:nvPr>
             <p:ph type="title"/>
           </p:nvPr>
@@ -10896,12 +11185,12 @@
           </a:prstGeom>
         </p:spPr>
         <p:txBody>
-          <a:bodyPr anchorCtr="0" anchor="t" bIns="91425" lIns="91425" spcFirstLastPara="1" rIns="91425" wrap="square" tIns="91425">
+          <a:bodyPr spcFirstLastPara="1" wrap="square" lIns="91425" tIns="91425" rIns="91425" bIns="91425" anchor="t" anchorCtr="0">
             <a:normAutofit fontScale="90000"/>
           </a:bodyPr>
           <a:lstStyle/>
           <a:p>
-            <a:pPr indent="0" lvl="0" marL="0" rtl="0" algn="l">
+            <a:pPr marL="0" lvl="0" indent="0" algn="l" rtl="0">
               <a:spcBef>
                 <a:spcPts val="0"/>
               </a:spcBef>
@@ -10933,7 +11222,7 @@
           <p:nvPr/>
         </p:nvCxnSpPr>
         <p:spPr>
-          <a:xfrm flipH="1" rot="10800000">
+          <a:xfrm rot="10800000" flipH="1">
             <a:off x="417625" y="802375"/>
             <a:ext cx="4835700" cy="21900"/>
           </a:xfrm>
@@ -10941,14 +11230,14 @@
             <a:avLst/>
           </a:prstGeom>
           <a:noFill/>
-          <a:ln cap="flat" cmpd="sng" w="9525">
+          <a:ln w="9525" cap="flat" cmpd="sng">
             <a:solidFill>
               <a:schemeClr val="dk2"/>
             </a:solidFill>
             <a:prstDash val="solid"/>
             <a:round/>
-            <a:headEnd len="med" w="med" type="none"/>
-            <a:tailEnd len="med" w="med" type="none"/>
+            <a:headEnd type="none" w="med" len="med"/>
+            <a:tailEnd type="none" w="med" len="med"/>
           </a:ln>
         </p:spPr>
       </p:cxnSp>
@@ -11000,12 +11289,12 @@
           </a:ln>
         </p:spPr>
         <p:txBody>
-          <a:bodyPr anchorCtr="0" anchor="t" bIns="91425" lIns="91425" spcFirstLastPara="1" rIns="91425" wrap="square" tIns="91425">
+          <a:bodyPr spcFirstLastPara="1" wrap="square" lIns="91425" tIns="91425" rIns="91425" bIns="91425" anchor="t" anchorCtr="0">
             <a:spAutoFit/>
           </a:bodyPr>
           <a:lstStyle/>
           <a:p>
-            <a:pPr indent="0" lvl="0" marL="0" rtl="0" algn="just">
+            <a:pPr marL="0" lvl="0" indent="0" algn="just" rtl="0">
               <a:spcBef>
                 <a:spcPts val="0"/>
               </a:spcBef>
@@ -11014,9 +11303,6 @@
               </a:spcAft>
               <a:buNone/>
             </a:pPr>
-            <a:r>
-              <a:t/>
-            </a:r>
             <a:endParaRPr>
               <a:latin typeface="Open Sans"/>
               <a:ea typeface="Open Sans"/>
@@ -11046,12 +11332,12 @@
           </a:ln>
         </p:spPr>
         <p:txBody>
-          <a:bodyPr anchorCtr="0" anchor="t" bIns="91425" lIns="91425" spcFirstLastPara="1" rIns="91425" wrap="square" tIns="91425">
+          <a:bodyPr spcFirstLastPara="1" wrap="square" lIns="91425" tIns="91425" rIns="91425" bIns="91425" anchor="t" anchorCtr="0">
             <a:spAutoFit/>
           </a:bodyPr>
           <a:lstStyle/>
           <a:p>
-            <a:pPr indent="0" lvl="0" marL="0" rtl="0" algn="just">
+            <a:pPr marL="0" lvl="0" indent="0" algn="just" rtl="0">
               <a:spcBef>
                 <a:spcPts val="0"/>
               </a:spcBef>
@@ -11060,9 +11346,6 @@
               </a:spcAft>
               <a:buNone/>
             </a:pPr>
-            <a:r>
-              <a:t/>
-            </a:r>
             <a:endParaRPr>
               <a:latin typeface="Open Sans"/>
               <a:ea typeface="Open Sans"/>
@@ -11092,12 +11375,12 @@
           </a:ln>
         </p:spPr>
         <p:txBody>
-          <a:bodyPr anchorCtr="0" anchor="t" bIns="91425" lIns="91425" spcFirstLastPara="1" rIns="91425" wrap="square" tIns="91425">
+          <a:bodyPr spcFirstLastPara="1" wrap="square" lIns="91425" tIns="91425" rIns="91425" bIns="91425" anchor="t" anchorCtr="0">
             <a:spAutoFit/>
           </a:bodyPr>
           <a:lstStyle/>
           <a:p>
-            <a:pPr indent="0" lvl="0" marL="0" rtl="0" algn="l">
+            <a:pPr marL="0" lvl="0" indent="0" algn="l" rtl="0">
               <a:spcBef>
                 <a:spcPts val="0"/>
               </a:spcBef>
@@ -11128,7 +11411,7 @@
               <a:t> </a:t>
             </a:r>
             <a:r>
-              <a:rPr b="1" lang="en-GB">
+              <a:rPr lang="en-GB" b="1">
                 <a:latin typeface="Open Sans"/>
                 <a:ea typeface="Open Sans"/>
                 <a:cs typeface="Open Sans"/>
@@ -11146,7 +11429,7 @@
               <a:t>, silent [default=0], </a:t>
             </a:r>
             <a:r>
-              <a:rPr b="1" lang="en-GB">
+              <a:rPr lang="en-GB" b="1">
                 <a:latin typeface="Open Sans"/>
                 <a:ea typeface="Open Sans"/>
                 <a:cs typeface="Open Sans"/>
@@ -11162,7 +11445,7 @@
             </a:endParaRPr>
           </a:p>
           <a:p>
-            <a:pPr indent="0" lvl="0" marL="0" rtl="0" algn="l">
+            <a:pPr marL="0" lvl="0" indent="0" algn="l" rtl="0">
               <a:spcBef>
                 <a:spcPts val="0"/>
               </a:spcBef>
@@ -11171,9 +11454,6 @@
               </a:spcAft>
               <a:buNone/>
             </a:pPr>
-            <a:r>
-              <a:t/>
-            </a:r>
             <a:endParaRPr>
               <a:latin typeface="Open Sans"/>
               <a:ea typeface="Open Sans"/>
@@ -11182,7 +11462,7 @@
             </a:endParaRPr>
           </a:p>
           <a:p>
-            <a:pPr indent="0" lvl="0" marL="0" rtl="0" algn="l">
+            <a:pPr marL="0" lvl="0" indent="0" algn="l" rtl="0">
               <a:spcBef>
                 <a:spcPts val="0"/>
               </a:spcBef>
@@ -11191,9 +11471,6 @@
               </a:spcAft>
               <a:buNone/>
             </a:pPr>
-            <a:r>
-              <a:t/>
-            </a:r>
             <a:endParaRPr>
               <a:latin typeface="Open Sans"/>
               <a:ea typeface="Open Sans"/>
@@ -11202,7 +11479,7 @@
             </a:endParaRPr>
           </a:p>
           <a:p>
-            <a:pPr indent="0" lvl="0" marL="0" rtl="0" algn="l">
+            <a:pPr marL="0" lvl="0" indent="0" algn="l" rtl="0">
               <a:spcBef>
                 <a:spcPts val="0"/>
               </a:spcBef>
@@ -11230,7 +11507,16 @@
                 <a:cs typeface="Open Sans"/>
                 <a:sym typeface="Open Sans"/>
               </a:rPr>
-              <a:t> eta [default=0.3</a:t>
+              <a:t> eta [default=0.3], </a:t>
+            </a:r>
+            <a:r>
+              <a:rPr lang="en-GB" b="1">
+                <a:latin typeface="Open Sans"/>
+                <a:ea typeface="Open Sans"/>
+                <a:cs typeface="Open Sans"/>
+                <a:sym typeface="Open Sans"/>
+              </a:rPr>
+              <a:t>min_child_weight [default=1]</a:t>
             </a:r>
             <a:r>
               <a:rPr lang="en-GB">
@@ -11239,28 +11525,10 @@
                 <a:cs typeface="Open Sans"/>
                 <a:sym typeface="Open Sans"/>
               </a:rPr>
-              <a:t>], </a:t>
-            </a:r>
-            <a:r>
-              <a:rPr b="1" lang="en-GB">
-                <a:latin typeface="Open Sans"/>
-                <a:ea typeface="Open Sans"/>
-                <a:cs typeface="Open Sans"/>
-                <a:sym typeface="Open Sans"/>
-              </a:rPr>
-              <a:t>min_child_weight [default=1]</a:t>
-            </a:r>
-            <a:r>
-              <a:rPr lang="en-GB">
-                <a:latin typeface="Open Sans"/>
-                <a:ea typeface="Open Sans"/>
-                <a:cs typeface="Open Sans"/>
-                <a:sym typeface="Open Sans"/>
-              </a:rPr>
               <a:t>, max_depth [default=6], </a:t>
             </a:r>
             <a:r>
-              <a:rPr b="1" lang="en-GB">
+              <a:rPr lang="en-GB" b="1">
                 <a:latin typeface="Open Sans"/>
                 <a:ea typeface="Open Sans"/>
                 <a:cs typeface="Open Sans"/>
@@ -11276,7 +11544,7 @@
             </a:endParaRPr>
           </a:p>
           <a:p>
-            <a:pPr indent="0" lvl="0" marL="0" rtl="0" algn="l">
+            <a:pPr marL="0" lvl="0" indent="0" algn="l" rtl="0">
               <a:spcBef>
                 <a:spcPts val="0"/>
               </a:spcBef>
@@ -11285,9 +11553,6 @@
               </a:spcAft>
               <a:buNone/>
             </a:pPr>
-            <a:r>
-              <a:t/>
-            </a:r>
             <a:endParaRPr>
               <a:latin typeface="Open Sans"/>
               <a:ea typeface="Open Sans"/>
@@ -11296,7 +11561,7 @@
             </a:endParaRPr>
           </a:p>
           <a:p>
-            <a:pPr indent="0" lvl="0" marL="0" rtl="0" algn="l">
+            <a:pPr marL="0" lvl="0" indent="0" algn="l" rtl="0">
               <a:spcBef>
                 <a:spcPts val="0"/>
               </a:spcBef>
@@ -11305,9 +11570,6 @@
               </a:spcAft>
               <a:buNone/>
             </a:pPr>
-            <a:r>
-              <a:t/>
-            </a:r>
             <a:endParaRPr>
               <a:latin typeface="Open Sans"/>
               <a:ea typeface="Open Sans"/>
@@ -11316,7 +11578,7 @@
             </a:endParaRPr>
           </a:p>
           <a:p>
-            <a:pPr indent="0" lvl="0" marL="0" rtl="0" algn="l">
+            <a:pPr marL="0" lvl="0" indent="0" algn="l" rtl="0">
               <a:spcBef>
                 <a:spcPts val="0"/>
               </a:spcBef>
@@ -11347,7 +11609,7 @@
               <a:t> </a:t>
             </a:r>
             <a:r>
-              <a:rPr b="1" lang="en-GB">
+              <a:rPr lang="en-GB" b="1">
                 <a:latin typeface="Open Sans"/>
                 <a:ea typeface="Open Sans"/>
                 <a:cs typeface="Open Sans"/>
@@ -11365,7 +11627,7 @@
               <a:t>, eval_metric [ default according to objective ], </a:t>
             </a:r>
             <a:r>
-              <a:rPr b="1" lang="en-GB">
+              <a:rPr lang="en-GB" b="1">
                 <a:latin typeface="Open Sans"/>
                 <a:ea typeface="Open Sans"/>
                 <a:cs typeface="Open Sans"/>
@@ -11391,11 +11653,11 @@
 </file>
 
 <file path=ppt/slides/slide2.xml><?xml version="1.0" encoding="utf-8"?>
-<p:sld xmlns:a="http://schemas.openxmlformats.org/drawingml/2006/main" xmlns:r="http://schemas.openxmlformats.org/officeDocument/2006/relationships" xmlns:mc="http://schemas.openxmlformats.org/markup-compatibility/2006" xmlns:mv="urn:schemas-microsoft-com:mac:vml" xmlns:p="http://schemas.openxmlformats.org/presentationml/2006/main" xmlns:c="http://schemas.openxmlformats.org/drawingml/2006/chart" xmlns:dgm="http://schemas.openxmlformats.org/drawingml/2006/diagram" xmlns:o="urn:schemas-microsoft-com:office:office" xmlns:v="urn:schemas-microsoft-com:vml" xmlns:pvml="urn:schemas-microsoft-com:office:powerpoint" xmlns:com="http://schemas.openxmlformats.org/drawingml/2006/compatibility" xmlns:p14="http://schemas.microsoft.com/office/powerpoint/2010/main" xmlns:p15="http://schemas.microsoft.com/office/powerpoint/2012/main" xmlns:ahyp="http://schemas.microsoft.com/office/drawing/2018/hyperlinkcolor">
+<p:sld xmlns:a="http://schemas.openxmlformats.org/drawingml/2006/main" xmlns:r="http://schemas.openxmlformats.org/officeDocument/2006/relationships" xmlns:p="http://schemas.openxmlformats.org/presentationml/2006/main">
   <p:cSld>
     <p:spTree>
       <p:nvGrpSpPr>
-        <p:cNvPr id="71" name="Shape 71"/>
+        <p:cNvPr id="1" name="Shape 71"/>
         <p:cNvGrpSpPr/>
         <p:nvPr/>
       </p:nvGrpSpPr>
@@ -11410,7 +11672,9 @@
       <p:sp>
         <p:nvSpPr>
           <p:cNvPr id="72" name="Google Shape;72;p14"/>
-          <p:cNvSpPr txBox="1"/>
+          <p:cNvSpPr txBox="1">
+            <a:spLocks noGrp="1"/>
+          </p:cNvSpPr>
           <p:nvPr>
             <p:ph type="title"/>
           </p:nvPr>
@@ -11425,12 +11689,12 @@
           </a:prstGeom>
         </p:spPr>
         <p:txBody>
-          <a:bodyPr anchorCtr="0" anchor="t" bIns="91425" lIns="91425" spcFirstLastPara="1" rIns="91425" wrap="square" tIns="91425">
+          <a:bodyPr spcFirstLastPara="1" wrap="square" lIns="91425" tIns="91425" rIns="91425" bIns="91425" anchor="t" anchorCtr="0">
             <a:noAutofit/>
           </a:bodyPr>
           <a:lstStyle/>
           <a:p>
-            <a:pPr indent="0" lvl="0" marL="0" rtl="0" algn="just">
+            <a:pPr marL="0" lvl="0" indent="0" algn="just" rtl="0">
               <a:spcBef>
                 <a:spcPts val="0"/>
               </a:spcBef>
@@ -11493,11 +11757,11 @@
 </file>
 
 <file path=ppt/slides/slide20.xml><?xml version="1.0" encoding="utf-8"?>
-<p:sld xmlns:a="http://schemas.openxmlformats.org/drawingml/2006/main" xmlns:r="http://schemas.openxmlformats.org/officeDocument/2006/relationships" xmlns:mc="http://schemas.openxmlformats.org/markup-compatibility/2006" xmlns:mv="urn:schemas-microsoft-com:mac:vml" xmlns:p="http://schemas.openxmlformats.org/presentationml/2006/main" xmlns:c="http://schemas.openxmlformats.org/drawingml/2006/chart" xmlns:dgm="http://schemas.openxmlformats.org/drawingml/2006/diagram" xmlns:o="urn:schemas-microsoft-com:office:office" xmlns:v="urn:schemas-microsoft-com:vml" xmlns:pvml="urn:schemas-microsoft-com:office:powerpoint" xmlns:com="http://schemas.openxmlformats.org/drawingml/2006/compatibility" xmlns:p14="http://schemas.microsoft.com/office/powerpoint/2010/main" xmlns:p15="http://schemas.microsoft.com/office/powerpoint/2012/main" xmlns:ahyp="http://schemas.microsoft.com/office/drawing/2018/hyperlinkcolor">
+<p:sld xmlns:a="http://schemas.openxmlformats.org/drawingml/2006/main" xmlns:r="http://schemas.openxmlformats.org/officeDocument/2006/relationships" xmlns:p="http://schemas.openxmlformats.org/presentationml/2006/main">
   <p:cSld>
     <p:spTree>
       <p:nvGrpSpPr>
-        <p:cNvPr id="231" name="Shape 231"/>
+        <p:cNvPr id="1" name="Shape 231"/>
         <p:cNvGrpSpPr/>
         <p:nvPr/>
       </p:nvGrpSpPr>
@@ -11512,7 +11776,9 @@
       <p:sp>
         <p:nvSpPr>
           <p:cNvPr id="232" name="Google Shape;232;p32"/>
-          <p:cNvSpPr txBox="1"/>
+          <p:cNvSpPr txBox="1">
+            <a:spLocks noGrp="1"/>
+          </p:cNvSpPr>
           <p:nvPr>
             <p:ph type="title"/>
           </p:nvPr>
@@ -11527,12 +11793,12 @@
           </a:prstGeom>
         </p:spPr>
         <p:txBody>
-          <a:bodyPr anchorCtr="0" anchor="t" bIns="91425" lIns="91425" spcFirstLastPara="1" rIns="91425" wrap="square" tIns="91425">
+          <a:bodyPr spcFirstLastPara="1" wrap="square" lIns="91425" tIns="91425" rIns="91425" bIns="91425" anchor="t" anchorCtr="0">
             <a:normAutofit fontScale="90000"/>
           </a:bodyPr>
           <a:lstStyle/>
           <a:p>
-            <a:pPr indent="0" lvl="0" marL="0" rtl="0" algn="l">
+            <a:pPr marL="0" lvl="0" indent="0" algn="l" rtl="0">
               <a:spcBef>
                 <a:spcPts val="0"/>
               </a:spcBef>
@@ -11564,7 +11830,7 @@
           <p:nvPr/>
         </p:nvCxnSpPr>
         <p:spPr>
-          <a:xfrm flipH="1" rot="10800000">
+          <a:xfrm rot="10800000" flipH="1">
             <a:off x="417625" y="802375"/>
             <a:ext cx="4835700" cy="21900"/>
           </a:xfrm>
@@ -11572,14 +11838,14 @@
             <a:avLst/>
           </a:prstGeom>
           <a:noFill/>
-          <a:ln cap="flat" cmpd="sng" w="9525">
+          <a:ln w="9525" cap="flat" cmpd="sng">
             <a:solidFill>
               <a:schemeClr val="dk2"/>
             </a:solidFill>
             <a:prstDash val="solid"/>
             <a:round/>
-            <a:headEnd len="med" w="med" type="none"/>
-            <a:tailEnd len="med" w="med" type="none"/>
+            <a:headEnd type="none" w="med" len="med"/>
+            <a:tailEnd type="none" w="med" len="med"/>
           </a:ln>
         </p:spPr>
       </p:cxnSp>
@@ -11631,12 +11897,12 @@
           </a:ln>
         </p:spPr>
         <p:txBody>
-          <a:bodyPr anchorCtr="0" anchor="t" bIns="91425" lIns="91425" spcFirstLastPara="1" rIns="91425" wrap="square" tIns="91425">
+          <a:bodyPr spcFirstLastPara="1" wrap="square" lIns="91425" tIns="91425" rIns="91425" bIns="91425" anchor="t" anchorCtr="0">
             <a:spAutoFit/>
           </a:bodyPr>
           <a:lstStyle/>
           <a:p>
-            <a:pPr indent="0" lvl="0" marL="0" rtl="0" algn="just">
+            <a:pPr marL="0" lvl="0" indent="0" algn="just" rtl="0">
               <a:spcBef>
                 <a:spcPts val="0"/>
               </a:spcBef>
@@ -11645,9 +11911,6 @@
               </a:spcAft>
               <a:buNone/>
             </a:pPr>
-            <a:r>
-              <a:t/>
-            </a:r>
             <a:endParaRPr>
               <a:latin typeface="Open Sans"/>
               <a:ea typeface="Open Sans"/>
@@ -11677,12 +11940,12 @@
           </a:ln>
         </p:spPr>
         <p:txBody>
-          <a:bodyPr anchorCtr="0" anchor="t" bIns="91425" lIns="91425" spcFirstLastPara="1" rIns="91425" wrap="square" tIns="91425">
+          <a:bodyPr spcFirstLastPara="1" wrap="square" lIns="91425" tIns="91425" rIns="91425" bIns="91425" anchor="t" anchorCtr="0">
             <a:spAutoFit/>
           </a:bodyPr>
           <a:lstStyle/>
           <a:p>
-            <a:pPr indent="0" lvl="0" marL="0" rtl="0" algn="just">
+            <a:pPr marL="0" lvl="0" indent="0" algn="just" rtl="0">
               <a:spcBef>
                 <a:spcPts val="0"/>
               </a:spcBef>
@@ -11692,7 +11955,7 @@
               <a:buNone/>
             </a:pPr>
             <a:r>
-              <a:rPr b="1" lang="en-GB">
+              <a:rPr lang="en-GB" b="1">
                 <a:latin typeface="Open Sans"/>
                 <a:ea typeface="Open Sans"/>
                 <a:cs typeface="Open Sans"/>
@@ -11710,7 +11973,7 @@
               <a:t>, random_strength, </a:t>
             </a:r>
             <a:r>
-              <a:rPr b="1" lang="en-GB">
+              <a:rPr lang="en-GB" b="1">
                 <a:latin typeface="Open Sans"/>
                 <a:ea typeface="Open Sans"/>
                 <a:cs typeface="Open Sans"/>
@@ -11728,7 +11991,7 @@
               <a:t>, max_leaves, </a:t>
             </a:r>
             <a:r>
-              <a:rPr b="1" lang="en-GB">
+              <a:rPr lang="en-GB" b="1">
                 <a:latin typeface="Open Sans"/>
                 <a:ea typeface="Open Sans"/>
                 <a:cs typeface="Open Sans"/>
@@ -11819,11 +12082,11 @@
 </file>
 
 <file path=ppt/slides/slide21.xml><?xml version="1.0" encoding="utf-8"?>
-<p:sld xmlns:a="http://schemas.openxmlformats.org/drawingml/2006/main" xmlns:r="http://schemas.openxmlformats.org/officeDocument/2006/relationships" xmlns:mc="http://schemas.openxmlformats.org/markup-compatibility/2006" xmlns:mv="urn:schemas-microsoft-com:mac:vml" xmlns:p="http://schemas.openxmlformats.org/presentationml/2006/main" xmlns:c="http://schemas.openxmlformats.org/drawingml/2006/chart" xmlns:dgm="http://schemas.openxmlformats.org/drawingml/2006/diagram" xmlns:o="urn:schemas-microsoft-com:office:office" xmlns:v="urn:schemas-microsoft-com:vml" xmlns:pvml="urn:schemas-microsoft-com:office:powerpoint" xmlns:com="http://schemas.openxmlformats.org/drawingml/2006/compatibility" xmlns:p14="http://schemas.microsoft.com/office/powerpoint/2010/main" xmlns:p15="http://schemas.microsoft.com/office/powerpoint/2012/main" xmlns:ahyp="http://schemas.microsoft.com/office/drawing/2018/hyperlinkcolor">
+<p:sld xmlns:a="http://schemas.openxmlformats.org/drawingml/2006/main" xmlns:r="http://schemas.openxmlformats.org/officeDocument/2006/relationships" xmlns:p="http://schemas.openxmlformats.org/presentationml/2006/main">
   <p:cSld>
     <p:spTree>
       <p:nvGrpSpPr>
-        <p:cNvPr id="242" name="Shape 242"/>
+        <p:cNvPr id="1" name="Shape 242"/>
         <p:cNvGrpSpPr/>
         <p:nvPr/>
       </p:nvGrpSpPr>
@@ -11838,7 +12101,9 @@
       <p:sp>
         <p:nvSpPr>
           <p:cNvPr id="243" name="Google Shape;243;p33"/>
-          <p:cNvSpPr txBox="1"/>
+          <p:cNvSpPr txBox="1">
+            <a:spLocks noGrp="1"/>
+          </p:cNvSpPr>
           <p:nvPr>
             <p:ph type="title"/>
           </p:nvPr>
@@ -11853,12 +12118,12 @@
           </a:prstGeom>
         </p:spPr>
         <p:txBody>
-          <a:bodyPr anchorCtr="0" anchor="t" bIns="91425" lIns="91425" spcFirstLastPara="1" rIns="91425" wrap="square" tIns="91425">
+          <a:bodyPr spcFirstLastPara="1" wrap="square" lIns="91425" tIns="91425" rIns="91425" bIns="91425" anchor="t" anchorCtr="0">
             <a:noAutofit/>
           </a:bodyPr>
           <a:lstStyle/>
           <a:p>
-            <a:pPr indent="0" lvl="0" marL="0" rtl="0" algn="just">
+            <a:pPr marL="0" lvl="0" indent="0" algn="just" rtl="0">
               <a:spcBef>
                 <a:spcPts val="0"/>
               </a:spcBef>
@@ -11921,11 +12186,11 @@
 </file>
 
 <file path=ppt/slides/slide22.xml><?xml version="1.0" encoding="utf-8"?>
-<p:sld xmlns:a="http://schemas.openxmlformats.org/drawingml/2006/main" xmlns:r="http://schemas.openxmlformats.org/officeDocument/2006/relationships" xmlns:mc="http://schemas.openxmlformats.org/markup-compatibility/2006" xmlns:mv="urn:schemas-microsoft-com:mac:vml" xmlns:p="http://schemas.openxmlformats.org/presentationml/2006/main" xmlns:c="http://schemas.openxmlformats.org/drawingml/2006/chart" xmlns:dgm="http://schemas.openxmlformats.org/drawingml/2006/diagram" xmlns:o="urn:schemas-microsoft-com:office:office" xmlns:v="urn:schemas-microsoft-com:vml" xmlns:pvml="urn:schemas-microsoft-com:office:powerpoint" xmlns:com="http://schemas.openxmlformats.org/drawingml/2006/compatibility" xmlns:p14="http://schemas.microsoft.com/office/powerpoint/2010/main" xmlns:p15="http://schemas.microsoft.com/office/powerpoint/2012/main" xmlns:ahyp="http://schemas.microsoft.com/office/drawing/2018/hyperlinkcolor">
+<p:sld xmlns:a="http://schemas.openxmlformats.org/drawingml/2006/main" xmlns:r="http://schemas.openxmlformats.org/officeDocument/2006/relationships" xmlns:p="http://schemas.openxmlformats.org/presentationml/2006/main">
   <p:cSld>
     <p:spTree>
       <p:nvGrpSpPr>
-        <p:cNvPr id="248" name="Shape 248"/>
+        <p:cNvPr id="1" name="Shape 248"/>
         <p:cNvGrpSpPr/>
         <p:nvPr/>
       </p:nvGrpSpPr>
@@ -11985,12 +12250,12 @@
           </a:ln>
         </p:spPr>
         <p:txBody>
-          <a:bodyPr anchorCtr="0" anchor="t" bIns="91425" lIns="91425" spcFirstLastPara="1" rIns="91425" wrap="square" tIns="91425">
+          <a:bodyPr spcFirstLastPara="1" wrap="square" lIns="91425" tIns="91425" rIns="91425" bIns="91425" anchor="t" anchorCtr="0">
             <a:spAutoFit/>
           </a:bodyPr>
           <a:lstStyle/>
           <a:p>
-            <a:pPr indent="0" lvl="0" marL="0" rtl="0" algn="just">
+            <a:pPr marL="0" lvl="0" indent="0" algn="just" rtl="0">
               <a:spcBef>
                 <a:spcPts val="0"/>
               </a:spcBef>
@@ -11999,9 +12264,6 @@
               </a:spcAft>
               <a:buNone/>
             </a:pPr>
-            <a:r>
-              <a:t/>
-            </a:r>
             <a:endParaRPr>
               <a:latin typeface="Open Sans"/>
               <a:ea typeface="Open Sans"/>
@@ -12031,12 +12293,12 @@
           </a:ln>
         </p:spPr>
         <p:txBody>
-          <a:bodyPr anchorCtr="0" anchor="t" bIns="91425" lIns="91425" spcFirstLastPara="1" rIns="91425" wrap="square" tIns="91425">
+          <a:bodyPr spcFirstLastPara="1" wrap="square" lIns="91425" tIns="91425" rIns="91425" bIns="91425" anchor="t" anchorCtr="0">
             <a:spAutoFit/>
           </a:bodyPr>
           <a:lstStyle/>
           <a:p>
-            <a:pPr indent="-317500" lvl="0" marL="457200" rtl="0" algn="l">
+            <a:pPr marL="457200" lvl="0" indent="-317500" algn="l" rtl="0">
               <a:spcBef>
                 <a:spcPts val="0"/>
               </a:spcBef>
@@ -12064,7 +12326,7 @@
             </a:endParaRPr>
           </a:p>
           <a:p>
-            <a:pPr indent="-317500" lvl="0" marL="457200" rtl="0" algn="l">
+            <a:pPr marL="457200" lvl="0" indent="-317500" algn="l" rtl="0">
               <a:spcBef>
                 <a:spcPts val="0"/>
               </a:spcBef>
@@ -12092,7 +12354,7 @@
             </a:endParaRPr>
           </a:p>
           <a:p>
-            <a:pPr indent="-317500" lvl="0" marL="457200" rtl="0" algn="l">
+            <a:pPr marL="457200" lvl="0" indent="-317500" algn="l" rtl="0">
               <a:spcBef>
                 <a:spcPts val="0"/>
               </a:spcBef>
@@ -12133,7 +12395,7 @@
             </a:endParaRPr>
           </a:p>
           <a:p>
-            <a:pPr indent="-317500" lvl="0" marL="457200" rtl="0" algn="l">
+            <a:pPr marL="457200" lvl="0" indent="-317500" algn="l" rtl="0">
               <a:spcBef>
                 <a:spcPts val="0"/>
               </a:spcBef>
@@ -12174,7 +12436,7 @@
             </a:endParaRPr>
           </a:p>
           <a:p>
-            <a:pPr indent="-317500" lvl="0" marL="457200" rtl="0" algn="l">
+            <a:pPr marL="457200" lvl="0" indent="-317500" algn="l" rtl="0">
               <a:spcBef>
                 <a:spcPts val="0"/>
               </a:spcBef>
@@ -12202,7 +12464,7 @@
             </a:endParaRPr>
           </a:p>
           <a:p>
-            <a:pPr indent="-317500" lvl="0" marL="457200" rtl="0" algn="l">
+            <a:pPr marL="457200" lvl="0" indent="-317500" algn="l" rtl="0">
               <a:spcBef>
                 <a:spcPts val="0"/>
               </a:spcBef>
@@ -12252,7 +12514,7 @@
             </a:endParaRPr>
           </a:p>
           <a:p>
-            <a:pPr indent="-317500" lvl="0" marL="457200" rtl="0" algn="l">
+            <a:pPr marL="457200" lvl="0" indent="-317500" algn="l" rtl="0">
               <a:spcBef>
                 <a:spcPts val="0"/>
               </a:spcBef>
@@ -12290,11 +12552,11 @@
 </file>
 
 <file path=ppt/slides/slide3.xml><?xml version="1.0" encoding="utf-8"?>
-<p:sld xmlns:a="http://schemas.openxmlformats.org/drawingml/2006/main" xmlns:r="http://schemas.openxmlformats.org/officeDocument/2006/relationships" xmlns:mc="http://schemas.openxmlformats.org/markup-compatibility/2006" xmlns:mv="urn:schemas-microsoft-com:mac:vml" xmlns:p="http://schemas.openxmlformats.org/presentationml/2006/main" xmlns:c="http://schemas.openxmlformats.org/drawingml/2006/chart" xmlns:dgm="http://schemas.openxmlformats.org/drawingml/2006/diagram" xmlns:o="urn:schemas-microsoft-com:office:office" xmlns:v="urn:schemas-microsoft-com:vml" xmlns:pvml="urn:schemas-microsoft-com:office:powerpoint" xmlns:com="http://schemas.openxmlformats.org/drawingml/2006/compatibility" xmlns:p14="http://schemas.microsoft.com/office/powerpoint/2010/main" xmlns:p15="http://schemas.microsoft.com/office/powerpoint/2012/main" xmlns:ahyp="http://schemas.microsoft.com/office/drawing/2018/hyperlinkcolor">
+<p:sld xmlns:a="http://schemas.openxmlformats.org/drawingml/2006/main" xmlns:r="http://schemas.openxmlformats.org/officeDocument/2006/relationships" xmlns:p="http://schemas.openxmlformats.org/presentationml/2006/main">
   <p:cSld>
     <p:spTree>
       <p:nvGrpSpPr>
-        <p:cNvPr id="77" name="Shape 77"/>
+        <p:cNvPr id="1" name="Shape 77"/>
         <p:cNvGrpSpPr/>
         <p:nvPr/>
       </p:nvGrpSpPr>
@@ -12309,7 +12571,9 @@
       <p:sp>
         <p:nvSpPr>
           <p:cNvPr id="78" name="Google Shape;78;p15"/>
-          <p:cNvSpPr txBox="1"/>
+          <p:cNvSpPr txBox="1">
+            <a:spLocks noGrp="1"/>
+          </p:cNvSpPr>
           <p:nvPr>
             <p:ph type="title"/>
           </p:nvPr>
@@ -12324,12 +12588,12 @@
           </a:prstGeom>
         </p:spPr>
         <p:txBody>
-          <a:bodyPr anchorCtr="0" anchor="t" bIns="91425" lIns="91425" spcFirstLastPara="1" rIns="91425" wrap="square" tIns="91425">
+          <a:bodyPr spcFirstLastPara="1" wrap="square" lIns="91425" tIns="91425" rIns="91425" bIns="91425" anchor="t" anchorCtr="0">
             <a:normAutofit fontScale="90000"/>
           </a:bodyPr>
           <a:lstStyle/>
           <a:p>
-            <a:pPr indent="0" lvl="0" marL="0" rtl="0" algn="l">
+            <a:pPr marL="0" lvl="0" indent="0" algn="l" rtl="0">
               <a:spcBef>
                 <a:spcPts val="0"/>
               </a:spcBef>
@@ -12361,7 +12625,7 @@
           <p:nvPr/>
         </p:nvCxnSpPr>
         <p:spPr>
-          <a:xfrm flipH="1" rot="10800000">
+          <a:xfrm rot="10800000" flipH="1">
             <a:off x="417625" y="802375"/>
             <a:ext cx="4835700" cy="21900"/>
           </a:xfrm>
@@ -12369,14 +12633,14 @@
             <a:avLst/>
           </a:prstGeom>
           <a:noFill/>
-          <a:ln cap="flat" cmpd="sng" w="9525">
+          <a:ln w="9525" cap="flat" cmpd="sng">
             <a:solidFill>
               <a:schemeClr val="dk2"/>
             </a:solidFill>
             <a:prstDash val="solid"/>
             <a:round/>
-            <a:headEnd len="med" w="med" type="none"/>
-            <a:tailEnd len="med" w="med" type="none"/>
+            <a:headEnd type="none" w="med" len="med"/>
+            <a:tailEnd type="none" w="med" len="med"/>
           </a:ln>
         </p:spPr>
       </p:cxnSp>
@@ -12428,12 +12692,12 @@
           </a:ln>
         </p:spPr>
         <p:txBody>
-          <a:bodyPr anchorCtr="0" anchor="t" bIns="91425" lIns="91425" spcFirstLastPara="1" rIns="91425" wrap="square" tIns="91425">
+          <a:bodyPr spcFirstLastPara="1" wrap="square" lIns="91425" tIns="91425" rIns="91425" bIns="91425" anchor="t" anchorCtr="0">
             <a:spAutoFit/>
           </a:bodyPr>
           <a:lstStyle/>
           <a:p>
-            <a:pPr indent="0" lvl="0" marL="0" rtl="0" algn="just">
+            <a:pPr marL="0" lvl="0" indent="0" algn="just" rtl="0">
               <a:spcBef>
                 <a:spcPts val="0"/>
               </a:spcBef>
@@ -12459,7 +12723,7 @@
             </a:endParaRPr>
           </a:p>
           <a:p>
-            <a:pPr indent="0" lvl="0" marL="0" rtl="0" algn="just">
+            <a:pPr marL="0" lvl="0" indent="0" algn="just" rtl="0">
               <a:spcBef>
                 <a:spcPts val="0"/>
               </a:spcBef>
@@ -12468,9 +12732,6 @@
               </a:spcAft>
               <a:buNone/>
             </a:pPr>
-            <a:r>
-              <a:t/>
-            </a:r>
             <a:endParaRPr>
               <a:latin typeface="Open Sans"/>
               <a:ea typeface="Open Sans"/>
@@ -12479,7 +12740,7 @@
             </a:endParaRPr>
           </a:p>
           <a:p>
-            <a:pPr indent="0" lvl="0" marL="0" rtl="0" algn="just">
+            <a:pPr marL="0" lvl="0" indent="0" algn="just" rtl="0">
               <a:spcBef>
                 <a:spcPts val="0"/>
               </a:spcBef>
@@ -12489,7 +12750,7 @@
               <a:buNone/>
             </a:pPr>
             <a:r>
-              <a:rPr i="1" lang="en-GB">
+              <a:rPr lang="en-GB" i="1">
                 <a:latin typeface="Open Sans"/>
                 <a:ea typeface="Open Sans"/>
                 <a:cs typeface="Open Sans"/>
@@ -12514,7 +12775,7 @@
             </a:endParaRPr>
           </a:p>
           <a:p>
-            <a:pPr indent="-317500" lvl="0" marL="457200" rtl="0" algn="just">
+            <a:pPr marL="457200" lvl="0" indent="-317500" algn="just" rtl="0">
               <a:spcBef>
                 <a:spcPts val="0"/>
               </a:spcBef>
@@ -12542,7 +12803,7 @@
             </a:endParaRPr>
           </a:p>
           <a:p>
-            <a:pPr indent="-317500" lvl="0" marL="457200" rtl="0" algn="just">
+            <a:pPr marL="457200" lvl="0" indent="-317500" algn="just" rtl="0">
               <a:spcBef>
                 <a:spcPts val="0"/>
               </a:spcBef>
@@ -12570,7 +12831,7 @@
             </a:endParaRPr>
           </a:p>
           <a:p>
-            <a:pPr indent="0" lvl="0" marL="0" rtl="0" algn="just">
+            <a:pPr marL="0" lvl="0" indent="0" algn="just" rtl="0">
               <a:spcBef>
                 <a:spcPts val="0"/>
               </a:spcBef>
@@ -12596,7 +12857,7 @@
             </a:endParaRPr>
           </a:p>
           <a:p>
-            <a:pPr indent="0" lvl="0" marL="0" rtl="0" algn="just">
+            <a:pPr marL="0" lvl="0" indent="0" algn="just" rtl="0">
               <a:spcBef>
                 <a:spcPts val="0"/>
               </a:spcBef>
@@ -12605,9 +12866,6 @@
               </a:spcAft>
               <a:buNone/>
             </a:pPr>
-            <a:r>
-              <a:t/>
-            </a:r>
             <a:endParaRPr>
               <a:latin typeface="Open Sans"/>
               <a:ea typeface="Open Sans"/>
@@ -12626,11 +12884,11 @@
 </file>
 
 <file path=ppt/slides/slide4.xml><?xml version="1.0" encoding="utf-8"?>
-<p:sld xmlns:a="http://schemas.openxmlformats.org/drawingml/2006/main" xmlns:r="http://schemas.openxmlformats.org/officeDocument/2006/relationships" xmlns:mc="http://schemas.openxmlformats.org/markup-compatibility/2006" xmlns:mv="urn:schemas-microsoft-com:mac:vml" xmlns:p="http://schemas.openxmlformats.org/presentationml/2006/main" xmlns:c="http://schemas.openxmlformats.org/drawingml/2006/chart" xmlns:dgm="http://schemas.openxmlformats.org/drawingml/2006/diagram" xmlns:o="urn:schemas-microsoft-com:office:office" xmlns:v="urn:schemas-microsoft-com:vml" xmlns:pvml="urn:schemas-microsoft-com:office:powerpoint" xmlns:com="http://schemas.openxmlformats.org/drawingml/2006/compatibility" xmlns:p14="http://schemas.microsoft.com/office/powerpoint/2010/main" xmlns:p15="http://schemas.microsoft.com/office/powerpoint/2012/main" xmlns:ahyp="http://schemas.microsoft.com/office/drawing/2018/hyperlinkcolor">
+<p:sld xmlns:a="http://schemas.openxmlformats.org/drawingml/2006/main" xmlns:r="http://schemas.openxmlformats.org/officeDocument/2006/relationships" xmlns:p="http://schemas.openxmlformats.org/presentationml/2006/main">
   <p:cSld>
     <p:spTree>
       <p:nvGrpSpPr>
-        <p:cNvPr id="85" name="Shape 85"/>
+        <p:cNvPr id="1" name="Shape 85"/>
         <p:cNvGrpSpPr/>
         <p:nvPr/>
       </p:nvGrpSpPr>
@@ -12645,7 +12903,9 @@
       <p:sp>
         <p:nvSpPr>
           <p:cNvPr id="86" name="Google Shape;86;p16"/>
-          <p:cNvSpPr txBox="1"/>
+          <p:cNvSpPr txBox="1">
+            <a:spLocks noGrp="1"/>
+          </p:cNvSpPr>
           <p:nvPr>
             <p:ph type="title"/>
           </p:nvPr>
@@ -12660,12 +12920,12 @@
           </a:prstGeom>
         </p:spPr>
         <p:txBody>
-          <a:bodyPr anchorCtr="0" anchor="t" bIns="91425" lIns="91425" spcFirstLastPara="1" rIns="91425" wrap="square" tIns="91425">
+          <a:bodyPr spcFirstLastPara="1" wrap="square" lIns="91425" tIns="91425" rIns="91425" bIns="91425" anchor="t" anchorCtr="0">
             <a:normAutofit fontScale="90000"/>
           </a:bodyPr>
           <a:lstStyle/>
           <a:p>
-            <a:pPr indent="0" lvl="0" marL="0" rtl="0" algn="l">
+            <a:pPr marL="0" lvl="0" indent="0" algn="l" rtl="0">
               <a:spcBef>
                 <a:spcPts val="0"/>
               </a:spcBef>
@@ -12697,7 +12957,7 @@
           <p:nvPr/>
         </p:nvCxnSpPr>
         <p:spPr>
-          <a:xfrm flipH="1" rot="10800000">
+          <a:xfrm rot="10800000" flipH="1">
             <a:off x="417625" y="802375"/>
             <a:ext cx="4835700" cy="21900"/>
           </a:xfrm>
@@ -12705,14 +12965,14 @@
             <a:avLst/>
           </a:prstGeom>
           <a:noFill/>
-          <a:ln cap="flat" cmpd="sng" w="9525">
+          <a:ln w="9525" cap="flat" cmpd="sng">
             <a:solidFill>
               <a:schemeClr val="dk2"/>
             </a:solidFill>
             <a:prstDash val="solid"/>
             <a:round/>
-            <a:headEnd len="med" w="med" type="none"/>
-            <a:tailEnd len="med" w="med" type="none"/>
+            <a:headEnd type="none" w="med" len="med"/>
+            <a:tailEnd type="none" w="med" len="med"/>
           </a:ln>
         </p:spPr>
       </p:cxnSp>
@@ -12792,12 +13052,12 @@
           </a:ln>
         </p:spPr>
         <p:txBody>
-          <a:bodyPr anchorCtr="0" anchor="t" bIns="91425" lIns="91425" spcFirstLastPara="1" rIns="91425" wrap="square" tIns="91425">
+          <a:bodyPr spcFirstLastPara="1" wrap="square" lIns="91425" tIns="91425" rIns="91425" bIns="91425" anchor="t" anchorCtr="0">
             <a:spAutoFit/>
           </a:bodyPr>
           <a:lstStyle/>
           <a:p>
-            <a:pPr indent="0" lvl="0" marL="0" rtl="0" algn="just">
+            <a:pPr marL="0" lvl="0" indent="0" algn="just" rtl="0">
               <a:spcBef>
                 <a:spcPts val="0"/>
               </a:spcBef>
@@ -12816,7 +13076,7 @@
               <a:t>Normal point, x</a:t>
             </a:r>
             <a:r>
-              <a:rPr baseline="-25000" lang="en-GB">
+              <a:rPr lang="en-GB" baseline="-25000">
                 <a:latin typeface="Open Sans"/>
                 <a:ea typeface="Open Sans"/>
                 <a:cs typeface="Open Sans"/>
@@ -12834,7 +13094,7 @@
               <a:t>, generally requires more partitions to be isolated. The opposite is also true for the anomaly point, x</a:t>
             </a:r>
             <a:r>
-              <a:rPr baseline="-25000" lang="en-GB">
+              <a:rPr lang="en-GB" baseline="-25000">
                 <a:latin typeface="Open Sans"/>
                 <a:ea typeface="Open Sans"/>
                 <a:cs typeface="Open Sans"/>
@@ -12859,7 +13119,7 @@
             </a:endParaRPr>
           </a:p>
           <a:p>
-            <a:pPr indent="0" lvl="0" marL="0" rtl="0" algn="just">
+            <a:pPr marL="0" lvl="0" indent="0" algn="just" rtl="0">
               <a:spcBef>
                 <a:spcPts val="0"/>
               </a:spcBef>
@@ -12868,9 +13128,6 @@
               </a:spcAft>
               <a:buNone/>
             </a:pPr>
-            <a:r>
-              <a:t/>
-            </a:r>
             <a:endParaRPr>
               <a:latin typeface="Open Sans"/>
               <a:ea typeface="Open Sans"/>
@@ -12900,12 +13157,12 @@
           </a:ln>
         </p:spPr>
         <p:txBody>
-          <a:bodyPr anchorCtr="0" anchor="t" bIns="91425" lIns="91425" spcFirstLastPara="1" rIns="91425" wrap="square" tIns="91425">
+          <a:bodyPr spcFirstLastPara="1" wrap="square" lIns="91425" tIns="91425" rIns="91425" bIns="91425" anchor="t" anchorCtr="0">
             <a:spAutoFit/>
           </a:bodyPr>
           <a:lstStyle/>
           <a:p>
-            <a:pPr indent="0" lvl="0" marL="0" rtl="0" algn="just">
+            <a:pPr marL="0" lvl="0" indent="0" algn="just" rtl="0">
               <a:spcBef>
                 <a:spcPts val="0"/>
               </a:spcBef>
@@ -12921,7 +13178,16 @@
                 <a:cs typeface="Open Sans"/>
                 <a:sym typeface="Open Sans"/>
               </a:rPr>
-              <a:t>Since each partition is randomly generated, individual trees are generated with different sets of partitions. We average path lengths over a number of trees to find the expected path length. Using 1000 trees, the average path lengths of </a:t>
+              <a:t>Since each partition is randomly generated, individual trees are generated with different sets of partitions. We average path lengths over a number of trees to find the expected path length. Using 1000 trees, the average path lengths of x</a:t>
+            </a:r>
+            <a:r>
+              <a:rPr lang="en-GB" baseline="-25000">
+                <a:latin typeface="Open Sans"/>
+                <a:ea typeface="Open Sans"/>
+                <a:cs typeface="Open Sans"/>
+                <a:sym typeface="Open Sans"/>
+              </a:rPr>
+              <a:t>o</a:t>
             </a:r>
             <a:r>
               <a:rPr lang="en-GB">
@@ -12930,37 +13196,10 @@
                 <a:cs typeface="Open Sans"/>
                 <a:sym typeface="Open Sans"/>
               </a:rPr>
-              <a:t>x</a:t>
-            </a:r>
-            <a:r>
-              <a:rPr baseline="-25000" lang="en-GB">
-                <a:latin typeface="Open Sans"/>
-                <a:ea typeface="Open Sans"/>
-                <a:cs typeface="Open Sans"/>
-                <a:sym typeface="Open Sans"/>
-              </a:rPr>
-              <a:t>o</a:t>
-            </a:r>
-            <a:r>
-              <a:rPr lang="en-GB">
-                <a:latin typeface="Open Sans"/>
-                <a:ea typeface="Open Sans"/>
-                <a:cs typeface="Open Sans"/>
-                <a:sym typeface="Open Sans"/>
-              </a:rPr>
-              <a:t> and </a:t>
-            </a:r>
-            <a:r>
-              <a:rPr lang="en-GB">
-                <a:latin typeface="Open Sans"/>
-                <a:ea typeface="Open Sans"/>
-                <a:cs typeface="Open Sans"/>
-                <a:sym typeface="Open Sans"/>
-              </a:rPr>
-              <a:t>x</a:t>
-            </a:r>
-            <a:r>
-              <a:rPr baseline="-25000" lang="en-GB">
+              <a:t> and x</a:t>
+            </a:r>
+            <a:r>
+              <a:rPr lang="en-GB" baseline="-25000">
                 <a:latin typeface="Open Sans"/>
                 <a:ea typeface="Open Sans"/>
                 <a:cs typeface="Open Sans"/>
@@ -12985,7 +13224,7 @@
             </a:endParaRPr>
           </a:p>
           <a:p>
-            <a:pPr indent="0" lvl="0" marL="0" rtl="0" algn="just">
+            <a:pPr marL="0" lvl="0" indent="0" algn="just" rtl="0">
               <a:spcBef>
                 <a:spcPts val="0"/>
               </a:spcBef>
@@ -12994,9 +13233,6 @@
               </a:spcAft>
               <a:buNone/>
             </a:pPr>
-            <a:r>
-              <a:t/>
-            </a:r>
             <a:endParaRPr>
               <a:latin typeface="Open Sans"/>
               <a:ea typeface="Open Sans"/>
@@ -13015,11 +13251,11 @@
 </file>
 
 <file path=ppt/slides/slide5.xml><?xml version="1.0" encoding="utf-8"?>
-<p:sld xmlns:a="http://schemas.openxmlformats.org/drawingml/2006/main" xmlns:r="http://schemas.openxmlformats.org/officeDocument/2006/relationships" xmlns:mc="http://schemas.openxmlformats.org/markup-compatibility/2006" xmlns:mv="urn:schemas-microsoft-com:mac:vml" xmlns:p="http://schemas.openxmlformats.org/presentationml/2006/main" xmlns:c="http://schemas.openxmlformats.org/drawingml/2006/chart" xmlns:dgm="http://schemas.openxmlformats.org/drawingml/2006/diagram" xmlns:o="urn:schemas-microsoft-com:office:office" xmlns:v="urn:schemas-microsoft-com:vml" xmlns:pvml="urn:schemas-microsoft-com:office:powerpoint" xmlns:com="http://schemas.openxmlformats.org/drawingml/2006/compatibility" xmlns:p14="http://schemas.microsoft.com/office/powerpoint/2010/main" xmlns:p15="http://schemas.microsoft.com/office/powerpoint/2012/main" xmlns:ahyp="http://schemas.microsoft.com/office/drawing/2018/hyperlinkcolor">
+<p:sld xmlns:a="http://schemas.openxmlformats.org/drawingml/2006/main" xmlns:r="http://schemas.openxmlformats.org/officeDocument/2006/relationships" xmlns:p="http://schemas.openxmlformats.org/presentationml/2006/main">
   <p:cSld>
     <p:spTree>
       <p:nvGrpSpPr>
-        <p:cNvPr id="95" name="Shape 95"/>
+        <p:cNvPr id="1" name="Shape 95"/>
         <p:cNvGrpSpPr/>
         <p:nvPr/>
       </p:nvGrpSpPr>
@@ -13034,7 +13270,9 @@
       <p:sp>
         <p:nvSpPr>
           <p:cNvPr id="96" name="Google Shape;96;p17"/>
-          <p:cNvSpPr txBox="1"/>
+          <p:cNvSpPr txBox="1">
+            <a:spLocks noGrp="1"/>
+          </p:cNvSpPr>
           <p:nvPr>
             <p:ph type="title"/>
           </p:nvPr>
@@ -13049,12 +13287,12 @@
           </a:prstGeom>
         </p:spPr>
         <p:txBody>
-          <a:bodyPr anchorCtr="0" anchor="t" bIns="91425" lIns="91425" spcFirstLastPara="1" rIns="91425" wrap="square" tIns="91425">
+          <a:bodyPr spcFirstLastPara="1" wrap="square" lIns="91425" tIns="91425" rIns="91425" bIns="91425" anchor="t" anchorCtr="0">
             <a:normAutofit fontScale="90000"/>
           </a:bodyPr>
           <a:lstStyle/>
           <a:p>
-            <a:pPr indent="0" lvl="0" marL="0" rtl="0" algn="l">
+            <a:pPr marL="0" lvl="0" indent="0" algn="l" rtl="0">
               <a:spcBef>
                 <a:spcPts val="0"/>
               </a:spcBef>
@@ -13086,7 +13324,7 @@
           <p:nvPr/>
         </p:nvCxnSpPr>
         <p:spPr>
-          <a:xfrm flipH="1" rot="10800000">
+          <a:xfrm rot="10800000" flipH="1">
             <a:off x="417625" y="802375"/>
             <a:ext cx="4835700" cy="21900"/>
           </a:xfrm>
@@ -13094,14 +13332,14 @@
             <a:avLst/>
           </a:prstGeom>
           <a:noFill/>
-          <a:ln cap="flat" cmpd="sng" w="9525">
+          <a:ln w="9525" cap="flat" cmpd="sng">
             <a:solidFill>
               <a:schemeClr val="dk2"/>
             </a:solidFill>
             <a:prstDash val="solid"/>
             <a:round/>
-            <a:headEnd len="med" w="med" type="none"/>
-            <a:tailEnd len="med" w="med" type="none"/>
+            <a:headEnd type="none" w="med" len="med"/>
+            <a:tailEnd type="none" w="med" len="med"/>
           </a:ln>
         </p:spPr>
       </p:cxnSp>
@@ -13153,12 +13391,12 @@
           </a:ln>
         </p:spPr>
         <p:txBody>
-          <a:bodyPr anchorCtr="0" anchor="t" bIns="91425" lIns="91425" spcFirstLastPara="1" rIns="91425" wrap="square" tIns="91425">
+          <a:bodyPr spcFirstLastPara="1" wrap="square" lIns="91425" tIns="91425" rIns="91425" bIns="91425" anchor="t" anchorCtr="0">
             <a:spAutoFit/>
           </a:bodyPr>
           <a:lstStyle/>
           <a:p>
-            <a:pPr indent="0" lvl="0" marL="0" rtl="0" algn="just">
+            <a:pPr marL="0" lvl="0" indent="0" algn="just" rtl="0">
               <a:spcBef>
                 <a:spcPts val="0"/>
               </a:spcBef>
@@ -13177,7 +13415,7 @@
               <a:t>Let </a:t>
             </a:r>
             <a:r>
-              <a:rPr b="1" lang="en-GB">
+              <a:rPr lang="en-GB" b="1">
                 <a:latin typeface="Open Sans"/>
                 <a:ea typeface="Open Sans"/>
                 <a:cs typeface="Open Sans"/>
@@ -13195,7 +13433,7 @@
               <a:t> is the path length of point x, which is measured by the number of edges x traverses an iTree from the root node until the traversal is terminated at an external node. There should be a anomaly score to detect anomalies. The difficulty in deriving such a score from </a:t>
             </a:r>
             <a:r>
-              <a:rPr b="1" lang="en-GB">
+              <a:rPr lang="en-GB" b="1">
                 <a:latin typeface="Open Sans"/>
                 <a:ea typeface="Open Sans"/>
                 <a:cs typeface="Open Sans"/>
@@ -13213,7 +13451,7 @@
               <a:t>is that while the maximum possible height of iTree grows in the order of </a:t>
             </a:r>
             <a:r>
-              <a:rPr b="1" lang="en-GB">
+              <a:rPr lang="en-GB" b="1">
                 <a:latin typeface="Open Sans"/>
                 <a:ea typeface="Open Sans"/>
                 <a:cs typeface="Open Sans"/>
@@ -13231,7 +13469,7 @@
               <a:t>, the average height grows in the order of </a:t>
             </a:r>
             <a:r>
-              <a:rPr b="1" lang="en-GB">
+              <a:rPr lang="en-GB" b="1">
                 <a:latin typeface="Open Sans"/>
                 <a:ea typeface="Open Sans"/>
                 <a:cs typeface="Open Sans"/>
@@ -13249,7 +13487,7 @@
               <a:t>asymptotically</a:t>
             </a:r>
             <a:r>
-              <a:rPr b="1" lang="en-GB">
+              <a:rPr lang="en-GB" b="1">
                 <a:latin typeface="Open Sans"/>
                 <a:ea typeface="Open Sans"/>
                 <a:cs typeface="Open Sans"/>
@@ -13267,7 +13505,7 @@
               <a:t>So, normalization of </a:t>
             </a:r>
             <a:r>
-              <a:rPr b="1" lang="en-GB">
+              <a:rPr lang="en-GB" b="1">
                 <a:latin typeface="Open Sans"/>
                 <a:ea typeface="Open Sans"/>
                 <a:cs typeface="Open Sans"/>
@@ -13292,7 +13530,7 @@
             </a:endParaRPr>
           </a:p>
           <a:p>
-            <a:pPr indent="0" lvl="0" marL="0" rtl="0" algn="just">
+            <a:pPr marL="0" lvl="0" indent="0" algn="just" rtl="0">
               <a:spcBef>
                 <a:spcPts val="0"/>
               </a:spcBef>
@@ -13301,9 +13539,6 @@
               </a:spcAft>
               <a:buNone/>
             </a:pPr>
-            <a:r>
-              <a:t/>
-            </a:r>
             <a:endParaRPr>
               <a:latin typeface="Open Sans"/>
               <a:ea typeface="Open Sans"/>
@@ -13312,7 +13547,7 @@
             </a:endParaRPr>
           </a:p>
           <a:p>
-            <a:pPr indent="0" lvl="0" marL="0" rtl="0" algn="just">
+            <a:pPr marL="0" lvl="0" indent="0" algn="just" rtl="0">
               <a:spcBef>
                 <a:spcPts val="0"/>
               </a:spcBef>
@@ -13331,7 +13566,7 @@
               <a:t>Since iTrees have an equivalent structure to Binary Search Tree (BST), the estimation of average </a:t>
             </a:r>
             <a:r>
-              <a:rPr b="1" lang="en-GB">
+              <a:rPr lang="en-GB" b="1">
                 <a:latin typeface="Open Sans"/>
                 <a:ea typeface="Open Sans"/>
                 <a:cs typeface="Open Sans"/>
@@ -13349,7 +13584,7 @@
               <a:t> for external node terminations is the same as the unsuccessful search in BST. Given a data set of </a:t>
             </a:r>
             <a:r>
-              <a:rPr b="1" lang="en-GB">
+              <a:rPr lang="en-GB" b="1">
                 <a:latin typeface="Open Sans"/>
                 <a:ea typeface="Open Sans"/>
                 <a:cs typeface="Open Sans"/>
@@ -13423,12 +13658,12 @@
           </a:ln>
         </p:spPr>
         <p:txBody>
-          <a:bodyPr anchorCtr="0" anchor="t" bIns="91425" lIns="91425" spcFirstLastPara="1" rIns="91425" wrap="square" tIns="91425">
+          <a:bodyPr spcFirstLastPara="1" wrap="square" lIns="91425" tIns="91425" rIns="91425" bIns="91425" anchor="t" anchorCtr="0">
             <a:spAutoFit/>
           </a:bodyPr>
           <a:lstStyle/>
           <a:p>
-            <a:pPr indent="0" lvl="0" marL="0" rtl="0" algn="l">
+            <a:pPr marL="0" lvl="0" indent="0" algn="l" rtl="0">
               <a:spcBef>
                 <a:spcPts val="0"/>
               </a:spcBef>
@@ -13447,7 +13682,7 @@
               <a:t>Where </a:t>
             </a:r>
             <a:r>
-              <a:rPr b="1" lang="en-GB">
+              <a:rPr lang="en-GB" b="1">
                 <a:latin typeface="Open Sans"/>
                 <a:ea typeface="Open Sans"/>
                 <a:cs typeface="Open Sans"/>
@@ -13482,11 +13717,11 @@
 </file>
 
 <file path=ppt/slides/slide6.xml><?xml version="1.0" encoding="utf-8"?>
-<p:sld xmlns:a="http://schemas.openxmlformats.org/drawingml/2006/main" xmlns:r="http://schemas.openxmlformats.org/officeDocument/2006/relationships" xmlns:mc="http://schemas.openxmlformats.org/markup-compatibility/2006" xmlns:mv="urn:schemas-microsoft-com:mac:vml" xmlns:p="http://schemas.openxmlformats.org/presentationml/2006/main" xmlns:c="http://schemas.openxmlformats.org/drawingml/2006/chart" xmlns:dgm="http://schemas.openxmlformats.org/drawingml/2006/diagram" xmlns:o="urn:schemas-microsoft-com:office:office" xmlns:v="urn:schemas-microsoft-com:vml" xmlns:pvml="urn:schemas-microsoft-com:office:powerpoint" xmlns:com="http://schemas.openxmlformats.org/drawingml/2006/compatibility" xmlns:p14="http://schemas.microsoft.com/office/powerpoint/2010/main" xmlns:p15="http://schemas.microsoft.com/office/powerpoint/2012/main" xmlns:ahyp="http://schemas.microsoft.com/office/drawing/2018/hyperlinkcolor">
+<p:sld xmlns:a="http://schemas.openxmlformats.org/drawingml/2006/main" xmlns:r="http://schemas.openxmlformats.org/officeDocument/2006/relationships" xmlns:p="http://schemas.openxmlformats.org/presentationml/2006/main">
   <p:cSld>
     <p:spTree>
       <p:nvGrpSpPr>
-        <p:cNvPr id="105" name="Shape 105"/>
+        <p:cNvPr id="1" name="Shape 105"/>
         <p:cNvGrpSpPr/>
         <p:nvPr/>
       </p:nvGrpSpPr>
@@ -13501,7 +13736,9 @@
       <p:sp>
         <p:nvSpPr>
           <p:cNvPr id="106" name="Google Shape;106;p18"/>
-          <p:cNvSpPr txBox="1"/>
+          <p:cNvSpPr txBox="1">
+            <a:spLocks noGrp="1"/>
+          </p:cNvSpPr>
           <p:nvPr>
             <p:ph type="title"/>
           </p:nvPr>
@@ -13516,12 +13753,12 @@
           </a:prstGeom>
         </p:spPr>
         <p:txBody>
-          <a:bodyPr anchorCtr="0" anchor="t" bIns="91425" lIns="91425" spcFirstLastPara="1" rIns="91425" wrap="square" tIns="91425">
+          <a:bodyPr spcFirstLastPara="1" wrap="square" lIns="91425" tIns="91425" rIns="91425" bIns="91425" anchor="t" anchorCtr="0">
             <a:normAutofit fontScale="90000"/>
           </a:bodyPr>
           <a:lstStyle/>
           <a:p>
-            <a:pPr indent="0" lvl="0" marL="0" rtl="0" algn="l">
+            <a:pPr marL="0" lvl="0" indent="0" algn="l" rtl="0">
               <a:spcBef>
                 <a:spcPts val="0"/>
               </a:spcBef>
@@ -13553,7 +13790,7 @@
           <p:nvPr/>
         </p:nvCxnSpPr>
         <p:spPr>
-          <a:xfrm flipH="1" rot="10800000">
+          <a:xfrm rot="10800000" flipH="1">
             <a:off x="417625" y="802375"/>
             <a:ext cx="4835700" cy="21900"/>
           </a:xfrm>
@@ -13561,14 +13798,14 @@
             <a:avLst/>
           </a:prstGeom>
           <a:noFill/>
-          <a:ln cap="flat" cmpd="sng" w="9525">
+          <a:ln w="9525" cap="flat" cmpd="sng">
             <a:solidFill>
               <a:schemeClr val="dk2"/>
             </a:solidFill>
             <a:prstDash val="solid"/>
             <a:round/>
-            <a:headEnd len="med" w="med" type="none"/>
-            <a:tailEnd len="med" w="med" type="none"/>
+            <a:headEnd type="none" w="med" len="med"/>
+            <a:tailEnd type="none" w="med" len="med"/>
           </a:ln>
         </p:spPr>
       </p:cxnSp>
@@ -13620,12 +13857,12 @@
           </a:ln>
         </p:spPr>
         <p:txBody>
-          <a:bodyPr anchorCtr="0" anchor="t" bIns="91425" lIns="91425" spcFirstLastPara="1" rIns="91425" wrap="square" tIns="91425">
+          <a:bodyPr spcFirstLastPara="1" wrap="square" lIns="91425" tIns="91425" rIns="91425" bIns="91425" anchor="t" anchorCtr="0">
             <a:spAutoFit/>
           </a:bodyPr>
           <a:lstStyle/>
           <a:p>
-            <a:pPr indent="0" lvl="0" marL="0" rtl="0" algn="just">
+            <a:pPr marL="0" lvl="0" indent="0" algn="just" rtl="0">
               <a:spcBef>
                 <a:spcPts val="0"/>
               </a:spcBef>
@@ -13644,7 +13881,7 @@
               <a:t>As </a:t>
             </a:r>
             <a:r>
-              <a:rPr b="1" lang="en-GB">
+              <a:rPr lang="en-GB" b="1">
                 <a:latin typeface="Open Sans"/>
                 <a:ea typeface="Open Sans"/>
                 <a:cs typeface="Open Sans"/>
@@ -13662,7 +13899,7 @@
               <a:t>is the average of </a:t>
             </a:r>
             <a:r>
-              <a:rPr b="1" lang="en-GB">
+              <a:rPr lang="en-GB" b="1">
                 <a:latin typeface="Open Sans"/>
                 <a:ea typeface="Open Sans"/>
                 <a:cs typeface="Open Sans"/>
@@ -13680,7 +13917,7 @@
               <a:t>given </a:t>
             </a:r>
             <a:r>
-              <a:rPr b="1" lang="en-GB">
+              <a:rPr lang="en-GB" b="1">
                 <a:latin typeface="Open Sans"/>
                 <a:ea typeface="Open Sans"/>
                 <a:cs typeface="Open Sans"/>
@@ -13698,7 +13935,7 @@
               <a:t>, we use it to normalize </a:t>
             </a:r>
             <a:r>
-              <a:rPr b="1" lang="en-GB">
+              <a:rPr lang="en-GB" b="1">
                 <a:latin typeface="Open Sans"/>
                 <a:ea typeface="Open Sans"/>
                 <a:cs typeface="Open Sans"/>
@@ -13716,7 +13953,7 @@
               <a:t>. The anomaly score </a:t>
             </a:r>
             <a:r>
-              <a:rPr b="1" lang="en-GB">
+              <a:rPr lang="en-GB" b="1">
                 <a:latin typeface="Open Sans"/>
                 <a:ea typeface="Open Sans"/>
                 <a:cs typeface="Open Sans"/>
@@ -13734,7 +13971,7 @@
               <a:t> of an instance </a:t>
             </a:r>
             <a:r>
-              <a:rPr b="1" lang="en-GB">
+              <a:rPr lang="en-GB" b="1">
                 <a:latin typeface="Open Sans"/>
                 <a:ea typeface="Open Sans"/>
                 <a:cs typeface="Open Sans"/>
@@ -13808,12 +14045,12 @@
           </a:ln>
         </p:spPr>
         <p:txBody>
-          <a:bodyPr anchorCtr="0" anchor="t" bIns="91425" lIns="91425" spcFirstLastPara="1" rIns="91425" wrap="square" tIns="91425">
+          <a:bodyPr spcFirstLastPara="1" wrap="square" lIns="91425" tIns="91425" rIns="91425" bIns="91425" anchor="t" anchorCtr="0">
             <a:spAutoFit/>
           </a:bodyPr>
           <a:lstStyle/>
           <a:p>
-            <a:pPr indent="0" lvl="0" marL="0" rtl="0" algn="just">
+            <a:pPr marL="0" lvl="0" indent="0" algn="just" rtl="0">
               <a:spcBef>
                 <a:spcPts val="0"/>
               </a:spcBef>
@@ -13832,7 +14069,7 @@
               <a:t>Where </a:t>
             </a:r>
             <a:r>
-              <a:rPr b="1" lang="en-GB">
+              <a:rPr lang="en-GB" b="1">
                 <a:latin typeface="Open Sans"/>
                 <a:ea typeface="Open Sans"/>
                 <a:cs typeface="Open Sans"/>
@@ -13850,7 +14087,7 @@
               <a:t> is the expected value of </a:t>
             </a:r>
             <a:r>
-              <a:rPr b="1" lang="en-GB">
+              <a:rPr lang="en-GB" b="1">
                 <a:latin typeface="Open Sans"/>
                 <a:ea typeface="Open Sans"/>
                 <a:cs typeface="Open Sans"/>
@@ -13868,7 +14105,7 @@
               <a:t>from a collection of isolation trees. In this equation </a:t>
             </a:r>
             <a:r>
-              <a:rPr b="1" lang="en-GB">
+              <a:rPr lang="en-GB" b="1">
                 <a:latin typeface="Open Sans"/>
                 <a:ea typeface="Open Sans"/>
                 <a:cs typeface="Open Sans"/>
@@ -13893,7 +14130,7 @@
             </a:endParaRPr>
           </a:p>
           <a:p>
-            <a:pPr indent="-317500" lvl="0" marL="457200" rtl="0" algn="just">
+            <a:pPr marL="457200" lvl="0" indent="-317500" algn="just" rtl="0">
               <a:spcBef>
                 <a:spcPts val="0"/>
               </a:spcBef>
@@ -13921,7 +14158,7 @@
             </a:endParaRPr>
           </a:p>
           <a:p>
-            <a:pPr indent="-317500" lvl="0" marL="457200" rtl="0" algn="just">
+            <a:pPr marL="457200" lvl="0" indent="-317500" algn="just" rtl="0">
               <a:spcBef>
                 <a:spcPts val="0"/>
               </a:spcBef>
@@ -13949,7 +14186,7 @@
             </a:endParaRPr>
           </a:p>
           <a:p>
-            <a:pPr indent="-317500" lvl="0" marL="457200" rtl="0" algn="just">
+            <a:pPr marL="457200" lvl="0" indent="-317500" algn="just" rtl="0">
               <a:spcBef>
                 <a:spcPts val="0"/>
               </a:spcBef>
@@ -13977,7 +14214,7 @@
             </a:endParaRPr>
           </a:p>
           <a:p>
-            <a:pPr indent="0" lvl="0" marL="0" rtl="0" algn="just">
+            <a:pPr marL="0" lvl="0" indent="0" algn="just" rtl="0">
               <a:spcBef>
                 <a:spcPts val="0"/>
               </a:spcBef>
@@ -13986,9 +14223,6 @@
               </a:spcAft>
               <a:buNone/>
             </a:pPr>
-            <a:r>
-              <a:t/>
-            </a:r>
             <a:endParaRPr>
               <a:latin typeface="Open Sans"/>
               <a:ea typeface="Open Sans"/>
@@ -13997,7 +14231,7 @@
             </a:endParaRPr>
           </a:p>
           <a:p>
-            <a:pPr indent="0" lvl="0" marL="0" rtl="0" algn="just">
+            <a:pPr marL="0" lvl="0" indent="0" algn="just" rtl="0">
               <a:spcBef>
                 <a:spcPts val="0"/>
               </a:spcBef>
@@ -14055,11 +14289,11 @@
 </file>
 
 <file path=ppt/slides/slide7.xml><?xml version="1.0" encoding="utf-8"?>
-<p:sld xmlns:a="http://schemas.openxmlformats.org/drawingml/2006/main" xmlns:r="http://schemas.openxmlformats.org/officeDocument/2006/relationships" xmlns:mc="http://schemas.openxmlformats.org/markup-compatibility/2006" xmlns:mv="urn:schemas-microsoft-com:mac:vml" xmlns:p="http://schemas.openxmlformats.org/presentationml/2006/main" xmlns:c="http://schemas.openxmlformats.org/drawingml/2006/chart" xmlns:dgm="http://schemas.openxmlformats.org/drawingml/2006/diagram" xmlns:o="urn:schemas-microsoft-com:office:office" xmlns:v="urn:schemas-microsoft-com:vml" xmlns:pvml="urn:schemas-microsoft-com:office:powerpoint" xmlns:com="http://schemas.openxmlformats.org/drawingml/2006/compatibility" xmlns:p14="http://schemas.microsoft.com/office/powerpoint/2010/main" xmlns:p15="http://schemas.microsoft.com/office/powerpoint/2012/main" xmlns:ahyp="http://schemas.microsoft.com/office/drawing/2018/hyperlinkcolor">
+<p:sld xmlns:a="http://schemas.openxmlformats.org/drawingml/2006/main" xmlns:r="http://schemas.openxmlformats.org/officeDocument/2006/relationships" xmlns:p="http://schemas.openxmlformats.org/presentationml/2006/main">
   <p:cSld>
     <p:spTree>
       <p:nvGrpSpPr>
-        <p:cNvPr id="115" name="Shape 115"/>
+        <p:cNvPr id="1" name="Shape 115"/>
         <p:cNvGrpSpPr/>
         <p:nvPr/>
       </p:nvGrpSpPr>
@@ -14074,7 +14308,9 @@
       <p:sp>
         <p:nvSpPr>
           <p:cNvPr id="116" name="Google Shape;116;p19"/>
-          <p:cNvSpPr txBox="1"/>
+          <p:cNvSpPr txBox="1">
+            <a:spLocks noGrp="1"/>
+          </p:cNvSpPr>
           <p:nvPr>
             <p:ph type="title"/>
           </p:nvPr>
@@ -14089,12 +14325,12 @@
           </a:prstGeom>
         </p:spPr>
         <p:txBody>
-          <a:bodyPr anchorCtr="0" anchor="t" bIns="91425" lIns="91425" spcFirstLastPara="1" rIns="91425" wrap="square" tIns="91425">
+          <a:bodyPr spcFirstLastPara="1" wrap="square" lIns="91425" tIns="91425" rIns="91425" bIns="91425" anchor="t" anchorCtr="0">
             <a:noAutofit/>
           </a:bodyPr>
           <a:lstStyle/>
           <a:p>
-            <a:pPr indent="0" lvl="0" marL="0" rtl="0" algn="just">
+            <a:pPr marL="0" lvl="0" indent="0" algn="just" rtl="0">
               <a:spcBef>
                 <a:spcPts val="0"/>
               </a:spcBef>
@@ -14157,11 +14393,11 @@
 </file>
 
 <file path=ppt/slides/slide8.xml><?xml version="1.0" encoding="utf-8"?>
-<p:sld xmlns:a="http://schemas.openxmlformats.org/drawingml/2006/main" xmlns:r="http://schemas.openxmlformats.org/officeDocument/2006/relationships" xmlns:mc="http://schemas.openxmlformats.org/markup-compatibility/2006" xmlns:mv="urn:schemas-microsoft-com:mac:vml" xmlns:p="http://schemas.openxmlformats.org/presentationml/2006/main" xmlns:c="http://schemas.openxmlformats.org/drawingml/2006/chart" xmlns:dgm="http://schemas.openxmlformats.org/drawingml/2006/diagram" xmlns:o="urn:schemas-microsoft-com:office:office" xmlns:v="urn:schemas-microsoft-com:vml" xmlns:pvml="urn:schemas-microsoft-com:office:powerpoint" xmlns:com="http://schemas.openxmlformats.org/drawingml/2006/compatibility" xmlns:p14="http://schemas.microsoft.com/office/powerpoint/2010/main" xmlns:p15="http://schemas.microsoft.com/office/powerpoint/2012/main" xmlns:ahyp="http://schemas.microsoft.com/office/drawing/2018/hyperlinkcolor">
+<p:sld xmlns:a="http://schemas.openxmlformats.org/drawingml/2006/main" xmlns:r="http://schemas.openxmlformats.org/officeDocument/2006/relationships" xmlns:p="http://schemas.openxmlformats.org/presentationml/2006/main">
   <p:cSld>
     <p:spTree>
       <p:nvGrpSpPr>
-        <p:cNvPr id="121" name="Shape 121"/>
+        <p:cNvPr id="1" name="Shape 121"/>
         <p:cNvGrpSpPr/>
         <p:nvPr/>
       </p:nvGrpSpPr>
@@ -14176,7 +14412,9 @@
       <p:sp>
         <p:nvSpPr>
           <p:cNvPr id="122" name="Google Shape;122;p20"/>
-          <p:cNvSpPr txBox="1"/>
+          <p:cNvSpPr txBox="1">
+            <a:spLocks noGrp="1"/>
+          </p:cNvSpPr>
           <p:nvPr>
             <p:ph type="title"/>
           </p:nvPr>
@@ -14191,12 +14429,12 @@
           </a:prstGeom>
         </p:spPr>
         <p:txBody>
-          <a:bodyPr anchorCtr="0" anchor="t" bIns="91425" lIns="91425" spcFirstLastPara="1" rIns="91425" wrap="square" tIns="91425">
+          <a:bodyPr spcFirstLastPara="1" wrap="square" lIns="91425" tIns="91425" rIns="91425" bIns="91425" anchor="t" anchorCtr="0">
             <a:normAutofit fontScale="90000"/>
           </a:bodyPr>
           <a:lstStyle/>
           <a:p>
-            <a:pPr indent="0" lvl="0" marL="0" rtl="0" algn="l">
+            <a:pPr marL="0" lvl="0" indent="0" algn="l" rtl="0">
               <a:spcBef>
                 <a:spcPts val="0"/>
               </a:spcBef>
@@ -14228,7 +14466,7 @@
           <p:nvPr/>
         </p:nvCxnSpPr>
         <p:spPr>
-          <a:xfrm flipH="1" rot="10800000">
+          <a:xfrm rot="10800000" flipH="1">
             <a:off x="417625" y="802375"/>
             <a:ext cx="4835700" cy="21900"/>
           </a:xfrm>
@@ -14236,14 +14474,14 @@
             <a:avLst/>
           </a:prstGeom>
           <a:noFill/>
-          <a:ln cap="flat" cmpd="sng" w="9525">
+          <a:ln w="9525" cap="flat" cmpd="sng">
             <a:solidFill>
               <a:schemeClr val="dk2"/>
             </a:solidFill>
             <a:prstDash val="solid"/>
             <a:round/>
-            <a:headEnd len="med" w="med" type="none"/>
-            <a:tailEnd len="med" w="med" type="none"/>
+            <a:headEnd type="none" w="med" len="med"/>
+            <a:tailEnd type="none" w="med" len="med"/>
           </a:ln>
         </p:spPr>
       </p:cxnSp>
@@ -14295,12 +14533,12 @@
           </a:ln>
         </p:spPr>
         <p:txBody>
-          <a:bodyPr anchorCtr="0" anchor="t" bIns="91425" lIns="91425" spcFirstLastPara="1" rIns="91425" wrap="square" tIns="91425">
+          <a:bodyPr spcFirstLastPara="1" wrap="square" lIns="91425" tIns="91425" rIns="91425" bIns="91425" anchor="t" anchorCtr="0">
             <a:spAutoFit/>
           </a:bodyPr>
           <a:lstStyle/>
           <a:p>
-            <a:pPr indent="0" lvl="0" marL="0" rtl="0" algn="just">
+            <a:pPr marL="0" lvl="0" indent="0" algn="just" rtl="0">
               <a:spcBef>
                 <a:spcPts val="0"/>
               </a:spcBef>
@@ -14326,7 +14564,7 @@
             </a:endParaRPr>
           </a:p>
           <a:p>
-            <a:pPr indent="0" lvl="0" marL="0" rtl="0" algn="just">
+            <a:pPr marL="0" lvl="0" indent="0" algn="just" rtl="0">
               <a:spcBef>
                 <a:spcPts val="0"/>
               </a:spcBef>
@@ -14335,9 +14573,6 @@
               </a:spcAft>
               <a:buNone/>
             </a:pPr>
-            <a:r>
-              <a:t/>
-            </a:r>
             <a:endParaRPr>
               <a:latin typeface="Open Sans"/>
               <a:ea typeface="Open Sans"/>
@@ -14346,7 +14581,7 @@
             </a:endParaRPr>
           </a:p>
           <a:p>
-            <a:pPr indent="0" lvl="0" marL="0" rtl="0" algn="just">
+            <a:pPr marL="0" lvl="0" indent="0" algn="just" rtl="0">
               <a:spcBef>
                 <a:spcPts val="0"/>
               </a:spcBef>
@@ -14382,11 +14617,11 @@
 </file>
 
 <file path=ppt/slides/slide9.xml><?xml version="1.0" encoding="utf-8"?>
-<p:sld xmlns:a="http://schemas.openxmlformats.org/drawingml/2006/main" xmlns:r="http://schemas.openxmlformats.org/officeDocument/2006/relationships" xmlns:mc="http://schemas.openxmlformats.org/markup-compatibility/2006" xmlns:mv="urn:schemas-microsoft-com:mac:vml" xmlns:p="http://schemas.openxmlformats.org/presentationml/2006/main" xmlns:c="http://schemas.openxmlformats.org/drawingml/2006/chart" xmlns:dgm="http://schemas.openxmlformats.org/drawingml/2006/diagram" xmlns:o="urn:schemas-microsoft-com:office:office" xmlns:v="urn:schemas-microsoft-com:vml" xmlns:pvml="urn:schemas-microsoft-com:office:powerpoint" xmlns:com="http://schemas.openxmlformats.org/drawingml/2006/compatibility" xmlns:p14="http://schemas.microsoft.com/office/powerpoint/2010/main" xmlns:p15="http://schemas.microsoft.com/office/powerpoint/2012/main" xmlns:ahyp="http://schemas.microsoft.com/office/drawing/2018/hyperlinkcolor">
+<p:sld xmlns:a="http://schemas.openxmlformats.org/drawingml/2006/main" xmlns:r="http://schemas.openxmlformats.org/officeDocument/2006/relationships" xmlns:p="http://schemas.openxmlformats.org/presentationml/2006/main">
   <p:cSld>
     <p:spTree>
       <p:nvGrpSpPr>
-        <p:cNvPr id="129" name="Shape 129"/>
+        <p:cNvPr id="1" name="Shape 129"/>
         <p:cNvGrpSpPr/>
         <p:nvPr/>
       </p:nvGrpSpPr>
@@ -14401,7 +14636,9 @@
       <p:sp>
         <p:nvSpPr>
           <p:cNvPr id="130" name="Google Shape;130;p21"/>
-          <p:cNvSpPr txBox="1"/>
+          <p:cNvSpPr txBox="1">
+            <a:spLocks noGrp="1"/>
+          </p:cNvSpPr>
           <p:nvPr>
             <p:ph type="title"/>
           </p:nvPr>
@@ -14416,12 +14653,12 @@
           </a:prstGeom>
         </p:spPr>
         <p:txBody>
-          <a:bodyPr anchorCtr="0" anchor="t" bIns="91425" lIns="91425" spcFirstLastPara="1" rIns="91425" wrap="square" tIns="91425">
+          <a:bodyPr spcFirstLastPara="1" wrap="square" lIns="91425" tIns="91425" rIns="91425" bIns="91425" anchor="t" anchorCtr="0">
             <a:normAutofit fontScale="90000"/>
           </a:bodyPr>
           <a:lstStyle/>
           <a:p>
-            <a:pPr indent="0" lvl="0" marL="0" rtl="0" algn="l">
+            <a:pPr marL="0" lvl="0" indent="0" algn="l" rtl="0">
               <a:spcBef>
                 <a:spcPts val="0"/>
               </a:spcBef>
@@ -14453,7 +14690,7 @@
           <p:nvPr/>
         </p:nvCxnSpPr>
         <p:spPr>
-          <a:xfrm flipH="1" rot="10800000">
+          <a:xfrm rot="10800000" flipH="1">
             <a:off x="417625" y="802375"/>
             <a:ext cx="4835700" cy="21900"/>
           </a:xfrm>
@@ -14461,14 +14698,14 @@
             <a:avLst/>
           </a:prstGeom>
           <a:noFill/>
-          <a:ln cap="flat" cmpd="sng" w="9525">
+          <a:ln w="9525" cap="flat" cmpd="sng">
             <a:solidFill>
               <a:schemeClr val="dk2"/>
             </a:solidFill>
             <a:prstDash val="solid"/>
             <a:round/>
-            <a:headEnd len="med" w="med" type="none"/>
-            <a:tailEnd len="med" w="med" type="none"/>
+            <a:headEnd type="none" w="med" len="med"/>
+            <a:tailEnd type="none" w="med" len="med"/>
           </a:ln>
         </p:spPr>
       </p:cxnSp>
@@ -14548,12 +14785,12 @@
           </a:ln>
         </p:spPr>
         <p:txBody>
-          <a:bodyPr anchorCtr="0" anchor="t" bIns="91425" lIns="91425" spcFirstLastPara="1" rIns="91425" wrap="square" tIns="91425">
+          <a:bodyPr spcFirstLastPara="1" wrap="square" lIns="91425" tIns="91425" rIns="91425" bIns="91425" anchor="t" anchorCtr="0">
             <a:spAutoFit/>
           </a:bodyPr>
           <a:lstStyle/>
           <a:p>
-            <a:pPr indent="0" lvl="0" marL="0" rtl="0" algn="just">
+            <a:pPr marL="0" lvl="0" indent="0" algn="just" rtl="0">
               <a:spcBef>
                 <a:spcPts val="0"/>
               </a:spcBef>
@@ -14563,7 +14800,7 @@
               <a:buNone/>
             </a:pPr>
             <a:r>
-              <a:rPr b="1" lang="en-GB">
+              <a:rPr lang="en-GB" b="1">
                 <a:latin typeface="Open Sans"/>
                 <a:ea typeface="Open Sans"/>
                 <a:cs typeface="Open Sans"/>
@@ -14624,7 +14861,7 @@
           <p:nvPr/>
         </p:nvCxnSpPr>
         <p:spPr>
-          <a:xfrm flipH="1" rot="10800000">
+          <a:xfrm rot="10800000" flipH="1">
             <a:off x="414925" y="2669675"/>
             <a:ext cx="8345400" cy="15600"/>
           </a:xfrm>
@@ -14632,14 +14869,14 @@
             <a:avLst/>
           </a:prstGeom>
           <a:noFill/>
-          <a:ln cap="flat" cmpd="sng" w="9525">
+          <a:ln w="9525" cap="flat" cmpd="sng">
             <a:solidFill>
               <a:schemeClr val="dk2"/>
             </a:solidFill>
             <a:prstDash val="solid"/>
             <a:round/>
-            <a:headEnd len="med" w="med" type="none"/>
-            <a:tailEnd len="med" w="med" type="none"/>
+            <a:headEnd type="none" w="med" len="med"/>
+            <a:tailEnd type="none" w="med" len="med"/>
           </a:ln>
         </p:spPr>
       </p:cxnSp>
@@ -14663,12 +14900,12 @@
           </a:ln>
         </p:spPr>
         <p:txBody>
-          <a:bodyPr anchorCtr="0" anchor="t" bIns="91425" lIns="91425" spcFirstLastPara="1" rIns="91425" wrap="square" tIns="91425">
+          <a:bodyPr spcFirstLastPara="1" wrap="square" lIns="91425" tIns="91425" rIns="91425" bIns="91425" anchor="t" anchorCtr="0">
             <a:spAutoFit/>
           </a:bodyPr>
           <a:lstStyle/>
           <a:p>
-            <a:pPr indent="0" lvl="0" marL="0" rtl="0" algn="just">
+            <a:pPr marL="0" lvl="0" indent="0" algn="just" rtl="0">
               <a:spcBef>
                 <a:spcPts val="0"/>
               </a:spcBef>
@@ -14687,7 +14924,7 @@
               <a:t>Let k be a natural number. The </a:t>
             </a:r>
             <a:r>
-              <a:rPr b="1" lang="en-GB">
+              <a:rPr lang="en-GB" b="1">
                 <a:latin typeface="Open Sans"/>
                 <a:ea typeface="Open Sans"/>
                 <a:cs typeface="Open Sans"/>
@@ -14712,7 +14949,7 @@
             </a:endParaRPr>
           </a:p>
           <a:p>
-            <a:pPr indent="0" lvl="0" marL="0" rtl="0" algn="just">
+            <a:pPr marL="0" lvl="0" indent="0" algn="just" rtl="0">
               <a:spcBef>
                 <a:spcPts val="0"/>
               </a:spcBef>
@@ -14721,9 +14958,6 @@
               </a:spcAft>
               <a:buNone/>
             </a:pPr>
-            <a:r>
-              <a:t/>
-            </a:r>
             <a:endParaRPr>
               <a:latin typeface="Open Sans"/>
               <a:ea typeface="Open Sans"/>
@@ -14732,7 +14966,7 @@
             </a:endParaRPr>
           </a:p>
           <a:p>
-            <a:pPr indent="0" lvl="0" marL="0" rtl="0" algn="just">
+            <a:pPr marL="0" lvl="0" indent="0" algn="just" rtl="0">
               <a:spcBef>
                 <a:spcPts val="0"/>
               </a:spcBef>
@@ -14751,7 +14985,7 @@
               <a:t>reach-dist</a:t>
             </a:r>
             <a:r>
-              <a:rPr baseline="-25000" lang="en-GB">
+              <a:rPr lang="en-GB" baseline="-25000">
                 <a:latin typeface="Open Sans"/>
                 <a:ea typeface="Open Sans"/>
                 <a:cs typeface="Open Sans"/>
@@ -14786,7 +15020,7 @@
 </file>
 
 <file path=ppt/theme/theme1.xml><?xml version="1.0" encoding="utf-8"?>
-<a:theme xmlns:a="http://schemas.openxmlformats.org/drawingml/2006/main" xmlns:r="http://schemas.openxmlformats.org/officeDocument/2006/relationships" name="Tropic">
+<a:theme xmlns:a="http://schemas.openxmlformats.org/drawingml/2006/main" name="Tropic">
   <a:themeElements>
     <a:clrScheme name="Tropic">
       <a:dk1>
@@ -15061,11 +15295,13 @@
       </a:bgFillStyleLst>
     </a:fmtScheme>
   </a:themeElements>
+  <a:objectDefaults/>
+  <a:extraClrSchemeLst/>
 </a:theme>
 </file>
 
 <file path=ppt/theme/theme2.xml><?xml version="1.0" encoding="utf-8"?>
-<a:theme xmlns:a="http://schemas.openxmlformats.org/drawingml/2006/main" xmlns:r="http://schemas.openxmlformats.org/officeDocument/2006/relationships">
+<a:theme xmlns:a="http://schemas.openxmlformats.org/drawingml/2006/main">
   <a:themeElements>
     <a:clrScheme name="Default">
       <a:dk1>
@@ -15340,5 +15576,7 @@
       </a:bgFillStyleLst>
     </a:fmtScheme>
   </a:themeElements>
+  <a:objectDefaults/>
+  <a:extraClrSchemeLst/>
 </a:theme>
 </file>